--- a/notejs-job-portal-app-2023.pptx
+++ b/notejs-job-portal-app-2023.pptx
@@ -17,6 +17,14 @@
     <p:sldId id="272" r:id="rId11"/>
     <p:sldId id="273" r:id="rId12"/>
     <p:sldId id="267" r:id="rId13"/>
+    <p:sldId id="274" r:id="rId14"/>
+    <p:sldId id="275" r:id="rId15"/>
+    <p:sldId id="276" r:id="rId16"/>
+    <p:sldId id="277" r:id="rId17"/>
+    <p:sldId id="278" r:id="rId18"/>
+    <p:sldId id="279" r:id="rId19"/>
+    <p:sldId id="280" r:id="rId20"/>
+    <p:sldId id="281" r:id="rId21"/>
   </p:sldIdLst>
   <p:sldSz cx="12192000" cy="6858000"/>
   <p:notesSz cx="6858000" cy="9144000"/>
@@ -363,7 +371,7 @@
           <a:p>
             <a:fld id="{871C74F8-AAAB-4536-BC39-A219BB34DE18}" type="datetimeFigureOut">
               <a:rPr lang="en-IN" smtClean="0"/>
-              <a:t>22-07-2023</a:t>
+              <a:t>23-07-2023</a:t>
             </a:fld>
             <a:endParaRPr lang="en-IN"/>
           </a:p>
@@ -625,7 +633,7 @@
           <a:p>
             <a:fld id="{871C74F8-AAAB-4536-BC39-A219BB34DE18}" type="datetimeFigureOut">
               <a:rPr lang="en-IN" smtClean="0"/>
-              <a:t>22-07-2023</a:t>
+              <a:t>23-07-2023</a:t>
             </a:fld>
             <a:endParaRPr lang="en-IN"/>
           </a:p>
@@ -860,7 +868,7 @@
           <a:p>
             <a:fld id="{871C74F8-AAAB-4536-BC39-A219BB34DE18}" type="datetimeFigureOut">
               <a:rPr lang="en-IN" smtClean="0"/>
-              <a:t>22-07-2023</a:t>
+              <a:t>23-07-2023</a:t>
             </a:fld>
             <a:endParaRPr lang="en-IN"/>
           </a:p>
@@ -1100,7 +1108,7 @@
           <a:p>
             <a:fld id="{871C74F8-AAAB-4536-BC39-A219BB34DE18}" type="datetimeFigureOut">
               <a:rPr lang="en-IN" smtClean="0"/>
-              <a:t>22-07-2023</a:t>
+              <a:t>23-07-2023</a:t>
             </a:fld>
             <a:endParaRPr lang="en-IN"/>
           </a:p>
@@ -1407,7 +1415,7 @@
           <a:p>
             <a:fld id="{871C74F8-AAAB-4536-BC39-A219BB34DE18}" type="datetimeFigureOut">
               <a:rPr lang="en-IN" smtClean="0"/>
-              <a:t>22-07-2023</a:t>
+              <a:t>23-07-2023</a:t>
             </a:fld>
             <a:endParaRPr lang="en-IN"/>
           </a:p>
@@ -1709,7 +1717,7 @@
           <a:p>
             <a:fld id="{871C74F8-AAAB-4536-BC39-A219BB34DE18}" type="datetimeFigureOut">
               <a:rPr lang="en-IN" smtClean="0"/>
-              <a:t>22-07-2023</a:t>
+              <a:t>23-07-2023</a:t>
             </a:fld>
             <a:endParaRPr lang="en-IN"/>
           </a:p>
@@ -2131,7 +2139,7 @@
           <a:p>
             <a:fld id="{871C74F8-AAAB-4536-BC39-A219BB34DE18}" type="datetimeFigureOut">
               <a:rPr lang="en-IN" smtClean="0"/>
-              <a:t>22-07-2023</a:t>
+              <a:t>23-07-2023</a:t>
             </a:fld>
             <a:endParaRPr lang="en-IN"/>
           </a:p>
@@ -2293,7 +2301,7 @@
           <a:p>
             <a:fld id="{871C74F8-AAAB-4536-BC39-A219BB34DE18}" type="datetimeFigureOut">
               <a:rPr lang="en-IN" smtClean="0"/>
-              <a:t>22-07-2023</a:t>
+              <a:t>23-07-2023</a:t>
             </a:fld>
             <a:endParaRPr lang="en-IN"/>
           </a:p>
@@ -2388,7 +2396,7 @@
           <a:p>
             <a:fld id="{871C74F8-AAAB-4536-BC39-A219BB34DE18}" type="datetimeFigureOut">
               <a:rPr lang="en-IN" smtClean="0"/>
-              <a:t>22-07-2023</a:t>
+              <a:t>23-07-2023</a:t>
             </a:fld>
             <a:endParaRPr lang="en-IN"/>
           </a:p>
@@ -2766,7 +2774,7 @@
           <a:p>
             <a:fld id="{871C74F8-AAAB-4536-BC39-A219BB34DE18}" type="datetimeFigureOut">
               <a:rPr lang="en-IN" smtClean="0"/>
-              <a:t>22-07-2023</a:t>
+              <a:t>23-07-2023</a:t>
             </a:fld>
             <a:endParaRPr lang="en-IN"/>
           </a:p>
@@ -3055,7 +3063,7 @@
           <a:p>
             <a:fld id="{871C74F8-AAAB-4536-BC39-A219BB34DE18}" type="datetimeFigureOut">
               <a:rPr lang="en-IN" smtClean="0"/>
-              <a:t>22-07-2023</a:t>
+              <a:t>23-07-2023</a:t>
             </a:fld>
             <a:endParaRPr lang="en-IN"/>
           </a:p>
@@ -3266,7 +3274,7 @@
           <a:p>
             <a:fld id="{871C74F8-AAAB-4536-BC39-A219BB34DE18}" type="datetimeFigureOut">
               <a:rPr lang="en-IN" smtClean="0"/>
-              <a:t>22-07-2023</a:t>
+              <a:t>23-07-2023</a:t>
             </a:fld>
             <a:endParaRPr lang="en-IN"/>
           </a:p>
@@ -4408,12 +4416,6 @@
               </a:rPr>
               <a:t>Enhancing and Securing Node Server</a:t>
             </a:r>
-            <a:endParaRPr lang="en-US" sz="3600" b="1" dirty="0">
-              <a:ln/>
-              <a:solidFill>
-                <a:schemeClr val="accent3"/>
-              </a:solidFill>
-            </a:endParaRPr>
           </a:p>
         </p:txBody>
       </p:sp>
@@ -5152,11 +5154,6 @@
               </a:rPr>
               <a:t>();</a:t>
             </a:r>
-            <a:endParaRPr lang="en-IN" dirty="0">
-              <a:solidFill>
-                <a:srgbClr val="00B0F0"/>
-              </a:solidFill>
-            </a:endParaRPr>
           </a:p>
         </p:txBody>
       </p:sp>
@@ -5452,12 +5449,6 @@
               </a:rPr>
               <a:t>Enhancing and Securing Node Server</a:t>
             </a:r>
-            <a:endParaRPr lang="en-US" sz="3600" b="1" dirty="0">
-              <a:ln/>
-              <a:solidFill>
-                <a:schemeClr val="accent3"/>
-              </a:solidFill>
-            </a:endParaRPr>
           </a:p>
         </p:txBody>
       </p:sp>
@@ -5962,6 +5953,7473 @@
     <p:extLst>
       <p:ext uri="{BB962C8B-B14F-4D97-AF65-F5344CB8AC3E}">
         <p14:creationId xmlns:p14="http://schemas.microsoft.com/office/powerpoint/2010/main" val="1371815837"/>
+      </p:ext>
+    </p:extLst>
+  </p:cSld>
+  <p:clrMapOvr>
+    <a:masterClrMapping/>
+  </p:clrMapOvr>
+  <p:timing>
+    <p:tnLst>
+      <p:par>
+        <p:cTn id="1" dur="indefinite" restart="never" nodeType="tmRoot"/>
+      </p:par>
+    </p:tnLst>
+  </p:timing>
+</p:sld>
+</file>
+
+<file path=ppt/slides/slide13.xml><?xml version="1.0" encoding="utf-8"?>
+<p:sld xmlns:a="http://schemas.openxmlformats.org/drawingml/2006/main" xmlns:r="http://schemas.openxmlformats.org/officeDocument/2006/relationships" xmlns:p="http://schemas.openxmlformats.org/presentationml/2006/main">
+  <p:cSld>
+    <p:spTree>
+      <p:nvGrpSpPr>
+        <p:cNvPr id="1" name=""/>
+        <p:cNvGrpSpPr/>
+        <p:nvPr/>
+      </p:nvGrpSpPr>
+      <p:grpSpPr>
+        <a:xfrm>
+          <a:off x="0" y="0"/>
+          <a:ext cx="0" cy="0"/>
+          <a:chOff x="0" y="0"/>
+          <a:chExt cx="0" cy="0"/>
+        </a:xfrm>
+      </p:grpSpPr>
+      <p:sp>
+        <p:nvSpPr>
+          <p:cNvPr id="3" name="Rectangle 2"/>
+          <p:cNvSpPr/>
+          <p:nvPr/>
+        </p:nvSpPr>
+        <p:spPr>
+          <a:xfrm>
+            <a:off x="419030" y="803128"/>
+            <a:ext cx="11353944" cy="5632311"/>
+          </a:xfrm>
+          <a:prstGeom prst="rect">
+            <a:avLst/>
+          </a:prstGeom>
+          <a:solidFill>
+            <a:schemeClr val="bg1"/>
+          </a:solidFill>
+        </p:spPr>
+        <p:txBody>
+          <a:bodyPr wrap="square">
+            <a:spAutoFit/>
+          </a:bodyPr>
+          <a:lstStyle/>
+          <a:p>
+            <a:pPr algn="ctr"/>
+            <a:endParaRPr lang="en-US" b="1" dirty="0" smtClean="0">
+              <a:ln/>
+              <a:solidFill>
+                <a:schemeClr val="accent3"/>
+              </a:solidFill>
+            </a:endParaRPr>
+          </a:p>
+          <a:p>
+            <a:pPr algn="ctr"/>
+            <a:endParaRPr lang="en-US" b="1" dirty="0">
+              <a:ln/>
+              <a:solidFill>
+                <a:schemeClr val="accent3"/>
+              </a:solidFill>
+            </a:endParaRPr>
+          </a:p>
+          <a:p>
+            <a:pPr algn="ctr"/>
+            <a:endParaRPr lang="en-US" b="1" dirty="0" smtClean="0">
+              <a:ln/>
+              <a:solidFill>
+                <a:schemeClr val="accent3"/>
+              </a:solidFill>
+            </a:endParaRPr>
+          </a:p>
+          <a:p>
+            <a:pPr algn="ctr"/>
+            <a:endParaRPr lang="en-US" b="1" dirty="0">
+              <a:ln/>
+              <a:solidFill>
+                <a:schemeClr val="accent3"/>
+              </a:solidFill>
+            </a:endParaRPr>
+          </a:p>
+          <a:p>
+            <a:pPr algn="ctr"/>
+            <a:endParaRPr lang="en-US" b="1" dirty="0" smtClean="0">
+              <a:ln/>
+              <a:solidFill>
+                <a:schemeClr val="accent3"/>
+              </a:solidFill>
+            </a:endParaRPr>
+          </a:p>
+          <a:p>
+            <a:pPr algn="ctr"/>
+            <a:endParaRPr lang="en-US" b="1" dirty="0">
+              <a:ln/>
+              <a:solidFill>
+                <a:schemeClr val="accent3"/>
+              </a:solidFill>
+            </a:endParaRPr>
+          </a:p>
+          <a:p>
+            <a:pPr algn="ctr"/>
+            <a:endParaRPr lang="en-US" b="1" dirty="0" smtClean="0">
+              <a:ln/>
+              <a:solidFill>
+                <a:schemeClr val="accent3"/>
+              </a:solidFill>
+            </a:endParaRPr>
+          </a:p>
+          <a:p>
+            <a:pPr algn="ctr"/>
+            <a:endParaRPr lang="en-US" b="1" dirty="0">
+              <a:ln/>
+              <a:solidFill>
+                <a:schemeClr val="accent3"/>
+              </a:solidFill>
+            </a:endParaRPr>
+          </a:p>
+          <a:p>
+            <a:pPr algn="ctr"/>
+            <a:endParaRPr lang="en-US" b="1" dirty="0" smtClean="0">
+              <a:ln/>
+              <a:solidFill>
+                <a:schemeClr val="accent3"/>
+              </a:solidFill>
+            </a:endParaRPr>
+          </a:p>
+          <a:p>
+            <a:pPr algn="ctr"/>
+            <a:endParaRPr lang="en-US" b="1" dirty="0">
+              <a:ln/>
+              <a:solidFill>
+                <a:schemeClr val="accent3"/>
+              </a:solidFill>
+            </a:endParaRPr>
+          </a:p>
+          <a:p>
+            <a:pPr algn="ctr"/>
+            <a:endParaRPr lang="en-US" b="1" dirty="0" smtClean="0">
+              <a:ln/>
+              <a:solidFill>
+                <a:schemeClr val="accent3"/>
+              </a:solidFill>
+            </a:endParaRPr>
+          </a:p>
+          <a:p>
+            <a:pPr algn="ctr"/>
+            <a:endParaRPr lang="en-US" b="1" dirty="0">
+              <a:ln/>
+              <a:solidFill>
+                <a:schemeClr val="accent3"/>
+              </a:solidFill>
+            </a:endParaRPr>
+          </a:p>
+          <a:p>
+            <a:pPr algn="ctr"/>
+            <a:endParaRPr lang="en-US" b="1" dirty="0" smtClean="0">
+              <a:ln/>
+              <a:solidFill>
+                <a:schemeClr val="accent3"/>
+              </a:solidFill>
+            </a:endParaRPr>
+          </a:p>
+          <a:p>
+            <a:pPr algn="ctr"/>
+            <a:endParaRPr lang="en-US" b="1" dirty="0">
+              <a:ln/>
+              <a:solidFill>
+                <a:schemeClr val="accent3"/>
+              </a:solidFill>
+            </a:endParaRPr>
+          </a:p>
+          <a:p>
+            <a:pPr algn="ctr"/>
+            <a:endParaRPr lang="en-US" b="1" dirty="0" smtClean="0">
+              <a:ln/>
+              <a:solidFill>
+                <a:schemeClr val="accent3"/>
+              </a:solidFill>
+            </a:endParaRPr>
+          </a:p>
+          <a:p>
+            <a:pPr algn="ctr"/>
+            <a:endParaRPr lang="en-US" b="1" dirty="0">
+              <a:ln/>
+              <a:solidFill>
+                <a:schemeClr val="accent3"/>
+              </a:solidFill>
+            </a:endParaRPr>
+          </a:p>
+          <a:p>
+            <a:pPr algn="ctr"/>
+            <a:endParaRPr lang="en-US" b="1" dirty="0" smtClean="0">
+              <a:ln/>
+              <a:solidFill>
+                <a:schemeClr val="accent3"/>
+              </a:solidFill>
+            </a:endParaRPr>
+          </a:p>
+          <a:p>
+            <a:pPr algn="ctr"/>
+            <a:endParaRPr lang="en-US" b="1" dirty="0">
+              <a:ln/>
+              <a:solidFill>
+                <a:schemeClr val="accent3"/>
+              </a:solidFill>
+            </a:endParaRPr>
+          </a:p>
+          <a:p>
+            <a:pPr algn="ctr"/>
+            <a:endParaRPr lang="en-US" b="1" dirty="0" smtClean="0">
+              <a:ln/>
+              <a:solidFill>
+                <a:schemeClr val="accent3"/>
+              </a:solidFill>
+            </a:endParaRPr>
+          </a:p>
+          <a:p>
+            <a:pPr algn="ctr"/>
+            <a:endParaRPr lang="en-IN" b="1" dirty="0">
+              <a:ln/>
+              <a:solidFill>
+                <a:schemeClr val="accent3"/>
+              </a:solidFill>
+            </a:endParaRPr>
+          </a:p>
+        </p:txBody>
+      </p:sp>
+      <p:sp>
+        <p:nvSpPr>
+          <p:cNvPr id="6" name="Rectangle 5">
+            <a:extLst>
+              <a:ext uri="{FF2B5EF4-FFF2-40B4-BE49-F238E27FC236}">
+                <a16:creationId xmlns="" xmlns:a16="http://schemas.microsoft.com/office/drawing/2014/main" id="{27E8D4A3-B686-AB21-9BA3-D4259FCFF046}"/>
+              </a:ext>
+            </a:extLst>
+          </p:cNvPr>
+          <p:cNvSpPr/>
+          <p:nvPr/>
+        </p:nvSpPr>
+        <p:spPr>
+          <a:xfrm>
+            <a:off x="3149349" y="803128"/>
+            <a:ext cx="5893345" cy="646331"/>
+          </a:xfrm>
+          <a:prstGeom prst="rect">
+            <a:avLst/>
+          </a:prstGeom>
+          <a:noFill/>
+        </p:spPr>
+        <p:txBody>
+          <a:bodyPr wrap="none" lIns="91440" tIns="45720" rIns="91440" bIns="45720">
+            <a:spAutoFit/>
+            <a:scene3d>
+              <a:camera prst="orthographicFront"/>
+              <a:lightRig rig="harsh" dir="t"/>
+            </a:scene3d>
+            <a:sp3d extrusionH="57150" prstMaterial="matte">
+              <a:bevelT w="63500" h="12700" prst="angle"/>
+              <a:contourClr>
+                <a:schemeClr val="bg1">
+                  <a:lumMod val="65000"/>
+                </a:schemeClr>
+              </a:contourClr>
+            </a:sp3d>
+          </a:bodyPr>
+          <a:lstStyle/>
+          <a:p>
+            <a:pPr algn="ctr"/>
+            <a:r>
+              <a:rPr lang="en-US" sz="3600" b="1" dirty="0" smtClean="0">
+                <a:ln/>
+                <a:solidFill>
+                  <a:schemeClr val="accent3"/>
+                </a:solidFill>
+              </a:rPr>
+              <a:t>MVC Architecture </a:t>
+            </a:r>
+            <a:r>
+              <a:rPr lang="en-US" sz="3600" b="1" dirty="0" err="1" smtClean="0">
+                <a:ln/>
+                <a:solidFill>
+                  <a:schemeClr val="accent3"/>
+                </a:solidFill>
+              </a:rPr>
+              <a:t>Nodejs</a:t>
+            </a:r>
+            <a:endParaRPr lang="en-US" sz="3600" b="1" dirty="0">
+              <a:ln/>
+              <a:solidFill>
+                <a:schemeClr val="accent3"/>
+              </a:solidFill>
+            </a:endParaRPr>
+          </a:p>
+        </p:txBody>
+      </p:sp>
+      <p:sp>
+        <p:nvSpPr>
+          <p:cNvPr id="7" name="Rectangle 6">
+            <a:extLst>
+              <a:ext uri="{FF2B5EF4-FFF2-40B4-BE49-F238E27FC236}">
+                <a16:creationId xmlns="" xmlns:a16="http://schemas.microsoft.com/office/drawing/2014/main" id="{FEC49D69-601D-B518-0731-04B01D4FFED9}"/>
+              </a:ext>
+            </a:extLst>
+          </p:cNvPr>
+          <p:cNvSpPr/>
+          <p:nvPr/>
+        </p:nvSpPr>
+        <p:spPr>
+          <a:xfrm>
+            <a:off x="572114" y="1272660"/>
+            <a:ext cx="11200860" cy="5262979"/>
+          </a:xfrm>
+          <a:prstGeom prst="rect">
+            <a:avLst/>
+          </a:prstGeom>
+          <a:noFill/>
+        </p:spPr>
+        <p:txBody>
+          <a:bodyPr wrap="square" lIns="91440" tIns="45720" rIns="91440" bIns="45720">
+            <a:spAutoFit/>
+            <a:scene3d>
+              <a:camera prst="orthographicFront"/>
+              <a:lightRig rig="harsh" dir="t"/>
+            </a:scene3d>
+            <a:sp3d extrusionH="57150" prstMaterial="matte">
+              <a:bevelT w="63500" h="12700" prst="angle"/>
+              <a:contourClr>
+                <a:schemeClr val="bg1">
+                  <a:lumMod val="65000"/>
+                </a:schemeClr>
+              </a:contourClr>
+            </a:sp3d>
+          </a:bodyPr>
+          <a:lstStyle/>
+          <a:p>
+            <a:pPr marL="571500" indent="-571500">
+              <a:buFont typeface="+mj-lt"/>
+              <a:buAutoNum type="arabicPeriod"/>
+            </a:pPr>
+            <a:endParaRPr lang="en-US" sz="2800" b="1" dirty="0" smtClean="0">
+              <a:ln/>
+              <a:solidFill>
+                <a:schemeClr val="accent3"/>
+              </a:solidFill>
+            </a:endParaRPr>
+          </a:p>
+          <a:p>
+            <a:pPr marL="571500" indent="-571500">
+              <a:buFont typeface="+mj-lt"/>
+              <a:buAutoNum type="arabicPeriod"/>
+            </a:pPr>
+            <a:r>
+              <a:rPr lang="en-US" sz="2800" b="1" dirty="0" err="1" smtClean="0">
+                <a:ln/>
+                <a:solidFill>
+                  <a:schemeClr val="accent3"/>
+                </a:solidFill>
+              </a:rPr>
+              <a:t>Ab</a:t>
+            </a:r>
+            <a:r>
+              <a:rPr lang="en-US" sz="2800" b="1" dirty="0" smtClean="0">
+                <a:ln/>
+                <a:solidFill>
+                  <a:schemeClr val="accent3"/>
+                </a:solidFill>
+              </a:rPr>
+              <a:t> </a:t>
+            </a:r>
+            <a:r>
+              <a:rPr lang="en-US" sz="2800" b="1" dirty="0" err="1" smtClean="0">
+                <a:ln/>
+                <a:solidFill>
+                  <a:schemeClr val="accent3"/>
+                </a:solidFill>
+              </a:rPr>
+              <a:t>hm</a:t>
+            </a:r>
+            <a:r>
+              <a:rPr lang="en-US" sz="2800" b="1" dirty="0" smtClean="0">
+                <a:ln/>
+                <a:solidFill>
+                  <a:schemeClr val="accent3"/>
+                </a:solidFill>
+              </a:rPr>
+              <a:t> </a:t>
+            </a:r>
+            <a:r>
+              <a:rPr lang="en-US" sz="2800" b="1" dirty="0" err="1" smtClean="0">
+                <a:ln/>
+                <a:solidFill>
+                  <a:schemeClr val="accent3"/>
+                </a:solidFill>
+              </a:rPr>
+              <a:t>hamare</a:t>
+            </a:r>
+            <a:r>
+              <a:rPr lang="en-US" sz="2800" b="1" dirty="0" smtClean="0">
+                <a:ln/>
+                <a:solidFill>
+                  <a:schemeClr val="accent3"/>
+                </a:solidFill>
+              </a:rPr>
+              <a:t> application </a:t>
+            </a:r>
+            <a:r>
+              <a:rPr lang="en-US" sz="2800" b="1" dirty="0" err="1" smtClean="0">
+                <a:ln/>
+                <a:solidFill>
+                  <a:schemeClr val="accent3"/>
+                </a:solidFill>
+              </a:rPr>
+              <a:t>ko</a:t>
+            </a:r>
+            <a:r>
+              <a:rPr lang="en-US" sz="2800" b="1" dirty="0" smtClean="0">
+                <a:ln/>
+                <a:solidFill>
+                  <a:schemeClr val="accent3"/>
+                </a:solidFill>
+              </a:rPr>
+              <a:t> MCV pattern me convert </a:t>
+            </a:r>
+            <a:r>
+              <a:rPr lang="en-US" sz="2800" b="1" dirty="0" err="1" smtClean="0">
+                <a:ln/>
+                <a:solidFill>
+                  <a:schemeClr val="accent3"/>
+                </a:solidFill>
+              </a:rPr>
+              <a:t>karegay</a:t>
+            </a:r>
+            <a:r>
+              <a:rPr lang="en-US" sz="2800" b="1" dirty="0">
+                <a:ln/>
+                <a:solidFill>
+                  <a:schemeClr val="accent3"/>
+                </a:solidFill>
+              </a:rPr>
+              <a:t>.</a:t>
+            </a:r>
+            <a:r>
+              <a:rPr lang="en-US" sz="2800" b="1" dirty="0" smtClean="0">
+                <a:ln w="6600">
+                  <a:solidFill>
+                    <a:schemeClr val="accent2"/>
+                  </a:solidFill>
+                  <a:prstDash val="solid"/>
+                </a:ln>
+                <a:solidFill>
+                  <a:srgbClr val="FFFFFF"/>
+                </a:solidFill>
+                <a:effectLst>
+                  <a:outerShdw dist="38100" dir="2700000" algn="tl" rotWithShape="0">
+                    <a:schemeClr val="accent2"/>
+                  </a:outerShdw>
+                </a:effectLst>
+              </a:rPr>
+              <a:t> </a:t>
+            </a:r>
+          </a:p>
+          <a:p>
+            <a:pPr marL="571500" indent="-571500">
+              <a:buFont typeface="+mj-lt"/>
+              <a:buAutoNum type="arabicPeriod"/>
+            </a:pPr>
+            <a:r>
+              <a:rPr lang="en-US" sz="2800" b="1" dirty="0" smtClean="0">
+                <a:ln/>
+                <a:solidFill>
+                  <a:schemeClr val="accent3"/>
+                </a:solidFill>
+              </a:rPr>
+              <a:t>What is MVC pattern:  </a:t>
+            </a:r>
+            <a:r>
+              <a:rPr lang="en-US" sz="2800" b="1" dirty="0" smtClean="0">
+                <a:ln w="6600">
+                  <a:solidFill>
+                    <a:schemeClr val="accent2"/>
+                  </a:solidFill>
+                  <a:prstDash val="solid"/>
+                </a:ln>
+                <a:solidFill>
+                  <a:srgbClr val="FFFFFF"/>
+                </a:solidFill>
+                <a:effectLst>
+                  <a:outerShdw dist="38100" dir="2700000" algn="tl" rotWithShape="0">
+                    <a:schemeClr val="accent2"/>
+                  </a:outerShdw>
+                </a:effectLst>
+              </a:rPr>
+              <a:t>MODEL, VIEW OR CONTROLLER</a:t>
+            </a:r>
+          </a:p>
+          <a:p>
+            <a:pPr marL="571500" indent="-571500">
+              <a:buFont typeface="+mj-lt"/>
+              <a:buAutoNum type="arabicPeriod"/>
+            </a:pPr>
+            <a:endParaRPr lang="en-US" sz="2800" b="1" dirty="0">
+              <a:ln w="6600">
+                <a:solidFill>
+                  <a:schemeClr val="accent2"/>
+                </a:solidFill>
+                <a:prstDash val="solid"/>
+              </a:ln>
+              <a:solidFill>
+                <a:srgbClr val="FFFFFF"/>
+              </a:solidFill>
+              <a:effectLst>
+                <a:outerShdw dist="38100" dir="2700000" algn="tl" rotWithShape="0">
+                  <a:schemeClr val="accent2"/>
+                </a:outerShdw>
+              </a:effectLst>
+            </a:endParaRPr>
+          </a:p>
+          <a:p>
+            <a:pPr marL="571500" indent="-571500">
+              <a:buFont typeface="+mj-lt"/>
+              <a:buAutoNum type="arabicPeriod"/>
+            </a:pPr>
+            <a:endParaRPr lang="en-US" sz="2800" b="1" dirty="0" smtClean="0">
+              <a:ln w="6600">
+                <a:solidFill>
+                  <a:schemeClr val="accent2"/>
+                </a:solidFill>
+                <a:prstDash val="solid"/>
+              </a:ln>
+              <a:solidFill>
+                <a:srgbClr val="FFFFFF"/>
+              </a:solidFill>
+              <a:effectLst>
+                <a:outerShdw dist="38100" dir="2700000" algn="tl" rotWithShape="0">
+                  <a:schemeClr val="accent2"/>
+                </a:outerShdw>
+              </a:effectLst>
+            </a:endParaRPr>
+          </a:p>
+          <a:p>
+            <a:pPr marL="571500" indent="-571500">
+              <a:buFont typeface="+mj-lt"/>
+              <a:buAutoNum type="arabicPeriod"/>
+            </a:pPr>
+            <a:endParaRPr lang="en-US" sz="2800" b="1" dirty="0">
+              <a:ln w="6600">
+                <a:solidFill>
+                  <a:schemeClr val="accent2"/>
+                </a:solidFill>
+                <a:prstDash val="solid"/>
+              </a:ln>
+              <a:solidFill>
+                <a:srgbClr val="FFFFFF"/>
+              </a:solidFill>
+              <a:effectLst>
+                <a:outerShdw dist="38100" dir="2700000" algn="tl" rotWithShape="0">
+                  <a:schemeClr val="accent2"/>
+                </a:outerShdw>
+              </a:effectLst>
+            </a:endParaRPr>
+          </a:p>
+          <a:p>
+            <a:pPr marL="571500" indent="-571500">
+              <a:buFont typeface="+mj-lt"/>
+              <a:buAutoNum type="arabicPeriod"/>
+            </a:pPr>
+            <a:endParaRPr lang="en-US" sz="2800" b="1" dirty="0" smtClean="0">
+              <a:ln w="6600">
+                <a:solidFill>
+                  <a:schemeClr val="accent2"/>
+                </a:solidFill>
+                <a:prstDash val="solid"/>
+              </a:ln>
+              <a:solidFill>
+                <a:srgbClr val="FFFFFF"/>
+              </a:solidFill>
+              <a:effectLst>
+                <a:outerShdw dist="38100" dir="2700000" algn="tl" rotWithShape="0">
+                  <a:schemeClr val="accent2"/>
+                </a:outerShdw>
+              </a:effectLst>
+            </a:endParaRPr>
+          </a:p>
+          <a:p>
+            <a:pPr marL="571500" indent="-571500">
+              <a:buFont typeface="+mj-lt"/>
+              <a:buAutoNum type="arabicPeriod"/>
+            </a:pPr>
+            <a:endParaRPr lang="en-US" sz="2800" b="1" dirty="0">
+              <a:ln w="6600">
+                <a:solidFill>
+                  <a:schemeClr val="accent2"/>
+                </a:solidFill>
+                <a:prstDash val="solid"/>
+              </a:ln>
+              <a:solidFill>
+                <a:srgbClr val="FFFFFF"/>
+              </a:solidFill>
+              <a:effectLst>
+                <a:outerShdw dist="38100" dir="2700000" algn="tl" rotWithShape="0">
+                  <a:schemeClr val="accent2"/>
+                </a:outerShdw>
+              </a:effectLst>
+            </a:endParaRPr>
+          </a:p>
+          <a:p>
+            <a:pPr marL="571500" indent="-571500">
+              <a:buFont typeface="+mj-lt"/>
+              <a:buAutoNum type="arabicPeriod"/>
+            </a:pPr>
+            <a:endParaRPr lang="en-US" sz="2800" b="1" dirty="0" smtClean="0">
+              <a:ln w="6600">
+                <a:solidFill>
+                  <a:schemeClr val="accent2"/>
+                </a:solidFill>
+                <a:prstDash val="solid"/>
+              </a:ln>
+              <a:solidFill>
+                <a:srgbClr val="FFFFFF"/>
+              </a:solidFill>
+              <a:effectLst>
+                <a:outerShdw dist="38100" dir="2700000" algn="tl" rotWithShape="0">
+                  <a:schemeClr val="accent2"/>
+                </a:outerShdw>
+              </a:effectLst>
+            </a:endParaRPr>
+          </a:p>
+          <a:p>
+            <a:pPr marL="571500" indent="-571500">
+              <a:buFont typeface="+mj-lt"/>
+              <a:buAutoNum type="arabicPeriod"/>
+            </a:pPr>
+            <a:endParaRPr lang="en-US" sz="2800" b="1" dirty="0">
+              <a:ln w="6600">
+                <a:solidFill>
+                  <a:schemeClr val="accent2"/>
+                </a:solidFill>
+                <a:prstDash val="solid"/>
+              </a:ln>
+              <a:solidFill>
+                <a:srgbClr val="FFFFFF"/>
+              </a:solidFill>
+              <a:effectLst>
+                <a:outerShdw dist="38100" dir="2700000" algn="tl" rotWithShape="0">
+                  <a:schemeClr val="accent2"/>
+                </a:outerShdw>
+              </a:effectLst>
+            </a:endParaRPr>
+          </a:p>
+          <a:p>
+            <a:endParaRPr lang="en-US" sz="2800" b="1" dirty="0" smtClean="0">
+              <a:ln w="6600">
+                <a:solidFill>
+                  <a:schemeClr val="accent2"/>
+                </a:solidFill>
+                <a:prstDash val="solid"/>
+              </a:ln>
+              <a:solidFill>
+                <a:srgbClr val="FFFFFF"/>
+              </a:solidFill>
+              <a:effectLst>
+                <a:outerShdw dist="38100" dir="2700000" algn="tl" rotWithShape="0">
+                  <a:schemeClr val="accent2"/>
+                </a:outerShdw>
+              </a:effectLst>
+            </a:endParaRPr>
+          </a:p>
+        </p:txBody>
+      </p:sp>
+      <p:sp>
+        <p:nvSpPr>
+          <p:cNvPr id="5" name="Rectangle 4">
+            <a:extLst>
+              <a:ext uri="{FF2B5EF4-FFF2-40B4-BE49-F238E27FC236}">
+                <a16:creationId xmlns="" xmlns:a16="http://schemas.microsoft.com/office/drawing/2014/main" id="{8B5E36E6-CDD7-37ED-23A7-33FDA9749CDD}"/>
+              </a:ext>
+            </a:extLst>
+          </p:cNvPr>
+          <p:cNvSpPr/>
+          <p:nvPr/>
+        </p:nvSpPr>
+        <p:spPr>
+          <a:xfrm>
+            <a:off x="4512955" y="3380929"/>
+            <a:ext cx="2825394" cy="523220"/>
+          </a:xfrm>
+          <a:prstGeom prst="rect">
+            <a:avLst/>
+          </a:prstGeom>
+          <a:solidFill>
+            <a:schemeClr val="tx1"/>
+          </a:solidFill>
+        </p:spPr>
+        <p:txBody>
+          <a:bodyPr wrap="square" lIns="91440" tIns="45720" rIns="91440" bIns="45720">
+            <a:spAutoFit/>
+          </a:bodyPr>
+          <a:lstStyle/>
+          <a:p>
+            <a:pPr algn="ctr"/>
+            <a:r>
+              <a:rPr lang="en-US" sz="2800" b="1" cap="none" spc="0" dirty="0" smtClean="0">
+                <a:ln w="6600">
+                  <a:solidFill>
+                    <a:schemeClr val="accent2"/>
+                  </a:solidFill>
+                  <a:prstDash val="solid"/>
+                </a:ln>
+                <a:solidFill>
+                  <a:srgbClr val="FFFFFF"/>
+                </a:solidFill>
+                <a:effectLst>
+                  <a:outerShdw dist="38100" dir="2700000" algn="tl" rotWithShape="0">
+                    <a:schemeClr val="accent2"/>
+                  </a:outerShdw>
+                </a:effectLst>
+              </a:rPr>
+              <a:t>MVC</a:t>
+            </a:r>
+            <a:endParaRPr lang="en-US" sz="2800" b="1" cap="none" spc="0" dirty="0">
+              <a:ln w="6600">
+                <a:solidFill>
+                  <a:schemeClr val="accent2"/>
+                </a:solidFill>
+                <a:prstDash val="solid"/>
+              </a:ln>
+              <a:solidFill>
+                <a:srgbClr val="FFFFFF"/>
+              </a:solidFill>
+              <a:effectLst>
+                <a:outerShdw dist="38100" dir="2700000" algn="tl" rotWithShape="0">
+                  <a:schemeClr val="accent2"/>
+                </a:outerShdw>
+              </a:effectLst>
+            </a:endParaRPr>
+          </a:p>
+        </p:txBody>
+      </p:sp>
+      <p:sp>
+        <p:nvSpPr>
+          <p:cNvPr id="8" name="Rectangle 7">
+            <a:extLst>
+              <a:ext uri="{FF2B5EF4-FFF2-40B4-BE49-F238E27FC236}">
+                <a16:creationId xmlns="" xmlns:a16="http://schemas.microsoft.com/office/drawing/2014/main" id="{8B5E36E6-CDD7-37ED-23A7-33FDA9749CDD}"/>
+              </a:ext>
+            </a:extLst>
+          </p:cNvPr>
+          <p:cNvSpPr/>
+          <p:nvPr/>
+        </p:nvSpPr>
+        <p:spPr>
+          <a:xfrm>
+            <a:off x="572114" y="5114225"/>
+            <a:ext cx="2825394" cy="523220"/>
+          </a:xfrm>
+          <a:prstGeom prst="rect">
+            <a:avLst/>
+          </a:prstGeom>
+          <a:solidFill>
+            <a:srgbClr val="FFFF00"/>
+          </a:solidFill>
+        </p:spPr>
+        <p:txBody>
+          <a:bodyPr wrap="square" lIns="91440" tIns="45720" rIns="91440" bIns="45720">
+            <a:spAutoFit/>
+          </a:bodyPr>
+          <a:lstStyle/>
+          <a:p>
+            <a:pPr algn="ctr"/>
+            <a:r>
+              <a:rPr lang="en-US" sz="2800" b="1" dirty="0" smtClean="0">
+                <a:ln w="6600">
+                  <a:solidFill>
+                    <a:schemeClr val="accent2"/>
+                  </a:solidFill>
+                  <a:prstDash val="solid"/>
+                </a:ln>
+                <a:solidFill>
+                  <a:srgbClr val="FFFFFF"/>
+                </a:solidFill>
+                <a:effectLst>
+                  <a:outerShdw dist="38100" dir="2700000" algn="tl" rotWithShape="0">
+                    <a:schemeClr val="accent2"/>
+                  </a:outerShdw>
+                </a:effectLst>
+              </a:rPr>
+              <a:t>MODEL</a:t>
+            </a:r>
+            <a:endParaRPr lang="en-US" sz="2800" b="1" cap="none" spc="0" dirty="0">
+              <a:ln w="6600">
+                <a:solidFill>
+                  <a:schemeClr val="accent2"/>
+                </a:solidFill>
+                <a:prstDash val="solid"/>
+              </a:ln>
+              <a:solidFill>
+                <a:srgbClr val="FFFFFF"/>
+              </a:solidFill>
+              <a:effectLst>
+                <a:outerShdw dist="38100" dir="2700000" algn="tl" rotWithShape="0">
+                  <a:schemeClr val="accent2"/>
+                </a:outerShdw>
+              </a:effectLst>
+            </a:endParaRPr>
+          </a:p>
+        </p:txBody>
+      </p:sp>
+      <p:sp>
+        <p:nvSpPr>
+          <p:cNvPr id="9" name="Rectangle 8">
+            <a:extLst>
+              <a:ext uri="{FF2B5EF4-FFF2-40B4-BE49-F238E27FC236}">
+                <a16:creationId xmlns="" xmlns:a16="http://schemas.microsoft.com/office/drawing/2014/main" id="{8B5E36E6-CDD7-37ED-23A7-33FDA9749CDD}"/>
+              </a:ext>
+            </a:extLst>
+          </p:cNvPr>
+          <p:cNvSpPr/>
+          <p:nvPr/>
+        </p:nvSpPr>
+        <p:spPr>
+          <a:xfrm>
+            <a:off x="8395270" y="5099863"/>
+            <a:ext cx="2825394" cy="523220"/>
+          </a:xfrm>
+          <a:prstGeom prst="rect">
+            <a:avLst/>
+          </a:prstGeom>
+          <a:solidFill>
+            <a:srgbClr val="7030A0"/>
+          </a:solidFill>
+        </p:spPr>
+        <p:txBody>
+          <a:bodyPr wrap="square" lIns="91440" tIns="45720" rIns="91440" bIns="45720">
+            <a:spAutoFit/>
+          </a:bodyPr>
+          <a:lstStyle/>
+          <a:p>
+            <a:pPr algn="ctr"/>
+            <a:r>
+              <a:rPr lang="en-US" sz="2800" b="1" cap="none" spc="0" dirty="0" smtClean="0">
+                <a:ln w="6600">
+                  <a:solidFill>
+                    <a:schemeClr val="accent2"/>
+                  </a:solidFill>
+                  <a:prstDash val="solid"/>
+                </a:ln>
+                <a:solidFill>
+                  <a:srgbClr val="FFFFFF"/>
+                </a:solidFill>
+                <a:effectLst>
+                  <a:outerShdw dist="38100" dir="2700000" algn="tl" rotWithShape="0">
+                    <a:schemeClr val="accent2"/>
+                  </a:outerShdw>
+                </a:effectLst>
+              </a:rPr>
+              <a:t>CONTROLLER</a:t>
+            </a:r>
+            <a:endParaRPr lang="en-US" sz="2800" b="1" cap="none" spc="0" dirty="0">
+              <a:ln w="6600">
+                <a:solidFill>
+                  <a:schemeClr val="accent2"/>
+                </a:solidFill>
+                <a:prstDash val="solid"/>
+              </a:ln>
+              <a:solidFill>
+                <a:srgbClr val="FFFFFF"/>
+              </a:solidFill>
+              <a:effectLst>
+                <a:outerShdw dist="38100" dir="2700000" algn="tl" rotWithShape="0">
+                  <a:schemeClr val="accent2"/>
+                </a:outerShdw>
+              </a:effectLst>
+            </a:endParaRPr>
+          </a:p>
+        </p:txBody>
+      </p:sp>
+      <p:sp>
+        <p:nvSpPr>
+          <p:cNvPr id="10" name="Rectangle 9">
+            <a:extLst>
+              <a:ext uri="{FF2B5EF4-FFF2-40B4-BE49-F238E27FC236}">
+                <a16:creationId xmlns="" xmlns:a16="http://schemas.microsoft.com/office/drawing/2014/main" id="{8B5E36E6-CDD7-37ED-23A7-33FDA9749CDD}"/>
+              </a:ext>
+            </a:extLst>
+          </p:cNvPr>
+          <p:cNvSpPr/>
+          <p:nvPr/>
+        </p:nvSpPr>
+        <p:spPr>
+          <a:xfrm>
+            <a:off x="4512955" y="5114225"/>
+            <a:ext cx="2825394" cy="523220"/>
+          </a:xfrm>
+          <a:prstGeom prst="rect">
+            <a:avLst/>
+          </a:prstGeom>
+          <a:solidFill>
+            <a:srgbClr val="00B0F0"/>
+          </a:solidFill>
+        </p:spPr>
+        <p:txBody>
+          <a:bodyPr wrap="square" lIns="91440" tIns="45720" rIns="91440" bIns="45720">
+            <a:spAutoFit/>
+          </a:bodyPr>
+          <a:lstStyle/>
+          <a:p>
+            <a:pPr algn="ctr"/>
+            <a:r>
+              <a:rPr lang="en-US" sz="2800" b="1" cap="none" spc="0" dirty="0" smtClean="0">
+                <a:ln w="6600">
+                  <a:solidFill>
+                    <a:schemeClr val="accent2"/>
+                  </a:solidFill>
+                  <a:prstDash val="solid"/>
+                </a:ln>
+                <a:solidFill>
+                  <a:srgbClr val="FFFFFF"/>
+                </a:solidFill>
+                <a:effectLst>
+                  <a:outerShdw dist="38100" dir="2700000" algn="tl" rotWithShape="0">
+                    <a:schemeClr val="accent2"/>
+                  </a:outerShdw>
+                </a:effectLst>
+              </a:rPr>
+              <a:t>VIEW</a:t>
+            </a:r>
+            <a:endParaRPr lang="en-US" sz="2800" b="1" cap="none" spc="0" dirty="0">
+              <a:ln w="6600">
+                <a:solidFill>
+                  <a:schemeClr val="accent2"/>
+                </a:solidFill>
+                <a:prstDash val="solid"/>
+              </a:ln>
+              <a:solidFill>
+                <a:srgbClr val="FFFFFF"/>
+              </a:solidFill>
+              <a:effectLst>
+                <a:outerShdw dist="38100" dir="2700000" algn="tl" rotWithShape="0">
+                  <a:schemeClr val="accent2"/>
+                </a:outerShdw>
+              </a:effectLst>
+            </a:endParaRPr>
+          </a:p>
+        </p:txBody>
+      </p:sp>
+      <p:sp>
+        <p:nvSpPr>
+          <p:cNvPr id="2" name="Down Arrow 1"/>
+          <p:cNvSpPr/>
+          <p:nvPr/>
+        </p:nvSpPr>
+        <p:spPr>
+          <a:xfrm>
+            <a:off x="5791210" y="3992173"/>
+            <a:ext cx="285530" cy="1107689"/>
+          </a:xfrm>
+          <a:prstGeom prst="downArrow">
+            <a:avLst/>
+          </a:prstGeom>
+          <a:solidFill>
+            <a:schemeClr val="tx1"/>
+          </a:solidFill>
+        </p:spPr>
+        <p:style>
+          <a:lnRef idx="2">
+            <a:schemeClr val="accent1">
+              <a:shade val="50000"/>
+            </a:schemeClr>
+          </a:lnRef>
+          <a:fillRef idx="1">
+            <a:schemeClr val="accent1"/>
+          </a:fillRef>
+          <a:effectRef idx="0">
+            <a:schemeClr val="accent1"/>
+          </a:effectRef>
+          <a:fontRef idx="minor">
+            <a:schemeClr val="lt1"/>
+          </a:fontRef>
+        </p:style>
+        <p:txBody>
+          <a:bodyPr rtlCol="0" anchor="ctr"/>
+          <a:lstStyle/>
+          <a:p>
+            <a:pPr algn="ctr"/>
+            <a:endParaRPr lang="en-IN"/>
+          </a:p>
+        </p:txBody>
+      </p:sp>
+      <p:sp>
+        <p:nvSpPr>
+          <p:cNvPr id="11" name="Down Arrow 10"/>
+          <p:cNvSpPr/>
+          <p:nvPr/>
+        </p:nvSpPr>
+        <p:spPr>
+          <a:xfrm rot="17174395">
+            <a:off x="7888815" y="2885091"/>
+            <a:ext cx="285530" cy="3209951"/>
+          </a:xfrm>
+          <a:prstGeom prst="downArrow">
+            <a:avLst/>
+          </a:prstGeom>
+          <a:solidFill>
+            <a:schemeClr val="tx1"/>
+          </a:solidFill>
+        </p:spPr>
+        <p:style>
+          <a:lnRef idx="2">
+            <a:schemeClr val="accent1">
+              <a:shade val="50000"/>
+            </a:schemeClr>
+          </a:lnRef>
+          <a:fillRef idx="1">
+            <a:schemeClr val="accent1"/>
+          </a:fillRef>
+          <a:effectRef idx="0">
+            <a:schemeClr val="accent1"/>
+          </a:effectRef>
+          <a:fontRef idx="minor">
+            <a:schemeClr val="lt1"/>
+          </a:fontRef>
+        </p:style>
+        <p:txBody>
+          <a:bodyPr rtlCol="0" anchor="ctr"/>
+          <a:lstStyle/>
+          <a:p>
+            <a:pPr algn="ctr"/>
+            <a:endParaRPr lang="en-IN"/>
+          </a:p>
+        </p:txBody>
+      </p:sp>
+      <p:sp>
+        <p:nvSpPr>
+          <p:cNvPr id="12" name="Down Arrow 11"/>
+          <p:cNvSpPr/>
+          <p:nvPr/>
+        </p:nvSpPr>
+        <p:spPr>
+          <a:xfrm rot="4399342">
+            <a:off x="3631121" y="2897522"/>
+            <a:ext cx="285530" cy="3209951"/>
+          </a:xfrm>
+          <a:prstGeom prst="downArrow">
+            <a:avLst/>
+          </a:prstGeom>
+          <a:solidFill>
+            <a:schemeClr val="tx1"/>
+          </a:solidFill>
+        </p:spPr>
+        <p:style>
+          <a:lnRef idx="2">
+            <a:schemeClr val="accent1">
+              <a:shade val="50000"/>
+            </a:schemeClr>
+          </a:lnRef>
+          <a:fillRef idx="1">
+            <a:schemeClr val="accent1"/>
+          </a:fillRef>
+          <a:effectRef idx="0">
+            <a:schemeClr val="accent1"/>
+          </a:effectRef>
+          <a:fontRef idx="minor">
+            <a:schemeClr val="lt1"/>
+          </a:fontRef>
+        </p:style>
+        <p:txBody>
+          <a:bodyPr rtlCol="0" anchor="ctr"/>
+          <a:lstStyle/>
+          <a:p>
+            <a:pPr algn="ctr"/>
+            <a:endParaRPr lang="en-IN"/>
+          </a:p>
+        </p:txBody>
+      </p:sp>
+    </p:spTree>
+    <p:extLst>
+      <p:ext uri="{BB962C8B-B14F-4D97-AF65-F5344CB8AC3E}">
+        <p14:creationId xmlns:p14="http://schemas.microsoft.com/office/powerpoint/2010/main" val="206552468"/>
+      </p:ext>
+    </p:extLst>
+  </p:cSld>
+  <p:clrMapOvr>
+    <a:masterClrMapping/>
+  </p:clrMapOvr>
+  <p:timing>
+    <p:tnLst>
+      <p:par>
+        <p:cTn id="1" dur="indefinite" restart="never" nodeType="tmRoot"/>
+      </p:par>
+    </p:tnLst>
+  </p:timing>
+</p:sld>
+</file>
+
+<file path=ppt/slides/slide14.xml><?xml version="1.0" encoding="utf-8"?>
+<p:sld xmlns:a="http://schemas.openxmlformats.org/drawingml/2006/main" xmlns:r="http://schemas.openxmlformats.org/officeDocument/2006/relationships" xmlns:p="http://schemas.openxmlformats.org/presentationml/2006/main">
+  <p:cSld>
+    <p:spTree>
+      <p:nvGrpSpPr>
+        <p:cNvPr id="1" name=""/>
+        <p:cNvGrpSpPr/>
+        <p:nvPr/>
+      </p:nvGrpSpPr>
+      <p:grpSpPr>
+        <a:xfrm>
+          <a:off x="0" y="0"/>
+          <a:ext cx="0" cy="0"/>
+          <a:chOff x="0" y="0"/>
+          <a:chExt cx="0" cy="0"/>
+        </a:xfrm>
+      </p:grpSpPr>
+      <p:sp>
+        <p:nvSpPr>
+          <p:cNvPr id="3" name="Rectangle 2"/>
+          <p:cNvSpPr/>
+          <p:nvPr/>
+        </p:nvSpPr>
+        <p:spPr>
+          <a:xfrm>
+            <a:off x="419030" y="803128"/>
+            <a:ext cx="11353944" cy="5632311"/>
+          </a:xfrm>
+          <a:prstGeom prst="rect">
+            <a:avLst/>
+          </a:prstGeom>
+          <a:solidFill>
+            <a:schemeClr val="bg1"/>
+          </a:solidFill>
+        </p:spPr>
+        <p:txBody>
+          <a:bodyPr wrap="square">
+            <a:spAutoFit/>
+          </a:bodyPr>
+          <a:lstStyle/>
+          <a:p>
+            <a:pPr algn="ctr"/>
+            <a:endParaRPr lang="en-US" b="1" dirty="0" smtClean="0">
+              <a:ln/>
+              <a:solidFill>
+                <a:schemeClr val="accent3"/>
+              </a:solidFill>
+            </a:endParaRPr>
+          </a:p>
+          <a:p>
+            <a:pPr algn="ctr"/>
+            <a:endParaRPr lang="en-US" b="1" dirty="0">
+              <a:ln/>
+              <a:solidFill>
+                <a:schemeClr val="accent3"/>
+              </a:solidFill>
+            </a:endParaRPr>
+          </a:p>
+          <a:p>
+            <a:pPr algn="ctr"/>
+            <a:endParaRPr lang="en-US" b="1" dirty="0" smtClean="0">
+              <a:ln/>
+              <a:solidFill>
+                <a:schemeClr val="accent3"/>
+              </a:solidFill>
+            </a:endParaRPr>
+          </a:p>
+          <a:p>
+            <a:pPr algn="ctr"/>
+            <a:endParaRPr lang="en-US" b="1" dirty="0">
+              <a:ln/>
+              <a:solidFill>
+                <a:schemeClr val="accent3"/>
+              </a:solidFill>
+            </a:endParaRPr>
+          </a:p>
+          <a:p>
+            <a:pPr algn="ctr"/>
+            <a:endParaRPr lang="en-US" b="1" dirty="0" smtClean="0">
+              <a:ln/>
+              <a:solidFill>
+                <a:schemeClr val="accent3"/>
+              </a:solidFill>
+            </a:endParaRPr>
+          </a:p>
+          <a:p>
+            <a:pPr algn="ctr"/>
+            <a:endParaRPr lang="en-US" b="1" dirty="0">
+              <a:ln/>
+              <a:solidFill>
+                <a:schemeClr val="accent3"/>
+              </a:solidFill>
+            </a:endParaRPr>
+          </a:p>
+          <a:p>
+            <a:pPr algn="ctr"/>
+            <a:endParaRPr lang="en-US" b="1" dirty="0" smtClean="0">
+              <a:ln/>
+              <a:solidFill>
+                <a:schemeClr val="accent3"/>
+              </a:solidFill>
+            </a:endParaRPr>
+          </a:p>
+          <a:p>
+            <a:pPr algn="ctr"/>
+            <a:endParaRPr lang="en-US" b="1" dirty="0">
+              <a:ln/>
+              <a:solidFill>
+                <a:schemeClr val="accent3"/>
+              </a:solidFill>
+            </a:endParaRPr>
+          </a:p>
+          <a:p>
+            <a:pPr algn="ctr"/>
+            <a:endParaRPr lang="en-US" b="1" dirty="0" smtClean="0">
+              <a:ln/>
+              <a:solidFill>
+                <a:schemeClr val="accent3"/>
+              </a:solidFill>
+            </a:endParaRPr>
+          </a:p>
+          <a:p>
+            <a:pPr algn="ctr"/>
+            <a:endParaRPr lang="en-US" b="1" dirty="0">
+              <a:ln/>
+              <a:solidFill>
+                <a:schemeClr val="accent3"/>
+              </a:solidFill>
+            </a:endParaRPr>
+          </a:p>
+          <a:p>
+            <a:pPr algn="ctr"/>
+            <a:endParaRPr lang="en-US" b="1" dirty="0" smtClean="0">
+              <a:ln/>
+              <a:solidFill>
+                <a:schemeClr val="accent3"/>
+              </a:solidFill>
+            </a:endParaRPr>
+          </a:p>
+          <a:p>
+            <a:pPr algn="ctr"/>
+            <a:endParaRPr lang="en-US" b="1" dirty="0">
+              <a:ln/>
+              <a:solidFill>
+                <a:schemeClr val="accent3"/>
+              </a:solidFill>
+            </a:endParaRPr>
+          </a:p>
+          <a:p>
+            <a:pPr algn="ctr"/>
+            <a:endParaRPr lang="en-US" b="1" dirty="0" smtClean="0">
+              <a:ln/>
+              <a:solidFill>
+                <a:schemeClr val="accent3"/>
+              </a:solidFill>
+            </a:endParaRPr>
+          </a:p>
+          <a:p>
+            <a:pPr algn="ctr"/>
+            <a:endParaRPr lang="en-US" b="1" dirty="0">
+              <a:ln/>
+              <a:solidFill>
+                <a:schemeClr val="accent3"/>
+              </a:solidFill>
+            </a:endParaRPr>
+          </a:p>
+          <a:p>
+            <a:pPr algn="ctr"/>
+            <a:endParaRPr lang="en-US" b="1" dirty="0" smtClean="0">
+              <a:ln/>
+              <a:solidFill>
+                <a:schemeClr val="accent3"/>
+              </a:solidFill>
+            </a:endParaRPr>
+          </a:p>
+          <a:p>
+            <a:pPr algn="ctr"/>
+            <a:endParaRPr lang="en-US" b="1" dirty="0">
+              <a:ln/>
+              <a:solidFill>
+                <a:schemeClr val="accent3"/>
+              </a:solidFill>
+            </a:endParaRPr>
+          </a:p>
+          <a:p>
+            <a:pPr algn="ctr"/>
+            <a:endParaRPr lang="en-US" b="1" dirty="0" smtClean="0">
+              <a:ln/>
+              <a:solidFill>
+                <a:schemeClr val="accent3"/>
+              </a:solidFill>
+            </a:endParaRPr>
+          </a:p>
+          <a:p>
+            <a:pPr algn="ctr"/>
+            <a:endParaRPr lang="en-US" b="1" dirty="0">
+              <a:ln/>
+              <a:solidFill>
+                <a:schemeClr val="accent3"/>
+              </a:solidFill>
+            </a:endParaRPr>
+          </a:p>
+          <a:p>
+            <a:pPr algn="ctr"/>
+            <a:endParaRPr lang="en-US" b="1" dirty="0" smtClean="0">
+              <a:ln/>
+              <a:solidFill>
+                <a:schemeClr val="accent3"/>
+              </a:solidFill>
+            </a:endParaRPr>
+          </a:p>
+          <a:p>
+            <a:pPr algn="ctr"/>
+            <a:endParaRPr lang="en-IN" b="1" dirty="0">
+              <a:ln/>
+              <a:solidFill>
+                <a:schemeClr val="accent3"/>
+              </a:solidFill>
+            </a:endParaRPr>
+          </a:p>
+        </p:txBody>
+      </p:sp>
+      <p:sp>
+        <p:nvSpPr>
+          <p:cNvPr id="6" name="Rectangle 5">
+            <a:extLst>
+              <a:ext uri="{FF2B5EF4-FFF2-40B4-BE49-F238E27FC236}">
+                <a16:creationId xmlns="" xmlns:a16="http://schemas.microsoft.com/office/drawing/2014/main" id="{27E8D4A3-B686-AB21-9BA3-D4259FCFF046}"/>
+              </a:ext>
+            </a:extLst>
+          </p:cNvPr>
+          <p:cNvSpPr/>
+          <p:nvPr/>
+        </p:nvSpPr>
+        <p:spPr>
+          <a:xfrm>
+            <a:off x="3213464" y="803128"/>
+            <a:ext cx="5765104" cy="646331"/>
+          </a:xfrm>
+          <a:prstGeom prst="rect">
+            <a:avLst/>
+          </a:prstGeom>
+          <a:noFill/>
+        </p:spPr>
+        <p:txBody>
+          <a:bodyPr wrap="none" lIns="91440" tIns="45720" rIns="91440" bIns="45720">
+            <a:spAutoFit/>
+            <a:scene3d>
+              <a:camera prst="orthographicFront"/>
+              <a:lightRig rig="harsh" dir="t"/>
+            </a:scene3d>
+            <a:sp3d extrusionH="57150" prstMaterial="matte">
+              <a:bevelT w="63500" h="12700" prst="angle"/>
+              <a:contourClr>
+                <a:schemeClr val="bg1">
+                  <a:lumMod val="65000"/>
+                </a:schemeClr>
+              </a:contourClr>
+            </a:sp3d>
+          </a:bodyPr>
+          <a:lstStyle/>
+          <a:p>
+            <a:pPr algn="ctr"/>
+            <a:r>
+              <a:rPr lang="en-US" sz="3600" b="1" dirty="0">
+                <a:ln/>
+                <a:solidFill>
+                  <a:schemeClr val="accent3"/>
+                </a:solidFill>
+              </a:rPr>
+              <a:t>MVC Architecture </a:t>
+            </a:r>
+            <a:r>
+              <a:rPr lang="en-US" sz="3600" b="1" dirty="0" err="1">
+                <a:ln/>
+                <a:solidFill>
+                  <a:schemeClr val="accent3"/>
+                </a:solidFill>
+              </a:rPr>
+              <a:t>Nodejs</a:t>
+            </a:r>
+            <a:endParaRPr lang="en-US" sz="3600" b="1" dirty="0">
+              <a:ln/>
+              <a:solidFill>
+                <a:schemeClr val="accent3"/>
+              </a:solidFill>
+            </a:endParaRPr>
+          </a:p>
+        </p:txBody>
+      </p:sp>
+      <p:sp>
+        <p:nvSpPr>
+          <p:cNvPr id="7" name="Rectangle 6">
+            <a:extLst>
+              <a:ext uri="{FF2B5EF4-FFF2-40B4-BE49-F238E27FC236}">
+                <a16:creationId xmlns="" xmlns:a16="http://schemas.microsoft.com/office/drawing/2014/main" id="{FEC49D69-601D-B518-0731-04B01D4FFED9}"/>
+              </a:ext>
+            </a:extLst>
+          </p:cNvPr>
+          <p:cNvSpPr/>
+          <p:nvPr/>
+        </p:nvSpPr>
+        <p:spPr>
+          <a:xfrm>
+            <a:off x="572113" y="1272660"/>
+            <a:ext cx="11200861" cy="5262979"/>
+          </a:xfrm>
+          <a:prstGeom prst="rect">
+            <a:avLst/>
+          </a:prstGeom>
+          <a:noFill/>
+        </p:spPr>
+        <p:txBody>
+          <a:bodyPr wrap="square" lIns="91440" tIns="45720" rIns="91440" bIns="45720">
+            <a:spAutoFit/>
+            <a:scene3d>
+              <a:camera prst="orthographicFront"/>
+              <a:lightRig rig="harsh" dir="t"/>
+            </a:scene3d>
+            <a:sp3d extrusionH="57150" prstMaterial="matte">
+              <a:bevelT w="63500" h="12700" prst="angle"/>
+              <a:contourClr>
+                <a:schemeClr val="bg1">
+                  <a:lumMod val="65000"/>
+                </a:schemeClr>
+              </a:contourClr>
+            </a:sp3d>
+          </a:bodyPr>
+          <a:lstStyle/>
+          <a:p>
+            <a:pPr marL="571500" indent="-571500">
+              <a:buFont typeface="+mj-lt"/>
+              <a:buAutoNum type="arabicPeriod"/>
+            </a:pPr>
+            <a:endParaRPr lang="en-US" sz="2800" b="1" dirty="0" smtClean="0">
+              <a:ln/>
+              <a:solidFill>
+                <a:schemeClr val="accent3"/>
+              </a:solidFill>
+            </a:endParaRPr>
+          </a:p>
+          <a:p>
+            <a:pPr marL="571500" indent="-571500">
+              <a:buFont typeface="+mj-lt"/>
+              <a:buAutoNum type="arabicPeriod"/>
+            </a:pPr>
+            <a:r>
+              <a:rPr lang="en-US" sz="2800" b="1" dirty="0" smtClean="0">
+                <a:ln/>
+                <a:solidFill>
+                  <a:schemeClr val="accent3"/>
+                </a:solidFill>
+              </a:rPr>
+              <a:t>MODEL :  </a:t>
+            </a:r>
+            <a:r>
+              <a:rPr lang="en-US" sz="2800" b="1" dirty="0" err="1" smtClean="0">
+                <a:ln w="6600">
+                  <a:solidFill>
+                    <a:schemeClr val="accent2"/>
+                  </a:solidFill>
+                  <a:prstDash val="solid"/>
+                </a:ln>
+                <a:solidFill>
+                  <a:schemeClr val="accent2">
+                    <a:lumMod val="75000"/>
+                  </a:schemeClr>
+                </a:solidFill>
+                <a:effectLst>
+                  <a:outerShdw dist="38100" dir="2700000" algn="tl" rotWithShape="0">
+                    <a:schemeClr val="accent2"/>
+                  </a:outerShdw>
+                </a:effectLst>
+              </a:rPr>
+              <a:t>iske</a:t>
+            </a:r>
+            <a:r>
+              <a:rPr lang="en-US" sz="2800" b="1" dirty="0" smtClean="0">
+                <a:ln w="6600">
+                  <a:solidFill>
+                    <a:schemeClr val="accent2"/>
+                  </a:solidFill>
+                  <a:prstDash val="solid"/>
+                </a:ln>
+                <a:solidFill>
+                  <a:schemeClr val="accent2">
+                    <a:lumMod val="75000"/>
+                  </a:schemeClr>
+                </a:solidFill>
+                <a:effectLst>
+                  <a:outerShdw dist="38100" dir="2700000" algn="tl" rotWithShape="0">
+                    <a:schemeClr val="accent2"/>
+                  </a:outerShdw>
+                </a:effectLst>
+              </a:rPr>
+              <a:t> under </a:t>
+            </a:r>
+            <a:r>
+              <a:rPr lang="en-US" sz="2800" b="1" dirty="0" err="1" smtClean="0">
+                <a:ln w="6600">
+                  <a:solidFill>
+                    <a:schemeClr val="accent2"/>
+                  </a:solidFill>
+                  <a:prstDash val="solid"/>
+                </a:ln>
+                <a:solidFill>
+                  <a:schemeClr val="accent2">
+                    <a:lumMod val="75000"/>
+                  </a:schemeClr>
+                </a:solidFill>
+                <a:effectLst>
+                  <a:outerShdw dist="38100" dir="2700000" algn="tl" rotWithShape="0">
+                    <a:schemeClr val="accent2"/>
+                  </a:outerShdw>
+                </a:effectLst>
+              </a:rPr>
+              <a:t>hamare</a:t>
+            </a:r>
+            <a:r>
+              <a:rPr lang="en-US" sz="2800" b="1" dirty="0" smtClean="0">
+                <a:ln w="6600">
+                  <a:solidFill>
+                    <a:schemeClr val="accent2"/>
+                  </a:solidFill>
+                  <a:prstDash val="solid"/>
+                </a:ln>
+                <a:solidFill>
+                  <a:schemeClr val="accent2">
+                    <a:lumMod val="75000"/>
+                  </a:schemeClr>
+                </a:solidFill>
+                <a:effectLst>
+                  <a:outerShdw dist="38100" dir="2700000" algn="tl" rotWithShape="0">
+                    <a:schemeClr val="accent2"/>
+                  </a:outerShdw>
+                </a:effectLst>
+              </a:rPr>
+              <a:t> pass database se related design </a:t>
+            </a:r>
+            <a:r>
+              <a:rPr lang="en-US" sz="2800" b="1" dirty="0" err="1" smtClean="0">
+                <a:ln w="6600">
+                  <a:solidFill>
+                    <a:schemeClr val="accent2"/>
+                  </a:solidFill>
+                  <a:prstDash val="solid"/>
+                </a:ln>
+                <a:solidFill>
+                  <a:schemeClr val="accent2">
+                    <a:lumMod val="75000"/>
+                  </a:schemeClr>
+                </a:solidFill>
+                <a:effectLst>
+                  <a:outerShdw dist="38100" dir="2700000" algn="tl" rotWithShape="0">
+                    <a:schemeClr val="accent2"/>
+                  </a:outerShdw>
+                </a:effectLst>
+              </a:rPr>
+              <a:t>rahega</a:t>
+            </a:r>
+            <a:r>
+              <a:rPr lang="en-US" sz="2800" b="1" dirty="0" smtClean="0">
+                <a:ln w="6600">
+                  <a:solidFill>
+                    <a:schemeClr val="accent2"/>
+                  </a:solidFill>
+                  <a:prstDash val="solid"/>
+                </a:ln>
+                <a:solidFill>
+                  <a:schemeClr val="accent2">
+                    <a:lumMod val="75000"/>
+                  </a:schemeClr>
+                </a:solidFill>
+                <a:effectLst>
+                  <a:outerShdw dist="38100" dir="2700000" algn="tl" rotWithShape="0">
+                    <a:schemeClr val="accent2"/>
+                  </a:outerShdw>
+                </a:effectLst>
+              </a:rPr>
+              <a:t>, schema </a:t>
+            </a:r>
+            <a:r>
+              <a:rPr lang="en-US" sz="2800" b="1" dirty="0" err="1" smtClean="0">
+                <a:ln w="6600">
+                  <a:solidFill>
+                    <a:schemeClr val="accent2"/>
+                  </a:solidFill>
+                  <a:prstDash val="solid"/>
+                </a:ln>
+                <a:solidFill>
+                  <a:schemeClr val="accent2">
+                    <a:lumMod val="75000"/>
+                  </a:schemeClr>
+                </a:solidFill>
+                <a:effectLst>
+                  <a:outerShdw dist="38100" dir="2700000" algn="tl" rotWithShape="0">
+                    <a:schemeClr val="accent2"/>
+                  </a:outerShdw>
+                </a:effectLst>
+              </a:rPr>
+              <a:t>rahega</a:t>
+            </a:r>
+            <a:r>
+              <a:rPr lang="en-US" sz="2800" b="1" dirty="0" smtClean="0">
+                <a:ln w="6600">
+                  <a:solidFill>
+                    <a:schemeClr val="accent2"/>
+                  </a:solidFill>
+                  <a:prstDash val="solid"/>
+                </a:ln>
+                <a:solidFill>
+                  <a:schemeClr val="accent2">
+                    <a:lumMod val="75000"/>
+                  </a:schemeClr>
+                </a:solidFill>
+                <a:effectLst>
+                  <a:outerShdw dist="38100" dir="2700000" algn="tl" rotWithShape="0">
+                    <a:schemeClr val="accent2"/>
+                  </a:outerShdw>
+                </a:effectLst>
+              </a:rPr>
+              <a:t>, ye </a:t>
+            </a:r>
+            <a:r>
+              <a:rPr lang="en-US" sz="2800" b="1" dirty="0" err="1" smtClean="0">
+                <a:ln w="6600">
+                  <a:solidFill>
+                    <a:schemeClr val="accent2"/>
+                  </a:solidFill>
+                  <a:prstDash val="solid"/>
+                </a:ln>
+                <a:solidFill>
+                  <a:schemeClr val="accent2">
+                    <a:lumMod val="75000"/>
+                  </a:schemeClr>
+                </a:solidFill>
+                <a:effectLst>
+                  <a:outerShdw dist="38100" dir="2700000" algn="tl" rotWithShape="0">
+                    <a:schemeClr val="accent2"/>
+                  </a:outerShdw>
+                </a:effectLst>
+              </a:rPr>
+              <a:t>sare</a:t>
+            </a:r>
+            <a:r>
+              <a:rPr lang="en-US" sz="2800" b="1" dirty="0" smtClean="0">
+                <a:ln w="6600">
+                  <a:solidFill>
+                    <a:schemeClr val="accent2"/>
+                  </a:solidFill>
+                  <a:prstDash val="solid"/>
+                </a:ln>
+                <a:solidFill>
+                  <a:schemeClr val="accent2">
+                    <a:lumMod val="75000"/>
+                  </a:schemeClr>
+                </a:solidFill>
+                <a:effectLst>
+                  <a:outerShdw dist="38100" dir="2700000" algn="tl" rotWithShape="0">
+                    <a:schemeClr val="accent2"/>
+                  </a:outerShdw>
+                </a:effectLst>
+              </a:rPr>
+              <a:t> </a:t>
+            </a:r>
+            <a:r>
+              <a:rPr lang="en-US" sz="2800" b="1" dirty="0" err="1" smtClean="0">
+                <a:ln w="6600">
+                  <a:solidFill>
+                    <a:schemeClr val="accent2"/>
+                  </a:solidFill>
+                  <a:prstDash val="solid"/>
+                </a:ln>
+                <a:solidFill>
+                  <a:schemeClr val="accent2">
+                    <a:lumMod val="75000"/>
+                  </a:schemeClr>
+                </a:solidFill>
+                <a:effectLst>
+                  <a:outerShdw dist="38100" dir="2700000" algn="tl" rotWithShape="0">
+                    <a:schemeClr val="accent2"/>
+                  </a:outerShdw>
+                </a:effectLst>
+              </a:rPr>
+              <a:t>cheje</a:t>
+            </a:r>
+            <a:r>
+              <a:rPr lang="en-US" sz="2800" b="1" dirty="0" smtClean="0">
+                <a:ln w="6600">
+                  <a:solidFill>
+                    <a:schemeClr val="accent2"/>
+                  </a:solidFill>
+                  <a:prstDash val="solid"/>
+                </a:ln>
+                <a:solidFill>
+                  <a:schemeClr val="accent2">
+                    <a:lumMod val="75000"/>
+                  </a:schemeClr>
+                </a:solidFill>
+                <a:effectLst>
+                  <a:outerShdw dist="38100" dir="2700000" algn="tl" rotWithShape="0">
+                    <a:schemeClr val="accent2"/>
+                  </a:outerShdw>
+                </a:effectLst>
+              </a:rPr>
+              <a:t> model </a:t>
+            </a:r>
+            <a:r>
+              <a:rPr lang="en-US" sz="2800" b="1" dirty="0" err="1" smtClean="0">
+                <a:ln w="6600">
+                  <a:solidFill>
+                    <a:schemeClr val="accent2"/>
+                  </a:solidFill>
+                  <a:prstDash val="solid"/>
+                </a:ln>
+                <a:solidFill>
+                  <a:schemeClr val="accent2">
+                    <a:lumMod val="75000"/>
+                  </a:schemeClr>
+                </a:solidFill>
+                <a:effectLst>
+                  <a:outerShdw dist="38100" dir="2700000" algn="tl" rotWithShape="0">
+                    <a:schemeClr val="accent2"/>
+                  </a:outerShdw>
+                </a:effectLst>
+              </a:rPr>
+              <a:t>ke</a:t>
+            </a:r>
+            <a:r>
+              <a:rPr lang="en-US" sz="2800" b="1" dirty="0" smtClean="0">
+                <a:ln w="6600">
+                  <a:solidFill>
+                    <a:schemeClr val="accent2"/>
+                  </a:solidFill>
+                  <a:prstDash val="solid"/>
+                </a:ln>
+                <a:solidFill>
+                  <a:schemeClr val="accent2">
+                    <a:lumMod val="75000"/>
+                  </a:schemeClr>
+                </a:solidFill>
+                <a:effectLst>
+                  <a:outerShdw dist="38100" dir="2700000" algn="tl" rotWithShape="0">
+                    <a:schemeClr val="accent2"/>
+                  </a:outerShdw>
+                </a:effectLst>
+              </a:rPr>
+              <a:t> under </a:t>
+            </a:r>
+            <a:r>
+              <a:rPr lang="en-US" sz="2800" b="1" dirty="0" err="1" smtClean="0">
+                <a:ln w="6600">
+                  <a:solidFill>
+                    <a:schemeClr val="accent2"/>
+                  </a:solidFill>
+                  <a:prstDash val="solid"/>
+                </a:ln>
+                <a:solidFill>
+                  <a:schemeClr val="accent2">
+                    <a:lumMod val="75000"/>
+                  </a:schemeClr>
+                </a:solidFill>
+                <a:effectLst>
+                  <a:outerShdw dist="38100" dir="2700000" algn="tl" rotWithShape="0">
+                    <a:schemeClr val="accent2"/>
+                  </a:outerShdw>
+                </a:effectLst>
+              </a:rPr>
+              <a:t>aayegye</a:t>
+            </a:r>
+            <a:r>
+              <a:rPr lang="en-US" sz="2800" b="1" dirty="0" smtClean="0">
+                <a:ln w="6600">
+                  <a:solidFill>
+                    <a:schemeClr val="accent2"/>
+                  </a:solidFill>
+                  <a:prstDash val="solid"/>
+                </a:ln>
+                <a:solidFill>
+                  <a:schemeClr val="accent2">
+                    <a:lumMod val="75000"/>
+                  </a:schemeClr>
+                </a:solidFill>
+                <a:effectLst>
+                  <a:outerShdw dist="38100" dir="2700000" algn="tl" rotWithShape="0">
+                    <a:schemeClr val="accent2"/>
+                  </a:outerShdw>
+                </a:effectLst>
+              </a:rPr>
+              <a:t> </a:t>
+            </a:r>
+          </a:p>
+          <a:p>
+            <a:pPr marL="571500" indent="-571500">
+              <a:buFont typeface="+mj-lt"/>
+              <a:buAutoNum type="arabicPeriod"/>
+            </a:pPr>
+            <a:r>
+              <a:rPr lang="en-US" sz="2800" b="1" dirty="0" smtClean="0">
+                <a:ln/>
+                <a:solidFill>
+                  <a:schemeClr val="accent3"/>
+                </a:solidFill>
+              </a:rPr>
+              <a:t>VIEW : </a:t>
+            </a:r>
+            <a:r>
+              <a:rPr lang="en-US" sz="2800" b="1" dirty="0" smtClean="0">
+                <a:ln w="6600">
+                  <a:solidFill>
+                    <a:schemeClr val="accent2"/>
+                  </a:solidFill>
+                  <a:prstDash val="solid"/>
+                </a:ln>
+                <a:solidFill>
+                  <a:schemeClr val="accent2">
+                    <a:lumMod val="75000"/>
+                  </a:schemeClr>
+                </a:solidFill>
+                <a:effectLst>
+                  <a:outerShdw dist="38100" dir="2700000" algn="tl" rotWithShape="0">
+                    <a:schemeClr val="accent2"/>
+                  </a:outerShdw>
+                </a:effectLst>
+              </a:rPr>
+              <a:t>view </a:t>
+            </a:r>
+            <a:r>
+              <a:rPr lang="en-US" sz="2800" b="1" dirty="0" err="1" smtClean="0">
+                <a:ln w="6600">
+                  <a:solidFill>
+                    <a:schemeClr val="accent2"/>
+                  </a:solidFill>
+                  <a:prstDash val="solid"/>
+                </a:ln>
+                <a:solidFill>
+                  <a:schemeClr val="accent2">
+                    <a:lumMod val="75000"/>
+                  </a:schemeClr>
+                </a:solidFill>
+                <a:effectLst>
+                  <a:outerShdw dist="38100" dir="2700000" algn="tl" rotWithShape="0">
+                    <a:schemeClr val="accent2"/>
+                  </a:outerShdw>
+                </a:effectLst>
+              </a:rPr>
+              <a:t>ke</a:t>
+            </a:r>
+            <a:r>
+              <a:rPr lang="en-US" sz="2800" b="1" dirty="0" smtClean="0">
+                <a:ln w="6600">
+                  <a:solidFill>
+                    <a:schemeClr val="accent2"/>
+                  </a:solidFill>
+                  <a:prstDash val="solid"/>
+                </a:ln>
+                <a:solidFill>
+                  <a:schemeClr val="accent2">
+                    <a:lumMod val="75000"/>
+                  </a:schemeClr>
+                </a:solidFill>
+                <a:effectLst>
+                  <a:outerShdw dist="38100" dir="2700000" algn="tl" rotWithShape="0">
+                    <a:schemeClr val="accent2"/>
+                  </a:outerShdw>
+                </a:effectLst>
+              </a:rPr>
+              <a:t> under </a:t>
+            </a:r>
+            <a:r>
+              <a:rPr lang="en-US" sz="2800" b="1" dirty="0" err="1" smtClean="0">
+                <a:ln w="6600">
+                  <a:solidFill>
+                    <a:schemeClr val="accent2"/>
+                  </a:solidFill>
+                  <a:prstDash val="solid"/>
+                </a:ln>
+                <a:solidFill>
+                  <a:schemeClr val="accent2">
+                    <a:lumMod val="75000"/>
+                  </a:schemeClr>
+                </a:solidFill>
+                <a:effectLst>
+                  <a:outerShdw dist="38100" dir="2700000" algn="tl" rotWithShape="0">
+                    <a:schemeClr val="accent2"/>
+                  </a:outerShdw>
+                </a:effectLst>
+              </a:rPr>
+              <a:t>hm</a:t>
+            </a:r>
+            <a:r>
+              <a:rPr lang="en-US" sz="2800" b="1" dirty="0" smtClean="0">
+                <a:ln w="6600">
+                  <a:solidFill>
+                    <a:schemeClr val="accent2"/>
+                  </a:solidFill>
+                  <a:prstDash val="solid"/>
+                </a:ln>
+                <a:solidFill>
+                  <a:schemeClr val="accent2">
+                    <a:lumMod val="75000"/>
+                  </a:schemeClr>
+                </a:solidFill>
+                <a:effectLst>
+                  <a:outerShdw dist="38100" dir="2700000" algn="tl" rotWithShape="0">
+                    <a:schemeClr val="accent2"/>
+                  </a:outerShdw>
+                </a:effectLst>
+              </a:rPr>
+              <a:t> template engine </a:t>
+            </a:r>
+            <a:r>
+              <a:rPr lang="en-US" sz="2800" b="1" dirty="0" err="1" smtClean="0">
+                <a:ln w="6600">
+                  <a:solidFill>
+                    <a:schemeClr val="accent2"/>
+                  </a:solidFill>
+                  <a:prstDash val="solid"/>
+                </a:ln>
+                <a:solidFill>
+                  <a:schemeClr val="accent2">
+                    <a:lumMod val="75000"/>
+                  </a:schemeClr>
+                </a:solidFill>
+                <a:effectLst>
+                  <a:outerShdw dist="38100" dir="2700000" algn="tl" rotWithShape="0">
+                    <a:schemeClr val="accent2"/>
+                  </a:outerShdw>
+                </a:effectLst>
+              </a:rPr>
+              <a:t>ka</a:t>
+            </a:r>
+            <a:r>
+              <a:rPr lang="en-US" sz="2800" b="1" dirty="0" smtClean="0">
+                <a:ln w="6600">
+                  <a:solidFill>
+                    <a:schemeClr val="accent2"/>
+                  </a:solidFill>
+                  <a:prstDash val="solid"/>
+                </a:ln>
+                <a:solidFill>
+                  <a:schemeClr val="accent2">
+                    <a:lumMod val="75000"/>
+                  </a:schemeClr>
+                </a:solidFill>
+                <a:effectLst>
+                  <a:outerShdw dist="38100" dir="2700000" algn="tl" rotWithShape="0">
+                    <a:schemeClr val="accent2"/>
+                  </a:outerShdw>
+                </a:effectLst>
+              </a:rPr>
+              <a:t> use </a:t>
+            </a:r>
+            <a:r>
+              <a:rPr lang="en-US" sz="2800" b="1" dirty="0" err="1" smtClean="0">
+                <a:ln w="6600">
+                  <a:solidFill>
+                    <a:schemeClr val="accent2"/>
+                  </a:solidFill>
+                  <a:prstDash val="solid"/>
+                </a:ln>
+                <a:solidFill>
+                  <a:schemeClr val="accent2">
+                    <a:lumMod val="75000"/>
+                  </a:schemeClr>
+                </a:solidFill>
+                <a:effectLst>
+                  <a:outerShdw dist="38100" dir="2700000" algn="tl" rotWithShape="0">
+                    <a:schemeClr val="accent2"/>
+                  </a:outerShdw>
+                </a:effectLst>
+              </a:rPr>
+              <a:t>ker</a:t>
+            </a:r>
+            <a:r>
+              <a:rPr lang="en-US" sz="2800" b="1" dirty="0" smtClean="0">
+                <a:ln w="6600">
+                  <a:solidFill>
+                    <a:schemeClr val="accent2"/>
+                  </a:solidFill>
+                  <a:prstDash val="solid"/>
+                </a:ln>
+                <a:solidFill>
+                  <a:schemeClr val="accent2">
+                    <a:lumMod val="75000"/>
+                  </a:schemeClr>
+                </a:solidFill>
+                <a:effectLst>
+                  <a:outerShdw dist="38100" dir="2700000" algn="tl" rotWithShape="0">
+                    <a:schemeClr val="accent2"/>
+                  </a:outerShdw>
+                </a:effectLst>
+              </a:rPr>
+              <a:t> </a:t>
+            </a:r>
+            <a:r>
+              <a:rPr lang="en-US" sz="2800" b="1" dirty="0" err="1" smtClean="0">
+                <a:ln w="6600">
+                  <a:solidFill>
+                    <a:schemeClr val="accent2"/>
+                  </a:solidFill>
+                  <a:prstDash val="solid"/>
+                </a:ln>
+                <a:solidFill>
+                  <a:schemeClr val="accent2">
+                    <a:lumMod val="75000"/>
+                  </a:schemeClr>
+                </a:solidFill>
+                <a:effectLst>
+                  <a:outerShdw dist="38100" dir="2700000" algn="tl" rotWithShape="0">
+                    <a:schemeClr val="accent2"/>
+                  </a:outerShdw>
+                </a:effectLst>
+              </a:rPr>
+              <a:t>sakte</a:t>
+            </a:r>
+            <a:r>
+              <a:rPr lang="en-US" sz="2800" b="1" dirty="0" smtClean="0">
+                <a:ln w="6600">
+                  <a:solidFill>
+                    <a:schemeClr val="accent2"/>
+                  </a:solidFill>
+                  <a:prstDash val="solid"/>
+                </a:ln>
+                <a:solidFill>
+                  <a:schemeClr val="accent2">
+                    <a:lumMod val="75000"/>
+                  </a:schemeClr>
+                </a:solidFill>
+                <a:effectLst>
+                  <a:outerShdw dist="38100" dir="2700000" algn="tl" rotWithShape="0">
+                    <a:schemeClr val="accent2"/>
+                  </a:outerShdw>
+                </a:effectLst>
+              </a:rPr>
+              <a:t> </a:t>
+            </a:r>
+            <a:r>
+              <a:rPr lang="en-US" sz="2800" b="1" dirty="0" err="1" smtClean="0">
+                <a:ln w="6600">
+                  <a:solidFill>
+                    <a:schemeClr val="accent2"/>
+                  </a:solidFill>
+                  <a:prstDash val="solid"/>
+                </a:ln>
+                <a:solidFill>
+                  <a:schemeClr val="accent2">
+                    <a:lumMod val="75000"/>
+                  </a:schemeClr>
+                </a:solidFill>
+                <a:effectLst>
+                  <a:outerShdw dist="38100" dir="2700000" algn="tl" rotWithShape="0">
+                    <a:schemeClr val="accent2"/>
+                  </a:outerShdw>
+                </a:effectLst>
+              </a:rPr>
+              <a:t>hai</a:t>
+            </a:r>
+            <a:r>
+              <a:rPr lang="en-US" sz="2800" b="1" dirty="0" smtClean="0">
+                <a:ln w="6600">
+                  <a:solidFill>
+                    <a:schemeClr val="accent2"/>
+                  </a:solidFill>
+                  <a:prstDash val="solid"/>
+                </a:ln>
+                <a:solidFill>
+                  <a:schemeClr val="accent2">
+                    <a:lumMod val="75000"/>
+                  </a:schemeClr>
+                </a:solidFill>
+                <a:effectLst>
+                  <a:outerShdw dist="38100" dir="2700000" algn="tl" rotWithShape="0">
+                    <a:schemeClr val="accent2"/>
+                  </a:outerShdw>
+                </a:effectLst>
+              </a:rPr>
+              <a:t>, </a:t>
+            </a:r>
+            <a:r>
+              <a:rPr lang="en-US" sz="2800" b="1" dirty="0" err="1" smtClean="0">
+                <a:ln w="6600">
+                  <a:solidFill>
+                    <a:schemeClr val="accent2"/>
+                  </a:solidFill>
+                  <a:prstDash val="solid"/>
+                </a:ln>
+                <a:solidFill>
+                  <a:schemeClr val="accent2">
+                    <a:lumMod val="75000"/>
+                  </a:schemeClr>
+                </a:solidFill>
+                <a:effectLst>
+                  <a:outerShdw dist="38100" dir="2700000" algn="tl" rotWithShape="0">
+                    <a:schemeClr val="accent2"/>
+                  </a:outerShdw>
+                </a:effectLst>
+              </a:rPr>
+              <a:t>ya</a:t>
+            </a:r>
+            <a:r>
+              <a:rPr lang="en-US" sz="2800" b="1" dirty="0" smtClean="0">
+                <a:ln w="6600">
+                  <a:solidFill>
+                    <a:schemeClr val="accent2"/>
+                  </a:solidFill>
+                  <a:prstDash val="solid"/>
+                </a:ln>
+                <a:solidFill>
+                  <a:schemeClr val="accent2">
+                    <a:lumMod val="75000"/>
+                  </a:schemeClr>
+                </a:solidFill>
+                <a:effectLst>
+                  <a:outerShdw dist="38100" dir="2700000" algn="tl" rotWithShape="0">
+                    <a:schemeClr val="accent2"/>
+                  </a:outerShdw>
+                </a:effectLst>
+              </a:rPr>
+              <a:t> fir koi </a:t>
+            </a:r>
+            <a:r>
+              <a:rPr lang="en-US" sz="2800" b="1" dirty="0" err="1" smtClean="0">
+                <a:ln w="6600">
+                  <a:solidFill>
+                    <a:schemeClr val="accent2"/>
+                  </a:solidFill>
+                  <a:prstDash val="solid"/>
+                </a:ln>
+                <a:solidFill>
+                  <a:schemeClr val="accent2">
+                    <a:lumMod val="75000"/>
+                  </a:schemeClr>
+                </a:solidFill>
+                <a:effectLst>
+                  <a:outerShdw dist="38100" dir="2700000" algn="tl" rotWithShape="0">
+                    <a:schemeClr val="accent2"/>
+                  </a:outerShdw>
+                </a:effectLst>
+              </a:rPr>
+              <a:t>bhi</a:t>
+            </a:r>
+            <a:r>
+              <a:rPr lang="en-US" sz="2800" b="1" dirty="0" smtClean="0">
+                <a:ln w="6600">
+                  <a:solidFill>
+                    <a:schemeClr val="accent2"/>
+                  </a:solidFill>
+                  <a:prstDash val="solid"/>
+                </a:ln>
+                <a:solidFill>
+                  <a:schemeClr val="accent2">
+                    <a:lumMod val="75000"/>
+                  </a:schemeClr>
+                </a:solidFill>
+                <a:effectLst>
+                  <a:outerShdw dist="38100" dir="2700000" algn="tl" rotWithShape="0">
+                    <a:schemeClr val="accent2"/>
+                  </a:outerShdw>
+                </a:effectLst>
+              </a:rPr>
+              <a:t> frontend library </a:t>
+            </a:r>
+            <a:r>
+              <a:rPr lang="en-US" sz="2800" b="1" dirty="0" err="1" smtClean="0">
+                <a:ln w="6600">
+                  <a:solidFill>
+                    <a:schemeClr val="accent2"/>
+                  </a:solidFill>
+                  <a:prstDash val="solid"/>
+                </a:ln>
+                <a:solidFill>
+                  <a:schemeClr val="accent2">
+                    <a:lumMod val="75000"/>
+                  </a:schemeClr>
+                </a:solidFill>
+                <a:effectLst>
+                  <a:outerShdw dist="38100" dir="2700000" algn="tl" rotWithShape="0">
+                    <a:schemeClr val="accent2"/>
+                  </a:outerShdw>
+                </a:effectLst>
+              </a:rPr>
+              <a:t>jase</a:t>
+            </a:r>
+            <a:r>
+              <a:rPr lang="en-US" sz="2800" b="1" dirty="0" smtClean="0">
+                <a:ln w="6600">
+                  <a:solidFill>
+                    <a:schemeClr val="accent2"/>
+                  </a:solidFill>
+                  <a:prstDash val="solid"/>
+                </a:ln>
+                <a:solidFill>
+                  <a:schemeClr val="accent2">
+                    <a:lumMod val="75000"/>
+                  </a:schemeClr>
+                </a:solidFill>
+                <a:effectLst>
+                  <a:outerShdw dist="38100" dir="2700000" algn="tl" rotWithShape="0">
+                    <a:schemeClr val="accent2"/>
+                  </a:outerShdw>
+                </a:effectLst>
+              </a:rPr>
+              <a:t> </a:t>
+            </a:r>
+            <a:r>
+              <a:rPr lang="en-US" sz="2800" b="1" dirty="0" err="1" smtClean="0">
+                <a:ln w="6600">
+                  <a:solidFill>
+                    <a:schemeClr val="accent2"/>
+                  </a:solidFill>
+                  <a:prstDash val="solid"/>
+                </a:ln>
+                <a:solidFill>
+                  <a:schemeClr val="accent2">
+                    <a:lumMod val="75000"/>
+                  </a:schemeClr>
+                </a:solidFill>
+                <a:effectLst>
+                  <a:outerShdw dist="38100" dir="2700000" algn="tl" rotWithShape="0">
+                    <a:schemeClr val="accent2"/>
+                  </a:outerShdw>
+                </a:effectLst>
+              </a:rPr>
+              <a:t>Reactjs</a:t>
+            </a:r>
+            <a:r>
+              <a:rPr lang="en-US" sz="2800" b="1" dirty="0" smtClean="0">
+                <a:ln w="6600">
+                  <a:solidFill>
+                    <a:schemeClr val="accent2"/>
+                  </a:solidFill>
+                  <a:prstDash val="solid"/>
+                </a:ln>
+                <a:solidFill>
+                  <a:schemeClr val="accent2">
+                    <a:lumMod val="75000"/>
+                  </a:schemeClr>
+                </a:solidFill>
+                <a:effectLst>
+                  <a:outerShdw dist="38100" dir="2700000" algn="tl" rotWithShape="0">
+                    <a:schemeClr val="accent2"/>
+                  </a:outerShdw>
+                </a:effectLst>
+              </a:rPr>
+              <a:t>, Angular, </a:t>
+            </a:r>
+            <a:r>
+              <a:rPr lang="en-US" sz="2800" b="1" dirty="0" err="1" smtClean="0">
+                <a:ln w="6600">
+                  <a:solidFill>
+                    <a:schemeClr val="accent2"/>
+                  </a:solidFill>
+                  <a:prstDash val="solid"/>
+                </a:ln>
+                <a:solidFill>
+                  <a:schemeClr val="accent2">
+                    <a:lumMod val="75000"/>
+                  </a:schemeClr>
+                </a:solidFill>
+                <a:effectLst>
+                  <a:outerShdw dist="38100" dir="2700000" algn="tl" rotWithShape="0">
+                    <a:schemeClr val="accent2"/>
+                  </a:outerShdw>
+                </a:effectLst>
+              </a:rPr>
+              <a:t>Vue</a:t>
+            </a:r>
+            <a:r>
+              <a:rPr lang="en-US" sz="2800" b="1" dirty="0" smtClean="0">
+                <a:ln w="6600">
+                  <a:solidFill>
+                    <a:schemeClr val="accent2"/>
+                  </a:solidFill>
+                  <a:prstDash val="solid"/>
+                </a:ln>
+                <a:solidFill>
+                  <a:schemeClr val="accent2">
+                    <a:lumMod val="75000"/>
+                  </a:schemeClr>
+                </a:solidFill>
+                <a:effectLst>
+                  <a:outerShdw dist="38100" dir="2700000" algn="tl" rotWithShape="0">
+                    <a:schemeClr val="accent2"/>
+                  </a:outerShdw>
+                </a:effectLst>
+              </a:rPr>
+              <a:t> </a:t>
+            </a:r>
+            <a:r>
+              <a:rPr lang="en-US" sz="2800" b="1" dirty="0" err="1" smtClean="0">
+                <a:ln w="6600">
+                  <a:solidFill>
+                    <a:schemeClr val="accent2"/>
+                  </a:solidFill>
+                  <a:prstDash val="solid"/>
+                </a:ln>
+                <a:solidFill>
+                  <a:schemeClr val="accent2">
+                    <a:lumMod val="75000"/>
+                  </a:schemeClr>
+                </a:solidFill>
+                <a:effectLst>
+                  <a:outerShdw dist="38100" dir="2700000" algn="tl" rotWithShape="0">
+                    <a:schemeClr val="accent2"/>
+                  </a:outerShdw>
+                </a:effectLst>
+              </a:rPr>
+              <a:t>jo</a:t>
+            </a:r>
+            <a:r>
+              <a:rPr lang="en-US" sz="2800" b="1" dirty="0" smtClean="0">
+                <a:ln w="6600">
+                  <a:solidFill>
+                    <a:schemeClr val="accent2"/>
+                  </a:solidFill>
+                  <a:prstDash val="solid"/>
+                </a:ln>
+                <a:solidFill>
+                  <a:schemeClr val="accent2">
+                    <a:lumMod val="75000"/>
+                  </a:schemeClr>
+                </a:solidFill>
+                <a:effectLst>
+                  <a:outerShdw dist="38100" dir="2700000" algn="tl" rotWithShape="0">
+                    <a:schemeClr val="accent2"/>
+                  </a:outerShdw>
+                </a:effectLst>
+              </a:rPr>
+              <a:t> </a:t>
+            </a:r>
+            <a:r>
+              <a:rPr lang="en-US" sz="2800" b="1" dirty="0" err="1" smtClean="0">
+                <a:ln w="6600">
+                  <a:solidFill>
+                    <a:schemeClr val="accent2"/>
+                  </a:solidFill>
+                  <a:prstDash val="solid"/>
+                </a:ln>
+                <a:solidFill>
+                  <a:schemeClr val="accent2">
+                    <a:lumMod val="75000"/>
+                  </a:schemeClr>
+                </a:solidFill>
+                <a:effectLst>
+                  <a:outerShdw dist="38100" dir="2700000" algn="tl" rotWithShape="0">
+                    <a:schemeClr val="accent2"/>
+                  </a:outerShdw>
+                </a:effectLst>
+              </a:rPr>
+              <a:t>bhi</a:t>
+            </a:r>
+            <a:r>
+              <a:rPr lang="en-US" sz="2800" b="1" dirty="0" smtClean="0">
+                <a:ln w="6600">
+                  <a:solidFill>
+                    <a:schemeClr val="accent2"/>
+                  </a:solidFill>
+                  <a:prstDash val="solid"/>
+                </a:ln>
+                <a:solidFill>
+                  <a:schemeClr val="accent2">
+                    <a:lumMod val="75000"/>
+                  </a:schemeClr>
+                </a:solidFill>
+                <a:effectLst>
+                  <a:outerShdw dist="38100" dir="2700000" algn="tl" rotWithShape="0">
+                    <a:schemeClr val="accent2"/>
+                  </a:outerShdw>
+                </a:effectLst>
+              </a:rPr>
+              <a:t> </a:t>
+            </a:r>
+            <a:r>
+              <a:rPr lang="en-US" sz="2800" b="1" dirty="0" err="1" smtClean="0">
+                <a:ln w="6600">
+                  <a:solidFill>
+                    <a:schemeClr val="accent2"/>
+                  </a:solidFill>
+                  <a:prstDash val="solid"/>
+                </a:ln>
+                <a:solidFill>
+                  <a:schemeClr val="accent2">
+                    <a:lumMod val="75000"/>
+                  </a:schemeClr>
+                </a:solidFill>
+                <a:effectLst>
+                  <a:outerShdw dist="38100" dir="2700000" algn="tl" rotWithShape="0">
+                    <a:schemeClr val="accent2"/>
+                  </a:outerShdw>
+                </a:effectLst>
+              </a:rPr>
+              <a:t>hm</a:t>
+            </a:r>
+            <a:r>
+              <a:rPr lang="en-US" sz="2800" b="1" dirty="0" smtClean="0">
+                <a:ln w="6600">
+                  <a:solidFill>
+                    <a:schemeClr val="accent2"/>
+                  </a:solidFill>
+                  <a:prstDash val="solid"/>
+                </a:ln>
+                <a:solidFill>
+                  <a:schemeClr val="accent2">
+                    <a:lumMod val="75000"/>
+                  </a:schemeClr>
+                </a:solidFill>
+                <a:effectLst>
+                  <a:outerShdw dist="38100" dir="2700000" algn="tl" rotWithShape="0">
+                    <a:schemeClr val="accent2"/>
+                  </a:outerShdw>
+                </a:effectLst>
+              </a:rPr>
+              <a:t> use </a:t>
+            </a:r>
+            <a:r>
+              <a:rPr lang="en-US" sz="2800" b="1" dirty="0" err="1" smtClean="0">
+                <a:ln w="6600">
+                  <a:solidFill>
+                    <a:schemeClr val="accent2"/>
+                  </a:solidFill>
+                  <a:prstDash val="solid"/>
+                </a:ln>
+                <a:solidFill>
+                  <a:schemeClr val="accent2">
+                    <a:lumMod val="75000"/>
+                  </a:schemeClr>
+                </a:solidFill>
+                <a:effectLst>
+                  <a:outerShdw dist="38100" dir="2700000" algn="tl" rotWithShape="0">
+                    <a:schemeClr val="accent2"/>
+                  </a:outerShdw>
+                </a:effectLst>
+              </a:rPr>
+              <a:t>kerte</a:t>
+            </a:r>
+            <a:r>
+              <a:rPr lang="en-US" sz="2800" b="1" dirty="0" smtClean="0">
+                <a:ln w="6600">
+                  <a:solidFill>
+                    <a:schemeClr val="accent2"/>
+                  </a:solidFill>
+                  <a:prstDash val="solid"/>
+                </a:ln>
+                <a:solidFill>
+                  <a:schemeClr val="accent2">
+                    <a:lumMod val="75000"/>
+                  </a:schemeClr>
+                </a:solidFill>
+                <a:effectLst>
+                  <a:outerShdw dist="38100" dir="2700000" algn="tl" rotWithShape="0">
+                    <a:schemeClr val="accent2"/>
+                  </a:outerShdw>
+                </a:effectLst>
+              </a:rPr>
+              <a:t> h to </a:t>
+            </a:r>
+            <a:r>
+              <a:rPr lang="en-US" sz="2800" b="1" dirty="0" err="1" smtClean="0">
+                <a:ln w="6600">
+                  <a:solidFill>
+                    <a:schemeClr val="accent2"/>
+                  </a:solidFill>
+                  <a:prstDash val="solid"/>
+                </a:ln>
+                <a:solidFill>
+                  <a:schemeClr val="accent2">
+                    <a:lumMod val="75000"/>
+                  </a:schemeClr>
+                </a:solidFill>
+                <a:effectLst>
+                  <a:outerShdw dist="38100" dir="2700000" algn="tl" rotWithShape="0">
+                    <a:schemeClr val="accent2"/>
+                  </a:outerShdw>
+                </a:effectLst>
+              </a:rPr>
+              <a:t>usse</a:t>
+            </a:r>
+            <a:r>
+              <a:rPr lang="en-US" sz="2800" b="1" dirty="0" smtClean="0">
+                <a:ln w="6600">
+                  <a:solidFill>
+                    <a:schemeClr val="accent2"/>
+                  </a:solidFill>
+                  <a:prstDash val="solid"/>
+                </a:ln>
+                <a:solidFill>
+                  <a:schemeClr val="accent2">
+                    <a:lumMod val="75000"/>
+                  </a:schemeClr>
+                </a:solidFill>
+                <a:effectLst>
+                  <a:outerShdw dist="38100" dir="2700000" algn="tl" rotWithShape="0">
+                    <a:schemeClr val="accent2"/>
+                  </a:outerShdw>
+                </a:effectLst>
+              </a:rPr>
+              <a:t> </a:t>
+            </a:r>
+            <a:r>
+              <a:rPr lang="en-US" sz="2800" b="1" dirty="0" err="1" smtClean="0">
+                <a:ln w="6600">
+                  <a:solidFill>
+                    <a:schemeClr val="accent2"/>
+                  </a:solidFill>
+                  <a:prstDash val="solid"/>
+                </a:ln>
+                <a:solidFill>
+                  <a:schemeClr val="accent2">
+                    <a:lumMod val="75000"/>
+                  </a:schemeClr>
+                </a:solidFill>
+                <a:effectLst>
+                  <a:outerShdw dist="38100" dir="2700000" algn="tl" rotWithShape="0">
+                    <a:schemeClr val="accent2"/>
+                  </a:outerShdw>
+                </a:effectLst>
+              </a:rPr>
+              <a:t>hm</a:t>
+            </a:r>
+            <a:r>
+              <a:rPr lang="en-US" sz="2800" b="1" dirty="0" smtClean="0">
+                <a:ln w="6600">
+                  <a:solidFill>
+                    <a:schemeClr val="accent2"/>
+                  </a:solidFill>
+                  <a:prstDash val="solid"/>
+                </a:ln>
+                <a:solidFill>
+                  <a:schemeClr val="accent2">
+                    <a:lumMod val="75000"/>
+                  </a:schemeClr>
+                </a:solidFill>
+                <a:effectLst>
+                  <a:outerShdw dist="38100" dir="2700000" algn="tl" rotWithShape="0">
+                    <a:schemeClr val="accent2"/>
+                  </a:outerShdw>
+                </a:effectLst>
+              </a:rPr>
+              <a:t> view </a:t>
+            </a:r>
+            <a:r>
+              <a:rPr lang="en-US" sz="2800" b="1" dirty="0" err="1" smtClean="0">
+                <a:ln w="6600">
+                  <a:solidFill>
+                    <a:schemeClr val="accent2"/>
+                  </a:solidFill>
+                  <a:prstDash val="solid"/>
+                </a:ln>
+                <a:solidFill>
+                  <a:schemeClr val="accent2">
+                    <a:lumMod val="75000"/>
+                  </a:schemeClr>
+                </a:solidFill>
+                <a:effectLst>
+                  <a:outerShdw dist="38100" dir="2700000" algn="tl" rotWithShape="0">
+                    <a:schemeClr val="accent2"/>
+                  </a:outerShdw>
+                </a:effectLst>
+              </a:rPr>
+              <a:t>ke</a:t>
+            </a:r>
+            <a:r>
+              <a:rPr lang="en-US" sz="2800" b="1" dirty="0" smtClean="0">
+                <a:ln w="6600">
+                  <a:solidFill>
+                    <a:schemeClr val="accent2"/>
+                  </a:solidFill>
+                  <a:prstDash val="solid"/>
+                </a:ln>
+                <a:solidFill>
+                  <a:schemeClr val="accent2">
+                    <a:lumMod val="75000"/>
+                  </a:schemeClr>
+                </a:solidFill>
+                <a:effectLst>
+                  <a:outerShdw dist="38100" dir="2700000" algn="tl" rotWithShape="0">
+                    <a:schemeClr val="accent2"/>
+                  </a:outerShdw>
+                </a:effectLst>
+              </a:rPr>
+              <a:t> under </a:t>
+            </a:r>
+            <a:r>
+              <a:rPr lang="en-US" sz="2800" b="1" dirty="0" err="1" smtClean="0">
+                <a:ln w="6600">
+                  <a:solidFill>
+                    <a:schemeClr val="accent2"/>
+                  </a:solidFill>
+                  <a:prstDash val="solid"/>
+                </a:ln>
+                <a:solidFill>
+                  <a:schemeClr val="accent2">
+                    <a:lumMod val="75000"/>
+                  </a:schemeClr>
+                </a:solidFill>
+                <a:effectLst>
+                  <a:outerShdw dist="38100" dir="2700000" algn="tl" rotWithShape="0">
+                    <a:schemeClr val="accent2"/>
+                  </a:outerShdw>
+                </a:effectLst>
+              </a:rPr>
+              <a:t>rakhte</a:t>
+            </a:r>
+            <a:r>
+              <a:rPr lang="en-US" sz="2800" b="1" dirty="0" smtClean="0">
+                <a:ln w="6600">
+                  <a:solidFill>
+                    <a:schemeClr val="accent2"/>
+                  </a:solidFill>
+                  <a:prstDash val="solid"/>
+                </a:ln>
+                <a:solidFill>
+                  <a:schemeClr val="accent2">
+                    <a:lumMod val="75000"/>
+                  </a:schemeClr>
+                </a:solidFill>
+                <a:effectLst>
+                  <a:outerShdw dist="38100" dir="2700000" algn="tl" rotWithShape="0">
+                    <a:schemeClr val="accent2"/>
+                  </a:outerShdw>
+                </a:effectLst>
+              </a:rPr>
+              <a:t> h.</a:t>
+            </a:r>
+            <a:endParaRPr lang="en-US" sz="2800" b="1" dirty="0" smtClean="0">
+              <a:ln w="6600">
+                <a:solidFill>
+                  <a:schemeClr val="accent2"/>
+                </a:solidFill>
+                <a:prstDash val="solid"/>
+              </a:ln>
+              <a:solidFill>
+                <a:srgbClr val="FFFFFF"/>
+              </a:solidFill>
+              <a:effectLst>
+                <a:outerShdw dist="38100" dir="2700000" algn="tl" rotWithShape="0">
+                  <a:schemeClr val="accent2"/>
+                </a:outerShdw>
+              </a:effectLst>
+            </a:endParaRPr>
+          </a:p>
+          <a:p>
+            <a:pPr marL="571500" indent="-571500">
+              <a:buFont typeface="+mj-lt"/>
+              <a:buAutoNum type="arabicPeriod"/>
+            </a:pPr>
+            <a:r>
+              <a:rPr lang="en-US" sz="2800" b="1" dirty="0" smtClean="0">
+                <a:ln/>
+                <a:solidFill>
+                  <a:schemeClr val="accent3"/>
+                </a:solidFill>
+              </a:rPr>
+              <a:t>CONTROLLER : </a:t>
+            </a:r>
+            <a:r>
+              <a:rPr lang="en-US" sz="2800" b="1" dirty="0" smtClean="0">
+                <a:ln w="6600">
+                  <a:solidFill>
+                    <a:schemeClr val="accent2"/>
+                  </a:solidFill>
+                  <a:prstDash val="solid"/>
+                </a:ln>
+                <a:solidFill>
+                  <a:schemeClr val="accent2">
+                    <a:lumMod val="75000"/>
+                  </a:schemeClr>
+                </a:solidFill>
+                <a:effectLst>
+                  <a:outerShdw dist="38100" dir="2700000" algn="tl" rotWithShape="0">
+                    <a:schemeClr val="accent2"/>
+                  </a:outerShdw>
+                </a:effectLst>
+              </a:rPr>
+              <a:t>controller me </a:t>
+            </a:r>
+            <a:r>
+              <a:rPr lang="en-US" sz="2800" b="1" dirty="0" err="1" smtClean="0">
+                <a:ln w="6600">
+                  <a:solidFill>
+                    <a:schemeClr val="accent2"/>
+                  </a:solidFill>
+                  <a:prstDash val="solid"/>
+                </a:ln>
+                <a:solidFill>
+                  <a:schemeClr val="accent2">
+                    <a:lumMod val="75000"/>
+                  </a:schemeClr>
+                </a:solidFill>
+                <a:effectLst>
+                  <a:outerShdw dist="38100" dir="2700000" algn="tl" rotWithShape="0">
+                    <a:schemeClr val="accent2"/>
+                  </a:outerShdw>
+                </a:effectLst>
+              </a:rPr>
+              <a:t>hamare</a:t>
+            </a:r>
+            <a:r>
+              <a:rPr lang="en-US" sz="2800" b="1" dirty="0" smtClean="0">
+                <a:ln w="6600">
+                  <a:solidFill>
+                    <a:schemeClr val="accent2"/>
+                  </a:solidFill>
+                  <a:prstDash val="solid"/>
+                </a:ln>
+                <a:solidFill>
+                  <a:schemeClr val="accent2">
+                    <a:lumMod val="75000"/>
+                  </a:schemeClr>
+                </a:solidFill>
+                <a:effectLst>
+                  <a:outerShdw dist="38100" dir="2700000" algn="tl" rotWithShape="0">
+                    <a:schemeClr val="accent2"/>
+                  </a:outerShdw>
+                </a:effectLst>
+              </a:rPr>
+              <a:t> pass </a:t>
+            </a:r>
+            <a:r>
+              <a:rPr lang="en-US" sz="2800" b="1" dirty="0" err="1" smtClean="0">
+                <a:ln w="6600">
+                  <a:solidFill>
+                    <a:schemeClr val="accent2"/>
+                  </a:solidFill>
+                  <a:prstDash val="solid"/>
+                </a:ln>
+                <a:solidFill>
+                  <a:schemeClr val="accent2">
+                    <a:lumMod val="75000"/>
+                  </a:schemeClr>
+                </a:solidFill>
+                <a:effectLst>
+                  <a:outerShdw dist="38100" dir="2700000" algn="tl" rotWithShape="0">
+                    <a:schemeClr val="accent2"/>
+                  </a:outerShdw>
+                </a:effectLst>
+              </a:rPr>
+              <a:t>hoti</a:t>
+            </a:r>
+            <a:r>
+              <a:rPr lang="en-US" sz="2800" b="1" dirty="0" smtClean="0">
+                <a:ln w="6600">
+                  <a:solidFill>
+                    <a:schemeClr val="accent2"/>
+                  </a:solidFill>
+                  <a:prstDash val="solid"/>
+                </a:ln>
+                <a:solidFill>
+                  <a:schemeClr val="accent2">
+                    <a:lumMod val="75000"/>
+                  </a:schemeClr>
+                </a:solidFill>
+                <a:effectLst>
+                  <a:outerShdw dist="38100" dir="2700000" algn="tl" rotWithShape="0">
+                    <a:schemeClr val="accent2"/>
+                  </a:outerShdw>
+                </a:effectLst>
+              </a:rPr>
+              <a:t> h API </a:t>
+            </a:r>
+            <a:r>
+              <a:rPr lang="en-US" sz="2800" b="1" dirty="0" err="1" smtClean="0">
+                <a:ln w="6600">
+                  <a:solidFill>
+                    <a:schemeClr val="accent2"/>
+                  </a:solidFill>
+                  <a:prstDash val="solid"/>
+                </a:ln>
+                <a:solidFill>
+                  <a:schemeClr val="accent2">
+                    <a:lumMod val="75000"/>
+                  </a:schemeClr>
+                </a:solidFill>
+                <a:effectLst>
+                  <a:outerShdw dist="38100" dir="2700000" algn="tl" rotWithShape="0">
+                    <a:schemeClr val="accent2"/>
+                  </a:outerShdw>
+                </a:effectLst>
+              </a:rPr>
+              <a:t>ya</a:t>
+            </a:r>
+            <a:r>
+              <a:rPr lang="en-US" sz="2800" b="1" dirty="0" smtClean="0">
+                <a:ln w="6600">
+                  <a:solidFill>
+                    <a:schemeClr val="accent2"/>
+                  </a:solidFill>
+                  <a:prstDash val="solid"/>
+                </a:ln>
+                <a:solidFill>
+                  <a:schemeClr val="accent2">
+                    <a:lumMod val="75000"/>
+                  </a:schemeClr>
+                </a:solidFill>
+                <a:effectLst>
+                  <a:outerShdw dist="38100" dir="2700000" algn="tl" rotWithShape="0">
+                    <a:schemeClr val="accent2"/>
+                  </a:outerShdw>
+                </a:effectLst>
+              </a:rPr>
+              <a:t> fir </a:t>
+            </a:r>
+            <a:r>
+              <a:rPr lang="en-US" sz="2800" b="1" dirty="0" err="1" smtClean="0">
+                <a:ln w="6600">
+                  <a:solidFill>
+                    <a:schemeClr val="accent2"/>
+                  </a:solidFill>
+                  <a:prstDash val="solid"/>
+                </a:ln>
+                <a:solidFill>
+                  <a:schemeClr val="accent2">
+                    <a:lumMod val="75000"/>
+                  </a:schemeClr>
+                </a:solidFill>
+                <a:effectLst>
+                  <a:outerShdw dist="38100" dir="2700000" algn="tl" rotWithShape="0">
+                    <a:schemeClr val="accent2"/>
+                  </a:outerShdw>
+                </a:effectLst>
+              </a:rPr>
+              <a:t>bussiness</a:t>
+            </a:r>
+            <a:r>
+              <a:rPr lang="en-US" sz="2800" b="1" dirty="0" smtClean="0">
+                <a:ln w="6600">
+                  <a:solidFill>
+                    <a:schemeClr val="accent2"/>
+                  </a:solidFill>
+                  <a:prstDash val="solid"/>
+                </a:ln>
+                <a:solidFill>
+                  <a:schemeClr val="accent2">
+                    <a:lumMod val="75000"/>
+                  </a:schemeClr>
+                </a:solidFill>
+                <a:effectLst>
+                  <a:outerShdw dist="38100" dir="2700000" algn="tl" rotWithShape="0">
+                    <a:schemeClr val="accent2"/>
+                  </a:outerShdw>
+                </a:effectLst>
+              </a:rPr>
+              <a:t> logic, </a:t>
+            </a:r>
+            <a:r>
+              <a:rPr lang="en-US" sz="2800" b="1" dirty="0" err="1" smtClean="0">
+                <a:ln w="6600">
+                  <a:solidFill>
+                    <a:schemeClr val="accent2"/>
+                  </a:solidFill>
+                  <a:prstDash val="solid"/>
+                </a:ln>
+                <a:solidFill>
+                  <a:schemeClr val="accent2">
+                    <a:lumMod val="75000"/>
+                  </a:schemeClr>
+                </a:solidFill>
+                <a:effectLst>
+                  <a:outerShdw dist="38100" dir="2700000" algn="tl" rotWithShape="0">
+                    <a:schemeClr val="accent2"/>
+                  </a:outerShdw>
+                </a:effectLst>
+              </a:rPr>
+              <a:t>jo</a:t>
+            </a:r>
+            <a:r>
+              <a:rPr lang="en-US" sz="2800" b="1" dirty="0" smtClean="0">
+                <a:ln w="6600">
+                  <a:solidFill>
+                    <a:schemeClr val="accent2"/>
+                  </a:solidFill>
+                  <a:prstDash val="solid"/>
+                </a:ln>
+                <a:solidFill>
+                  <a:schemeClr val="accent2">
+                    <a:lumMod val="75000"/>
+                  </a:schemeClr>
+                </a:solidFill>
+                <a:effectLst>
+                  <a:outerShdw dist="38100" dir="2700000" algn="tl" rotWithShape="0">
+                    <a:schemeClr val="accent2"/>
+                  </a:outerShdw>
+                </a:effectLst>
+              </a:rPr>
+              <a:t> </a:t>
+            </a:r>
+            <a:r>
+              <a:rPr lang="en-US" sz="2800" b="1" dirty="0" err="1" smtClean="0">
+                <a:ln w="6600">
+                  <a:solidFill>
+                    <a:schemeClr val="accent2"/>
+                  </a:solidFill>
+                  <a:prstDash val="solid"/>
+                </a:ln>
+                <a:solidFill>
+                  <a:schemeClr val="accent2">
+                    <a:lumMod val="75000"/>
+                  </a:schemeClr>
+                </a:solidFill>
+                <a:effectLst>
+                  <a:outerShdw dist="38100" dir="2700000" algn="tl" rotWithShape="0">
+                    <a:schemeClr val="accent2"/>
+                  </a:outerShdw>
+                </a:effectLst>
+              </a:rPr>
+              <a:t>bhi</a:t>
+            </a:r>
+            <a:r>
+              <a:rPr lang="en-US" sz="2800" b="1" dirty="0" smtClean="0">
+                <a:ln w="6600">
+                  <a:solidFill>
+                    <a:schemeClr val="accent2"/>
+                  </a:solidFill>
+                  <a:prstDash val="solid"/>
+                </a:ln>
+                <a:solidFill>
+                  <a:schemeClr val="accent2">
+                    <a:lumMod val="75000"/>
+                  </a:schemeClr>
+                </a:solidFill>
+                <a:effectLst>
+                  <a:outerShdw dist="38100" dir="2700000" algn="tl" rotWithShape="0">
+                    <a:schemeClr val="accent2"/>
+                  </a:outerShdw>
+                </a:effectLst>
+              </a:rPr>
+              <a:t> </a:t>
+            </a:r>
+            <a:r>
+              <a:rPr lang="en-US" sz="2800" b="1" dirty="0" err="1" smtClean="0">
+                <a:ln w="6600">
+                  <a:solidFill>
+                    <a:schemeClr val="accent2"/>
+                  </a:solidFill>
+                  <a:prstDash val="solid"/>
+                </a:ln>
+                <a:solidFill>
+                  <a:schemeClr val="accent2">
+                    <a:lumMod val="75000"/>
+                  </a:schemeClr>
+                </a:solidFill>
+                <a:effectLst>
+                  <a:outerShdw dist="38100" dir="2700000" algn="tl" rotWithShape="0">
+                    <a:schemeClr val="accent2"/>
+                  </a:outerShdw>
+                </a:effectLst>
+              </a:rPr>
+              <a:t>hamare</a:t>
+            </a:r>
+            <a:r>
+              <a:rPr lang="en-US" sz="2800" b="1" dirty="0" smtClean="0">
+                <a:ln w="6600">
+                  <a:solidFill>
+                    <a:schemeClr val="accent2"/>
+                  </a:solidFill>
+                  <a:prstDash val="solid"/>
+                </a:ln>
+                <a:solidFill>
+                  <a:schemeClr val="accent2">
+                    <a:lumMod val="75000"/>
+                  </a:schemeClr>
+                </a:solidFill>
+                <a:effectLst>
+                  <a:outerShdw dist="38100" dir="2700000" algn="tl" rotWithShape="0">
+                    <a:schemeClr val="accent2"/>
+                  </a:outerShdw>
+                </a:effectLst>
+              </a:rPr>
+              <a:t> </a:t>
+            </a:r>
+            <a:r>
+              <a:rPr lang="en-US" sz="2800" b="1" dirty="0" err="1" smtClean="0">
+                <a:ln w="6600">
+                  <a:solidFill>
+                    <a:schemeClr val="accent2"/>
+                  </a:solidFill>
+                  <a:prstDash val="solid"/>
+                </a:ln>
+                <a:solidFill>
+                  <a:schemeClr val="accent2">
+                    <a:lumMod val="75000"/>
+                  </a:schemeClr>
+                </a:solidFill>
+                <a:effectLst>
+                  <a:outerShdw dist="38100" dir="2700000" algn="tl" rotWithShape="0">
+                    <a:schemeClr val="accent2"/>
+                  </a:outerShdw>
+                </a:effectLst>
+              </a:rPr>
+              <a:t>poject</a:t>
+            </a:r>
+            <a:r>
+              <a:rPr lang="en-US" sz="2800" b="1" dirty="0" smtClean="0">
+                <a:ln w="6600">
+                  <a:solidFill>
+                    <a:schemeClr val="accent2"/>
+                  </a:solidFill>
+                  <a:prstDash val="solid"/>
+                </a:ln>
+                <a:solidFill>
+                  <a:schemeClr val="accent2">
+                    <a:lumMod val="75000"/>
+                  </a:schemeClr>
+                </a:solidFill>
+                <a:effectLst>
+                  <a:outerShdw dist="38100" dir="2700000" algn="tl" rotWithShape="0">
+                    <a:schemeClr val="accent2"/>
+                  </a:outerShdw>
+                </a:effectLst>
+              </a:rPr>
+              <a:t> me functionality </a:t>
+            </a:r>
+            <a:r>
+              <a:rPr lang="en-US" sz="2800" b="1" dirty="0" err="1" smtClean="0">
+                <a:ln w="6600">
+                  <a:solidFill>
+                    <a:schemeClr val="accent2"/>
+                  </a:solidFill>
+                  <a:prstDash val="solid"/>
+                </a:ln>
+                <a:solidFill>
+                  <a:schemeClr val="accent2">
+                    <a:lumMod val="75000"/>
+                  </a:schemeClr>
+                </a:solidFill>
+                <a:effectLst>
+                  <a:outerShdw dist="38100" dir="2700000" algn="tl" rotWithShape="0">
+                    <a:schemeClr val="accent2"/>
+                  </a:outerShdw>
+                </a:effectLst>
+              </a:rPr>
+              <a:t>chaheye</a:t>
+            </a:r>
+            <a:r>
+              <a:rPr lang="en-US" sz="2800" b="1" dirty="0" smtClean="0">
+                <a:ln w="6600">
+                  <a:solidFill>
+                    <a:schemeClr val="accent2"/>
+                  </a:solidFill>
+                  <a:prstDash val="solid"/>
+                </a:ln>
+                <a:solidFill>
+                  <a:schemeClr val="accent2">
+                    <a:lumMod val="75000"/>
+                  </a:schemeClr>
+                </a:solidFill>
+                <a:effectLst>
+                  <a:outerShdw dist="38100" dir="2700000" algn="tl" rotWithShape="0">
+                    <a:schemeClr val="accent2"/>
+                  </a:outerShdw>
+                </a:effectLst>
+              </a:rPr>
+              <a:t> to </a:t>
+            </a:r>
+            <a:r>
+              <a:rPr lang="en-US" sz="2800" b="1" dirty="0" err="1" smtClean="0">
+                <a:ln w="6600">
+                  <a:solidFill>
+                    <a:schemeClr val="accent2"/>
+                  </a:solidFill>
+                  <a:prstDash val="solid"/>
+                </a:ln>
+                <a:solidFill>
+                  <a:schemeClr val="accent2">
+                    <a:lumMod val="75000"/>
+                  </a:schemeClr>
+                </a:solidFill>
+                <a:effectLst>
+                  <a:outerShdw dist="38100" dir="2700000" algn="tl" rotWithShape="0">
+                    <a:schemeClr val="accent2"/>
+                  </a:outerShdw>
+                </a:effectLst>
+              </a:rPr>
+              <a:t>usko</a:t>
+            </a:r>
+            <a:r>
+              <a:rPr lang="en-US" sz="2800" b="1" dirty="0" smtClean="0">
+                <a:ln w="6600">
+                  <a:solidFill>
+                    <a:schemeClr val="accent2"/>
+                  </a:solidFill>
+                  <a:prstDash val="solid"/>
+                </a:ln>
+                <a:solidFill>
+                  <a:schemeClr val="accent2">
+                    <a:lumMod val="75000"/>
+                  </a:schemeClr>
+                </a:solidFill>
+                <a:effectLst>
+                  <a:outerShdw dist="38100" dir="2700000" algn="tl" rotWithShape="0">
+                    <a:schemeClr val="accent2"/>
+                  </a:outerShdw>
+                </a:effectLst>
+              </a:rPr>
+              <a:t> </a:t>
+            </a:r>
+            <a:r>
+              <a:rPr lang="en-US" sz="2800" b="1" dirty="0" err="1" smtClean="0">
+                <a:ln w="6600">
+                  <a:solidFill>
+                    <a:schemeClr val="accent2"/>
+                  </a:solidFill>
+                  <a:prstDash val="solid"/>
+                </a:ln>
+                <a:solidFill>
+                  <a:schemeClr val="accent2">
+                    <a:lumMod val="75000"/>
+                  </a:schemeClr>
+                </a:solidFill>
+                <a:effectLst>
+                  <a:outerShdw dist="38100" dir="2700000" algn="tl" rotWithShape="0">
+                    <a:schemeClr val="accent2"/>
+                  </a:outerShdw>
+                </a:effectLst>
+              </a:rPr>
+              <a:t>hm</a:t>
+            </a:r>
+            <a:r>
+              <a:rPr lang="en-US" sz="2800" b="1" dirty="0" smtClean="0">
+                <a:ln w="6600">
+                  <a:solidFill>
+                    <a:schemeClr val="accent2"/>
+                  </a:solidFill>
+                  <a:prstDash val="solid"/>
+                </a:ln>
+                <a:solidFill>
+                  <a:schemeClr val="accent2">
+                    <a:lumMod val="75000"/>
+                  </a:schemeClr>
+                </a:solidFill>
+                <a:effectLst>
+                  <a:outerShdw dist="38100" dir="2700000" algn="tl" rotWithShape="0">
+                    <a:schemeClr val="accent2"/>
+                  </a:outerShdw>
+                </a:effectLst>
+              </a:rPr>
+              <a:t> controller </a:t>
+            </a:r>
+            <a:r>
+              <a:rPr lang="en-US" sz="2800" b="1" dirty="0" err="1" smtClean="0">
+                <a:ln w="6600">
+                  <a:solidFill>
+                    <a:schemeClr val="accent2"/>
+                  </a:solidFill>
+                  <a:prstDash val="solid"/>
+                </a:ln>
+                <a:solidFill>
+                  <a:schemeClr val="accent2">
+                    <a:lumMod val="75000"/>
+                  </a:schemeClr>
+                </a:solidFill>
+                <a:effectLst>
+                  <a:outerShdw dist="38100" dir="2700000" algn="tl" rotWithShape="0">
+                    <a:schemeClr val="accent2"/>
+                  </a:outerShdw>
+                </a:effectLst>
+              </a:rPr>
+              <a:t>ke</a:t>
+            </a:r>
+            <a:r>
+              <a:rPr lang="en-US" sz="2800" b="1" dirty="0" smtClean="0">
+                <a:ln w="6600">
+                  <a:solidFill>
+                    <a:schemeClr val="accent2"/>
+                  </a:solidFill>
+                  <a:prstDash val="solid"/>
+                </a:ln>
+                <a:solidFill>
+                  <a:schemeClr val="accent2">
+                    <a:lumMod val="75000"/>
+                  </a:schemeClr>
+                </a:solidFill>
+                <a:effectLst>
+                  <a:outerShdw dist="38100" dir="2700000" algn="tl" rotWithShape="0">
+                    <a:schemeClr val="accent2"/>
+                  </a:outerShdw>
+                </a:effectLst>
+              </a:rPr>
+              <a:t> under assign </a:t>
+            </a:r>
+            <a:r>
+              <a:rPr lang="en-US" sz="2800" b="1" dirty="0" err="1" smtClean="0">
+                <a:ln w="6600">
+                  <a:solidFill>
+                    <a:schemeClr val="accent2"/>
+                  </a:solidFill>
+                  <a:prstDash val="solid"/>
+                </a:ln>
+                <a:solidFill>
+                  <a:schemeClr val="accent2">
+                    <a:lumMod val="75000"/>
+                  </a:schemeClr>
+                </a:solidFill>
+                <a:effectLst>
+                  <a:outerShdw dist="38100" dir="2700000" algn="tl" rotWithShape="0">
+                    <a:schemeClr val="accent2"/>
+                  </a:outerShdw>
+                </a:effectLst>
+              </a:rPr>
+              <a:t>ker</a:t>
+            </a:r>
+            <a:r>
+              <a:rPr lang="en-US" sz="2800" b="1" dirty="0" smtClean="0">
+                <a:ln w="6600">
+                  <a:solidFill>
+                    <a:schemeClr val="accent2"/>
+                  </a:solidFill>
+                  <a:prstDash val="solid"/>
+                </a:ln>
+                <a:solidFill>
+                  <a:schemeClr val="accent2">
+                    <a:lumMod val="75000"/>
+                  </a:schemeClr>
+                </a:solidFill>
+                <a:effectLst>
+                  <a:outerShdw dist="38100" dir="2700000" algn="tl" rotWithShape="0">
+                    <a:schemeClr val="accent2"/>
+                  </a:outerShdw>
+                </a:effectLst>
+              </a:rPr>
+              <a:t> </a:t>
+            </a:r>
+            <a:r>
+              <a:rPr lang="en-US" sz="2800" b="1" dirty="0" err="1" smtClean="0">
+                <a:ln w="6600">
+                  <a:solidFill>
+                    <a:schemeClr val="accent2"/>
+                  </a:solidFill>
+                  <a:prstDash val="solid"/>
+                </a:ln>
+                <a:solidFill>
+                  <a:schemeClr val="accent2">
+                    <a:lumMod val="75000"/>
+                  </a:schemeClr>
+                </a:solidFill>
+                <a:effectLst>
+                  <a:outerShdw dist="38100" dir="2700000" algn="tl" rotWithShape="0">
+                    <a:schemeClr val="accent2"/>
+                  </a:outerShdw>
+                </a:effectLst>
+              </a:rPr>
+              <a:t>dete</a:t>
+            </a:r>
+            <a:r>
+              <a:rPr lang="en-US" sz="2800" b="1" dirty="0" smtClean="0">
+                <a:ln w="6600">
+                  <a:solidFill>
+                    <a:schemeClr val="accent2"/>
+                  </a:solidFill>
+                  <a:prstDash val="solid"/>
+                </a:ln>
+                <a:solidFill>
+                  <a:schemeClr val="accent2">
+                    <a:lumMod val="75000"/>
+                  </a:schemeClr>
+                </a:solidFill>
+                <a:effectLst>
+                  <a:outerShdw dist="38100" dir="2700000" algn="tl" rotWithShape="0">
+                    <a:schemeClr val="accent2"/>
+                  </a:outerShdw>
+                </a:effectLst>
+              </a:rPr>
+              <a:t> h.</a:t>
+            </a:r>
+          </a:p>
+          <a:p>
+            <a:pPr marL="571500" indent="-571500">
+              <a:buFont typeface="+mj-lt"/>
+              <a:buAutoNum type="arabicPeriod"/>
+            </a:pPr>
+            <a:r>
+              <a:rPr lang="en-US" sz="2800" b="1" dirty="0" smtClean="0">
+                <a:ln w="6600">
+                  <a:solidFill>
+                    <a:schemeClr val="accent2"/>
+                  </a:solidFill>
+                  <a:prstDash val="solid"/>
+                </a:ln>
+                <a:solidFill>
+                  <a:schemeClr val="accent2">
+                    <a:lumMod val="75000"/>
+                  </a:schemeClr>
+                </a:solidFill>
+                <a:effectLst>
+                  <a:outerShdw dist="38100" dir="2700000" algn="tl" rotWithShape="0">
+                    <a:schemeClr val="accent2"/>
+                  </a:outerShdw>
+                </a:effectLst>
+              </a:rPr>
+              <a:t>Ye </a:t>
+            </a:r>
+            <a:r>
+              <a:rPr lang="en-US" sz="2800" b="1" dirty="0" err="1" smtClean="0">
+                <a:ln w="6600">
+                  <a:solidFill>
+                    <a:schemeClr val="accent2"/>
+                  </a:solidFill>
+                  <a:prstDash val="solid"/>
+                </a:ln>
+                <a:solidFill>
+                  <a:schemeClr val="accent2">
+                    <a:lumMod val="75000"/>
+                  </a:schemeClr>
+                </a:solidFill>
+                <a:effectLst>
+                  <a:outerShdw dist="38100" dir="2700000" algn="tl" rotWithShape="0">
+                    <a:schemeClr val="accent2"/>
+                  </a:outerShdw>
+                </a:effectLst>
+              </a:rPr>
+              <a:t>ek</a:t>
+            </a:r>
+            <a:r>
+              <a:rPr lang="en-US" sz="2800" b="1" dirty="0" smtClean="0">
+                <a:ln w="6600">
+                  <a:solidFill>
+                    <a:schemeClr val="accent2"/>
+                  </a:solidFill>
+                  <a:prstDash val="solid"/>
+                </a:ln>
+                <a:solidFill>
+                  <a:schemeClr val="accent2">
+                    <a:lumMod val="75000"/>
+                  </a:schemeClr>
+                </a:solidFill>
+                <a:effectLst>
+                  <a:outerShdw dist="38100" dir="2700000" algn="tl" rotWithShape="0">
+                    <a:schemeClr val="accent2"/>
+                  </a:outerShdw>
+                </a:effectLst>
+              </a:rPr>
+              <a:t> basic </a:t>
+            </a:r>
+            <a:r>
+              <a:rPr lang="en-US" sz="2800" b="1" dirty="0" err="1" smtClean="0">
+                <a:ln w="6600">
+                  <a:solidFill>
+                    <a:schemeClr val="accent2"/>
+                  </a:solidFill>
+                  <a:prstDash val="solid"/>
+                </a:ln>
+                <a:solidFill>
+                  <a:schemeClr val="accent2">
+                    <a:lumMod val="75000"/>
+                  </a:schemeClr>
+                </a:solidFill>
+                <a:effectLst>
+                  <a:outerShdw dist="38100" dir="2700000" algn="tl" rotWithShape="0">
+                    <a:schemeClr val="accent2"/>
+                  </a:outerShdw>
+                </a:effectLst>
+              </a:rPr>
+              <a:t>approch</a:t>
+            </a:r>
+            <a:r>
+              <a:rPr lang="en-US" sz="2800" b="1" dirty="0" smtClean="0">
+                <a:ln w="6600">
+                  <a:solidFill>
+                    <a:schemeClr val="accent2"/>
+                  </a:solidFill>
+                  <a:prstDash val="solid"/>
+                </a:ln>
+                <a:solidFill>
+                  <a:schemeClr val="accent2">
+                    <a:lumMod val="75000"/>
+                  </a:schemeClr>
+                </a:solidFill>
+                <a:effectLst>
+                  <a:outerShdw dist="38100" dir="2700000" algn="tl" rotWithShape="0">
+                    <a:schemeClr val="accent2"/>
+                  </a:outerShdw>
+                </a:effectLst>
+              </a:rPr>
+              <a:t> h, </a:t>
+            </a:r>
+            <a:r>
+              <a:rPr lang="en-US" sz="2800" b="1" dirty="0" err="1" smtClean="0">
+                <a:ln w="6600">
+                  <a:solidFill>
+                    <a:schemeClr val="accent2"/>
+                  </a:solidFill>
+                  <a:prstDash val="solid"/>
+                </a:ln>
+                <a:solidFill>
+                  <a:schemeClr val="accent2">
+                    <a:lumMod val="75000"/>
+                  </a:schemeClr>
+                </a:solidFill>
+                <a:effectLst>
+                  <a:outerShdw dist="38100" dir="2700000" algn="tl" rotWithShape="0">
+                    <a:schemeClr val="accent2"/>
+                  </a:outerShdw>
+                </a:effectLst>
+              </a:rPr>
+              <a:t>jo</a:t>
+            </a:r>
+            <a:r>
+              <a:rPr lang="en-US" sz="2800" b="1" dirty="0" smtClean="0">
+                <a:ln w="6600">
+                  <a:solidFill>
+                    <a:schemeClr val="accent2"/>
+                  </a:solidFill>
+                  <a:prstDash val="solid"/>
+                </a:ln>
+                <a:solidFill>
+                  <a:schemeClr val="accent2">
+                    <a:lumMod val="75000"/>
+                  </a:schemeClr>
+                </a:solidFill>
+                <a:effectLst>
+                  <a:outerShdw dist="38100" dir="2700000" algn="tl" rotWithShape="0">
+                    <a:schemeClr val="accent2"/>
+                  </a:outerShdw>
+                </a:effectLst>
+              </a:rPr>
+              <a:t> </a:t>
+            </a:r>
+            <a:r>
+              <a:rPr lang="en-US" sz="2800" b="1" dirty="0" err="1" smtClean="0">
+                <a:ln w="6600">
+                  <a:solidFill>
+                    <a:schemeClr val="accent2"/>
+                  </a:solidFill>
+                  <a:prstDash val="solid"/>
+                </a:ln>
+                <a:solidFill>
+                  <a:schemeClr val="accent2">
+                    <a:lumMod val="75000"/>
+                  </a:schemeClr>
+                </a:solidFill>
+                <a:effectLst>
+                  <a:outerShdw dist="38100" dir="2700000" algn="tl" rotWithShape="0">
+                    <a:schemeClr val="accent2"/>
+                  </a:outerShdw>
+                </a:effectLst>
+              </a:rPr>
+              <a:t>bhi</a:t>
+            </a:r>
+            <a:r>
+              <a:rPr lang="en-US" sz="2800" b="1" dirty="0" smtClean="0">
+                <a:ln w="6600">
+                  <a:solidFill>
+                    <a:schemeClr val="accent2"/>
+                  </a:solidFill>
+                  <a:prstDash val="solid"/>
+                </a:ln>
+                <a:solidFill>
+                  <a:schemeClr val="accent2">
+                    <a:lumMod val="75000"/>
+                  </a:schemeClr>
+                </a:solidFill>
+                <a:effectLst>
+                  <a:outerShdw dist="38100" dir="2700000" algn="tl" rotWithShape="0">
+                    <a:schemeClr val="accent2"/>
+                  </a:outerShdw>
+                </a:effectLst>
+              </a:rPr>
+              <a:t> </a:t>
+            </a:r>
+            <a:r>
+              <a:rPr lang="en-US" sz="2800" b="1" dirty="0" err="1" smtClean="0">
+                <a:ln w="6600">
+                  <a:solidFill>
+                    <a:schemeClr val="accent2"/>
+                  </a:solidFill>
+                  <a:prstDash val="solid"/>
+                </a:ln>
+                <a:solidFill>
+                  <a:schemeClr val="accent2">
+                    <a:lumMod val="75000"/>
+                  </a:schemeClr>
+                </a:solidFill>
+                <a:effectLst>
+                  <a:outerShdw dist="38100" dir="2700000" algn="tl" rotWithShape="0">
+                    <a:schemeClr val="accent2"/>
+                  </a:outerShdw>
+                </a:effectLst>
+              </a:rPr>
+              <a:t>hm</a:t>
+            </a:r>
+            <a:r>
+              <a:rPr lang="en-US" sz="2800" b="1" dirty="0" smtClean="0">
+                <a:ln w="6600">
+                  <a:solidFill>
+                    <a:schemeClr val="accent2"/>
+                  </a:solidFill>
+                  <a:prstDash val="solid"/>
+                </a:ln>
+                <a:solidFill>
+                  <a:schemeClr val="accent2">
+                    <a:lumMod val="75000"/>
+                  </a:schemeClr>
+                </a:solidFill>
+                <a:effectLst>
+                  <a:outerShdw dist="38100" dir="2700000" algn="tl" rotWithShape="0">
+                    <a:schemeClr val="accent2"/>
+                  </a:outerShdw>
+                </a:effectLst>
+              </a:rPr>
+              <a:t> large scale application create </a:t>
+            </a:r>
+            <a:r>
+              <a:rPr lang="en-US" sz="2800" b="1" dirty="0" err="1" smtClean="0">
+                <a:ln w="6600">
+                  <a:solidFill>
+                    <a:schemeClr val="accent2"/>
+                  </a:solidFill>
+                  <a:prstDash val="solid"/>
+                </a:ln>
+                <a:solidFill>
+                  <a:schemeClr val="accent2">
+                    <a:lumMod val="75000"/>
+                  </a:schemeClr>
+                </a:solidFill>
+                <a:effectLst>
+                  <a:outerShdw dist="38100" dir="2700000" algn="tl" rotWithShape="0">
+                    <a:schemeClr val="accent2"/>
+                  </a:outerShdw>
+                </a:effectLst>
+              </a:rPr>
+              <a:t>karegay</a:t>
+            </a:r>
+            <a:r>
+              <a:rPr lang="en-US" sz="2800" b="1" dirty="0" smtClean="0">
+                <a:ln w="6600">
+                  <a:solidFill>
+                    <a:schemeClr val="accent2"/>
+                  </a:solidFill>
+                  <a:prstDash val="solid"/>
+                </a:ln>
+                <a:solidFill>
+                  <a:schemeClr val="accent2">
+                    <a:lumMod val="75000"/>
+                  </a:schemeClr>
+                </a:solidFill>
+                <a:effectLst>
+                  <a:outerShdw dist="38100" dir="2700000" algn="tl" rotWithShape="0">
+                    <a:schemeClr val="accent2"/>
+                  </a:outerShdw>
+                </a:effectLst>
+              </a:rPr>
+              <a:t> to </a:t>
+            </a:r>
+            <a:r>
+              <a:rPr lang="en-US" sz="2800" b="1" dirty="0" err="1" smtClean="0">
+                <a:ln w="6600">
+                  <a:solidFill>
+                    <a:schemeClr val="accent2"/>
+                  </a:solidFill>
+                  <a:prstDash val="solid"/>
+                </a:ln>
+                <a:solidFill>
+                  <a:schemeClr val="accent2">
+                    <a:lumMod val="75000"/>
+                  </a:schemeClr>
+                </a:solidFill>
+                <a:effectLst>
+                  <a:outerShdw dist="38100" dir="2700000" algn="tl" rotWithShape="0">
+                    <a:schemeClr val="accent2"/>
+                  </a:outerShdw>
+                </a:effectLst>
+              </a:rPr>
+              <a:t>hame</a:t>
+            </a:r>
+            <a:r>
+              <a:rPr lang="en-US" sz="2800" b="1" dirty="0" smtClean="0">
+                <a:ln w="6600">
+                  <a:solidFill>
+                    <a:schemeClr val="accent2"/>
+                  </a:solidFill>
+                  <a:prstDash val="solid"/>
+                </a:ln>
+                <a:solidFill>
+                  <a:schemeClr val="accent2">
+                    <a:lumMod val="75000"/>
+                  </a:schemeClr>
+                </a:solidFill>
+                <a:effectLst>
+                  <a:outerShdw dist="38100" dir="2700000" algn="tl" rotWithShape="0">
+                    <a:schemeClr val="accent2"/>
+                  </a:outerShdw>
+                </a:effectLst>
+              </a:rPr>
+              <a:t> must h </a:t>
+            </a:r>
+            <a:r>
+              <a:rPr lang="en-US" sz="2800" b="1" dirty="0" err="1" smtClean="0">
+                <a:ln w="6600">
+                  <a:solidFill>
+                    <a:schemeClr val="accent2"/>
+                  </a:solidFill>
+                  <a:prstDash val="solid"/>
+                </a:ln>
+                <a:solidFill>
+                  <a:schemeClr val="accent2">
+                    <a:lumMod val="75000"/>
+                  </a:schemeClr>
+                </a:solidFill>
+                <a:effectLst>
+                  <a:outerShdw dist="38100" dir="2700000" algn="tl" rotWithShape="0">
+                    <a:schemeClr val="accent2"/>
+                  </a:outerShdw>
+                </a:effectLst>
+              </a:rPr>
+              <a:t>ki</a:t>
+            </a:r>
+            <a:r>
+              <a:rPr lang="en-US" sz="2800" b="1" dirty="0" smtClean="0">
+                <a:ln w="6600">
+                  <a:solidFill>
+                    <a:schemeClr val="accent2"/>
+                  </a:solidFill>
+                  <a:prstDash val="solid"/>
+                </a:ln>
+                <a:solidFill>
+                  <a:schemeClr val="accent2">
+                    <a:lumMod val="75000"/>
+                  </a:schemeClr>
+                </a:solidFill>
+                <a:effectLst>
+                  <a:outerShdw dist="38100" dir="2700000" algn="tl" rotWithShape="0">
+                    <a:schemeClr val="accent2"/>
+                  </a:outerShdw>
+                </a:effectLst>
+              </a:rPr>
+              <a:t> MVC me se koi </a:t>
+            </a:r>
+            <a:r>
+              <a:rPr lang="en-US" sz="2800" b="1" dirty="0" err="1" smtClean="0">
+                <a:ln w="6600">
+                  <a:solidFill>
+                    <a:schemeClr val="accent2"/>
+                  </a:solidFill>
+                  <a:prstDash val="solid"/>
+                </a:ln>
+                <a:solidFill>
+                  <a:schemeClr val="accent2">
+                    <a:lumMod val="75000"/>
+                  </a:schemeClr>
+                </a:solidFill>
+                <a:effectLst>
+                  <a:outerShdw dist="38100" dir="2700000" algn="tl" rotWithShape="0">
+                    <a:schemeClr val="accent2"/>
+                  </a:outerShdw>
+                </a:effectLst>
+              </a:rPr>
+              <a:t>na</a:t>
+            </a:r>
+            <a:r>
+              <a:rPr lang="en-US" sz="2800" b="1" dirty="0" smtClean="0">
+                <a:ln w="6600">
+                  <a:solidFill>
+                    <a:schemeClr val="accent2"/>
+                  </a:solidFill>
+                  <a:prstDash val="solid"/>
+                </a:ln>
+                <a:solidFill>
+                  <a:schemeClr val="accent2">
+                    <a:lumMod val="75000"/>
+                  </a:schemeClr>
+                </a:solidFill>
+                <a:effectLst>
+                  <a:outerShdw dist="38100" dir="2700000" algn="tl" rotWithShape="0">
+                    <a:schemeClr val="accent2"/>
+                  </a:outerShdw>
+                </a:effectLst>
+              </a:rPr>
+              <a:t> koi design pattern </a:t>
+            </a:r>
+            <a:r>
+              <a:rPr lang="en-US" sz="2800" b="1" dirty="0" err="1" smtClean="0">
+                <a:ln w="6600">
+                  <a:solidFill>
+                    <a:schemeClr val="accent2"/>
+                  </a:solidFill>
+                  <a:prstDash val="solid"/>
+                </a:ln>
+                <a:solidFill>
+                  <a:schemeClr val="accent2">
+                    <a:lumMod val="75000"/>
+                  </a:schemeClr>
+                </a:solidFill>
+                <a:effectLst>
+                  <a:outerShdw dist="38100" dir="2700000" algn="tl" rotWithShape="0">
+                    <a:schemeClr val="accent2"/>
+                  </a:outerShdw>
+                </a:effectLst>
+              </a:rPr>
+              <a:t>approch</a:t>
+            </a:r>
+            <a:r>
+              <a:rPr lang="en-US" sz="2800" b="1" dirty="0" smtClean="0">
+                <a:ln w="6600">
+                  <a:solidFill>
+                    <a:schemeClr val="accent2"/>
+                  </a:solidFill>
+                  <a:prstDash val="solid"/>
+                </a:ln>
+                <a:solidFill>
+                  <a:schemeClr val="accent2">
+                    <a:lumMod val="75000"/>
+                  </a:schemeClr>
+                </a:solidFill>
+                <a:effectLst>
+                  <a:outerShdw dist="38100" dir="2700000" algn="tl" rotWithShape="0">
+                    <a:schemeClr val="accent2"/>
+                  </a:outerShdw>
+                </a:effectLst>
+              </a:rPr>
+              <a:t> </a:t>
+            </a:r>
+            <a:r>
+              <a:rPr lang="en-US" sz="2800" b="1" dirty="0" err="1" smtClean="0">
+                <a:ln w="6600">
+                  <a:solidFill>
+                    <a:schemeClr val="accent2"/>
+                  </a:solidFill>
+                  <a:prstDash val="solid"/>
+                </a:ln>
+                <a:solidFill>
+                  <a:schemeClr val="accent2">
+                    <a:lumMod val="75000"/>
+                  </a:schemeClr>
+                </a:solidFill>
+                <a:effectLst>
+                  <a:outerShdw dist="38100" dir="2700000" algn="tl" rotWithShape="0">
+                    <a:schemeClr val="accent2"/>
+                  </a:outerShdw>
+                </a:effectLst>
+              </a:rPr>
+              <a:t>kare</a:t>
+            </a:r>
+            <a:r>
+              <a:rPr lang="en-US" sz="2800" b="1" dirty="0" smtClean="0">
+                <a:ln w="6600">
+                  <a:solidFill>
+                    <a:schemeClr val="accent2"/>
+                  </a:solidFill>
+                  <a:prstDash val="solid"/>
+                </a:ln>
+                <a:solidFill>
+                  <a:schemeClr val="accent2">
+                    <a:lumMod val="75000"/>
+                  </a:schemeClr>
+                </a:solidFill>
+                <a:effectLst>
+                  <a:outerShdw dist="38100" dir="2700000" algn="tl" rotWithShape="0">
+                    <a:schemeClr val="accent2"/>
+                  </a:outerShdw>
+                </a:effectLst>
+              </a:rPr>
+              <a:t>.</a:t>
+            </a:r>
+            <a:endParaRPr lang="en-US" sz="2800" b="1" dirty="0">
+              <a:ln w="6600">
+                <a:solidFill>
+                  <a:schemeClr val="accent2"/>
+                </a:solidFill>
+                <a:prstDash val="solid"/>
+              </a:ln>
+              <a:solidFill>
+                <a:srgbClr val="FFFFFF"/>
+              </a:solidFill>
+              <a:effectLst>
+                <a:outerShdw dist="38100" dir="2700000" algn="tl" rotWithShape="0">
+                  <a:schemeClr val="accent2"/>
+                </a:outerShdw>
+              </a:effectLst>
+            </a:endParaRPr>
+          </a:p>
+        </p:txBody>
+      </p:sp>
+    </p:spTree>
+    <p:extLst>
+      <p:ext uri="{BB962C8B-B14F-4D97-AF65-F5344CB8AC3E}">
+        <p14:creationId xmlns:p14="http://schemas.microsoft.com/office/powerpoint/2010/main" val="462256476"/>
+      </p:ext>
+    </p:extLst>
+  </p:cSld>
+  <p:clrMapOvr>
+    <a:masterClrMapping/>
+  </p:clrMapOvr>
+  <p:timing>
+    <p:tnLst>
+      <p:par>
+        <p:cTn id="1" dur="indefinite" restart="never" nodeType="tmRoot"/>
+      </p:par>
+    </p:tnLst>
+  </p:timing>
+</p:sld>
+</file>
+
+<file path=ppt/slides/slide15.xml><?xml version="1.0" encoding="utf-8"?>
+<p:sld xmlns:a="http://schemas.openxmlformats.org/drawingml/2006/main" xmlns:r="http://schemas.openxmlformats.org/officeDocument/2006/relationships" xmlns:p="http://schemas.openxmlformats.org/presentationml/2006/main">
+  <p:cSld>
+    <p:spTree>
+      <p:nvGrpSpPr>
+        <p:cNvPr id="1" name=""/>
+        <p:cNvGrpSpPr/>
+        <p:nvPr/>
+      </p:nvGrpSpPr>
+      <p:grpSpPr>
+        <a:xfrm>
+          <a:off x="0" y="0"/>
+          <a:ext cx="0" cy="0"/>
+          <a:chOff x="0" y="0"/>
+          <a:chExt cx="0" cy="0"/>
+        </a:xfrm>
+      </p:grpSpPr>
+      <p:sp>
+        <p:nvSpPr>
+          <p:cNvPr id="3" name="Rectangle 2"/>
+          <p:cNvSpPr/>
+          <p:nvPr/>
+        </p:nvSpPr>
+        <p:spPr>
+          <a:xfrm>
+            <a:off x="419030" y="803128"/>
+            <a:ext cx="11353944" cy="5632311"/>
+          </a:xfrm>
+          <a:prstGeom prst="rect">
+            <a:avLst/>
+          </a:prstGeom>
+          <a:solidFill>
+            <a:schemeClr val="bg1"/>
+          </a:solidFill>
+        </p:spPr>
+        <p:txBody>
+          <a:bodyPr wrap="square">
+            <a:spAutoFit/>
+          </a:bodyPr>
+          <a:lstStyle/>
+          <a:p>
+            <a:pPr algn="ctr"/>
+            <a:endParaRPr lang="en-US" b="1" dirty="0" smtClean="0">
+              <a:ln/>
+              <a:solidFill>
+                <a:schemeClr val="accent3"/>
+              </a:solidFill>
+            </a:endParaRPr>
+          </a:p>
+          <a:p>
+            <a:pPr algn="ctr"/>
+            <a:endParaRPr lang="en-US" b="1" dirty="0">
+              <a:ln/>
+              <a:solidFill>
+                <a:schemeClr val="accent3"/>
+              </a:solidFill>
+            </a:endParaRPr>
+          </a:p>
+          <a:p>
+            <a:pPr algn="ctr"/>
+            <a:endParaRPr lang="en-US" b="1" dirty="0" smtClean="0">
+              <a:ln/>
+              <a:solidFill>
+                <a:schemeClr val="accent3"/>
+              </a:solidFill>
+            </a:endParaRPr>
+          </a:p>
+          <a:p>
+            <a:pPr algn="ctr"/>
+            <a:endParaRPr lang="en-US" b="1" dirty="0">
+              <a:ln/>
+              <a:solidFill>
+                <a:schemeClr val="accent3"/>
+              </a:solidFill>
+            </a:endParaRPr>
+          </a:p>
+          <a:p>
+            <a:pPr algn="ctr"/>
+            <a:endParaRPr lang="en-US" b="1" dirty="0" smtClean="0">
+              <a:ln/>
+              <a:solidFill>
+                <a:schemeClr val="accent3"/>
+              </a:solidFill>
+            </a:endParaRPr>
+          </a:p>
+          <a:p>
+            <a:pPr algn="ctr"/>
+            <a:endParaRPr lang="en-US" b="1" dirty="0">
+              <a:ln/>
+              <a:solidFill>
+                <a:schemeClr val="accent3"/>
+              </a:solidFill>
+            </a:endParaRPr>
+          </a:p>
+          <a:p>
+            <a:pPr algn="ctr"/>
+            <a:endParaRPr lang="en-US" b="1" dirty="0" smtClean="0">
+              <a:ln/>
+              <a:solidFill>
+                <a:schemeClr val="accent3"/>
+              </a:solidFill>
+            </a:endParaRPr>
+          </a:p>
+          <a:p>
+            <a:pPr algn="ctr"/>
+            <a:endParaRPr lang="en-US" b="1" dirty="0">
+              <a:ln/>
+              <a:solidFill>
+                <a:schemeClr val="accent3"/>
+              </a:solidFill>
+            </a:endParaRPr>
+          </a:p>
+          <a:p>
+            <a:pPr algn="ctr"/>
+            <a:endParaRPr lang="en-US" b="1" dirty="0" smtClean="0">
+              <a:ln/>
+              <a:solidFill>
+                <a:schemeClr val="accent3"/>
+              </a:solidFill>
+            </a:endParaRPr>
+          </a:p>
+          <a:p>
+            <a:pPr algn="ctr"/>
+            <a:endParaRPr lang="en-US" b="1" dirty="0">
+              <a:ln/>
+              <a:solidFill>
+                <a:schemeClr val="accent3"/>
+              </a:solidFill>
+            </a:endParaRPr>
+          </a:p>
+          <a:p>
+            <a:pPr algn="ctr"/>
+            <a:endParaRPr lang="en-US" b="1" dirty="0" smtClean="0">
+              <a:ln/>
+              <a:solidFill>
+                <a:schemeClr val="accent3"/>
+              </a:solidFill>
+            </a:endParaRPr>
+          </a:p>
+          <a:p>
+            <a:pPr algn="ctr"/>
+            <a:endParaRPr lang="en-US" b="1" dirty="0">
+              <a:ln/>
+              <a:solidFill>
+                <a:schemeClr val="accent3"/>
+              </a:solidFill>
+            </a:endParaRPr>
+          </a:p>
+          <a:p>
+            <a:pPr algn="ctr"/>
+            <a:endParaRPr lang="en-US" b="1" dirty="0" smtClean="0">
+              <a:ln/>
+              <a:solidFill>
+                <a:schemeClr val="accent3"/>
+              </a:solidFill>
+            </a:endParaRPr>
+          </a:p>
+          <a:p>
+            <a:pPr algn="ctr"/>
+            <a:endParaRPr lang="en-US" b="1" dirty="0">
+              <a:ln/>
+              <a:solidFill>
+                <a:schemeClr val="accent3"/>
+              </a:solidFill>
+            </a:endParaRPr>
+          </a:p>
+          <a:p>
+            <a:pPr algn="ctr"/>
+            <a:endParaRPr lang="en-US" b="1" dirty="0" smtClean="0">
+              <a:ln/>
+              <a:solidFill>
+                <a:schemeClr val="accent3"/>
+              </a:solidFill>
+            </a:endParaRPr>
+          </a:p>
+          <a:p>
+            <a:pPr algn="ctr"/>
+            <a:endParaRPr lang="en-US" b="1" dirty="0">
+              <a:ln/>
+              <a:solidFill>
+                <a:schemeClr val="accent3"/>
+              </a:solidFill>
+            </a:endParaRPr>
+          </a:p>
+          <a:p>
+            <a:pPr algn="ctr"/>
+            <a:endParaRPr lang="en-US" b="1" dirty="0" smtClean="0">
+              <a:ln/>
+              <a:solidFill>
+                <a:schemeClr val="accent3"/>
+              </a:solidFill>
+            </a:endParaRPr>
+          </a:p>
+          <a:p>
+            <a:pPr algn="ctr"/>
+            <a:endParaRPr lang="en-US" b="1" dirty="0">
+              <a:ln/>
+              <a:solidFill>
+                <a:schemeClr val="accent3"/>
+              </a:solidFill>
+            </a:endParaRPr>
+          </a:p>
+          <a:p>
+            <a:pPr algn="ctr"/>
+            <a:endParaRPr lang="en-US" b="1" dirty="0" smtClean="0">
+              <a:ln/>
+              <a:solidFill>
+                <a:schemeClr val="accent3"/>
+              </a:solidFill>
+            </a:endParaRPr>
+          </a:p>
+          <a:p>
+            <a:pPr algn="ctr"/>
+            <a:endParaRPr lang="en-IN" b="1" dirty="0">
+              <a:ln/>
+              <a:solidFill>
+                <a:schemeClr val="accent3"/>
+              </a:solidFill>
+            </a:endParaRPr>
+          </a:p>
+        </p:txBody>
+      </p:sp>
+      <p:sp>
+        <p:nvSpPr>
+          <p:cNvPr id="6" name="Rectangle 5">
+            <a:extLst>
+              <a:ext uri="{FF2B5EF4-FFF2-40B4-BE49-F238E27FC236}">
+                <a16:creationId xmlns="" xmlns:a16="http://schemas.microsoft.com/office/drawing/2014/main" id="{27E8D4A3-B686-AB21-9BA3-D4259FCFF046}"/>
+              </a:ext>
+            </a:extLst>
+          </p:cNvPr>
+          <p:cNvSpPr/>
+          <p:nvPr/>
+        </p:nvSpPr>
+        <p:spPr>
+          <a:xfrm>
+            <a:off x="3149349" y="803128"/>
+            <a:ext cx="5893345" cy="646331"/>
+          </a:xfrm>
+          <a:prstGeom prst="rect">
+            <a:avLst/>
+          </a:prstGeom>
+          <a:noFill/>
+        </p:spPr>
+        <p:txBody>
+          <a:bodyPr wrap="none" lIns="91440" tIns="45720" rIns="91440" bIns="45720">
+            <a:spAutoFit/>
+            <a:scene3d>
+              <a:camera prst="orthographicFront"/>
+              <a:lightRig rig="harsh" dir="t"/>
+            </a:scene3d>
+            <a:sp3d extrusionH="57150" prstMaterial="matte">
+              <a:bevelT w="63500" h="12700" prst="angle"/>
+              <a:contourClr>
+                <a:schemeClr val="bg1">
+                  <a:lumMod val="65000"/>
+                </a:schemeClr>
+              </a:contourClr>
+            </a:sp3d>
+          </a:bodyPr>
+          <a:lstStyle/>
+          <a:p>
+            <a:pPr algn="ctr"/>
+            <a:r>
+              <a:rPr lang="en-US" sz="3600" b="1" dirty="0" smtClean="0">
+                <a:ln/>
+                <a:solidFill>
+                  <a:schemeClr val="accent3"/>
+                </a:solidFill>
+              </a:rPr>
+              <a:t>MVC Architecture </a:t>
+            </a:r>
+            <a:r>
+              <a:rPr lang="en-US" sz="3600" b="1" dirty="0" err="1" smtClean="0">
+                <a:ln/>
+                <a:solidFill>
+                  <a:schemeClr val="accent3"/>
+                </a:solidFill>
+              </a:rPr>
+              <a:t>Nodejs</a:t>
+            </a:r>
+            <a:endParaRPr lang="en-US" sz="3600" b="1" dirty="0">
+              <a:ln/>
+              <a:solidFill>
+                <a:schemeClr val="accent3"/>
+              </a:solidFill>
+            </a:endParaRPr>
+          </a:p>
+        </p:txBody>
+      </p:sp>
+      <p:sp>
+        <p:nvSpPr>
+          <p:cNvPr id="7" name="Rectangle 6">
+            <a:extLst>
+              <a:ext uri="{FF2B5EF4-FFF2-40B4-BE49-F238E27FC236}">
+                <a16:creationId xmlns="" xmlns:a16="http://schemas.microsoft.com/office/drawing/2014/main" id="{FEC49D69-601D-B518-0731-04B01D4FFED9}"/>
+              </a:ext>
+            </a:extLst>
+          </p:cNvPr>
+          <p:cNvSpPr/>
+          <p:nvPr/>
+        </p:nvSpPr>
+        <p:spPr>
+          <a:xfrm>
+            <a:off x="572114" y="1272660"/>
+            <a:ext cx="11200860" cy="3539430"/>
+          </a:xfrm>
+          <a:prstGeom prst="rect">
+            <a:avLst/>
+          </a:prstGeom>
+          <a:noFill/>
+        </p:spPr>
+        <p:txBody>
+          <a:bodyPr wrap="square" lIns="91440" tIns="45720" rIns="91440" bIns="45720">
+            <a:spAutoFit/>
+            <a:scene3d>
+              <a:camera prst="orthographicFront"/>
+              <a:lightRig rig="harsh" dir="t"/>
+            </a:scene3d>
+            <a:sp3d extrusionH="57150" prstMaterial="matte">
+              <a:bevelT w="63500" h="12700" prst="angle"/>
+              <a:contourClr>
+                <a:schemeClr val="bg1">
+                  <a:lumMod val="65000"/>
+                </a:schemeClr>
+              </a:contourClr>
+            </a:sp3d>
+          </a:bodyPr>
+          <a:lstStyle/>
+          <a:p>
+            <a:endParaRPr lang="en-US" sz="2800" b="1" dirty="0">
+              <a:ln w="6600">
+                <a:solidFill>
+                  <a:schemeClr val="accent2"/>
+                </a:solidFill>
+                <a:prstDash val="solid"/>
+              </a:ln>
+              <a:solidFill>
+                <a:srgbClr val="FFFFFF"/>
+              </a:solidFill>
+              <a:effectLst>
+                <a:outerShdw dist="38100" dir="2700000" algn="tl" rotWithShape="0">
+                  <a:schemeClr val="accent2"/>
+                </a:outerShdw>
+              </a:effectLst>
+            </a:endParaRPr>
+          </a:p>
+          <a:p>
+            <a:pPr marL="571500" indent="-571500">
+              <a:buFont typeface="+mj-lt"/>
+              <a:buAutoNum type="arabicPeriod"/>
+            </a:pPr>
+            <a:endParaRPr lang="en-US" sz="2800" b="1" dirty="0" smtClean="0">
+              <a:ln w="6600">
+                <a:solidFill>
+                  <a:schemeClr val="accent2"/>
+                </a:solidFill>
+                <a:prstDash val="solid"/>
+              </a:ln>
+              <a:solidFill>
+                <a:srgbClr val="FFFFFF"/>
+              </a:solidFill>
+              <a:effectLst>
+                <a:outerShdw dist="38100" dir="2700000" algn="tl" rotWithShape="0">
+                  <a:schemeClr val="accent2"/>
+                </a:outerShdw>
+              </a:effectLst>
+            </a:endParaRPr>
+          </a:p>
+          <a:p>
+            <a:pPr marL="571500" indent="-571500">
+              <a:buFont typeface="+mj-lt"/>
+              <a:buAutoNum type="arabicPeriod"/>
+            </a:pPr>
+            <a:endParaRPr lang="en-US" sz="2800" b="1" dirty="0">
+              <a:ln w="6600">
+                <a:solidFill>
+                  <a:schemeClr val="accent2"/>
+                </a:solidFill>
+                <a:prstDash val="solid"/>
+              </a:ln>
+              <a:solidFill>
+                <a:srgbClr val="FFFFFF"/>
+              </a:solidFill>
+              <a:effectLst>
+                <a:outerShdw dist="38100" dir="2700000" algn="tl" rotWithShape="0">
+                  <a:schemeClr val="accent2"/>
+                </a:outerShdw>
+              </a:effectLst>
+            </a:endParaRPr>
+          </a:p>
+          <a:p>
+            <a:pPr marL="571500" indent="-571500">
+              <a:buFont typeface="+mj-lt"/>
+              <a:buAutoNum type="arabicPeriod"/>
+            </a:pPr>
+            <a:endParaRPr lang="en-US" sz="2800" b="1" dirty="0" smtClean="0">
+              <a:ln w="6600">
+                <a:solidFill>
+                  <a:schemeClr val="accent2"/>
+                </a:solidFill>
+                <a:prstDash val="solid"/>
+              </a:ln>
+              <a:solidFill>
+                <a:srgbClr val="FFFFFF"/>
+              </a:solidFill>
+              <a:effectLst>
+                <a:outerShdw dist="38100" dir="2700000" algn="tl" rotWithShape="0">
+                  <a:schemeClr val="accent2"/>
+                </a:outerShdw>
+              </a:effectLst>
+            </a:endParaRPr>
+          </a:p>
+          <a:p>
+            <a:pPr marL="571500" indent="-571500">
+              <a:buFont typeface="+mj-lt"/>
+              <a:buAutoNum type="arabicPeriod"/>
+            </a:pPr>
+            <a:endParaRPr lang="en-US" sz="2800" b="1" dirty="0">
+              <a:ln w="6600">
+                <a:solidFill>
+                  <a:schemeClr val="accent2"/>
+                </a:solidFill>
+                <a:prstDash val="solid"/>
+              </a:ln>
+              <a:solidFill>
+                <a:srgbClr val="FFFFFF"/>
+              </a:solidFill>
+              <a:effectLst>
+                <a:outerShdw dist="38100" dir="2700000" algn="tl" rotWithShape="0">
+                  <a:schemeClr val="accent2"/>
+                </a:outerShdw>
+              </a:effectLst>
+            </a:endParaRPr>
+          </a:p>
+          <a:p>
+            <a:pPr marL="571500" indent="-571500">
+              <a:buFont typeface="+mj-lt"/>
+              <a:buAutoNum type="arabicPeriod"/>
+            </a:pPr>
+            <a:endParaRPr lang="en-US" sz="2800" b="1" dirty="0" smtClean="0">
+              <a:ln w="6600">
+                <a:solidFill>
+                  <a:schemeClr val="accent2"/>
+                </a:solidFill>
+                <a:prstDash val="solid"/>
+              </a:ln>
+              <a:solidFill>
+                <a:srgbClr val="FFFFFF"/>
+              </a:solidFill>
+              <a:effectLst>
+                <a:outerShdw dist="38100" dir="2700000" algn="tl" rotWithShape="0">
+                  <a:schemeClr val="accent2"/>
+                </a:outerShdw>
+              </a:effectLst>
+            </a:endParaRPr>
+          </a:p>
+          <a:p>
+            <a:pPr marL="571500" indent="-571500">
+              <a:buFont typeface="+mj-lt"/>
+              <a:buAutoNum type="arabicPeriod"/>
+            </a:pPr>
+            <a:endParaRPr lang="en-US" sz="2800" b="1" dirty="0">
+              <a:ln w="6600">
+                <a:solidFill>
+                  <a:schemeClr val="accent2"/>
+                </a:solidFill>
+                <a:prstDash val="solid"/>
+              </a:ln>
+              <a:solidFill>
+                <a:srgbClr val="FFFFFF"/>
+              </a:solidFill>
+              <a:effectLst>
+                <a:outerShdw dist="38100" dir="2700000" algn="tl" rotWithShape="0">
+                  <a:schemeClr val="accent2"/>
+                </a:outerShdw>
+              </a:effectLst>
+            </a:endParaRPr>
+          </a:p>
+          <a:p>
+            <a:endParaRPr lang="en-US" sz="2800" b="1" dirty="0" smtClean="0">
+              <a:ln w="6600">
+                <a:solidFill>
+                  <a:schemeClr val="accent2"/>
+                </a:solidFill>
+                <a:prstDash val="solid"/>
+              </a:ln>
+              <a:solidFill>
+                <a:srgbClr val="FFFFFF"/>
+              </a:solidFill>
+              <a:effectLst>
+                <a:outerShdw dist="38100" dir="2700000" algn="tl" rotWithShape="0">
+                  <a:schemeClr val="accent2"/>
+                </a:outerShdw>
+              </a:effectLst>
+            </a:endParaRPr>
+          </a:p>
+        </p:txBody>
+      </p:sp>
+      <p:sp>
+        <p:nvSpPr>
+          <p:cNvPr id="5" name="Rectangle 4">
+            <a:extLst>
+              <a:ext uri="{FF2B5EF4-FFF2-40B4-BE49-F238E27FC236}">
+                <a16:creationId xmlns="" xmlns:a16="http://schemas.microsoft.com/office/drawing/2014/main" id="{8B5E36E6-CDD7-37ED-23A7-33FDA9749CDD}"/>
+              </a:ext>
+            </a:extLst>
+          </p:cNvPr>
+          <p:cNvSpPr/>
+          <p:nvPr/>
+        </p:nvSpPr>
+        <p:spPr>
+          <a:xfrm>
+            <a:off x="4483047" y="1656301"/>
+            <a:ext cx="2825394" cy="523220"/>
+          </a:xfrm>
+          <a:prstGeom prst="rect">
+            <a:avLst/>
+          </a:prstGeom>
+          <a:solidFill>
+            <a:schemeClr val="tx1"/>
+          </a:solidFill>
+        </p:spPr>
+        <p:txBody>
+          <a:bodyPr wrap="square" lIns="91440" tIns="45720" rIns="91440" bIns="45720">
+            <a:spAutoFit/>
+          </a:bodyPr>
+          <a:lstStyle/>
+          <a:p>
+            <a:pPr algn="ctr"/>
+            <a:r>
+              <a:rPr lang="en-US" sz="2800" b="1" cap="none" spc="0" dirty="0" smtClean="0">
+                <a:ln w="6600">
+                  <a:solidFill>
+                    <a:schemeClr val="accent2"/>
+                  </a:solidFill>
+                  <a:prstDash val="solid"/>
+                </a:ln>
+                <a:solidFill>
+                  <a:srgbClr val="FFFFFF"/>
+                </a:solidFill>
+                <a:effectLst>
+                  <a:outerShdw dist="38100" dir="2700000" algn="tl" rotWithShape="0">
+                    <a:schemeClr val="accent2"/>
+                  </a:outerShdw>
+                </a:effectLst>
+              </a:rPr>
+              <a:t>MVC</a:t>
+            </a:r>
+            <a:endParaRPr lang="en-US" sz="2800" b="1" cap="none" spc="0" dirty="0">
+              <a:ln w="6600">
+                <a:solidFill>
+                  <a:schemeClr val="accent2"/>
+                </a:solidFill>
+                <a:prstDash val="solid"/>
+              </a:ln>
+              <a:solidFill>
+                <a:srgbClr val="FFFFFF"/>
+              </a:solidFill>
+              <a:effectLst>
+                <a:outerShdw dist="38100" dir="2700000" algn="tl" rotWithShape="0">
+                  <a:schemeClr val="accent2"/>
+                </a:outerShdw>
+              </a:effectLst>
+            </a:endParaRPr>
+          </a:p>
+        </p:txBody>
+      </p:sp>
+      <p:sp>
+        <p:nvSpPr>
+          <p:cNvPr id="8" name="Rectangle 7">
+            <a:extLst>
+              <a:ext uri="{FF2B5EF4-FFF2-40B4-BE49-F238E27FC236}">
+                <a16:creationId xmlns="" xmlns:a16="http://schemas.microsoft.com/office/drawing/2014/main" id="{8B5E36E6-CDD7-37ED-23A7-33FDA9749CDD}"/>
+              </a:ext>
+            </a:extLst>
+          </p:cNvPr>
+          <p:cNvSpPr/>
+          <p:nvPr/>
+        </p:nvSpPr>
+        <p:spPr>
+          <a:xfrm>
+            <a:off x="977228" y="3416963"/>
+            <a:ext cx="2825394" cy="523220"/>
+          </a:xfrm>
+          <a:prstGeom prst="rect">
+            <a:avLst/>
+          </a:prstGeom>
+          <a:solidFill>
+            <a:srgbClr val="FFFF00"/>
+          </a:solidFill>
+        </p:spPr>
+        <p:txBody>
+          <a:bodyPr wrap="square" lIns="91440" tIns="45720" rIns="91440" bIns="45720">
+            <a:spAutoFit/>
+          </a:bodyPr>
+          <a:lstStyle/>
+          <a:p>
+            <a:pPr algn="ctr"/>
+            <a:r>
+              <a:rPr lang="en-US" sz="2800" b="1" dirty="0" smtClean="0">
+                <a:ln w="6600">
+                  <a:solidFill>
+                    <a:schemeClr val="accent2"/>
+                  </a:solidFill>
+                  <a:prstDash val="solid"/>
+                </a:ln>
+                <a:solidFill>
+                  <a:srgbClr val="FFFFFF"/>
+                </a:solidFill>
+                <a:effectLst>
+                  <a:outerShdw dist="38100" dir="2700000" algn="tl" rotWithShape="0">
+                    <a:schemeClr val="accent2"/>
+                  </a:outerShdw>
+                </a:effectLst>
+              </a:rPr>
+              <a:t>MODEL - DB</a:t>
+            </a:r>
+            <a:endParaRPr lang="en-US" sz="2800" b="1" cap="none" spc="0" dirty="0">
+              <a:ln w="6600">
+                <a:solidFill>
+                  <a:schemeClr val="accent2"/>
+                </a:solidFill>
+                <a:prstDash val="solid"/>
+              </a:ln>
+              <a:solidFill>
+                <a:srgbClr val="FFFFFF"/>
+              </a:solidFill>
+              <a:effectLst>
+                <a:outerShdw dist="38100" dir="2700000" algn="tl" rotWithShape="0">
+                  <a:schemeClr val="accent2"/>
+                </a:outerShdw>
+              </a:effectLst>
+            </a:endParaRPr>
+          </a:p>
+        </p:txBody>
+      </p:sp>
+      <p:sp>
+        <p:nvSpPr>
+          <p:cNvPr id="9" name="Rectangle 8">
+            <a:extLst>
+              <a:ext uri="{FF2B5EF4-FFF2-40B4-BE49-F238E27FC236}">
+                <a16:creationId xmlns="" xmlns:a16="http://schemas.microsoft.com/office/drawing/2014/main" id="{8B5E36E6-CDD7-37ED-23A7-33FDA9749CDD}"/>
+              </a:ext>
+            </a:extLst>
+          </p:cNvPr>
+          <p:cNvSpPr/>
+          <p:nvPr/>
+        </p:nvSpPr>
+        <p:spPr>
+          <a:xfrm>
+            <a:off x="8105902" y="3403603"/>
+            <a:ext cx="3667072" cy="523220"/>
+          </a:xfrm>
+          <a:prstGeom prst="rect">
+            <a:avLst/>
+          </a:prstGeom>
+          <a:solidFill>
+            <a:srgbClr val="7030A0"/>
+          </a:solidFill>
+        </p:spPr>
+        <p:txBody>
+          <a:bodyPr wrap="square" lIns="91440" tIns="45720" rIns="91440" bIns="45720">
+            <a:spAutoFit/>
+          </a:bodyPr>
+          <a:lstStyle/>
+          <a:p>
+            <a:pPr algn="ctr"/>
+            <a:r>
+              <a:rPr lang="en-US" sz="2800" b="1" cap="none" spc="0" dirty="0" smtClean="0">
+                <a:ln w="6600">
+                  <a:solidFill>
+                    <a:schemeClr val="accent2"/>
+                  </a:solidFill>
+                  <a:prstDash val="solid"/>
+                </a:ln>
+                <a:solidFill>
+                  <a:srgbClr val="FFFFFF"/>
+                </a:solidFill>
+                <a:effectLst>
+                  <a:outerShdw dist="38100" dir="2700000" algn="tl" rotWithShape="0">
+                    <a:schemeClr val="accent2"/>
+                  </a:outerShdw>
+                </a:effectLst>
+              </a:rPr>
+              <a:t>CONTROLLER - BE</a:t>
+            </a:r>
+            <a:endParaRPr lang="en-US" sz="2800" b="1" cap="none" spc="0" dirty="0">
+              <a:ln w="6600">
+                <a:solidFill>
+                  <a:schemeClr val="accent2"/>
+                </a:solidFill>
+                <a:prstDash val="solid"/>
+              </a:ln>
+              <a:solidFill>
+                <a:srgbClr val="FFFFFF"/>
+              </a:solidFill>
+              <a:effectLst>
+                <a:outerShdw dist="38100" dir="2700000" algn="tl" rotWithShape="0">
+                  <a:schemeClr val="accent2"/>
+                </a:outerShdw>
+              </a:effectLst>
+            </a:endParaRPr>
+          </a:p>
+        </p:txBody>
+      </p:sp>
+      <p:sp>
+        <p:nvSpPr>
+          <p:cNvPr id="10" name="Rectangle 9">
+            <a:extLst>
+              <a:ext uri="{FF2B5EF4-FFF2-40B4-BE49-F238E27FC236}">
+                <a16:creationId xmlns="" xmlns:a16="http://schemas.microsoft.com/office/drawing/2014/main" id="{8B5E36E6-CDD7-37ED-23A7-33FDA9749CDD}"/>
+              </a:ext>
+            </a:extLst>
+          </p:cNvPr>
+          <p:cNvSpPr/>
+          <p:nvPr/>
+        </p:nvSpPr>
+        <p:spPr>
+          <a:xfrm>
+            <a:off x="4494622" y="3416963"/>
+            <a:ext cx="2825394" cy="523220"/>
+          </a:xfrm>
+          <a:prstGeom prst="rect">
+            <a:avLst/>
+          </a:prstGeom>
+          <a:solidFill>
+            <a:srgbClr val="00B0F0"/>
+          </a:solidFill>
+        </p:spPr>
+        <p:txBody>
+          <a:bodyPr wrap="square" lIns="91440" tIns="45720" rIns="91440" bIns="45720">
+            <a:spAutoFit/>
+          </a:bodyPr>
+          <a:lstStyle/>
+          <a:p>
+            <a:pPr algn="ctr"/>
+            <a:r>
+              <a:rPr lang="en-US" sz="2800" b="1" cap="none" spc="0" dirty="0" smtClean="0">
+                <a:ln w="6600">
+                  <a:solidFill>
+                    <a:schemeClr val="accent2"/>
+                  </a:solidFill>
+                  <a:prstDash val="solid"/>
+                </a:ln>
+                <a:solidFill>
+                  <a:srgbClr val="FFFFFF"/>
+                </a:solidFill>
+                <a:effectLst>
+                  <a:outerShdw dist="38100" dir="2700000" algn="tl" rotWithShape="0">
+                    <a:schemeClr val="accent2"/>
+                  </a:outerShdw>
+                </a:effectLst>
+              </a:rPr>
+              <a:t>VIEW - FE</a:t>
+            </a:r>
+            <a:endParaRPr lang="en-US" sz="2800" b="1" cap="none" spc="0" dirty="0">
+              <a:ln w="6600">
+                <a:solidFill>
+                  <a:schemeClr val="accent2"/>
+                </a:solidFill>
+                <a:prstDash val="solid"/>
+              </a:ln>
+              <a:solidFill>
+                <a:srgbClr val="FFFFFF"/>
+              </a:solidFill>
+              <a:effectLst>
+                <a:outerShdw dist="38100" dir="2700000" algn="tl" rotWithShape="0">
+                  <a:schemeClr val="accent2"/>
+                </a:outerShdw>
+              </a:effectLst>
+            </a:endParaRPr>
+          </a:p>
+        </p:txBody>
+      </p:sp>
+      <p:sp>
+        <p:nvSpPr>
+          <p:cNvPr id="2" name="Down Arrow 1"/>
+          <p:cNvSpPr/>
+          <p:nvPr/>
+        </p:nvSpPr>
+        <p:spPr>
+          <a:xfrm>
+            <a:off x="5752979" y="2279120"/>
+            <a:ext cx="285530" cy="1107689"/>
+          </a:xfrm>
+          <a:prstGeom prst="downArrow">
+            <a:avLst/>
+          </a:prstGeom>
+          <a:solidFill>
+            <a:schemeClr val="tx1"/>
+          </a:solidFill>
+        </p:spPr>
+        <p:style>
+          <a:lnRef idx="2">
+            <a:schemeClr val="accent1">
+              <a:shade val="50000"/>
+            </a:schemeClr>
+          </a:lnRef>
+          <a:fillRef idx="1">
+            <a:schemeClr val="accent1"/>
+          </a:fillRef>
+          <a:effectRef idx="0">
+            <a:schemeClr val="accent1"/>
+          </a:effectRef>
+          <a:fontRef idx="minor">
+            <a:schemeClr val="lt1"/>
+          </a:fontRef>
+        </p:style>
+        <p:txBody>
+          <a:bodyPr rtlCol="0" anchor="ctr"/>
+          <a:lstStyle/>
+          <a:p>
+            <a:pPr algn="ctr"/>
+            <a:endParaRPr lang="en-IN"/>
+          </a:p>
+        </p:txBody>
+      </p:sp>
+      <p:sp>
+        <p:nvSpPr>
+          <p:cNvPr id="11" name="Down Arrow 10"/>
+          <p:cNvSpPr/>
+          <p:nvPr/>
+        </p:nvSpPr>
+        <p:spPr>
+          <a:xfrm rot="17174395">
+            <a:off x="7610640" y="1160462"/>
+            <a:ext cx="285530" cy="3209951"/>
+          </a:xfrm>
+          <a:prstGeom prst="downArrow">
+            <a:avLst/>
+          </a:prstGeom>
+          <a:solidFill>
+            <a:schemeClr val="tx1"/>
+          </a:solidFill>
+        </p:spPr>
+        <p:style>
+          <a:lnRef idx="2">
+            <a:schemeClr val="accent1">
+              <a:shade val="50000"/>
+            </a:schemeClr>
+          </a:lnRef>
+          <a:fillRef idx="1">
+            <a:schemeClr val="accent1"/>
+          </a:fillRef>
+          <a:effectRef idx="0">
+            <a:schemeClr val="accent1"/>
+          </a:effectRef>
+          <a:fontRef idx="minor">
+            <a:schemeClr val="lt1"/>
+          </a:fontRef>
+        </p:style>
+        <p:txBody>
+          <a:bodyPr rtlCol="0" anchor="ctr"/>
+          <a:lstStyle/>
+          <a:p>
+            <a:pPr algn="ctr"/>
+            <a:endParaRPr lang="en-IN"/>
+          </a:p>
+        </p:txBody>
+      </p:sp>
+      <p:sp>
+        <p:nvSpPr>
+          <p:cNvPr id="12" name="Down Arrow 11"/>
+          <p:cNvSpPr/>
+          <p:nvPr/>
+        </p:nvSpPr>
+        <p:spPr>
+          <a:xfrm rot="4399342">
+            <a:off x="3943638" y="1184469"/>
+            <a:ext cx="285530" cy="3209951"/>
+          </a:xfrm>
+          <a:prstGeom prst="downArrow">
+            <a:avLst/>
+          </a:prstGeom>
+          <a:solidFill>
+            <a:schemeClr val="tx1"/>
+          </a:solidFill>
+        </p:spPr>
+        <p:style>
+          <a:lnRef idx="2">
+            <a:schemeClr val="accent1">
+              <a:shade val="50000"/>
+            </a:schemeClr>
+          </a:lnRef>
+          <a:fillRef idx="1">
+            <a:schemeClr val="accent1"/>
+          </a:fillRef>
+          <a:effectRef idx="0">
+            <a:schemeClr val="accent1"/>
+          </a:effectRef>
+          <a:fontRef idx="minor">
+            <a:schemeClr val="lt1"/>
+          </a:fontRef>
+        </p:style>
+        <p:txBody>
+          <a:bodyPr rtlCol="0" anchor="ctr"/>
+          <a:lstStyle/>
+          <a:p>
+            <a:pPr algn="ctr"/>
+            <a:endParaRPr lang="en-IN"/>
+          </a:p>
+        </p:txBody>
+      </p:sp>
+      <p:sp>
+        <p:nvSpPr>
+          <p:cNvPr id="4" name="Rectangle 3"/>
+          <p:cNvSpPr/>
+          <p:nvPr/>
+        </p:nvSpPr>
+        <p:spPr>
+          <a:xfrm>
+            <a:off x="419031" y="5058137"/>
+            <a:ext cx="11353944" cy="1632030"/>
+          </a:xfrm>
+          <a:prstGeom prst="rect">
+            <a:avLst/>
+          </a:prstGeom>
+        </p:spPr>
+        <p:style>
+          <a:lnRef idx="2">
+            <a:schemeClr val="accent1">
+              <a:shade val="50000"/>
+            </a:schemeClr>
+          </a:lnRef>
+          <a:fillRef idx="1">
+            <a:schemeClr val="accent1"/>
+          </a:fillRef>
+          <a:effectRef idx="0">
+            <a:schemeClr val="accent1"/>
+          </a:effectRef>
+          <a:fontRef idx="minor">
+            <a:schemeClr val="lt1"/>
+          </a:fontRef>
+        </p:style>
+        <p:txBody>
+          <a:bodyPr rtlCol="0" anchor="ctr"/>
+          <a:lstStyle/>
+          <a:p>
+            <a:pPr algn="ctr"/>
+            <a:endParaRPr lang="en-IN"/>
+          </a:p>
+        </p:txBody>
+      </p:sp>
+      <p:sp>
+        <p:nvSpPr>
+          <p:cNvPr id="13" name="Rectangle 12">
+            <a:extLst>
+              <a:ext uri="{FF2B5EF4-FFF2-40B4-BE49-F238E27FC236}">
+                <a16:creationId xmlns="" xmlns:a16="http://schemas.microsoft.com/office/drawing/2014/main" id="{8B5E36E6-CDD7-37ED-23A7-33FDA9749CDD}"/>
+              </a:ext>
+            </a:extLst>
+          </p:cNvPr>
+          <p:cNvSpPr/>
+          <p:nvPr/>
+        </p:nvSpPr>
+        <p:spPr>
+          <a:xfrm rot="16200000">
+            <a:off x="-200431" y="5677597"/>
+            <a:ext cx="1639032" cy="400110"/>
+          </a:xfrm>
+          <a:prstGeom prst="rect">
+            <a:avLst/>
+          </a:prstGeom>
+          <a:solidFill>
+            <a:schemeClr val="tx1"/>
+          </a:solidFill>
+          <a:ln>
+            <a:solidFill>
+              <a:schemeClr val="accent1"/>
+            </a:solidFill>
+          </a:ln>
+        </p:spPr>
+        <p:txBody>
+          <a:bodyPr wrap="square" lIns="91440" tIns="45720" rIns="91440" bIns="45720">
+            <a:spAutoFit/>
+          </a:bodyPr>
+          <a:lstStyle/>
+          <a:p>
+            <a:pPr algn="ctr"/>
+            <a:r>
+              <a:rPr lang="en-US" sz="2000" cap="none" spc="0" dirty="0" err="1" smtClean="0">
+                <a:ln w="6600">
+                  <a:solidFill>
+                    <a:schemeClr val="accent2"/>
+                  </a:solidFill>
+                  <a:prstDash val="solid"/>
+                </a:ln>
+                <a:solidFill>
+                  <a:schemeClr val="bg1"/>
+                </a:solidFill>
+                <a:effectLst>
+                  <a:outerShdw dist="38100" dir="2700000" algn="tl" rotWithShape="0">
+                    <a:schemeClr val="accent2"/>
+                  </a:outerShdw>
+                </a:effectLst>
+              </a:rPr>
+              <a:t>Dev</a:t>
+            </a:r>
+            <a:r>
+              <a:rPr lang="en-US" sz="2000" cap="none" spc="0" dirty="0" smtClean="0">
+                <a:ln w="6600">
+                  <a:solidFill>
+                    <a:schemeClr val="accent2"/>
+                  </a:solidFill>
+                  <a:prstDash val="solid"/>
+                </a:ln>
+                <a:solidFill>
+                  <a:schemeClr val="bg1"/>
+                </a:solidFill>
+                <a:effectLst>
+                  <a:outerShdw dist="38100" dir="2700000" algn="tl" rotWithShape="0">
+                    <a:schemeClr val="accent2"/>
+                  </a:outerShdw>
+                </a:effectLst>
+              </a:rPr>
+              <a:t>… Team</a:t>
+            </a:r>
+            <a:endParaRPr lang="en-US" sz="2000" cap="none" spc="0" dirty="0">
+              <a:ln w="6600">
+                <a:solidFill>
+                  <a:schemeClr val="accent2"/>
+                </a:solidFill>
+                <a:prstDash val="solid"/>
+              </a:ln>
+              <a:solidFill>
+                <a:schemeClr val="bg1"/>
+              </a:solidFill>
+              <a:effectLst>
+                <a:outerShdw dist="38100" dir="2700000" algn="tl" rotWithShape="0">
+                  <a:schemeClr val="accent2"/>
+                </a:outerShdw>
+              </a:effectLst>
+            </a:endParaRPr>
+          </a:p>
+        </p:txBody>
+      </p:sp>
+      <p:pic>
+        <p:nvPicPr>
+          <p:cNvPr id="15" name="Picture 14"/>
+          <p:cNvPicPr>
+            <a:picLocks noChangeAspect="1"/>
+          </p:cNvPicPr>
+          <p:nvPr/>
+        </p:nvPicPr>
+        <p:blipFill rotWithShape="1">
+          <a:blip r:embed="rId2" cstate="print">
+            <a:extLst>
+              <a:ext uri="{28A0092B-C50C-407E-A947-70E740481C1C}">
+                <a14:useLocalDpi xmlns:a14="http://schemas.microsoft.com/office/drawing/2010/main" val="0"/>
+              </a:ext>
+            </a:extLst>
+          </a:blip>
+          <a:srcRect l="14721" t="6702" r="23481" b="31583"/>
+          <a:stretch/>
+        </p:blipFill>
+        <p:spPr>
+          <a:xfrm>
+            <a:off x="1246104" y="5436998"/>
+            <a:ext cx="1261865" cy="1260170"/>
+          </a:xfrm>
+          <a:prstGeom prst="rect">
+            <a:avLst/>
+          </a:prstGeom>
+        </p:spPr>
+      </p:pic>
+      <p:pic>
+        <p:nvPicPr>
+          <p:cNvPr id="16" name="Picture 15"/>
+          <p:cNvPicPr>
+            <a:picLocks noChangeAspect="1"/>
+          </p:cNvPicPr>
+          <p:nvPr/>
+        </p:nvPicPr>
+        <p:blipFill rotWithShape="1">
+          <a:blip r:embed="rId2" cstate="print">
+            <a:extLst>
+              <a:ext uri="{28A0092B-C50C-407E-A947-70E740481C1C}">
+                <a14:useLocalDpi xmlns:a14="http://schemas.microsoft.com/office/drawing/2010/main" val="0"/>
+              </a:ext>
+            </a:extLst>
+          </a:blip>
+          <a:srcRect l="14721" t="6702" r="23481" b="31583"/>
+          <a:stretch/>
+        </p:blipFill>
+        <p:spPr>
+          <a:xfrm>
+            <a:off x="8072402" y="5420371"/>
+            <a:ext cx="1261865" cy="1260170"/>
+          </a:xfrm>
+          <a:prstGeom prst="rect">
+            <a:avLst/>
+          </a:prstGeom>
+        </p:spPr>
+      </p:pic>
+      <p:pic>
+        <p:nvPicPr>
+          <p:cNvPr id="17" name="Picture 16"/>
+          <p:cNvPicPr>
+            <a:picLocks noChangeAspect="1"/>
+          </p:cNvPicPr>
+          <p:nvPr/>
+        </p:nvPicPr>
+        <p:blipFill rotWithShape="1">
+          <a:blip r:embed="rId2" cstate="print">
+            <a:extLst>
+              <a:ext uri="{28A0092B-C50C-407E-A947-70E740481C1C}">
+                <a14:useLocalDpi xmlns:a14="http://schemas.microsoft.com/office/drawing/2010/main" val="0"/>
+              </a:ext>
+            </a:extLst>
+          </a:blip>
+          <a:srcRect l="14721" t="6702" r="23481" b="31583"/>
+          <a:stretch/>
+        </p:blipFill>
+        <p:spPr>
+          <a:xfrm>
+            <a:off x="10300364" y="5429997"/>
+            <a:ext cx="1261865" cy="1260170"/>
+          </a:xfrm>
+          <a:prstGeom prst="rect">
+            <a:avLst/>
+          </a:prstGeom>
+        </p:spPr>
+      </p:pic>
+      <p:pic>
+        <p:nvPicPr>
+          <p:cNvPr id="18" name="Picture 17"/>
+          <p:cNvPicPr>
+            <a:picLocks noChangeAspect="1"/>
+          </p:cNvPicPr>
+          <p:nvPr/>
+        </p:nvPicPr>
+        <p:blipFill rotWithShape="1">
+          <a:blip r:embed="rId2" cstate="print">
+            <a:extLst>
+              <a:ext uri="{28A0092B-C50C-407E-A947-70E740481C1C}">
+                <a14:useLocalDpi xmlns:a14="http://schemas.microsoft.com/office/drawing/2010/main" val="0"/>
+              </a:ext>
+            </a:extLst>
+          </a:blip>
+          <a:srcRect l="14721" t="6702" r="23481" b="31583"/>
+          <a:stretch/>
+        </p:blipFill>
+        <p:spPr>
+          <a:xfrm>
+            <a:off x="3455470" y="5436998"/>
+            <a:ext cx="1261865" cy="1260170"/>
+          </a:xfrm>
+          <a:prstGeom prst="rect">
+            <a:avLst/>
+          </a:prstGeom>
+        </p:spPr>
+      </p:pic>
+      <p:pic>
+        <p:nvPicPr>
+          <p:cNvPr id="19" name="Picture 18"/>
+          <p:cNvPicPr>
+            <a:picLocks noChangeAspect="1"/>
+          </p:cNvPicPr>
+          <p:nvPr/>
+        </p:nvPicPr>
+        <p:blipFill rotWithShape="1">
+          <a:blip r:embed="rId2" cstate="print">
+            <a:extLst>
+              <a:ext uri="{28A0092B-C50C-407E-A947-70E740481C1C}">
+                <a14:useLocalDpi xmlns:a14="http://schemas.microsoft.com/office/drawing/2010/main" val="0"/>
+              </a:ext>
+            </a:extLst>
+          </a:blip>
+          <a:srcRect l="14721" t="6702" r="23481" b="31583"/>
+          <a:stretch/>
+        </p:blipFill>
+        <p:spPr>
+          <a:xfrm>
+            <a:off x="5664837" y="5429997"/>
+            <a:ext cx="1261865" cy="1260170"/>
+          </a:xfrm>
+          <a:prstGeom prst="rect">
+            <a:avLst/>
+          </a:prstGeom>
+        </p:spPr>
+      </p:pic>
+      <p:sp>
+        <p:nvSpPr>
+          <p:cNvPr id="21" name="Down Arrow 20"/>
+          <p:cNvSpPr/>
+          <p:nvPr/>
+        </p:nvSpPr>
+        <p:spPr>
+          <a:xfrm rot="11331179">
+            <a:off x="2056272" y="3943705"/>
+            <a:ext cx="143831" cy="1354500"/>
+          </a:xfrm>
+          <a:prstGeom prst="downArrow">
+            <a:avLst/>
+          </a:prstGeom>
+          <a:solidFill>
+            <a:schemeClr val="tx1"/>
+          </a:solidFill>
+        </p:spPr>
+        <p:style>
+          <a:lnRef idx="2">
+            <a:schemeClr val="accent1">
+              <a:shade val="50000"/>
+            </a:schemeClr>
+          </a:lnRef>
+          <a:fillRef idx="1">
+            <a:schemeClr val="accent1"/>
+          </a:fillRef>
+          <a:effectRef idx="0">
+            <a:schemeClr val="accent1"/>
+          </a:effectRef>
+          <a:fontRef idx="minor">
+            <a:schemeClr val="lt1"/>
+          </a:fontRef>
+        </p:style>
+        <p:txBody>
+          <a:bodyPr rtlCol="0" anchor="ctr"/>
+          <a:lstStyle/>
+          <a:p>
+            <a:pPr algn="ctr"/>
+            <a:endParaRPr lang="en-IN"/>
+          </a:p>
+        </p:txBody>
+      </p:sp>
+      <p:sp>
+        <p:nvSpPr>
+          <p:cNvPr id="22" name="Down Arrow 21"/>
+          <p:cNvSpPr/>
+          <p:nvPr/>
+        </p:nvSpPr>
+        <p:spPr>
+          <a:xfrm rot="10216603">
+            <a:off x="6163915" y="3964055"/>
+            <a:ext cx="157773" cy="1498526"/>
+          </a:xfrm>
+          <a:prstGeom prst="downArrow">
+            <a:avLst/>
+          </a:prstGeom>
+          <a:solidFill>
+            <a:schemeClr val="tx1"/>
+          </a:solidFill>
+        </p:spPr>
+        <p:style>
+          <a:lnRef idx="2">
+            <a:schemeClr val="accent1">
+              <a:shade val="50000"/>
+            </a:schemeClr>
+          </a:lnRef>
+          <a:fillRef idx="1">
+            <a:schemeClr val="accent1"/>
+          </a:fillRef>
+          <a:effectRef idx="0">
+            <a:schemeClr val="accent1"/>
+          </a:effectRef>
+          <a:fontRef idx="minor">
+            <a:schemeClr val="lt1"/>
+          </a:fontRef>
+        </p:style>
+        <p:txBody>
+          <a:bodyPr rtlCol="0" anchor="ctr"/>
+          <a:lstStyle/>
+          <a:p>
+            <a:pPr algn="ctr"/>
+            <a:endParaRPr lang="en-IN"/>
+          </a:p>
+        </p:txBody>
+      </p:sp>
+      <p:sp>
+        <p:nvSpPr>
+          <p:cNvPr id="23" name="Down Arrow 22"/>
+          <p:cNvSpPr/>
+          <p:nvPr/>
+        </p:nvSpPr>
+        <p:spPr>
+          <a:xfrm rot="11331179">
+            <a:off x="4422706" y="4062872"/>
+            <a:ext cx="143831" cy="1354500"/>
+          </a:xfrm>
+          <a:prstGeom prst="downArrow">
+            <a:avLst/>
+          </a:prstGeom>
+          <a:solidFill>
+            <a:schemeClr val="tx1"/>
+          </a:solidFill>
+        </p:spPr>
+        <p:style>
+          <a:lnRef idx="2">
+            <a:schemeClr val="accent1">
+              <a:shade val="50000"/>
+            </a:schemeClr>
+          </a:lnRef>
+          <a:fillRef idx="1">
+            <a:schemeClr val="accent1"/>
+          </a:fillRef>
+          <a:effectRef idx="0">
+            <a:schemeClr val="accent1"/>
+          </a:effectRef>
+          <a:fontRef idx="minor">
+            <a:schemeClr val="lt1"/>
+          </a:fontRef>
+        </p:style>
+        <p:txBody>
+          <a:bodyPr rtlCol="0" anchor="ctr"/>
+          <a:lstStyle/>
+          <a:p>
+            <a:pPr algn="ctr"/>
+            <a:endParaRPr lang="en-IN"/>
+          </a:p>
+        </p:txBody>
+      </p:sp>
+      <p:sp>
+        <p:nvSpPr>
+          <p:cNvPr id="24" name="Down Arrow 23"/>
+          <p:cNvSpPr/>
+          <p:nvPr/>
+        </p:nvSpPr>
+        <p:spPr>
+          <a:xfrm rot="10216603">
+            <a:off x="10648114" y="3896137"/>
+            <a:ext cx="157773" cy="1498526"/>
+          </a:xfrm>
+          <a:prstGeom prst="downArrow">
+            <a:avLst/>
+          </a:prstGeom>
+          <a:solidFill>
+            <a:schemeClr val="tx1"/>
+          </a:solidFill>
+        </p:spPr>
+        <p:style>
+          <a:lnRef idx="2">
+            <a:schemeClr val="accent1">
+              <a:shade val="50000"/>
+            </a:schemeClr>
+          </a:lnRef>
+          <a:fillRef idx="1">
+            <a:schemeClr val="accent1"/>
+          </a:fillRef>
+          <a:effectRef idx="0">
+            <a:schemeClr val="accent1"/>
+          </a:effectRef>
+          <a:fontRef idx="minor">
+            <a:schemeClr val="lt1"/>
+          </a:fontRef>
+        </p:style>
+        <p:txBody>
+          <a:bodyPr rtlCol="0" anchor="ctr"/>
+          <a:lstStyle/>
+          <a:p>
+            <a:pPr algn="ctr"/>
+            <a:endParaRPr lang="en-IN"/>
+          </a:p>
+        </p:txBody>
+      </p:sp>
+      <p:sp>
+        <p:nvSpPr>
+          <p:cNvPr id="25" name="Down Arrow 24"/>
+          <p:cNvSpPr/>
+          <p:nvPr/>
+        </p:nvSpPr>
+        <p:spPr>
+          <a:xfrm rot="10216603">
+            <a:off x="8624448" y="3990858"/>
+            <a:ext cx="157773" cy="1498526"/>
+          </a:xfrm>
+          <a:prstGeom prst="downArrow">
+            <a:avLst/>
+          </a:prstGeom>
+          <a:solidFill>
+            <a:schemeClr val="tx1"/>
+          </a:solidFill>
+        </p:spPr>
+        <p:style>
+          <a:lnRef idx="2">
+            <a:schemeClr val="accent1">
+              <a:shade val="50000"/>
+            </a:schemeClr>
+          </a:lnRef>
+          <a:fillRef idx="1">
+            <a:schemeClr val="accent1"/>
+          </a:fillRef>
+          <a:effectRef idx="0">
+            <a:schemeClr val="accent1"/>
+          </a:effectRef>
+          <a:fontRef idx="minor">
+            <a:schemeClr val="lt1"/>
+          </a:fontRef>
+        </p:style>
+        <p:txBody>
+          <a:bodyPr rtlCol="0" anchor="ctr"/>
+          <a:lstStyle/>
+          <a:p>
+            <a:pPr algn="ctr"/>
+            <a:endParaRPr lang="en-IN"/>
+          </a:p>
+        </p:txBody>
+      </p:sp>
+    </p:spTree>
+    <p:extLst>
+      <p:ext uri="{BB962C8B-B14F-4D97-AF65-F5344CB8AC3E}">
+        <p14:creationId xmlns:p14="http://schemas.microsoft.com/office/powerpoint/2010/main" val="2368511114"/>
+      </p:ext>
+    </p:extLst>
+  </p:cSld>
+  <p:clrMapOvr>
+    <a:masterClrMapping/>
+  </p:clrMapOvr>
+  <p:timing>
+    <p:tnLst>
+      <p:par>
+        <p:cTn id="1" dur="indefinite" restart="never" nodeType="tmRoot"/>
+      </p:par>
+    </p:tnLst>
+  </p:timing>
+</p:sld>
+</file>
+
+<file path=ppt/slides/slide16.xml><?xml version="1.0" encoding="utf-8"?>
+<p:sld xmlns:a="http://schemas.openxmlformats.org/drawingml/2006/main" xmlns:r="http://schemas.openxmlformats.org/officeDocument/2006/relationships" xmlns:p="http://schemas.openxmlformats.org/presentationml/2006/main">
+  <p:cSld>
+    <p:spTree>
+      <p:nvGrpSpPr>
+        <p:cNvPr id="1" name=""/>
+        <p:cNvGrpSpPr/>
+        <p:nvPr/>
+      </p:nvGrpSpPr>
+      <p:grpSpPr>
+        <a:xfrm>
+          <a:off x="0" y="0"/>
+          <a:ext cx="0" cy="0"/>
+          <a:chOff x="0" y="0"/>
+          <a:chExt cx="0" cy="0"/>
+        </a:xfrm>
+      </p:grpSpPr>
+      <p:pic>
+        <p:nvPicPr>
+          <p:cNvPr id="7" name="Picture 6">
+            <a:extLst>
+              <a:ext uri="{FF2B5EF4-FFF2-40B4-BE49-F238E27FC236}">
+                <a16:creationId xmlns="" xmlns:a16="http://schemas.microsoft.com/office/drawing/2014/main" id="{1115E337-69A5-3A3A-47B3-99503A5A3FE0}"/>
+              </a:ext>
+            </a:extLst>
+          </p:cNvPr>
+          <p:cNvPicPr>
+            <a:picLocks noChangeAspect="1"/>
+          </p:cNvPicPr>
+          <p:nvPr/>
+        </p:nvPicPr>
+        <p:blipFill>
+          <a:blip r:embed="rId2">
+            <a:extLst>
+              <a:ext uri="{28A0092B-C50C-407E-A947-70E740481C1C}">
+                <a14:useLocalDpi xmlns:a14="http://schemas.microsoft.com/office/drawing/2010/main" val="0"/>
+              </a:ext>
+            </a:extLst>
+          </a:blip>
+          <a:stretch>
+            <a:fillRect/>
+          </a:stretch>
+        </p:blipFill>
+        <p:spPr>
+          <a:xfrm>
+            <a:off x="7103339" y="351751"/>
+            <a:ext cx="6037473" cy="6037473"/>
+          </a:xfrm>
+          <a:prstGeom prst="rect">
+            <a:avLst/>
+          </a:prstGeom>
+        </p:spPr>
+      </p:pic>
+      <p:sp>
+        <p:nvSpPr>
+          <p:cNvPr id="8" name="Rectangle 7">
+            <a:extLst>
+              <a:ext uri="{FF2B5EF4-FFF2-40B4-BE49-F238E27FC236}">
+                <a16:creationId xmlns="" xmlns:a16="http://schemas.microsoft.com/office/drawing/2014/main" id="{3E572FD9-605B-F49A-CBF6-FE9ED55082BC}"/>
+              </a:ext>
+            </a:extLst>
+          </p:cNvPr>
+          <p:cNvSpPr/>
+          <p:nvPr/>
+        </p:nvSpPr>
+        <p:spPr>
+          <a:xfrm>
+            <a:off x="230324" y="814443"/>
+            <a:ext cx="4221730" cy="769441"/>
+          </a:xfrm>
+          <a:prstGeom prst="rect">
+            <a:avLst/>
+          </a:prstGeom>
+          <a:noFill/>
+        </p:spPr>
+        <p:txBody>
+          <a:bodyPr wrap="square" lIns="91440" tIns="45720" rIns="91440" bIns="45720">
+            <a:spAutoFit/>
+          </a:bodyPr>
+          <a:lstStyle/>
+          <a:p>
+            <a:pPr algn="ctr"/>
+            <a:r>
+              <a:rPr lang="en-US" sz="4400" b="1" cap="none" spc="0" dirty="0">
+                <a:ln w="6600">
+                  <a:solidFill>
+                    <a:schemeClr val="accent2"/>
+                  </a:solidFill>
+                  <a:prstDash val="solid"/>
+                </a:ln>
+                <a:solidFill>
+                  <a:srgbClr val="FFFFFF"/>
+                </a:solidFill>
+                <a:effectLst>
+                  <a:outerShdw dist="38100" dir="2700000" algn="tl" rotWithShape="0">
+                    <a:schemeClr val="accent2"/>
+                  </a:outerShdw>
+                </a:effectLst>
+              </a:rPr>
+              <a:t>Let’s Build</a:t>
+            </a:r>
+          </a:p>
+        </p:txBody>
+      </p:sp>
+      <p:sp>
+        <p:nvSpPr>
+          <p:cNvPr id="9" name="Rectangle 8">
+            <a:extLst>
+              <a:ext uri="{FF2B5EF4-FFF2-40B4-BE49-F238E27FC236}">
+                <a16:creationId xmlns="" xmlns:a16="http://schemas.microsoft.com/office/drawing/2014/main" id="{FEC49D69-601D-B518-0731-04B01D4FFED9}"/>
+              </a:ext>
+            </a:extLst>
+          </p:cNvPr>
+          <p:cNvSpPr/>
+          <p:nvPr/>
+        </p:nvSpPr>
+        <p:spPr>
+          <a:xfrm>
+            <a:off x="884642" y="1583884"/>
+            <a:ext cx="4565930" cy="923330"/>
+          </a:xfrm>
+          <a:prstGeom prst="rect">
+            <a:avLst/>
+          </a:prstGeom>
+          <a:noFill/>
+        </p:spPr>
+        <p:txBody>
+          <a:bodyPr wrap="none" lIns="91440" tIns="45720" rIns="91440" bIns="45720">
+            <a:spAutoFit/>
+            <a:scene3d>
+              <a:camera prst="orthographicFront"/>
+              <a:lightRig rig="harsh" dir="t"/>
+            </a:scene3d>
+            <a:sp3d extrusionH="57150" prstMaterial="matte">
+              <a:bevelT w="63500" h="12700" prst="angle"/>
+              <a:contourClr>
+                <a:schemeClr val="bg1">
+                  <a:lumMod val="65000"/>
+                </a:schemeClr>
+              </a:contourClr>
+            </a:sp3d>
+          </a:bodyPr>
+          <a:lstStyle/>
+          <a:p>
+            <a:pPr algn="ctr"/>
+            <a:r>
+              <a:rPr lang="en-US" sz="5400" b="1" dirty="0">
+                <a:ln/>
+                <a:solidFill>
+                  <a:schemeClr val="accent3"/>
+                </a:solidFill>
+              </a:rPr>
+              <a:t>JOB PORTAL</a:t>
+            </a:r>
+            <a:endParaRPr lang="en-US" sz="5400" b="1" cap="none" spc="0" dirty="0">
+              <a:ln/>
+              <a:solidFill>
+                <a:schemeClr val="accent3"/>
+              </a:solidFill>
+              <a:effectLst/>
+            </a:endParaRPr>
+          </a:p>
+        </p:txBody>
+      </p:sp>
+      <p:sp>
+        <p:nvSpPr>
+          <p:cNvPr id="10" name="Rectangle 9">
+            <a:extLst>
+              <a:ext uri="{FF2B5EF4-FFF2-40B4-BE49-F238E27FC236}">
+                <a16:creationId xmlns="" xmlns:a16="http://schemas.microsoft.com/office/drawing/2014/main" id="{C4E3BBCA-1A80-131A-EAD6-7DD8BF73495A}"/>
+              </a:ext>
+            </a:extLst>
+          </p:cNvPr>
+          <p:cNvSpPr/>
+          <p:nvPr/>
+        </p:nvSpPr>
+        <p:spPr>
+          <a:xfrm>
+            <a:off x="375642" y="3923906"/>
+            <a:ext cx="7738211" cy="707886"/>
+          </a:xfrm>
+          <a:prstGeom prst="rect">
+            <a:avLst/>
+          </a:prstGeom>
+          <a:solidFill>
+            <a:schemeClr val="bg1"/>
+          </a:solidFill>
+        </p:spPr>
+        <p:txBody>
+          <a:bodyPr wrap="square" lIns="91440" tIns="45720" rIns="91440" bIns="45720">
+            <a:spAutoFit/>
+          </a:bodyPr>
+          <a:lstStyle/>
+          <a:p>
+            <a:pPr algn="ctr"/>
+            <a:r>
+              <a:rPr lang="en-US" sz="4000" b="1" cap="none" spc="0" dirty="0" smtClean="0">
+                <a:ln/>
+                <a:solidFill>
+                  <a:schemeClr val="accent3"/>
+                </a:solidFill>
+                <a:effectLst/>
+              </a:rPr>
+              <a:t>06 </a:t>
+            </a:r>
+            <a:r>
+              <a:rPr lang="en-US" sz="4000" b="1" cap="none" spc="0" dirty="0">
+                <a:ln/>
+                <a:solidFill>
+                  <a:schemeClr val="accent3"/>
+                </a:solidFill>
+                <a:effectLst/>
+              </a:rPr>
+              <a:t>– </a:t>
+            </a:r>
+            <a:r>
+              <a:rPr lang="en-US" sz="4000" b="1" dirty="0" err="1" smtClean="0">
+                <a:ln/>
+                <a:solidFill>
+                  <a:schemeClr val="accent3"/>
+                </a:solidFill>
+              </a:rPr>
+              <a:t>MongoDB</a:t>
+            </a:r>
+            <a:r>
+              <a:rPr lang="en-US" sz="4000" b="1" dirty="0" smtClean="0">
+                <a:ln/>
+                <a:solidFill>
+                  <a:schemeClr val="accent3"/>
+                </a:solidFill>
+              </a:rPr>
+              <a:t> Database Conn..</a:t>
+            </a:r>
+            <a:endParaRPr lang="en-IN" sz="4000" b="1" cap="none" spc="0" dirty="0">
+              <a:ln/>
+              <a:solidFill>
+                <a:schemeClr val="accent3"/>
+              </a:solidFill>
+              <a:effectLst/>
+            </a:endParaRPr>
+          </a:p>
+        </p:txBody>
+      </p:sp>
+      <p:sp>
+        <p:nvSpPr>
+          <p:cNvPr id="13" name="Rectangle 12">
+            <a:extLst>
+              <a:ext uri="{FF2B5EF4-FFF2-40B4-BE49-F238E27FC236}">
+                <a16:creationId xmlns="" xmlns:a16="http://schemas.microsoft.com/office/drawing/2014/main" id="{63F47EB8-3D1A-6A5F-61D1-642B898C3BC3}"/>
+              </a:ext>
+            </a:extLst>
+          </p:cNvPr>
+          <p:cNvSpPr/>
+          <p:nvPr/>
+        </p:nvSpPr>
+        <p:spPr>
+          <a:xfrm>
+            <a:off x="468241" y="4847236"/>
+            <a:ext cx="8208461" cy="923330"/>
+          </a:xfrm>
+          <a:prstGeom prst="rect">
+            <a:avLst/>
+          </a:prstGeom>
+          <a:noFill/>
+        </p:spPr>
+        <p:txBody>
+          <a:bodyPr wrap="square" lIns="91440" tIns="45720" rIns="91440" bIns="45720">
+            <a:spAutoFit/>
+          </a:bodyPr>
+          <a:lstStyle/>
+          <a:p>
+            <a:pPr algn="ctr"/>
+            <a:r>
+              <a:rPr lang="en-US" sz="5400" b="1" cap="none" spc="0" dirty="0">
+                <a:ln w="6600">
+                  <a:solidFill>
+                    <a:schemeClr val="accent2"/>
+                  </a:solidFill>
+                  <a:prstDash val="solid"/>
+                </a:ln>
+                <a:solidFill>
+                  <a:srgbClr val="FFFFFF"/>
+                </a:solidFill>
+                <a:effectLst>
+                  <a:outerShdw dist="38100" dir="2700000" algn="tl" rotWithShape="0">
+                    <a:schemeClr val="accent2"/>
+                  </a:outerShdw>
+                </a:effectLst>
+              </a:rPr>
+              <a:t>Node Express JS Project</a:t>
+            </a:r>
+          </a:p>
+        </p:txBody>
+      </p:sp>
+    </p:spTree>
+    <p:extLst>
+      <p:ext uri="{BB962C8B-B14F-4D97-AF65-F5344CB8AC3E}">
+        <p14:creationId xmlns:p14="http://schemas.microsoft.com/office/powerpoint/2010/main" val="3384691128"/>
+      </p:ext>
+    </p:extLst>
+  </p:cSld>
+  <p:clrMapOvr>
+    <a:masterClrMapping/>
+  </p:clrMapOvr>
+  <p:timing>
+    <p:tnLst>
+      <p:par>
+        <p:cTn id="1" dur="indefinite" restart="never" nodeType="tmRoot"/>
+      </p:par>
+    </p:tnLst>
+  </p:timing>
+</p:sld>
+</file>
+
+<file path=ppt/slides/slide17.xml><?xml version="1.0" encoding="utf-8"?>
+<p:sld xmlns:a="http://schemas.openxmlformats.org/drawingml/2006/main" xmlns:r="http://schemas.openxmlformats.org/officeDocument/2006/relationships" xmlns:p="http://schemas.openxmlformats.org/presentationml/2006/main">
+  <p:cSld>
+    <p:spTree>
+      <p:nvGrpSpPr>
+        <p:cNvPr id="1" name=""/>
+        <p:cNvGrpSpPr/>
+        <p:nvPr/>
+      </p:nvGrpSpPr>
+      <p:grpSpPr>
+        <a:xfrm>
+          <a:off x="0" y="0"/>
+          <a:ext cx="0" cy="0"/>
+          <a:chOff x="0" y="0"/>
+          <a:chExt cx="0" cy="0"/>
+        </a:xfrm>
+      </p:grpSpPr>
+      <p:sp>
+        <p:nvSpPr>
+          <p:cNvPr id="3" name="Rectangle 2"/>
+          <p:cNvSpPr/>
+          <p:nvPr/>
+        </p:nvSpPr>
+        <p:spPr>
+          <a:xfrm>
+            <a:off x="419030" y="803128"/>
+            <a:ext cx="11353944" cy="5632311"/>
+          </a:xfrm>
+          <a:prstGeom prst="rect">
+            <a:avLst/>
+          </a:prstGeom>
+          <a:solidFill>
+            <a:schemeClr val="bg1"/>
+          </a:solidFill>
+        </p:spPr>
+        <p:txBody>
+          <a:bodyPr wrap="square">
+            <a:spAutoFit/>
+          </a:bodyPr>
+          <a:lstStyle/>
+          <a:p>
+            <a:pPr algn="ctr"/>
+            <a:endParaRPr lang="en-US" b="1" dirty="0" smtClean="0">
+              <a:ln/>
+              <a:solidFill>
+                <a:schemeClr val="accent3"/>
+              </a:solidFill>
+            </a:endParaRPr>
+          </a:p>
+          <a:p>
+            <a:pPr algn="ctr"/>
+            <a:endParaRPr lang="en-US" b="1" dirty="0">
+              <a:ln/>
+              <a:solidFill>
+                <a:schemeClr val="accent3"/>
+              </a:solidFill>
+            </a:endParaRPr>
+          </a:p>
+          <a:p>
+            <a:pPr algn="ctr"/>
+            <a:endParaRPr lang="en-US" b="1" dirty="0" smtClean="0">
+              <a:ln/>
+              <a:solidFill>
+                <a:schemeClr val="accent3"/>
+              </a:solidFill>
+            </a:endParaRPr>
+          </a:p>
+          <a:p>
+            <a:pPr algn="ctr"/>
+            <a:endParaRPr lang="en-US" b="1" dirty="0">
+              <a:ln/>
+              <a:solidFill>
+                <a:schemeClr val="accent3"/>
+              </a:solidFill>
+            </a:endParaRPr>
+          </a:p>
+          <a:p>
+            <a:pPr algn="ctr"/>
+            <a:endParaRPr lang="en-US" b="1" dirty="0" smtClean="0">
+              <a:ln/>
+              <a:solidFill>
+                <a:schemeClr val="accent3"/>
+              </a:solidFill>
+            </a:endParaRPr>
+          </a:p>
+          <a:p>
+            <a:pPr algn="ctr"/>
+            <a:endParaRPr lang="en-US" b="1" dirty="0">
+              <a:ln/>
+              <a:solidFill>
+                <a:schemeClr val="accent3"/>
+              </a:solidFill>
+            </a:endParaRPr>
+          </a:p>
+          <a:p>
+            <a:pPr algn="ctr"/>
+            <a:endParaRPr lang="en-US" b="1" dirty="0" smtClean="0">
+              <a:ln/>
+              <a:solidFill>
+                <a:schemeClr val="accent3"/>
+              </a:solidFill>
+            </a:endParaRPr>
+          </a:p>
+          <a:p>
+            <a:pPr algn="ctr"/>
+            <a:endParaRPr lang="en-US" b="1" dirty="0">
+              <a:ln/>
+              <a:solidFill>
+                <a:schemeClr val="accent3"/>
+              </a:solidFill>
+            </a:endParaRPr>
+          </a:p>
+          <a:p>
+            <a:pPr algn="ctr"/>
+            <a:endParaRPr lang="en-US" b="1" dirty="0" smtClean="0">
+              <a:ln/>
+              <a:solidFill>
+                <a:schemeClr val="accent3"/>
+              </a:solidFill>
+            </a:endParaRPr>
+          </a:p>
+          <a:p>
+            <a:pPr algn="ctr"/>
+            <a:endParaRPr lang="en-US" b="1" dirty="0">
+              <a:ln/>
+              <a:solidFill>
+                <a:schemeClr val="accent3"/>
+              </a:solidFill>
+            </a:endParaRPr>
+          </a:p>
+          <a:p>
+            <a:pPr algn="ctr"/>
+            <a:endParaRPr lang="en-US" b="1" dirty="0" smtClean="0">
+              <a:ln/>
+              <a:solidFill>
+                <a:schemeClr val="accent3"/>
+              </a:solidFill>
+            </a:endParaRPr>
+          </a:p>
+          <a:p>
+            <a:pPr algn="ctr"/>
+            <a:endParaRPr lang="en-US" b="1" dirty="0">
+              <a:ln/>
+              <a:solidFill>
+                <a:schemeClr val="accent3"/>
+              </a:solidFill>
+            </a:endParaRPr>
+          </a:p>
+          <a:p>
+            <a:pPr algn="ctr"/>
+            <a:endParaRPr lang="en-US" b="1" dirty="0" smtClean="0">
+              <a:ln/>
+              <a:solidFill>
+                <a:schemeClr val="accent3"/>
+              </a:solidFill>
+            </a:endParaRPr>
+          </a:p>
+          <a:p>
+            <a:pPr algn="ctr"/>
+            <a:endParaRPr lang="en-US" b="1" dirty="0">
+              <a:ln/>
+              <a:solidFill>
+                <a:schemeClr val="accent3"/>
+              </a:solidFill>
+            </a:endParaRPr>
+          </a:p>
+          <a:p>
+            <a:pPr algn="ctr"/>
+            <a:endParaRPr lang="en-US" b="1" dirty="0" smtClean="0">
+              <a:ln/>
+              <a:solidFill>
+                <a:schemeClr val="accent3"/>
+              </a:solidFill>
+            </a:endParaRPr>
+          </a:p>
+          <a:p>
+            <a:pPr algn="ctr"/>
+            <a:endParaRPr lang="en-US" b="1" dirty="0">
+              <a:ln/>
+              <a:solidFill>
+                <a:schemeClr val="accent3"/>
+              </a:solidFill>
+            </a:endParaRPr>
+          </a:p>
+          <a:p>
+            <a:pPr algn="ctr"/>
+            <a:endParaRPr lang="en-US" b="1" dirty="0" smtClean="0">
+              <a:ln/>
+              <a:solidFill>
+                <a:schemeClr val="accent3"/>
+              </a:solidFill>
+            </a:endParaRPr>
+          </a:p>
+          <a:p>
+            <a:pPr algn="ctr"/>
+            <a:endParaRPr lang="en-US" b="1" dirty="0">
+              <a:ln/>
+              <a:solidFill>
+                <a:schemeClr val="accent3"/>
+              </a:solidFill>
+            </a:endParaRPr>
+          </a:p>
+          <a:p>
+            <a:pPr algn="ctr"/>
+            <a:endParaRPr lang="en-US" b="1" dirty="0" smtClean="0">
+              <a:ln/>
+              <a:solidFill>
+                <a:schemeClr val="accent3"/>
+              </a:solidFill>
+            </a:endParaRPr>
+          </a:p>
+          <a:p>
+            <a:pPr algn="ctr"/>
+            <a:endParaRPr lang="en-IN" b="1" dirty="0">
+              <a:ln/>
+              <a:solidFill>
+                <a:schemeClr val="accent3"/>
+              </a:solidFill>
+            </a:endParaRPr>
+          </a:p>
+        </p:txBody>
+      </p:sp>
+      <p:sp>
+        <p:nvSpPr>
+          <p:cNvPr id="6" name="Rectangle 5">
+            <a:extLst>
+              <a:ext uri="{FF2B5EF4-FFF2-40B4-BE49-F238E27FC236}">
+                <a16:creationId xmlns="" xmlns:a16="http://schemas.microsoft.com/office/drawing/2014/main" id="{27E8D4A3-B686-AB21-9BA3-D4259FCFF046}"/>
+              </a:ext>
+            </a:extLst>
+          </p:cNvPr>
+          <p:cNvSpPr/>
+          <p:nvPr/>
+        </p:nvSpPr>
+        <p:spPr>
+          <a:xfrm>
+            <a:off x="2607552" y="859817"/>
+            <a:ext cx="6976910" cy="646331"/>
+          </a:xfrm>
+          <a:prstGeom prst="rect">
+            <a:avLst/>
+          </a:prstGeom>
+          <a:noFill/>
+        </p:spPr>
+        <p:txBody>
+          <a:bodyPr wrap="none" lIns="91440" tIns="45720" rIns="91440" bIns="45720">
+            <a:spAutoFit/>
+            <a:scene3d>
+              <a:camera prst="orthographicFront"/>
+              <a:lightRig rig="harsh" dir="t"/>
+            </a:scene3d>
+            <a:sp3d extrusionH="57150" prstMaterial="matte">
+              <a:bevelT w="63500" h="12700" prst="angle"/>
+              <a:contourClr>
+                <a:schemeClr val="bg1">
+                  <a:lumMod val="65000"/>
+                </a:schemeClr>
+              </a:contourClr>
+            </a:sp3d>
+          </a:bodyPr>
+          <a:lstStyle/>
+          <a:p>
+            <a:pPr algn="ctr"/>
+            <a:r>
+              <a:rPr lang="en-US" sz="3600" b="1" dirty="0" err="1" smtClean="0">
+                <a:ln/>
+                <a:solidFill>
+                  <a:schemeClr val="accent3"/>
+                </a:solidFill>
+              </a:rPr>
+              <a:t>Mongodb</a:t>
+            </a:r>
+            <a:r>
+              <a:rPr lang="en-US" sz="3600" b="1" dirty="0" smtClean="0">
+                <a:ln/>
+                <a:solidFill>
+                  <a:schemeClr val="accent3"/>
+                </a:solidFill>
+              </a:rPr>
+              <a:t> Database Connection</a:t>
+            </a:r>
+            <a:endParaRPr lang="en-US" sz="3600" b="1" dirty="0">
+              <a:ln/>
+              <a:solidFill>
+                <a:schemeClr val="accent3"/>
+              </a:solidFill>
+            </a:endParaRPr>
+          </a:p>
+        </p:txBody>
+      </p:sp>
+      <p:sp>
+        <p:nvSpPr>
+          <p:cNvPr id="8" name="Rectangle 7">
+            <a:extLst>
+              <a:ext uri="{FF2B5EF4-FFF2-40B4-BE49-F238E27FC236}">
+                <a16:creationId xmlns="" xmlns:a16="http://schemas.microsoft.com/office/drawing/2014/main" id="{FEC49D69-601D-B518-0731-04B01D4FFED9}"/>
+              </a:ext>
+            </a:extLst>
+          </p:cNvPr>
+          <p:cNvSpPr/>
+          <p:nvPr/>
+        </p:nvSpPr>
+        <p:spPr>
+          <a:xfrm>
+            <a:off x="572113" y="1272660"/>
+            <a:ext cx="11200861" cy="5232202"/>
+          </a:xfrm>
+          <a:prstGeom prst="rect">
+            <a:avLst/>
+          </a:prstGeom>
+          <a:noFill/>
+        </p:spPr>
+        <p:txBody>
+          <a:bodyPr wrap="square" lIns="91440" tIns="45720" rIns="91440" bIns="45720">
+            <a:spAutoFit/>
+            <a:scene3d>
+              <a:camera prst="orthographicFront"/>
+              <a:lightRig rig="harsh" dir="t"/>
+            </a:scene3d>
+            <a:sp3d extrusionH="57150" prstMaterial="matte">
+              <a:bevelT w="63500" h="12700" prst="angle"/>
+              <a:contourClr>
+                <a:schemeClr val="bg1">
+                  <a:lumMod val="65000"/>
+                </a:schemeClr>
+              </a:contourClr>
+            </a:sp3d>
+          </a:bodyPr>
+          <a:lstStyle/>
+          <a:p>
+            <a:pPr marL="571500" indent="-571500">
+              <a:buFont typeface="+mj-lt"/>
+              <a:buAutoNum type="arabicPeriod"/>
+            </a:pPr>
+            <a:endParaRPr lang="en-US" sz="2800" b="1" dirty="0" smtClean="0">
+              <a:ln/>
+              <a:solidFill>
+                <a:schemeClr val="accent3"/>
+              </a:solidFill>
+            </a:endParaRPr>
+          </a:p>
+          <a:p>
+            <a:pPr marL="571500" indent="-571500">
+              <a:buFont typeface="Arial" pitchFamily="34" charset="0"/>
+              <a:buChar char="•"/>
+            </a:pPr>
+            <a:r>
+              <a:rPr lang="en-US" sz="2800" b="1" dirty="0" err="1" smtClean="0">
+                <a:ln/>
+                <a:solidFill>
+                  <a:schemeClr val="accent3"/>
+                </a:solidFill>
+              </a:rPr>
+              <a:t>MongoDB</a:t>
+            </a:r>
+            <a:r>
+              <a:rPr lang="en-US" sz="2800" b="1" dirty="0" smtClean="0">
+                <a:ln/>
+                <a:solidFill>
+                  <a:schemeClr val="accent3"/>
+                </a:solidFill>
+              </a:rPr>
+              <a:t> Atlas/Compass use for database</a:t>
+            </a:r>
+          </a:p>
+          <a:p>
+            <a:pPr marL="571500" indent="-571500">
+              <a:buFont typeface="Arial" pitchFamily="34" charset="0"/>
+              <a:buChar char="•"/>
+            </a:pPr>
+            <a:endParaRPr lang="en-US" sz="2800" b="1" dirty="0" smtClean="0">
+              <a:ln/>
+              <a:solidFill>
+                <a:schemeClr val="accent3"/>
+              </a:solidFill>
+            </a:endParaRPr>
+          </a:p>
+          <a:p>
+            <a:pPr marL="571500" indent="-571500">
+              <a:buFont typeface="Arial" pitchFamily="34" charset="0"/>
+              <a:buChar char="•"/>
+            </a:pPr>
+            <a:r>
+              <a:rPr lang="en-US" sz="2800" b="1" dirty="0" smtClean="0">
+                <a:ln/>
+                <a:solidFill>
+                  <a:schemeClr val="accent3"/>
+                </a:solidFill>
+                <a:effectLst>
+                  <a:outerShdw blurRad="25500" dist="23000" dir="7020000" algn="tl">
+                    <a:srgbClr val="000000">
+                      <a:alpha val="50000"/>
+                    </a:srgbClr>
+                  </a:outerShdw>
+                </a:effectLst>
+              </a:rPr>
+              <a:t>Database URL :-</a:t>
+            </a:r>
+          </a:p>
+          <a:p>
+            <a:pPr marL="571500" indent="-571500">
+              <a:buFont typeface="Arial" pitchFamily="34" charset="0"/>
+              <a:buChar char="•"/>
+            </a:pPr>
+            <a:r>
+              <a:rPr lang="en-IN" dirty="0">
+                <a:solidFill>
+                  <a:srgbClr val="00B0F0"/>
+                </a:solidFill>
+              </a:rPr>
+              <a:t>MONOGDB_URL =</a:t>
+            </a:r>
+            <a:r>
+              <a:rPr lang="en-IN" dirty="0"/>
+              <a:t> </a:t>
+            </a:r>
+            <a:r>
+              <a:rPr lang="en-IN" dirty="0" err="1">
+                <a:solidFill>
+                  <a:srgbClr val="00B0F0"/>
+                </a:solidFill>
+              </a:rPr>
+              <a:t>mongodb+srv</a:t>
+            </a:r>
+            <a:r>
+              <a:rPr lang="en-IN" dirty="0">
+                <a:solidFill>
+                  <a:srgbClr val="00B0F0"/>
+                </a:solidFill>
+              </a:rPr>
+              <a:t>://</a:t>
+            </a:r>
+            <a:r>
+              <a:rPr lang="en-IN" dirty="0" smtClean="0">
+                <a:solidFill>
+                  <a:srgbClr val="00B0F0"/>
+                </a:solidFill>
+              </a:rPr>
+              <a:t>arunchoudhary991999:Arundatabase@cluster0.qzc5ywd.mongodb.net/nodejs-job-portal-2023</a:t>
+            </a:r>
+          </a:p>
+          <a:p>
+            <a:pPr marL="571500" indent="-571500">
+              <a:buFont typeface="Arial" pitchFamily="34" charset="0"/>
+              <a:buChar char="•"/>
+            </a:pPr>
+            <a:endParaRPr lang="en-IN" dirty="0">
+              <a:solidFill>
+                <a:srgbClr val="00B0F0"/>
+              </a:solidFill>
+            </a:endParaRPr>
+          </a:p>
+          <a:p>
+            <a:pPr marL="571500" indent="-571500">
+              <a:buFont typeface="Arial" pitchFamily="34" charset="0"/>
+              <a:buChar char="•"/>
+            </a:pPr>
+            <a:r>
+              <a:rPr lang="en-US" sz="2800" b="1" dirty="0" smtClean="0">
+                <a:ln/>
+                <a:solidFill>
+                  <a:schemeClr val="accent3"/>
+                </a:solidFill>
+              </a:rPr>
+              <a:t>                                     Pattern </a:t>
+            </a:r>
+            <a:r>
+              <a:rPr lang="en-US" sz="2800" b="1" dirty="0" err="1" smtClean="0">
+                <a:ln/>
+                <a:solidFill>
+                  <a:schemeClr val="accent3"/>
+                </a:solidFill>
+              </a:rPr>
+              <a:t>ke</a:t>
+            </a:r>
+            <a:r>
+              <a:rPr lang="en-US" sz="2800" b="1" dirty="0" smtClean="0">
+                <a:ln/>
+                <a:solidFill>
+                  <a:schemeClr val="accent3"/>
+                </a:solidFill>
+              </a:rPr>
+              <a:t> under </a:t>
+            </a:r>
+            <a:r>
+              <a:rPr lang="en-US" sz="2800" b="1" dirty="0" err="1" smtClean="0">
+                <a:ln/>
+                <a:solidFill>
+                  <a:schemeClr val="accent3"/>
+                </a:solidFill>
+              </a:rPr>
+              <a:t>hm</a:t>
+            </a:r>
+            <a:r>
+              <a:rPr lang="en-US" sz="2800" b="1" dirty="0" smtClean="0">
+                <a:ln/>
+                <a:solidFill>
+                  <a:schemeClr val="accent3"/>
+                </a:solidFill>
+              </a:rPr>
+              <a:t> database use </a:t>
+            </a:r>
+            <a:r>
+              <a:rPr lang="en-US" sz="2800" b="1" dirty="0" err="1" smtClean="0">
+                <a:ln/>
+                <a:solidFill>
+                  <a:schemeClr val="accent3"/>
+                </a:solidFill>
+              </a:rPr>
+              <a:t>kerte</a:t>
+            </a:r>
+            <a:r>
+              <a:rPr lang="en-US" sz="2800" b="1" dirty="0" smtClean="0">
+                <a:ln/>
+                <a:solidFill>
+                  <a:schemeClr val="accent3"/>
+                </a:solidFill>
+              </a:rPr>
+              <a:t> h or is database </a:t>
+            </a:r>
+            <a:r>
+              <a:rPr lang="en-US" sz="2800" b="1" dirty="0" err="1" smtClean="0">
+                <a:ln/>
+                <a:solidFill>
+                  <a:schemeClr val="accent3"/>
+                </a:solidFill>
+              </a:rPr>
+              <a:t>ko</a:t>
+            </a:r>
+            <a:r>
+              <a:rPr lang="en-US" sz="2800" b="1" dirty="0" smtClean="0">
+                <a:ln/>
+                <a:solidFill>
+                  <a:schemeClr val="accent3"/>
+                </a:solidFill>
+              </a:rPr>
+              <a:t> </a:t>
+            </a:r>
+            <a:r>
+              <a:rPr lang="en-US" sz="2800" b="1" dirty="0" err="1" smtClean="0">
+                <a:ln/>
+                <a:solidFill>
+                  <a:schemeClr val="accent3"/>
+                </a:solidFill>
+              </a:rPr>
+              <a:t>hm</a:t>
+            </a:r>
+            <a:r>
+              <a:rPr lang="en-US" sz="2800" b="1" dirty="0" smtClean="0">
+                <a:ln/>
+                <a:solidFill>
+                  <a:schemeClr val="accent3"/>
+                </a:solidFill>
+              </a:rPr>
+              <a:t> </a:t>
+            </a:r>
+            <a:r>
+              <a:rPr lang="en-US" sz="2800" b="1" dirty="0" err="1" smtClean="0">
+                <a:ln/>
+                <a:solidFill>
+                  <a:schemeClr val="accent3"/>
+                </a:solidFill>
+              </a:rPr>
+              <a:t>config</a:t>
+            </a:r>
+            <a:r>
+              <a:rPr lang="en-US" sz="2800" b="1" dirty="0" smtClean="0">
+                <a:ln/>
+                <a:solidFill>
+                  <a:schemeClr val="accent3"/>
+                </a:solidFill>
+              </a:rPr>
+              <a:t> folder </a:t>
+            </a:r>
+            <a:r>
+              <a:rPr lang="en-US" sz="2800" b="1" dirty="0" err="1" smtClean="0">
+                <a:ln/>
+                <a:solidFill>
+                  <a:schemeClr val="accent3"/>
+                </a:solidFill>
+              </a:rPr>
+              <a:t>ke</a:t>
+            </a:r>
+            <a:r>
+              <a:rPr lang="en-US" sz="2800" b="1" dirty="0" smtClean="0">
+                <a:ln/>
+                <a:solidFill>
+                  <a:schemeClr val="accent3"/>
+                </a:solidFill>
+              </a:rPr>
+              <a:t> db.js file </a:t>
+            </a:r>
+            <a:r>
+              <a:rPr lang="en-US" sz="2800" b="1" dirty="0" err="1" smtClean="0">
+                <a:ln/>
+                <a:solidFill>
+                  <a:schemeClr val="accent3"/>
+                </a:solidFill>
+              </a:rPr>
+              <a:t>ke</a:t>
+            </a:r>
+            <a:r>
+              <a:rPr lang="en-US" sz="2800" b="1" dirty="0" smtClean="0">
+                <a:ln/>
+                <a:solidFill>
+                  <a:schemeClr val="accent3"/>
+                </a:solidFill>
+              </a:rPr>
+              <a:t> under use </a:t>
+            </a:r>
+            <a:r>
+              <a:rPr lang="en-US" sz="2800" b="1" dirty="0" err="1" smtClean="0">
+                <a:ln/>
+                <a:solidFill>
+                  <a:schemeClr val="accent3"/>
+                </a:solidFill>
+              </a:rPr>
+              <a:t>karegay</a:t>
+            </a:r>
+            <a:r>
+              <a:rPr lang="en-US" sz="2800" b="1" dirty="0" smtClean="0">
+                <a:ln/>
+                <a:solidFill>
+                  <a:schemeClr val="accent3"/>
+                </a:solidFill>
+              </a:rPr>
+              <a:t>.</a:t>
+            </a:r>
+          </a:p>
+          <a:p>
+            <a:pPr marL="571500" indent="-571500">
+              <a:buFont typeface="Arial" pitchFamily="34" charset="0"/>
+              <a:buChar char="•"/>
+            </a:pPr>
+            <a:r>
+              <a:rPr lang="en-US" sz="2800" b="1" dirty="0" err="1" smtClean="0">
+                <a:ln/>
+                <a:solidFill>
+                  <a:schemeClr val="accent3"/>
+                </a:solidFill>
+              </a:rPr>
+              <a:t>Isme</a:t>
+            </a:r>
+            <a:r>
+              <a:rPr lang="en-US" sz="2800" b="1" dirty="0" smtClean="0">
+                <a:ln/>
+                <a:solidFill>
+                  <a:schemeClr val="accent3"/>
+                </a:solidFill>
+              </a:rPr>
+              <a:t> </a:t>
+            </a:r>
+            <a:r>
+              <a:rPr lang="en-US" sz="2800" b="1" dirty="0" err="1" smtClean="0">
+                <a:ln/>
+                <a:solidFill>
+                  <a:schemeClr val="accent3"/>
+                </a:solidFill>
+              </a:rPr>
+              <a:t>hm</a:t>
+            </a:r>
+            <a:r>
+              <a:rPr lang="en-US" sz="2800" b="1" dirty="0" smtClean="0">
+                <a:ln/>
+                <a:solidFill>
+                  <a:schemeClr val="accent3"/>
+                </a:solidFill>
+              </a:rPr>
+              <a:t> kea </a:t>
+            </a:r>
+            <a:r>
+              <a:rPr lang="en-US" sz="2800" b="1" dirty="0" err="1" smtClean="0">
+                <a:ln/>
+                <a:solidFill>
+                  <a:schemeClr val="accent3"/>
+                </a:solidFill>
+              </a:rPr>
+              <a:t>karegay</a:t>
+            </a:r>
+            <a:r>
+              <a:rPr lang="en-US" sz="2800" b="1" dirty="0" smtClean="0">
+                <a:ln/>
+                <a:solidFill>
+                  <a:schemeClr val="accent3"/>
+                </a:solidFill>
+              </a:rPr>
+              <a:t> connection establish </a:t>
+            </a:r>
+            <a:r>
+              <a:rPr lang="en-US" sz="2800" b="1" dirty="0" err="1" smtClean="0">
+                <a:ln/>
+                <a:solidFill>
+                  <a:schemeClr val="accent3"/>
+                </a:solidFill>
+              </a:rPr>
+              <a:t>kareagay</a:t>
+            </a:r>
+            <a:r>
+              <a:rPr lang="en-US" sz="2800" b="1" dirty="0" smtClean="0">
+                <a:ln/>
+                <a:solidFill>
+                  <a:schemeClr val="accent3"/>
+                </a:solidFill>
+              </a:rPr>
+              <a:t> </a:t>
+            </a:r>
+            <a:r>
+              <a:rPr lang="en-US" sz="2800" b="1" dirty="0" err="1" smtClean="0">
+                <a:ln/>
+                <a:solidFill>
+                  <a:schemeClr val="accent3"/>
+                </a:solidFill>
+              </a:rPr>
+              <a:t>mongodb</a:t>
+            </a:r>
+            <a:r>
+              <a:rPr lang="en-US" sz="2800" b="1" dirty="0" smtClean="0">
+                <a:ln/>
+                <a:solidFill>
+                  <a:schemeClr val="accent3"/>
+                </a:solidFill>
+              </a:rPr>
+              <a:t> database </a:t>
+            </a:r>
+            <a:r>
+              <a:rPr lang="en-US" sz="2800" b="1" dirty="0" err="1" smtClean="0">
+                <a:ln/>
+                <a:solidFill>
+                  <a:schemeClr val="accent3"/>
+                </a:solidFill>
+              </a:rPr>
+              <a:t>ke</a:t>
+            </a:r>
+            <a:r>
+              <a:rPr lang="en-US" sz="2800" b="1" dirty="0" smtClean="0">
+                <a:ln/>
+                <a:solidFill>
+                  <a:schemeClr val="accent3"/>
+                </a:solidFill>
+              </a:rPr>
+              <a:t> </a:t>
+            </a:r>
+            <a:r>
+              <a:rPr lang="en-US" sz="2800" b="1" dirty="0" err="1" smtClean="0">
+                <a:ln/>
+                <a:solidFill>
+                  <a:schemeClr val="accent3"/>
+                </a:solidFill>
+              </a:rPr>
+              <a:t>sathme</a:t>
+            </a:r>
+            <a:r>
+              <a:rPr lang="en-US" sz="2800" b="1" dirty="0">
+                <a:ln/>
+                <a:solidFill>
+                  <a:schemeClr val="accent3"/>
+                </a:solidFill>
+              </a:rPr>
+              <a:t>,</a:t>
+            </a:r>
+            <a:r>
+              <a:rPr lang="en-US" sz="2800" b="1" dirty="0" smtClean="0">
+                <a:ln/>
+                <a:solidFill>
+                  <a:schemeClr val="accent3"/>
+                </a:solidFill>
+              </a:rPr>
+              <a:t>  </a:t>
+            </a:r>
+            <a:r>
+              <a:rPr lang="en-US" sz="2800" b="1" dirty="0" err="1" smtClean="0">
+                <a:ln/>
+                <a:solidFill>
+                  <a:schemeClr val="accent3"/>
+                </a:solidFill>
+              </a:rPr>
+              <a:t>mongodb</a:t>
+            </a:r>
+            <a:r>
+              <a:rPr lang="en-US" sz="2800" b="1" dirty="0" smtClean="0">
+                <a:ln/>
+                <a:solidFill>
+                  <a:schemeClr val="accent3"/>
+                </a:solidFill>
+              </a:rPr>
+              <a:t> database </a:t>
+            </a:r>
+            <a:r>
+              <a:rPr lang="en-US" sz="2800" b="1" dirty="0" err="1" smtClean="0">
+                <a:ln/>
+                <a:solidFill>
+                  <a:schemeClr val="accent3"/>
+                </a:solidFill>
+              </a:rPr>
+              <a:t>ke</a:t>
+            </a:r>
+            <a:r>
+              <a:rPr lang="en-US" sz="2800" b="1" dirty="0" smtClean="0">
+                <a:ln/>
+                <a:solidFill>
+                  <a:schemeClr val="accent3"/>
+                </a:solidFill>
+              </a:rPr>
+              <a:t> </a:t>
+            </a:r>
+            <a:r>
+              <a:rPr lang="en-US" sz="2800" b="1" dirty="0" err="1" smtClean="0">
+                <a:ln/>
+                <a:solidFill>
+                  <a:schemeClr val="accent3"/>
+                </a:solidFill>
+              </a:rPr>
+              <a:t>sathme</a:t>
+            </a:r>
+            <a:r>
+              <a:rPr lang="en-US" sz="2800" b="1" dirty="0" smtClean="0">
+                <a:ln/>
+                <a:solidFill>
+                  <a:schemeClr val="accent3"/>
+                </a:solidFill>
+              </a:rPr>
+              <a:t> </a:t>
+            </a:r>
+            <a:r>
+              <a:rPr lang="en-US" sz="2800" b="1" dirty="0" err="1" smtClean="0">
+                <a:ln/>
+                <a:solidFill>
+                  <a:schemeClr val="accent3"/>
+                </a:solidFill>
+              </a:rPr>
+              <a:t>hame</a:t>
+            </a:r>
+            <a:r>
+              <a:rPr lang="en-US" sz="2800" b="1" dirty="0" smtClean="0">
+                <a:ln/>
+                <a:solidFill>
+                  <a:schemeClr val="accent3"/>
+                </a:solidFill>
+              </a:rPr>
+              <a:t> </a:t>
+            </a:r>
+            <a:r>
+              <a:rPr lang="en-US" sz="2800" b="1" dirty="0" err="1" smtClean="0">
+                <a:ln/>
+                <a:solidFill>
+                  <a:schemeClr val="accent3"/>
+                </a:solidFill>
+              </a:rPr>
+              <a:t>ek</a:t>
+            </a:r>
+            <a:r>
+              <a:rPr lang="en-US" sz="2800" b="1" dirty="0" smtClean="0">
+                <a:ln/>
+                <a:solidFill>
+                  <a:schemeClr val="accent3"/>
+                </a:solidFill>
+              </a:rPr>
+              <a:t> or package </a:t>
+            </a:r>
+            <a:r>
+              <a:rPr lang="en-US" sz="2800" b="1" dirty="0" err="1" smtClean="0">
+                <a:ln/>
+                <a:solidFill>
+                  <a:schemeClr val="accent3"/>
+                </a:solidFill>
+              </a:rPr>
+              <a:t>ko</a:t>
+            </a:r>
+            <a:r>
+              <a:rPr lang="en-US" sz="2800" b="1" dirty="0" smtClean="0">
+                <a:ln/>
+                <a:solidFill>
+                  <a:schemeClr val="accent3"/>
+                </a:solidFill>
+              </a:rPr>
+              <a:t> install </a:t>
+            </a:r>
+            <a:r>
+              <a:rPr lang="en-US" sz="2800" b="1" dirty="0" err="1" smtClean="0">
+                <a:ln/>
+                <a:solidFill>
+                  <a:schemeClr val="accent3"/>
+                </a:solidFill>
+              </a:rPr>
+              <a:t>karna</a:t>
+            </a:r>
+            <a:r>
+              <a:rPr lang="en-US" sz="2800" b="1" dirty="0" smtClean="0">
+                <a:ln/>
+                <a:solidFill>
+                  <a:schemeClr val="accent3"/>
+                </a:solidFill>
+              </a:rPr>
+              <a:t> </a:t>
+            </a:r>
+            <a:r>
+              <a:rPr lang="en-US" sz="2800" b="1" dirty="0" err="1" smtClean="0">
+                <a:ln/>
+                <a:solidFill>
+                  <a:schemeClr val="accent3"/>
+                </a:solidFill>
+              </a:rPr>
+              <a:t>padega</a:t>
+            </a:r>
+            <a:r>
+              <a:rPr lang="en-US" sz="2800" b="1" dirty="0" smtClean="0">
+                <a:ln/>
+                <a:solidFill>
+                  <a:schemeClr val="accent3"/>
+                </a:solidFill>
+              </a:rPr>
+              <a:t> : </a:t>
+            </a:r>
+            <a:r>
+              <a:rPr lang="en-US" sz="2800" b="1" dirty="0" err="1" smtClean="0">
+                <a:ln/>
+                <a:solidFill>
+                  <a:schemeClr val="accent3"/>
+                </a:solidFill>
+              </a:rPr>
+              <a:t>npm</a:t>
+            </a:r>
+            <a:r>
+              <a:rPr lang="en-US" sz="2800" b="1" dirty="0" smtClean="0">
+                <a:ln/>
+                <a:solidFill>
+                  <a:schemeClr val="accent3"/>
+                </a:solidFill>
+              </a:rPr>
+              <a:t> install mongoose</a:t>
+            </a:r>
+            <a:endParaRPr lang="en-IN" sz="2800" b="1" dirty="0" smtClean="0">
+              <a:ln w="18000">
+                <a:solidFill>
+                  <a:schemeClr val="accent2">
+                    <a:satMod val="140000"/>
+                  </a:schemeClr>
+                </a:solidFill>
+                <a:prstDash val="solid"/>
+                <a:miter lim="800000"/>
+              </a:ln>
+              <a:noFill/>
+              <a:effectLst>
+                <a:outerShdw blurRad="25500" dist="23000" dir="7020000" algn="tl">
+                  <a:srgbClr val="000000">
+                    <a:alpha val="50000"/>
+                  </a:srgbClr>
+                </a:outerShdw>
+              </a:effectLst>
+            </a:endParaRPr>
+          </a:p>
+        </p:txBody>
+      </p:sp>
+      <p:sp>
+        <p:nvSpPr>
+          <p:cNvPr id="5" name="Rectangle 4">
+            <a:extLst>
+              <a:ext uri="{FF2B5EF4-FFF2-40B4-BE49-F238E27FC236}">
+                <a16:creationId xmlns="" xmlns:a16="http://schemas.microsoft.com/office/drawing/2014/main" id="{8B5E36E6-CDD7-37ED-23A7-33FDA9749CDD}"/>
+              </a:ext>
+            </a:extLst>
+          </p:cNvPr>
+          <p:cNvSpPr/>
+          <p:nvPr/>
+        </p:nvSpPr>
+        <p:spPr>
+          <a:xfrm>
+            <a:off x="1183866" y="3796428"/>
+            <a:ext cx="3584318" cy="523220"/>
+          </a:xfrm>
+          <a:prstGeom prst="rect">
+            <a:avLst/>
+          </a:prstGeom>
+          <a:solidFill>
+            <a:srgbClr val="FFFF00"/>
+          </a:solidFill>
+        </p:spPr>
+        <p:txBody>
+          <a:bodyPr wrap="square" lIns="91440" tIns="45720" rIns="91440" bIns="45720">
+            <a:spAutoFit/>
+          </a:bodyPr>
+          <a:lstStyle/>
+          <a:p>
+            <a:pPr algn="ctr"/>
+            <a:r>
+              <a:rPr lang="en-US" sz="2800" b="1" dirty="0" smtClean="0">
+                <a:ln w="6600">
+                  <a:solidFill>
+                    <a:schemeClr val="accent2"/>
+                  </a:solidFill>
+                  <a:prstDash val="solid"/>
+                </a:ln>
+                <a:solidFill>
+                  <a:srgbClr val="FFFFFF"/>
+                </a:solidFill>
+                <a:effectLst>
+                  <a:outerShdw dist="38100" dir="2700000" algn="tl" rotWithShape="0">
+                    <a:schemeClr val="accent2"/>
+                  </a:outerShdw>
+                </a:effectLst>
+              </a:rPr>
+              <a:t>MODEL - Database</a:t>
+            </a:r>
+            <a:endParaRPr lang="en-US" sz="2800" b="1" cap="none" spc="0" dirty="0">
+              <a:ln w="6600">
+                <a:solidFill>
+                  <a:schemeClr val="accent2"/>
+                </a:solidFill>
+                <a:prstDash val="solid"/>
+              </a:ln>
+              <a:solidFill>
+                <a:srgbClr val="FFFFFF"/>
+              </a:solidFill>
+              <a:effectLst>
+                <a:outerShdw dist="38100" dir="2700000" algn="tl" rotWithShape="0">
+                  <a:schemeClr val="accent2"/>
+                </a:outerShdw>
+              </a:effectLst>
+            </a:endParaRPr>
+          </a:p>
+        </p:txBody>
+      </p:sp>
+    </p:spTree>
+    <p:extLst>
+      <p:ext uri="{BB962C8B-B14F-4D97-AF65-F5344CB8AC3E}">
+        <p14:creationId xmlns:p14="http://schemas.microsoft.com/office/powerpoint/2010/main" val="1320674740"/>
+      </p:ext>
+    </p:extLst>
+  </p:cSld>
+  <p:clrMapOvr>
+    <a:masterClrMapping/>
+  </p:clrMapOvr>
+  <p:timing>
+    <p:tnLst>
+      <p:par>
+        <p:cTn id="1" dur="indefinite" restart="never" nodeType="tmRoot"/>
+      </p:par>
+    </p:tnLst>
+  </p:timing>
+</p:sld>
+</file>
+
+<file path=ppt/slides/slide18.xml><?xml version="1.0" encoding="utf-8"?>
+<p:sld xmlns:a="http://schemas.openxmlformats.org/drawingml/2006/main" xmlns:r="http://schemas.openxmlformats.org/officeDocument/2006/relationships" xmlns:p="http://schemas.openxmlformats.org/presentationml/2006/main">
+  <p:cSld>
+    <p:spTree>
+      <p:nvGrpSpPr>
+        <p:cNvPr id="1" name=""/>
+        <p:cNvGrpSpPr/>
+        <p:nvPr/>
+      </p:nvGrpSpPr>
+      <p:grpSpPr>
+        <a:xfrm>
+          <a:off x="0" y="0"/>
+          <a:ext cx="0" cy="0"/>
+          <a:chOff x="0" y="0"/>
+          <a:chExt cx="0" cy="0"/>
+        </a:xfrm>
+      </p:grpSpPr>
+      <p:sp>
+        <p:nvSpPr>
+          <p:cNvPr id="3" name="Rectangle 2"/>
+          <p:cNvSpPr/>
+          <p:nvPr/>
+        </p:nvSpPr>
+        <p:spPr>
+          <a:xfrm>
+            <a:off x="419030" y="803128"/>
+            <a:ext cx="11353944" cy="5632311"/>
+          </a:xfrm>
+          <a:prstGeom prst="rect">
+            <a:avLst/>
+          </a:prstGeom>
+          <a:solidFill>
+            <a:schemeClr val="bg1"/>
+          </a:solidFill>
+        </p:spPr>
+        <p:txBody>
+          <a:bodyPr wrap="square">
+            <a:spAutoFit/>
+          </a:bodyPr>
+          <a:lstStyle/>
+          <a:p>
+            <a:pPr algn="ctr"/>
+            <a:endParaRPr lang="en-US" b="1" dirty="0" smtClean="0">
+              <a:ln/>
+              <a:solidFill>
+                <a:schemeClr val="accent3"/>
+              </a:solidFill>
+            </a:endParaRPr>
+          </a:p>
+          <a:p>
+            <a:pPr algn="ctr"/>
+            <a:endParaRPr lang="en-US" b="1" dirty="0">
+              <a:ln/>
+              <a:solidFill>
+                <a:schemeClr val="accent3"/>
+              </a:solidFill>
+            </a:endParaRPr>
+          </a:p>
+          <a:p>
+            <a:pPr algn="ctr"/>
+            <a:endParaRPr lang="en-US" b="1" dirty="0" smtClean="0">
+              <a:ln/>
+              <a:solidFill>
+                <a:schemeClr val="accent3"/>
+              </a:solidFill>
+            </a:endParaRPr>
+          </a:p>
+          <a:p>
+            <a:pPr algn="ctr"/>
+            <a:endParaRPr lang="en-US" b="1" dirty="0">
+              <a:ln/>
+              <a:solidFill>
+                <a:schemeClr val="accent3"/>
+              </a:solidFill>
+            </a:endParaRPr>
+          </a:p>
+          <a:p>
+            <a:pPr algn="ctr"/>
+            <a:endParaRPr lang="en-US" b="1" dirty="0" smtClean="0">
+              <a:ln/>
+              <a:solidFill>
+                <a:schemeClr val="accent3"/>
+              </a:solidFill>
+            </a:endParaRPr>
+          </a:p>
+          <a:p>
+            <a:pPr algn="ctr"/>
+            <a:endParaRPr lang="en-US" b="1" dirty="0">
+              <a:ln/>
+              <a:solidFill>
+                <a:schemeClr val="accent3"/>
+              </a:solidFill>
+            </a:endParaRPr>
+          </a:p>
+          <a:p>
+            <a:pPr algn="ctr"/>
+            <a:endParaRPr lang="en-US" b="1" dirty="0" smtClean="0">
+              <a:ln/>
+              <a:solidFill>
+                <a:schemeClr val="accent3"/>
+              </a:solidFill>
+            </a:endParaRPr>
+          </a:p>
+          <a:p>
+            <a:pPr algn="ctr"/>
+            <a:endParaRPr lang="en-US" b="1" dirty="0">
+              <a:ln/>
+              <a:solidFill>
+                <a:schemeClr val="accent3"/>
+              </a:solidFill>
+            </a:endParaRPr>
+          </a:p>
+          <a:p>
+            <a:pPr algn="ctr"/>
+            <a:endParaRPr lang="en-US" b="1" dirty="0" smtClean="0">
+              <a:ln/>
+              <a:solidFill>
+                <a:schemeClr val="accent3"/>
+              </a:solidFill>
+            </a:endParaRPr>
+          </a:p>
+          <a:p>
+            <a:pPr algn="ctr"/>
+            <a:endParaRPr lang="en-US" b="1" dirty="0">
+              <a:ln/>
+              <a:solidFill>
+                <a:schemeClr val="accent3"/>
+              </a:solidFill>
+            </a:endParaRPr>
+          </a:p>
+          <a:p>
+            <a:pPr algn="ctr"/>
+            <a:endParaRPr lang="en-US" b="1" dirty="0" smtClean="0">
+              <a:ln/>
+              <a:solidFill>
+                <a:schemeClr val="accent3"/>
+              </a:solidFill>
+            </a:endParaRPr>
+          </a:p>
+          <a:p>
+            <a:pPr algn="ctr"/>
+            <a:endParaRPr lang="en-US" b="1" dirty="0">
+              <a:ln/>
+              <a:solidFill>
+                <a:schemeClr val="accent3"/>
+              </a:solidFill>
+            </a:endParaRPr>
+          </a:p>
+          <a:p>
+            <a:pPr algn="ctr"/>
+            <a:endParaRPr lang="en-US" b="1" dirty="0" smtClean="0">
+              <a:ln/>
+              <a:solidFill>
+                <a:schemeClr val="accent3"/>
+              </a:solidFill>
+            </a:endParaRPr>
+          </a:p>
+          <a:p>
+            <a:pPr algn="ctr"/>
+            <a:endParaRPr lang="en-US" b="1" dirty="0">
+              <a:ln/>
+              <a:solidFill>
+                <a:schemeClr val="accent3"/>
+              </a:solidFill>
+            </a:endParaRPr>
+          </a:p>
+          <a:p>
+            <a:pPr algn="ctr"/>
+            <a:endParaRPr lang="en-US" b="1" dirty="0" smtClean="0">
+              <a:ln/>
+              <a:solidFill>
+                <a:schemeClr val="accent3"/>
+              </a:solidFill>
+            </a:endParaRPr>
+          </a:p>
+          <a:p>
+            <a:pPr algn="ctr"/>
+            <a:endParaRPr lang="en-US" b="1" dirty="0">
+              <a:ln/>
+              <a:solidFill>
+                <a:schemeClr val="accent3"/>
+              </a:solidFill>
+            </a:endParaRPr>
+          </a:p>
+          <a:p>
+            <a:pPr algn="ctr"/>
+            <a:endParaRPr lang="en-US" b="1" dirty="0" smtClean="0">
+              <a:ln/>
+              <a:solidFill>
+                <a:schemeClr val="accent3"/>
+              </a:solidFill>
+            </a:endParaRPr>
+          </a:p>
+          <a:p>
+            <a:pPr algn="ctr"/>
+            <a:endParaRPr lang="en-US" b="1" dirty="0">
+              <a:ln/>
+              <a:solidFill>
+                <a:schemeClr val="accent3"/>
+              </a:solidFill>
+            </a:endParaRPr>
+          </a:p>
+          <a:p>
+            <a:pPr algn="ctr"/>
+            <a:endParaRPr lang="en-US" b="1" dirty="0" smtClean="0">
+              <a:ln/>
+              <a:solidFill>
+                <a:schemeClr val="accent3"/>
+              </a:solidFill>
+            </a:endParaRPr>
+          </a:p>
+          <a:p>
+            <a:pPr algn="ctr"/>
+            <a:endParaRPr lang="en-IN" b="1" dirty="0">
+              <a:ln/>
+              <a:solidFill>
+                <a:schemeClr val="accent3"/>
+              </a:solidFill>
+            </a:endParaRPr>
+          </a:p>
+        </p:txBody>
+      </p:sp>
+      <p:sp>
+        <p:nvSpPr>
+          <p:cNvPr id="6" name="Rectangle 5">
+            <a:extLst>
+              <a:ext uri="{FF2B5EF4-FFF2-40B4-BE49-F238E27FC236}">
+                <a16:creationId xmlns="" xmlns:a16="http://schemas.microsoft.com/office/drawing/2014/main" id="{27E8D4A3-B686-AB21-9BA3-D4259FCFF046}"/>
+              </a:ext>
+            </a:extLst>
+          </p:cNvPr>
+          <p:cNvSpPr/>
+          <p:nvPr/>
+        </p:nvSpPr>
+        <p:spPr>
+          <a:xfrm>
+            <a:off x="2607561" y="803128"/>
+            <a:ext cx="6976911" cy="646331"/>
+          </a:xfrm>
+          <a:prstGeom prst="rect">
+            <a:avLst/>
+          </a:prstGeom>
+          <a:noFill/>
+        </p:spPr>
+        <p:txBody>
+          <a:bodyPr wrap="none" lIns="91440" tIns="45720" rIns="91440" bIns="45720">
+            <a:spAutoFit/>
+            <a:scene3d>
+              <a:camera prst="orthographicFront"/>
+              <a:lightRig rig="harsh" dir="t"/>
+            </a:scene3d>
+            <a:sp3d extrusionH="57150" prstMaterial="matte">
+              <a:bevelT w="63500" h="12700" prst="angle"/>
+              <a:contourClr>
+                <a:schemeClr val="bg1">
+                  <a:lumMod val="65000"/>
+                </a:schemeClr>
+              </a:contourClr>
+            </a:sp3d>
+          </a:bodyPr>
+          <a:lstStyle/>
+          <a:p>
+            <a:pPr algn="ctr"/>
+            <a:r>
+              <a:rPr lang="en-US" sz="3600" b="1" dirty="0" err="1">
+                <a:ln/>
+                <a:solidFill>
+                  <a:schemeClr val="accent3"/>
+                </a:solidFill>
+              </a:rPr>
+              <a:t>Mongodb</a:t>
+            </a:r>
+            <a:r>
+              <a:rPr lang="en-US" sz="3600" b="1" dirty="0">
+                <a:ln/>
+                <a:solidFill>
+                  <a:schemeClr val="accent3"/>
+                </a:solidFill>
+              </a:rPr>
+              <a:t> Database Connection</a:t>
+            </a:r>
+          </a:p>
+        </p:txBody>
+      </p:sp>
+      <p:sp>
+        <p:nvSpPr>
+          <p:cNvPr id="8" name="Rectangle 7">
+            <a:extLst>
+              <a:ext uri="{FF2B5EF4-FFF2-40B4-BE49-F238E27FC236}">
+                <a16:creationId xmlns="" xmlns:a16="http://schemas.microsoft.com/office/drawing/2014/main" id="{27E8D4A3-B686-AB21-9BA3-D4259FCFF046}"/>
+              </a:ext>
+            </a:extLst>
+          </p:cNvPr>
+          <p:cNvSpPr/>
+          <p:nvPr/>
+        </p:nvSpPr>
+        <p:spPr>
+          <a:xfrm>
+            <a:off x="1558570" y="1449459"/>
+            <a:ext cx="9074920" cy="523220"/>
+          </a:xfrm>
+          <a:prstGeom prst="rect">
+            <a:avLst/>
+          </a:prstGeom>
+          <a:noFill/>
+        </p:spPr>
+        <p:txBody>
+          <a:bodyPr wrap="none" lIns="91440" tIns="45720" rIns="91440" bIns="45720">
+            <a:spAutoFit/>
+            <a:scene3d>
+              <a:camera prst="orthographicFront"/>
+              <a:lightRig rig="harsh" dir="t"/>
+            </a:scene3d>
+            <a:sp3d extrusionH="57150" prstMaterial="matte">
+              <a:bevelT w="63500" h="12700" prst="angle"/>
+              <a:contourClr>
+                <a:schemeClr val="bg1">
+                  <a:lumMod val="65000"/>
+                </a:schemeClr>
+              </a:contourClr>
+            </a:sp3d>
+          </a:bodyPr>
+          <a:lstStyle/>
+          <a:p>
+            <a:pPr algn="ctr"/>
+            <a:r>
+              <a:rPr lang="en-US" sz="2800" b="1" dirty="0" smtClean="0">
+                <a:ln/>
+                <a:solidFill>
+                  <a:schemeClr val="accent3"/>
+                </a:solidFill>
+              </a:rPr>
+              <a:t>Is </a:t>
+            </a:r>
+            <a:r>
+              <a:rPr lang="en-US" sz="2800" b="1" dirty="0" err="1">
+                <a:ln/>
+                <a:solidFill>
+                  <a:schemeClr val="accent3"/>
+                </a:solidFill>
+              </a:rPr>
+              <a:t>t</a:t>
+            </a:r>
+            <a:r>
+              <a:rPr lang="en-US" sz="2800" b="1" dirty="0" err="1" smtClean="0">
+                <a:ln/>
+                <a:solidFill>
+                  <a:schemeClr val="accent3"/>
+                </a:solidFill>
+              </a:rPr>
+              <a:t>areke</a:t>
+            </a:r>
+            <a:r>
+              <a:rPr lang="en-US" sz="2800" b="1" dirty="0" smtClean="0">
+                <a:ln/>
+                <a:solidFill>
+                  <a:schemeClr val="accent3"/>
+                </a:solidFill>
+              </a:rPr>
+              <a:t> se </a:t>
+            </a:r>
+            <a:r>
+              <a:rPr lang="en-US" sz="2800" b="1" dirty="0" err="1" smtClean="0">
+                <a:ln/>
+                <a:solidFill>
+                  <a:schemeClr val="accent3"/>
+                </a:solidFill>
+              </a:rPr>
+              <a:t>hm</a:t>
+            </a:r>
+            <a:r>
+              <a:rPr lang="en-US" sz="2800" b="1" dirty="0" smtClean="0">
+                <a:ln/>
+                <a:solidFill>
+                  <a:schemeClr val="accent3"/>
+                </a:solidFill>
+              </a:rPr>
+              <a:t> Cloud Database se connect ho </a:t>
+            </a:r>
+            <a:r>
+              <a:rPr lang="en-US" sz="2800" b="1" dirty="0" err="1" smtClean="0">
+                <a:ln/>
+                <a:solidFill>
+                  <a:schemeClr val="accent3"/>
+                </a:solidFill>
+              </a:rPr>
+              <a:t>gaye</a:t>
+            </a:r>
+            <a:r>
+              <a:rPr lang="en-US" sz="2800" b="1" dirty="0" smtClean="0">
+                <a:ln/>
+                <a:solidFill>
+                  <a:schemeClr val="accent3"/>
+                </a:solidFill>
+              </a:rPr>
+              <a:t> h</a:t>
+            </a:r>
+            <a:endParaRPr lang="en-US" sz="2800" b="1" dirty="0">
+              <a:ln/>
+              <a:solidFill>
+                <a:schemeClr val="accent3"/>
+              </a:solidFill>
+            </a:endParaRPr>
+          </a:p>
+        </p:txBody>
+      </p:sp>
+      <p:pic>
+        <p:nvPicPr>
+          <p:cNvPr id="2" name="Picture 1"/>
+          <p:cNvPicPr>
+            <a:picLocks noChangeAspect="1"/>
+          </p:cNvPicPr>
+          <p:nvPr/>
+        </p:nvPicPr>
+        <p:blipFill>
+          <a:blip r:embed="rId2">
+            <a:extLst>
+              <a:ext uri="{28A0092B-C50C-407E-A947-70E740481C1C}">
+                <a14:useLocalDpi xmlns:a14="http://schemas.microsoft.com/office/drawing/2010/main" val="0"/>
+              </a:ext>
+            </a:extLst>
+          </a:blip>
+          <a:stretch>
+            <a:fillRect/>
+          </a:stretch>
+        </p:blipFill>
+        <p:spPr>
+          <a:xfrm>
+            <a:off x="575090" y="2273618"/>
+            <a:ext cx="11197884" cy="4052325"/>
+          </a:xfrm>
+          <a:prstGeom prst="rect">
+            <a:avLst/>
+          </a:prstGeom>
+        </p:spPr>
+      </p:pic>
+    </p:spTree>
+    <p:extLst>
+      <p:ext uri="{BB962C8B-B14F-4D97-AF65-F5344CB8AC3E}">
+        <p14:creationId xmlns:p14="http://schemas.microsoft.com/office/powerpoint/2010/main" val="3910925092"/>
+      </p:ext>
+    </p:extLst>
+  </p:cSld>
+  <p:clrMapOvr>
+    <a:masterClrMapping/>
+  </p:clrMapOvr>
+  <p:timing>
+    <p:tnLst>
+      <p:par>
+        <p:cTn id="1" dur="indefinite" restart="never" nodeType="tmRoot"/>
+      </p:par>
+    </p:tnLst>
+  </p:timing>
+</p:sld>
+</file>
+
+<file path=ppt/slides/slide19.xml><?xml version="1.0" encoding="utf-8"?>
+<p:sld xmlns:a="http://schemas.openxmlformats.org/drawingml/2006/main" xmlns:r="http://schemas.openxmlformats.org/officeDocument/2006/relationships" xmlns:p="http://schemas.openxmlformats.org/presentationml/2006/main">
+  <p:cSld>
+    <p:spTree>
+      <p:nvGrpSpPr>
+        <p:cNvPr id="1" name=""/>
+        <p:cNvGrpSpPr/>
+        <p:nvPr/>
+      </p:nvGrpSpPr>
+      <p:grpSpPr>
+        <a:xfrm>
+          <a:off x="0" y="0"/>
+          <a:ext cx="0" cy="0"/>
+          <a:chOff x="0" y="0"/>
+          <a:chExt cx="0" cy="0"/>
+        </a:xfrm>
+      </p:grpSpPr>
+      <p:sp>
+        <p:nvSpPr>
+          <p:cNvPr id="3" name="Rectangle 2"/>
+          <p:cNvSpPr/>
+          <p:nvPr/>
+        </p:nvSpPr>
+        <p:spPr>
+          <a:xfrm>
+            <a:off x="419030" y="803128"/>
+            <a:ext cx="11353944" cy="5632311"/>
+          </a:xfrm>
+          <a:prstGeom prst="rect">
+            <a:avLst/>
+          </a:prstGeom>
+          <a:solidFill>
+            <a:schemeClr val="bg1"/>
+          </a:solidFill>
+        </p:spPr>
+        <p:txBody>
+          <a:bodyPr wrap="square">
+            <a:spAutoFit/>
+          </a:bodyPr>
+          <a:lstStyle/>
+          <a:p>
+            <a:pPr algn="ctr"/>
+            <a:endParaRPr lang="en-US" b="1" dirty="0" smtClean="0">
+              <a:ln/>
+              <a:solidFill>
+                <a:schemeClr val="accent3"/>
+              </a:solidFill>
+            </a:endParaRPr>
+          </a:p>
+          <a:p>
+            <a:pPr algn="ctr"/>
+            <a:endParaRPr lang="en-US" b="1" dirty="0">
+              <a:ln/>
+              <a:solidFill>
+                <a:schemeClr val="accent3"/>
+              </a:solidFill>
+            </a:endParaRPr>
+          </a:p>
+          <a:p>
+            <a:pPr algn="ctr"/>
+            <a:endParaRPr lang="en-US" b="1" dirty="0" smtClean="0">
+              <a:ln/>
+              <a:solidFill>
+                <a:schemeClr val="accent3"/>
+              </a:solidFill>
+            </a:endParaRPr>
+          </a:p>
+          <a:p>
+            <a:pPr algn="ctr"/>
+            <a:endParaRPr lang="en-US" b="1" dirty="0">
+              <a:ln/>
+              <a:solidFill>
+                <a:schemeClr val="accent3"/>
+              </a:solidFill>
+            </a:endParaRPr>
+          </a:p>
+          <a:p>
+            <a:pPr algn="ctr"/>
+            <a:endParaRPr lang="en-US" b="1" dirty="0" smtClean="0">
+              <a:ln/>
+              <a:solidFill>
+                <a:schemeClr val="accent3"/>
+              </a:solidFill>
+            </a:endParaRPr>
+          </a:p>
+          <a:p>
+            <a:pPr algn="ctr"/>
+            <a:endParaRPr lang="en-US" b="1" dirty="0">
+              <a:ln/>
+              <a:solidFill>
+                <a:schemeClr val="accent3"/>
+              </a:solidFill>
+            </a:endParaRPr>
+          </a:p>
+          <a:p>
+            <a:pPr algn="ctr"/>
+            <a:endParaRPr lang="en-US" b="1" dirty="0" smtClean="0">
+              <a:ln/>
+              <a:solidFill>
+                <a:schemeClr val="accent3"/>
+              </a:solidFill>
+            </a:endParaRPr>
+          </a:p>
+          <a:p>
+            <a:pPr algn="ctr"/>
+            <a:endParaRPr lang="en-US" b="1" dirty="0">
+              <a:ln/>
+              <a:solidFill>
+                <a:schemeClr val="accent3"/>
+              </a:solidFill>
+            </a:endParaRPr>
+          </a:p>
+          <a:p>
+            <a:pPr algn="ctr"/>
+            <a:endParaRPr lang="en-US" b="1" dirty="0" smtClean="0">
+              <a:ln/>
+              <a:solidFill>
+                <a:schemeClr val="accent3"/>
+              </a:solidFill>
+            </a:endParaRPr>
+          </a:p>
+          <a:p>
+            <a:pPr algn="ctr"/>
+            <a:endParaRPr lang="en-US" b="1" dirty="0">
+              <a:ln/>
+              <a:solidFill>
+                <a:schemeClr val="accent3"/>
+              </a:solidFill>
+            </a:endParaRPr>
+          </a:p>
+          <a:p>
+            <a:pPr algn="ctr"/>
+            <a:endParaRPr lang="en-US" b="1" dirty="0" smtClean="0">
+              <a:ln/>
+              <a:solidFill>
+                <a:schemeClr val="accent3"/>
+              </a:solidFill>
+            </a:endParaRPr>
+          </a:p>
+          <a:p>
+            <a:pPr algn="ctr"/>
+            <a:endParaRPr lang="en-US" b="1" dirty="0">
+              <a:ln/>
+              <a:solidFill>
+                <a:schemeClr val="accent3"/>
+              </a:solidFill>
+            </a:endParaRPr>
+          </a:p>
+          <a:p>
+            <a:pPr algn="ctr"/>
+            <a:endParaRPr lang="en-US" b="1" dirty="0" smtClean="0">
+              <a:ln/>
+              <a:solidFill>
+                <a:schemeClr val="accent3"/>
+              </a:solidFill>
+            </a:endParaRPr>
+          </a:p>
+          <a:p>
+            <a:pPr algn="ctr"/>
+            <a:endParaRPr lang="en-US" b="1" dirty="0">
+              <a:ln/>
+              <a:solidFill>
+                <a:schemeClr val="accent3"/>
+              </a:solidFill>
+            </a:endParaRPr>
+          </a:p>
+          <a:p>
+            <a:pPr algn="ctr"/>
+            <a:endParaRPr lang="en-US" b="1" dirty="0" smtClean="0">
+              <a:ln/>
+              <a:solidFill>
+                <a:schemeClr val="accent3"/>
+              </a:solidFill>
+            </a:endParaRPr>
+          </a:p>
+          <a:p>
+            <a:pPr algn="ctr"/>
+            <a:endParaRPr lang="en-US" b="1" dirty="0">
+              <a:ln/>
+              <a:solidFill>
+                <a:schemeClr val="accent3"/>
+              </a:solidFill>
+            </a:endParaRPr>
+          </a:p>
+          <a:p>
+            <a:pPr algn="ctr"/>
+            <a:endParaRPr lang="en-US" b="1" dirty="0" smtClean="0">
+              <a:ln/>
+              <a:solidFill>
+                <a:schemeClr val="accent3"/>
+              </a:solidFill>
+            </a:endParaRPr>
+          </a:p>
+          <a:p>
+            <a:pPr algn="ctr"/>
+            <a:endParaRPr lang="en-US" b="1" dirty="0">
+              <a:ln/>
+              <a:solidFill>
+                <a:schemeClr val="accent3"/>
+              </a:solidFill>
+            </a:endParaRPr>
+          </a:p>
+          <a:p>
+            <a:pPr algn="ctr"/>
+            <a:endParaRPr lang="en-US" b="1" dirty="0" smtClean="0">
+              <a:ln/>
+              <a:solidFill>
+                <a:schemeClr val="accent3"/>
+              </a:solidFill>
+            </a:endParaRPr>
+          </a:p>
+          <a:p>
+            <a:pPr algn="ctr"/>
+            <a:endParaRPr lang="en-IN" b="1" dirty="0">
+              <a:ln/>
+              <a:solidFill>
+                <a:schemeClr val="accent3"/>
+              </a:solidFill>
+            </a:endParaRPr>
+          </a:p>
+        </p:txBody>
+      </p:sp>
+      <p:sp>
+        <p:nvSpPr>
+          <p:cNvPr id="6" name="Rectangle 5">
+            <a:extLst>
+              <a:ext uri="{FF2B5EF4-FFF2-40B4-BE49-F238E27FC236}">
+                <a16:creationId xmlns="" xmlns:a16="http://schemas.microsoft.com/office/drawing/2014/main" id="{27E8D4A3-B686-AB21-9BA3-D4259FCFF046}"/>
+              </a:ext>
+            </a:extLst>
+          </p:cNvPr>
+          <p:cNvSpPr/>
+          <p:nvPr/>
+        </p:nvSpPr>
+        <p:spPr>
+          <a:xfrm>
+            <a:off x="2607561" y="803128"/>
+            <a:ext cx="6976911" cy="646331"/>
+          </a:xfrm>
+          <a:prstGeom prst="rect">
+            <a:avLst/>
+          </a:prstGeom>
+          <a:noFill/>
+        </p:spPr>
+        <p:txBody>
+          <a:bodyPr wrap="none" lIns="91440" tIns="45720" rIns="91440" bIns="45720">
+            <a:spAutoFit/>
+            <a:scene3d>
+              <a:camera prst="orthographicFront"/>
+              <a:lightRig rig="harsh" dir="t"/>
+            </a:scene3d>
+            <a:sp3d extrusionH="57150" prstMaterial="matte">
+              <a:bevelT w="63500" h="12700" prst="angle"/>
+              <a:contourClr>
+                <a:schemeClr val="bg1">
+                  <a:lumMod val="65000"/>
+                </a:schemeClr>
+              </a:contourClr>
+            </a:sp3d>
+          </a:bodyPr>
+          <a:lstStyle/>
+          <a:p>
+            <a:pPr algn="ctr"/>
+            <a:r>
+              <a:rPr lang="en-US" sz="3600" b="1" dirty="0" err="1">
+                <a:ln/>
+                <a:solidFill>
+                  <a:schemeClr val="accent3"/>
+                </a:solidFill>
+              </a:rPr>
+              <a:t>Mongodb</a:t>
+            </a:r>
+            <a:r>
+              <a:rPr lang="en-US" sz="3600" b="1" dirty="0">
+                <a:ln/>
+                <a:solidFill>
+                  <a:schemeClr val="accent3"/>
+                </a:solidFill>
+              </a:rPr>
+              <a:t> Database Connection</a:t>
+            </a:r>
+          </a:p>
+        </p:txBody>
+      </p:sp>
+      <p:sp>
+        <p:nvSpPr>
+          <p:cNvPr id="8" name="Rectangle 7">
+            <a:extLst>
+              <a:ext uri="{FF2B5EF4-FFF2-40B4-BE49-F238E27FC236}">
+                <a16:creationId xmlns="" xmlns:a16="http://schemas.microsoft.com/office/drawing/2014/main" id="{27E8D4A3-B686-AB21-9BA3-D4259FCFF046}"/>
+              </a:ext>
+            </a:extLst>
+          </p:cNvPr>
+          <p:cNvSpPr/>
+          <p:nvPr/>
+        </p:nvSpPr>
+        <p:spPr>
+          <a:xfrm>
+            <a:off x="1558570" y="1449459"/>
+            <a:ext cx="9074920" cy="523220"/>
+          </a:xfrm>
+          <a:prstGeom prst="rect">
+            <a:avLst/>
+          </a:prstGeom>
+          <a:noFill/>
+        </p:spPr>
+        <p:txBody>
+          <a:bodyPr wrap="none" lIns="91440" tIns="45720" rIns="91440" bIns="45720">
+            <a:spAutoFit/>
+            <a:scene3d>
+              <a:camera prst="orthographicFront"/>
+              <a:lightRig rig="harsh" dir="t"/>
+            </a:scene3d>
+            <a:sp3d extrusionH="57150" prstMaterial="matte">
+              <a:bevelT w="63500" h="12700" prst="angle"/>
+              <a:contourClr>
+                <a:schemeClr val="bg1">
+                  <a:lumMod val="65000"/>
+                </a:schemeClr>
+              </a:contourClr>
+            </a:sp3d>
+          </a:bodyPr>
+          <a:lstStyle/>
+          <a:p>
+            <a:pPr algn="ctr"/>
+            <a:r>
+              <a:rPr lang="en-US" sz="2800" b="1" dirty="0" smtClean="0">
+                <a:ln/>
+                <a:solidFill>
+                  <a:schemeClr val="accent3"/>
+                </a:solidFill>
+              </a:rPr>
+              <a:t>Is </a:t>
+            </a:r>
+            <a:r>
+              <a:rPr lang="en-US" sz="2800" b="1" dirty="0" err="1">
+                <a:ln/>
+                <a:solidFill>
+                  <a:schemeClr val="accent3"/>
+                </a:solidFill>
+              </a:rPr>
+              <a:t>t</a:t>
+            </a:r>
+            <a:r>
+              <a:rPr lang="en-US" sz="2800" b="1" dirty="0" err="1" smtClean="0">
+                <a:ln/>
+                <a:solidFill>
+                  <a:schemeClr val="accent3"/>
+                </a:solidFill>
+              </a:rPr>
+              <a:t>areke</a:t>
+            </a:r>
+            <a:r>
+              <a:rPr lang="en-US" sz="2800" b="1" dirty="0" smtClean="0">
+                <a:ln/>
+                <a:solidFill>
+                  <a:schemeClr val="accent3"/>
+                </a:solidFill>
+              </a:rPr>
+              <a:t> se </a:t>
+            </a:r>
+            <a:r>
+              <a:rPr lang="en-US" sz="2800" b="1" dirty="0" err="1" smtClean="0">
+                <a:ln/>
+                <a:solidFill>
+                  <a:schemeClr val="accent3"/>
+                </a:solidFill>
+              </a:rPr>
+              <a:t>hm</a:t>
+            </a:r>
+            <a:r>
+              <a:rPr lang="en-US" sz="2800" b="1" dirty="0" smtClean="0">
+                <a:ln/>
+                <a:solidFill>
+                  <a:schemeClr val="accent3"/>
+                </a:solidFill>
+              </a:rPr>
+              <a:t> Cloud Database se connect ho </a:t>
+            </a:r>
+            <a:r>
+              <a:rPr lang="en-US" sz="2800" b="1" dirty="0" err="1" smtClean="0">
+                <a:ln/>
+                <a:solidFill>
+                  <a:schemeClr val="accent3"/>
+                </a:solidFill>
+              </a:rPr>
+              <a:t>gaye</a:t>
+            </a:r>
+            <a:r>
+              <a:rPr lang="en-US" sz="2800" b="1" dirty="0" smtClean="0">
+                <a:ln/>
+                <a:solidFill>
+                  <a:schemeClr val="accent3"/>
+                </a:solidFill>
+              </a:rPr>
+              <a:t> h</a:t>
+            </a:r>
+            <a:endParaRPr lang="en-US" sz="2800" b="1" dirty="0">
+              <a:ln/>
+              <a:solidFill>
+                <a:schemeClr val="accent3"/>
+              </a:solidFill>
+            </a:endParaRPr>
+          </a:p>
+        </p:txBody>
+      </p:sp>
+      <p:pic>
+        <p:nvPicPr>
+          <p:cNvPr id="4" name="Picture 3"/>
+          <p:cNvPicPr>
+            <a:picLocks noChangeAspect="1"/>
+          </p:cNvPicPr>
+          <p:nvPr/>
+        </p:nvPicPr>
+        <p:blipFill>
+          <a:blip r:embed="rId2">
+            <a:extLst>
+              <a:ext uri="{28A0092B-C50C-407E-A947-70E740481C1C}">
+                <a14:useLocalDpi xmlns:a14="http://schemas.microsoft.com/office/drawing/2010/main" val="0"/>
+              </a:ext>
+            </a:extLst>
+          </a:blip>
+          <a:stretch>
+            <a:fillRect/>
+          </a:stretch>
+        </p:blipFill>
+        <p:spPr>
+          <a:xfrm>
+            <a:off x="419029" y="2285882"/>
+            <a:ext cx="11271401" cy="3027284"/>
+          </a:xfrm>
+          <a:prstGeom prst="rect">
+            <a:avLst/>
+          </a:prstGeom>
+        </p:spPr>
+      </p:pic>
+    </p:spTree>
+    <p:extLst>
+      <p:ext uri="{BB962C8B-B14F-4D97-AF65-F5344CB8AC3E}">
+        <p14:creationId xmlns:p14="http://schemas.microsoft.com/office/powerpoint/2010/main" val="3836138212"/>
       </p:ext>
     </p:extLst>
   </p:cSld>
@@ -7327,6 +14785,278 @@
 </p:sld>
 </file>
 
+<file path=ppt/slides/slide20.xml><?xml version="1.0" encoding="utf-8"?>
+<p:sld xmlns:a="http://schemas.openxmlformats.org/drawingml/2006/main" xmlns:r="http://schemas.openxmlformats.org/officeDocument/2006/relationships" xmlns:p="http://schemas.openxmlformats.org/presentationml/2006/main">
+  <p:cSld>
+    <p:spTree>
+      <p:nvGrpSpPr>
+        <p:cNvPr id="1" name=""/>
+        <p:cNvGrpSpPr/>
+        <p:nvPr/>
+      </p:nvGrpSpPr>
+      <p:grpSpPr>
+        <a:xfrm>
+          <a:off x="0" y="0"/>
+          <a:ext cx="0" cy="0"/>
+          <a:chOff x="0" y="0"/>
+          <a:chExt cx="0" cy="0"/>
+        </a:xfrm>
+      </p:grpSpPr>
+      <p:sp>
+        <p:nvSpPr>
+          <p:cNvPr id="3" name="Rectangle 2"/>
+          <p:cNvSpPr/>
+          <p:nvPr/>
+        </p:nvSpPr>
+        <p:spPr>
+          <a:xfrm>
+            <a:off x="419030" y="803128"/>
+            <a:ext cx="11353944" cy="5632311"/>
+          </a:xfrm>
+          <a:prstGeom prst="rect">
+            <a:avLst/>
+          </a:prstGeom>
+          <a:solidFill>
+            <a:schemeClr val="bg1"/>
+          </a:solidFill>
+        </p:spPr>
+        <p:txBody>
+          <a:bodyPr wrap="square">
+            <a:spAutoFit/>
+          </a:bodyPr>
+          <a:lstStyle/>
+          <a:p>
+            <a:pPr algn="ctr"/>
+            <a:endParaRPr lang="en-US" b="1" dirty="0" smtClean="0">
+              <a:ln/>
+              <a:solidFill>
+                <a:schemeClr val="accent3"/>
+              </a:solidFill>
+            </a:endParaRPr>
+          </a:p>
+          <a:p>
+            <a:pPr algn="ctr"/>
+            <a:endParaRPr lang="en-US" b="1" dirty="0">
+              <a:ln/>
+              <a:solidFill>
+                <a:schemeClr val="accent3"/>
+              </a:solidFill>
+            </a:endParaRPr>
+          </a:p>
+          <a:p>
+            <a:pPr algn="ctr"/>
+            <a:endParaRPr lang="en-US" b="1" dirty="0" smtClean="0">
+              <a:ln/>
+              <a:solidFill>
+                <a:schemeClr val="accent3"/>
+              </a:solidFill>
+            </a:endParaRPr>
+          </a:p>
+          <a:p>
+            <a:pPr algn="ctr"/>
+            <a:endParaRPr lang="en-US" b="1" dirty="0">
+              <a:ln/>
+              <a:solidFill>
+                <a:schemeClr val="accent3"/>
+              </a:solidFill>
+            </a:endParaRPr>
+          </a:p>
+          <a:p>
+            <a:pPr algn="ctr"/>
+            <a:endParaRPr lang="en-US" b="1" dirty="0" smtClean="0">
+              <a:ln/>
+              <a:solidFill>
+                <a:schemeClr val="accent3"/>
+              </a:solidFill>
+            </a:endParaRPr>
+          </a:p>
+          <a:p>
+            <a:pPr algn="ctr"/>
+            <a:endParaRPr lang="en-US" b="1" dirty="0">
+              <a:ln/>
+              <a:solidFill>
+                <a:schemeClr val="accent3"/>
+              </a:solidFill>
+            </a:endParaRPr>
+          </a:p>
+          <a:p>
+            <a:pPr algn="ctr"/>
+            <a:endParaRPr lang="en-US" b="1" dirty="0" smtClean="0">
+              <a:ln/>
+              <a:solidFill>
+                <a:schemeClr val="accent3"/>
+              </a:solidFill>
+            </a:endParaRPr>
+          </a:p>
+          <a:p>
+            <a:pPr algn="ctr"/>
+            <a:endParaRPr lang="en-US" b="1" dirty="0">
+              <a:ln/>
+              <a:solidFill>
+                <a:schemeClr val="accent3"/>
+              </a:solidFill>
+            </a:endParaRPr>
+          </a:p>
+          <a:p>
+            <a:pPr algn="ctr"/>
+            <a:endParaRPr lang="en-US" b="1" dirty="0" smtClean="0">
+              <a:ln/>
+              <a:solidFill>
+                <a:schemeClr val="accent3"/>
+              </a:solidFill>
+            </a:endParaRPr>
+          </a:p>
+          <a:p>
+            <a:pPr algn="ctr"/>
+            <a:endParaRPr lang="en-US" b="1" dirty="0">
+              <a:ln/>
+              <a:solidFill>
+                <a:schemeClr val="accent3"/>
+              </a:solidFill>
+            </a:endParaRPr>
+          </a:p>
+          <a:p>
+            <a:pPr algn="ctr"/>
+            <a:endParaRPr lang="en-US" b="1" dirty="0" smtClean="0">
+              <a:ln/>
+              <a:solidFill>
+                <a:schemeClr val="accent3"/>
+              </a:solidFill>
+            </a:endParaRPr>
+          </a:p>
+          <a:p>
+            <a:pPr algn="ctr"/>
+            <a:endParaRPr lang="en-US" b="1" dirty="0">
+              <a:ln/>
+              <a:solidFill>
+                <a:schemeClr val="accent3"/>
+              </a:solidFill>
+            </a:endParaRPr>
+          </a:p>
+          <a:p>
+            <a:pPr algn="ctr"/>
+            <a:endParaRPr lang="en-US" b="1" dirty="0" smtClean="0">
+              <a:ln/>
+              <a:solidFill>
+                <a:schemeClr val="accent3"/>
+              </a:solidFill>
+            </a:endParaRPr>
+          </a:p>
+          <a:p>
+            <a:pPr algn="ctr"/>
+            <a:endParaRPr lang="en-US" b="1" dirty="0">
+              <a:ln/>
+              <a:solidFill>
+                <a:schemeClr val="accent3"/>
+              </a:solidFill>
+            </a:endParaRPr>
+          </a:p>
+          <a:p>
+            <a:pPr algn="ctr"/>
+            <a:endParaRPr lang="en-US" b="1" dirty="0" smtClean="0">
+              <a:ln/>
+              <a:solidFill>
+                <a:schemeClr val="accent3"/>
+              </a:solidFill>
+            </a:endParaRPr>
+          </a:p>
+          <a:p>
+            <a:pPr algn="ctr"/>
+            <a:endParaRPr lang="en-US" b="1" dirty="0">
+              <a:ln/>
+              <a:solidFill>
+                <a:schemeClr val="accent3"/>
+              </a:solidFill>
+            </a:endParaRPr>
+          </a:p>
+          <a:p>
+            <a:pPr algn="ctr"/>
+            <a:endParaRPr lang="en-US" b="1" dirty="0" smtClean="0">
+              <a:ln/>
+              <a:solidFill>
+                <a:schemeClr val="accent3"/>
+              </a:solidFill>
+            </a:endParaRPr>
+          </a:p>
+          <a:p>
+            <a:pPr algn="ctr"/>
+            <a:endParaRPr lang="en-US" b="1" dirty="0">
+              <a:ln/>
+              <a:solidFill>
+                <a:schemeClr val="accent3"/>
+              </a:solidFill>
+            </a:endParaRPr>
+          </a:p>
+          <a:p>
+            <a:pPr algn="ctr"/>
+            <a:endParaRPr lang="en-US" b="1" dirty="0" smtClean="0">
+              <a:ln/>
+              <a:solidFill>
+                <a:schemeClr val="accent3"/>
+              </a:solidFill>
+            </a:endParaRPr>
+          </a:p>
+          <a:p>
+            <a:pPr algn="ctr"/>
+            <a:endParaRPr lang="en-IN" b="1" dirty="0">
+              <a:ln/>
+              <a:solidFill>
+                <a:schemeClr val="accent3"/>
+              </a:solidFill>
+            </a:endParaRPr>
+          </a:p>
+        </p:txBody>
+      </p:sp>
+      <p:pic>
+        <p:nvPicPr>
+          <p:cNvPr id="4" name="Picture 3"/>
+          <p:cNvPicPr>
+            <a:picLocks noChangeAspect="1"/>
+          </p:cNvPicPr>
+          <p:nvPr/>
+        </p:nvPicPr>
+        <p:blipFill>
+          <a:blip r:embed="rId2">
+            <a:extLst>
+              <a:ext uri="{28A0092B-C50C-407E-A947-70E740481C1C}">
+                <a14:useLocalDpi xmlns:a14="http://schemas.microsoft.com/office/drawing/2010/main" val="0"/>
+              </a:ext>
+            </a:extLst>
+          </a:blip>
+          <a:stretch>
+            <a:fillRect/>
+          </a:stretch>
+        </p:blipFill>
+        <p:spPr>
+          <a:xfrm>
+            <a:off x="452953" y="551441"/>
+            <a:ext cx="11286098" cy="6306559"/>
+          </a:xfrm>
+          <a:prstGeom prst="rect">
+            <a:avLst/>
+          </a:prstGeom>
+        </p:spPr>
+      </p:pic>
+    </p:spTree>
+    <p:extLst>
+      <p:ext uri="{BB962C8B-B14F-4D97-AF65-F5344CB8AC3E}">
+        <p14:creationId xmlns:p14="http://schemas.microsoft.com/office/powerpoint/2010/main" val="3836138212"/>
+      </p:ext>
+    </p:extLst>
+  </p:cSld>
+  <p:clrMapOvr>
+    <a:masterClrMapping/>
+  </p:clrMapOvr>
+  <p:timing>
+    <p:tnLst>
+      <p:par>
+        <p:cTn id="1" dur="indefinite" restart="never" nodeType="tmRoot"/>
+      </p:par>
+    </p:tnLst>
+  </p:timing>
+</p:sld>
+</file>
+
 <file path=ppt/slides/slide3.xml><?xml version="1.0" encoding="utf-8"?>
 <p:sld xmlns:a="http://schemas.openxmlformats.org/drawingml/2006/main" xmlns:r="http://schemas.openxmlformats.org/officeDocument/2006/relationships" xmlns:p="http://schemas.openxmlformats.org/presentationml/2006/main">
   <p:cSld>
@@ -9487,22 +17217,6 @@
               </a:rPr>
               <a:t>(ISC)</a:t>
             </a:r>
-            <a:endParaRPr lang="en-US" sz="2800" b="1" dirty="0">
-              <a:ln w="6600">
-                <a:solidFill>
-                  <a:schemeClr val="accent2"/>
-                </a:solidFill>
-                <a:prstDash val="solid"/>
-              </a:ln>
-              <a:solidFill>
-                <a:srgbClr val="FFFFFF"/>
-              </a:solidFill>
-              <a:effectLst>
-                <a:outerShdw dist="38100" dir="2700000" algn="tl" rotWithShape="0">
-                  <a:schemeClr val="accent2"/>
-                </a:outerShdw>
-              </a:effectLst>
-            </a:endParaRPr>
           </a:p>
         </p:txBody>
       </p:sp>
@@ -11347,11 +19061,6 @@
               </a:rPr>
               <a:t>})</a:t>
             </a:r>
-            <a:endParaRPr lang="en-IN" dirty="0">
-              <a:solidFill>
-                <a:srgbClr val="00B0F0"/>
-              </a:solidFill>
-            </a:endParaRPr>
           </a:p>
         </p:txBody>
       </p:sp>

--- a/notejs-job-portal-app-2023.pptx
+++ b/notejs-job-portal-app-2023.pptx
@@ -25,6 +25,13 @@
     <p:sldId id="279" r:id="rId19"/>
     <p:sldId id="280" r:id="rId20"/>
     <p:sldId id="281" r:id="rId21"/>
+    <p:sldId id="282" r:id="rId22"/>
+    <p:sldId id="284" r:id="rId23"/>
+    <p:sldId id="285" r:id="rId24"/>
+    <p:sldId id="286" r:id="rId25"/>
+    <p:sldId id="287" r:id="rId26"/>
+    <p:sldId id="288" r:id="rId27"/>
+    <p:sldId id="289" r:id="rId28"/>
   </p:sldIdLst>
   <p:sldSz cx="12192000" cy="6858000"/>
   <p:notesSz cx="6858000" cy="9144000"/>
@@ -15057,6 +15064,5716 @@
 </p:sld>
 </file>
 
+<file path=ppt/slides/slide21.xml><?xml version="1.0" encoding="utf-8"?>
+<p:sld xmlns:a="http://schemas.openxmlformats.org/drawingml/2006/main" xmlns:r="http://schemas.openxmlformats.org/officeDocument/2006/relationships" xmlns:p="http://schemas.openxmlformats.org/presentationml/2006/main">
+  <p:cSld>
+    <p:spTree>
+      <p:nvGrpSpPr>
+        <p:cNvPr id="1" name=""/>
+        <p:cNvGrpSpPr/>
+        <p:nvPr/>
+      </p:nvGrpSpPr>
+      <p:grpSpPr>
+        <a:xfrm>
+          <a:off x="0" y="0"/>
+          <a:ext cx="0" cy="0"/>
+          <a:chOff x="0" y="0"/>
+          <a:chExt cx="0" cy="0"/>
+        </a:xfrm>
+      </p:grpSpPr>
+      <p:pic>
+        <p:nvPicPr>
+          <p:cNvPr id="7" name="Picture 6">
+            <a:extLst>
+              <a:ext uri="{FF2B5EF4-FFF2-40B4-BE49-F238E27FC236}">
+                <a16:creationId xmlns="" xmlns:a16="http://schemas.microsoft.com/office/drawing/2014/main" id="{1115E337-69A5-3A3A-47B3-99503A5A3FE0}"/>
+              </a:ext>
+            </a:extLst>
+          </p:cNvPr>
+          <p:cNvPicPr>
+            <a:picLocks noChangeAspect="1"/>
+          </p:cNvPicPr>
+          <p:nvPr/>
+        </p:nvPicPr>
+        <p:blipFill>
+          <a:blip r:embed="rId2">
+            <a:extLst>
+              <a:ext uri="{28A0092B-C50C-407E-A947-70E740481C1C}">
+                <a14:useLocalDpi xmlns:a14="http://schemas.microsoft.com/office/drawing/2010/main" val="0"/>
+              </a:ext>
+            </a:extLst>
+          </a:blip>
+          <a:stretch>
+            <a:fillRect/>
+          </a:stretch>
+        </p:blipFill>
+        <p:spPr>
+          <a:xfrm>
+            <a:off x="7103339" y="351751"/>
+            <a:ext cx="6037473" cy="6037473"/>
+          </a:xfrm>
+          <a:prstGeom prst="rect">
+            <a:avLst/>
+          </a:prstGeom>
+        </p:spPr>
+      </p:pic>
+      <p:sp>
+        <p:nvSpPr>
+          <p:cNvPr id="8" name="Rectangle 7">
+            <a:extLst>
+              <a:ext uri="{FF2B5EF4-FFF2-40B4-BE49-F238E27FC236}">
+                <a16:creationId xmlns="" xmlns:a16="http://schemas.microsoft.com/office/drawing/2014/main" id="{3E572FD9-605B-F49A-CBF6-FE9ED55082BC}"/>
+              </a:ext>
+            </a:extLst>
+          </p:cNvPr>
+          <p:cNvSpPr/>
+          <p:nvPr/>
+        </p:nvSpPr>
+        <p:spPr>
+          <a:xfrm>
+            <a:off x="230324" y="814443"/>
+            <a:ext cx="4221730" cy="769441"/>
+          </a:xfrm>
+          <a:prstGeom prst="rect">
+            <a:avLst/>
+          </a:prstGeom>
+          <a:noFill/>
+        </p:spPr>
+        <p:txBody>
+          <a:bodyPr wrap="square" lIns="91440" tIns="45720" rIns="91440" bIns="45720">
+            <a:spAutoFit/>
+          </a:bodyPr>
+          <a:lstStyle/>
+          <a:p>
+            <a:pPr algn="ctr"/>
+            <a:r>
+              <a:rPr lang="en-US" sz="4400" b="1" cap="none" spc="0" dirty="0">
+                <a:ln w="6600">
+                  <a:solidFill>
+                    <a:schemeClr val="accent2"/>
+                  </a:solidFill>
+                  <a:prstDash val="solid"/>
+                </a:ln>
+                <a:solidFill>
+                  <a:srgbClr val="FFFFFF"/>
+                </a:solidFill>
+                <a:effectLst>
+                  <a:outerShdw dist="38100" dir="2700000" algn="tl" rotWithShape="0">
+                    <a:schemeClr val="accent2"/>
+                  </a:outerShdw>
+                </a:effectLst>
+              </a:rPr>
+              <a:t>Let’s Build</a:t>
+            </a:r>
+          </a:p>
+        </p:txBody>
+      </p:sp>
+      <p:sp>
+        <p:nvSpPr>
+          <p:cNvPr id="9" name="Rectangle 8">
+            <a:extLst>
+              <a:ext uri="{FF2B5EF4-FFF2-40B4-BE49-F238E27FC236}">
+                <a16:creationId xmlns="" xmlns:a16="http://schemas.microsoft.com/office/drawing/2014/main" id="{FEC49D69-601D-B518-0731-04B01D4FFED9}"/>
+              </a:ext>
+            </a:extLst>
+          </p:cNvPr>
+          <p:cNvSpPr/>
+          <p:nvPr/>
+        </p:nvSpPr>
+        <p:spPr>
+          <a:xfrm>
+            <a:off x="884642" y="1583884"/>
+            <a:ext cx="4565930" cy="923330"/>
+          </a:xfrm>
+          <a:prstGeom prst="rect">
+            <a:avLst/>
+          </a:prstGeom>
+          <a:noFill/>
+        </p:spPr>
+        <p:txBody>
+          <a:bodyPr wrap="none" lIns="91440" tIns="45720" rIns="91440" bIns="45720">
+            <a:spAutoFit/>
+            <a:scene3d>
+              <a:camera prst="orthographicFront"/>
+              <a:lightRig rig="harsh" dir="t"/>
+            </a:scene3d>
+            <a:sp3d extrusionH="57150" prstMaterial="matte">
+              <a:bevelT w="63500" h="12700" prst="angle"/>
+              <a:contourClr>
+                <a:schemeClr val="bg1">
+                  <a:lumMod val="65000"/>
+                </a:schemeClr>
+              </a:contourClr>
+            </a:sp3d>
+          </a:bodyPr>
+          <a:lstStyle/>
+          <a:p>
+            <a:pPr algn="ctr"/>
+            <a:r>
+              <a:rPr lang="en-US" sz="5400" b="1" dirty="0">
+                <a:ln/>
+                <a:solidFill>
+                  <a:schemeClr val="accent3"/>
+                </a:solidFill>
+              </a:rPr>
+              <a:t>JOB PORTAL</a:t>
+            </a:r>
+            <a:endParaRPr lang="en-US" sz="5400" b="1" cap="none" spc="0" dirty="0">
+              <a:ln/>
+              <a:solidFill>
+                <a:schemeClr val="accent3"/>
+              </a:solidFill>
+              <a:effectLst/>
+            </a:endParaRPr>
+          </a:p>
+        </p:txBody>
+      </p:sp>
+      <p:sp>
+        <p:nvSpPr>
+          <p:cNvPr id="10" name="Rectangle 9">
+            <a:extLst>
+              <a:ext uri="{FF2B5EF4-FFF2-40B4-BE49-F238E27FC236}">
+                <a16:creationId xmlns="" xmlns:a16="http://schemas.microsoft.com/office/drawing/2014/main" id="{C4E3BBCA-1A80-131A-EAD6-7DD8BF73495A}"/>
+              </a:ext>
+            </a:extLst>
+          </p:cNvPr>
+          <p:cNvSpPr/>
+          <p:nvPr/>
+        </p:nvSpPr>
+        <p:spPr>
+          <a:xfrm>
+            <a:off x="0" y="3382150"/>
+            <a:ext cx="8034000" cy="1323439"/>
+          </a:xfrm>
+          <a:prstGeom prst="rect">
+            <a:avLst/>
+          </a:prstGeom>
+          <a:solidFill>
+            <a:schemeClr val="bg1"/>
+          </a:solidFill>
+        </p:spPr>
+        <p:txBody>
+          <a:bodyPr wrap="square" lIns="91440" tIns="45720" rIns="91440" bIns="45720">
+            <a:spAutoFit/>
+          </a:bodyPr>
+          <a:lstStyle/>
+          <a:p>
+            <a:pPr algn="ctr"/>
+            <a:r>
+              <a:rPr lang="en-US" sz="4000" b="1" cap="none" spc="0" dirty="0" smtClean="0">
+                <a:ln/>
+                <a:solidFill>
+                  <a:schemeClr val="accent3"/>
+                </a:solidFill>
+                <a:effectLst/>
+              </a:rPr>
+              <a:t>07 </a:t>
+            </a:r>
+            <a:r>
+              <a:rPr lang="en-US" sz="4000" b="1" cap="none" spc="0" dirty="0">
+                <a:ln/>
+                <a:solidFill>
+                  <a:schemeClr val="accent3"/>
+                </a:solidFill>
+                <a:effectLst/>
+              </a:rPr>
+              <a:t>– </a:t>
+            </a:r>
+            <a:r>
+              <a:rPr lang="en-US" sz="4000" b="1" cap="none" spc="0" dirty="0" smtClean="0">
+                <a:ln/>
+                <a:solidFill>
+                  <a:schemeClr val="accent3"/>
+                </a:solidFill>
+                <a:effectLst/>
+              </a:rPr>
+              <a:t>Postman &amp; Node JSON Issue</a:t>
+            </a:r>
+            <a:endParaRPr lang="en-IN" sz="4000" b="1" cap="none" spc="0" dirty="0">
+              <a:ln/>
+              <a:solidFill>
+                <a:schemeClr val="accent3"/>
+              </a:solidFill>
+              <a:effectLst/>
+            </a:endParaRPr>
+          </a:p>
+        </p:txBody>
+      </p:sp>
+      <p:sp>
+        <p:nvSpPr>
+          <p:cNvPr id="13" name="Rectangle 12">
+            <a:extLst>
+              <a:ext uri="{FF2B5EF4-FFF2-40B4-BE49-F238E27FC236}">
+                <a16:creationId xmlns="" xmlns:a16="http://schemas.microsoft.com/office/drawing/2014/main" id="{63F47EB8-3D1A-6A5F-61D1-642B898C3BC3}"/>
+              </a:ext>
+            </a:extLst>
+          </p:cNvPr>
+          <p:cNvSpPr/>
+          <p:nvPr/>
+        </p:nvSpPr>
+        <p:spPr>
+          <a:xfrm>
+            <a:off x="468241" y="4847236"/>
+            <a:ext cx="8208461" cy="923330"/>
+          </a:xfrm>
+          <a:prstGeom prst="rect">
+            <a:avLst/>
+          </a:prstGeom>
+          <a:noFill/>
+        </p:spPr>
+        <p:txBody>
+          <a:bodyPr wrap="square" lIns="91440" tIns="45720" rIns="91440" bIns="45720">
+            <a:spAutoFit/>
+          </a:bodyPr>
+          <a:lstStyle/>
+          <a:p>
+            <a:pPr algn="ctr"/>
+            <a:r>
+              <a:rPr lang="en-US" sz="5400" b="1" cap="none" spc="0" dirty="0">
+                <a:ln w="6600">
+                  <a:solidFill>
+                    <a:schemeClr val="accent2"/>
+                  </a:solidFill>
+                  <a:prstDash val="solid"/>
+                </a:ln>
+                <a:solidFill>
+                  <a:srgbClr val="FFFFFF"/>
+                </a:solidFill>
+                <a:effectLst>
+                  <a:outerShdw dist="38100" dir="2700000" algn="tl" rotWithShape="0">
+                    <a:schemeClr val="accent2"/>
+                  </a:outerShdw>
+                </a:effectLst>
+              </a:rPr>
+              <a:t>Node Express JS Project</a:t>
+            </a:r>
+          </a:p>
+        </p:txBody>
+      </p:sp>
+    </p:spTree>
+    <p:extLst>
+      <p:ext uri="{BB962C8B-B14F-4D97-AF65-F5344CB8AC3E}">
+        <p14:creationId xmlns:p14="http://schemas.microsoft.com/office/powerpoint/2010/main" val="3414160764"/>
+      </p:ext>
+    </p:extLst>
+  </p:cSld>
+  <p:clrMapOvr>
+    <a:masterClrMapping/>
+  </p:clrMapOvr>
+  <p:timing>
+    <p:tnLst>
+      <p:par>
+        <p:cTn id="1" dur="indefinite" restart="never" nodeType="tmRoot"/>
+      </p:par>
+    </p:tnLst>
+  </p:timing>
+</p:sld>
+</file>
+
+<file path=ppt/slides/slide22.xml><?xml version="1.0" encoding="utf-8"?>
+<p:sld xmlns:a="http://schemas.openxmlformats.org/drawingml/2006/main" xmlns:r="http://schemas.openxmlformats.org/officeDocument/2006/relationships" xmlns:p="http://schemas.openxmlformats.org/presentationml/2006/main">
+  <p:cSld>
+    <p:spTree>
+      <p:nvGrpSpPr>
+        <p:cNvPr id="1" name=""/>
+        <p:cNvGrpSpPr/>
+        <p:nvPr/>
+      </p:nvGrpSpPr>
+      <p:grpSpPr>
+        <a:xfrm>
+          <a:off x="0" y="0"/>
+          <a:ext cx="0" cy="0"/>
+          <a:chOff x="0" y="0"/>
+          <a:chExt cx="0" cy="0"/>
+        </a:xfrm>
+      </p:grpSpPr>
+      <p:sp>
+        <p:nvSpPr>
+          <p:cNvPr id="3" name="Rectangle 2"/>
+          <p:cNvSpPr/>
+          <p:nvPr/>
+        </p:nvSpPr>
+        <p:spPr>
+          <a:xfrm>
+            <a:off x="419030" y="803128"/>
+            <a:ext cx="11353944" cy="5632311"/>
+          </a:xfrm>
+          <a:prstGeom prst="rect">
+            <a:avLst/>
+          </a:prstGeom>
+          <a:solidFill>
+            <a:schemeClr val="bg1"/>
+          </a:solidFill>
+        </p:spPr>
+        <p:txBody>
+          <a:bodyPr wrap="square">
+            <a:spAutoFit/>
+          </a:bodyPr>
+          <a:lstStyle/>
+          <a:p>
+            <a:pPr algn="ctr"/>
+            <a:endParaRPr lang="en-US" b="1" dirty="0" smtClean="0">
+              <a:ln/>
+              <a:solidFill>
+                <a:schemeClr val="accent3"/>
+              </a:solidFill>
+            </a:endParaRPr>
+          </a:p>
+          <a:p>
+            <a:pPr algn="ctr"/>
+            <a:endParaRPr lang="en-US" b="1" dirty="0">
+              <a:ln/>
+              <a:solidFill>
+                <a:schemeClr val="accent3"/>
+              </a:solidFill>
+            </a:endParaRPr>
+          </a:p>
+          <a:p>
+            <a:pPr algn="ctr"/>
+            <a:endParaRPr lang="en-US" b="1" dirty="0" smtClean="0">
+              <a:ln/>
+              <a:solidFill>
+                <a:schemeClr val="accent3"/>
+              </a:solidFill>
+            </a:endParaRPr>
+          </a:p>
+          <a:p>
+            <a:pPr algn="ctr"/>
+            <a:endParaRPr lang="en-US" b="1" dirty="0">
+              <a:ln/>
+              <a:solidFill>
+                <a:schemeClr val="accent3"/>
+              </a:solidFill>
+            </a:endParaRPr>
+          </a:p>
+          <a:p>
+            <a:pPr algn="ctr"/>
+            <a:endParaRPr lang="en-US" b="1" dirty="0" smtClean="0">
+              <a:ln/>
+              <a:solidFill>
+                <a:schemeClr val="accent3"/>
+              </a:solidFill>
+            </a:endParaRPr>
+          </a:p>
+          <a:p>
+            <a:pPr algn="ctr"/>
+            <a:endParaRPr lang="en-US" b="1" dirty="0">
+              <a:ln/>
+              <a:solidFill>
+                <a:schemeClr val="accent3"/>
+              </a:solidFill>
+            </a:endParaRPr>
+          </a:p>
+          <a:p>
+            <a:pPr algn="ctr"/>
+            <a:endParaRPr lang="en-US" b="1" dirty="0" smtClean="0">
+              <a:ln/>
+              <a:solidFill>
+                <a:schemeClr val="accent3"/>
+              </a:solidFill>
+            </a:endParaRPr>
+          </a:p>
+          <a:p>
+            <a:pPr algn="ctr"/>
+            <a:endParaRPr lang="en-US" b="1" dirty="0">
+              <a:ln/>
+              <a:solidFill>
+                <a:schemeClr val="accent3"/>
+              </a:solidFill>
+            </a:endParaRPr>
+          </a:p>
+          <a:p>
+            <a:pPr algn="ctr"/>
+            <a:endParaRPr lang="en-US" b="1" dirty="0" smtClean="0">
+              <a:ln/>
+              <a:solidFill>
+                <a:schemeClr val="accent3"/>
+              </a:solidFill>
+            </a:endParaRPr>
+          </a:p>
+          <a:p>
+            <a:pPr algn="ctr"/>
+            <a:endParaRPr lang="en-US" b="1" dirty="0">
+              <a:ln/>
+              <a:solidFill>
+                <a:schemeClr val="accent3"/>
+              </a:solidFill>
+            </a:endParaRPr>
+          </a:p>
+          <a:p>
+            <a:pPr algn="ctr"/>
+            <a:endParaRPr lang="en-US" b="1" dirty="0" smtClean="0">
+              <a:ln/>
+              <a:solidFill>
+                <a:schemeClr val="accent3"/>
+              </a:solidFill>
+            </a:endParaRPr>
+          </a:p>
+          <a:p>
+            <a:pPr algn="ctr"/>
+            <a:endParaRPr lang="en-US" b="1" dirty="0">
+              <a:ln/>
+              <a:solidFill>
+                <a:schemeClr val="accent3"/>
+              </a:solidFill>
+            </a:endParaRPr>
+          </a:p>
+          <a:p>
+            <a:pPr algn="ctr"/>
+            <a:endParaRPr lang="en-US" b="1" dirty="0" smtClean="0">
+              <a:ln/>
+              <a:solidFill>
+                <a:schemeClr val="accent3"/>
+              </a:solidFill>
+            </a:endParaRPr>
+          </a:p>
+          <a:p>
+            <a:pPr algn="ctr"/>
+            <a:endParaRPr lang="en-US" b="1" dirty="0">
+              <a:ln/>
+              <a:solidFill>
+                <a:schemeClr val="accent3"/>
+              </a:solidFill>
+            </a:endParaRPr>
+          </a:p>
+          <a:p>
+            <a:pPr algn="ctr"/>
+            <a:endParaRPr lang="en-US" b="1" dirty="0" smtClean="0">
+              <a:ln/>
+              <a:solidFill>
+                <a:schemeClr val="accent3"/>
+              </a:solidFill>
+            </a:endParaRPr>
+          </a:p>
+          <a:p>
+            <a:pPr algn="ctr"/>
+            <a:endParaRPr lang="en-US" b="1" dirty="0">
+              <a:ln/>
+              <a:solidFill>
+                <a:schemeClr val="accent3"/>
+              </a:solidFill>
+            </a:endParaRPr>
+          </a:p>
+          <a:p>
+            <a:pPr algn="ctr"/>
+            <a:endParaRPr lang="en-US" b="1" dirty="0" smtClean="0">
+              <a:ln/>
+              <a:solidFill>
+                <a:schemeClr val="accent3"/>
+              </a:solidFill>
+            </a:endParaRPr>
+          </a:p>
+          <a:p>
+            <a:pPr algn="ctr"/>
+            <a:endParaRPr lang="en-US" b="1" dirty="0">
+              <a:ln/>
+              <a:solidFill>
+                <a:schemeClr val="accent3"/>
+              </a:solidFill>
+            </a:endParaRPr>
+          </a:p>
+          <a:p>
+            <a:pPr algn="ctr"/>
+            <a:endParaRPr lang="en-US" b="1" dirty="0" smtClean="0">
+              <a:ln/>
+              <a:solidFill>
+                <a:schemeClr val="accent3"/>
+              </a:solidFill>
+            </a:endParaRPr>
+          </a:p>
+          <a:p>
+            <a:pPr algn="ctr"/>
+            <a:endParaRPr lang="en-IN" b="1" dirty="0">
+              <a:ln/>
+              <a:solidFill>
+                <a:schemeClr val="accent3"/>
+              </a:solidFill>
+            </a:endParaRPr>
+          </a:p>
+        </p:txBody>
+      </p:sp>
+      <p:sp>
+        <p:nvSpPr>
+          <p:cNvPr id="6" name="Rectangle 5">
+            <a:extLst>
+              <a:ext uri="{FF2B5EF4-FFF2-40B4-BE49-F238E27FC236}">
+                <a16:creationId xmlns="" xmlns:a16="http://schemas.microsoft.com/office/drawing/2014/main" id="{27E8D4A3-B686-AB21-9BA3-D4259FCFF046}"/>
+              </a:ext>
+            </a:extLst>
+          </p:cNvPr>
+          <p:cNvSpPr/>
+          <p:nvPr/>
+        </p:nvSpPr>
+        <p:spPr>
+          <a:xfrm>
+            <a:off x="3493894" y="803128"/>
+            <a:ext cx="5204245" cy="646331"/>
+          </a:xfrm>
+          <a:prstGeom prst="rect">
+            <a:avLst/>
+          </a:prstGeom>
+          <a:noFill/>
+        </p:spPr>
+        <p:txBody>
+          <a:bodyPr wrap="none" lIns="91440" tIns="45720" rIns="91440" bIns="45720">
+            <a:spAutoFit/>
+            <a:scene3d>
+              <a:camera prst="orthographicFront"/>
+              <a:lightRig rig="harsh" dir="t"/>
+            </a:scene3d>
+            <a:sp3d extrusionH="57150" prstMaterial="matte">
+              <a:bevelT w="63500" h="12700" prst="angle"/>
+              <a:contourClr>
+                <a:schemeClr val="bg1">
+                  <a:lumMod val="65000"/>
+                </a:schemeClr>
+              </a:contourClr>
+            </a:sp3d>
+          </a:bodyPr>
+          <a:lstStyle/>
+          <a:p>
+            <a:pPr algn="ctr"/>
+            <a:r>
+              <a:rPr lang="en-US" sz="3600" b="1" dirty="0" err="1">
+                <a:ln/>
+                <a:solidFill>
+                  <a:schemeClr val="accent3"/>
+                </a:solidFill>
+              </a:rPr>
+              <a:t>Json</a:t>
+            </a:r>
+            <a:r>
+              <a:rPr lang="en-US" sz="3600" b="1" dirty="0">
+                <a:ln/>
+                <a:solidFill>
+                  <a:schemeClr val="accent3"/>
+                </a:solidFill>
+              </a:rPr>
+              <a:t> Issue and Postman</a:t>
+            </a:r>
+            <a:endParaRPr lang="en-US" sz="3600" b="1" dirty="0">
+              <a:ln/>
+              <a:solidFill>
+                <a:schemeClr val="accent3"/>
+              </a:solidFill>
+            </a:endParaRPr>
+          </a:p>
+        </p:txBody>
+      </p:sp>
+      <p:sp>
+        <p:nvSpPr>
+          <p:cNvPr id="8" name="Rectangle 7">
+            <a:extLst>
+              <a:ext uri="{FF2B5EF4-FFF2-40B4-BE49-F238E27FC236}">
+                <a16:creationId xmlns="" xmlns:a16="http://schemas.microsoft.com/office/drawing/2014/main" id="{27E8D4A3-B686-AB21-9BA3-D4259FCFF046}"/>
+              </a:ext>
+            </a:extLst>
+          </p:cNvPr>
+          <p:cNvSpPr/>
+          <p:nvPr/>
+        </p:nvSpPr>
+        <p:spPr>
+          <a:xfrm>
+            <a:off x="3157214" y="1449459"/>
+            <a:ext cx="5877635" cy="523220"/>
+          </a:xfrm>
+          <a:prstGeom prst="rect">
+            <a:avLst/>
+          </a:prstGeom>
+          <a:noFill/>
+        </p:spPr>
+        <p:txBody>
+          <a:bodyPr wrap="none" lIns="91440" tIns="45720" rIns="91440" bIns="45720">
+            <a:spAutoFit/>
+            <a:scene3d>
+              <a:camera prst="orthographicFront"/>
+              <a:lightRig rig="harsh" dir="t"/>
+            </a:scene3d>
+            <a:sp3d extrusionH="57150" prstMaterial="matte">
+              <a:bevelT w="63500" h="12700" prst="angle"/>
+              <a:contourClr>
+                <a:schemeClr val="bg1">
+                  <a:lumMod val="65000"/>
+                </a:schemeClr>
+              </a:contourClr>
+            </a:sp3d>
+          </a:bodyPr>
+          <a:lstStyle/>
+          <a:p>
+            <a:pPr algn="ctr"/>
+            <a:r>
+              <a:rPr lang="en-US" sz="2800" b="1" dirty="0" smtClean="0">
+                <a:ln/>
+                <a:solidFill>
+                  <a:schemeClr val="accent3"/>
+                </a:solidFill>
+              </a:rPr>
+              <a:t>Is </a:t>
+            </a:r>
+            <a:r>
+              <a:rPr lang="en-US" sz="2800" b="1" dirty="0" err="1">
+                <a:ln/>
+                <a:solidFill>
+                  <a:schemeClr val="accent3"/>
+                </a:solidFill>
+              </a:rPr>
+              <a:t>t</a:t>
+            </a:r>
+            <a:r>
+              <a:rPr lang="en-US" sz="2800" b="1" dirty="0" err="1" smtClean="0">
+                <a:ln/>
+                <a:solidFill>
+                  <a:schemeClr val="accent3"/>
+                </a:solidFill>
+              </a:rPr>
+              <a:t>areke</a:t>
+            </a:r>
+            <a:r>
+              <a:rPr lang="en-US" sz="2800" b="1" dirty="0" smtClean="0">
+                <a:ln/>
+                <a:solidFill>
+                  <a:schemeClr val="accent3"/>
+                </a:solidFill>
+              </a:rPr>
+              <a:t> se </a:t>
+            </a:r>
+            <a:r>
+              <a:rPr lang="en-US" sz="2800" b="1" dirty="0" err="1" smtClean="0">
+                <a:ln/>
+                <a:solidFill>
+                  <a:schemeClr val="accent3"/>
+                </a:solidFill>
+              </a:rPr>
+              <a:t>hm</a:t>
+            </a:r>
+            <a:r>
+              <a:rPr lang="en-US" sz="2800" b="1" dirty="0" smtClean="0">
+                <a:ln/>
+                <a:solidFill>
+                  <a:schemeClr val="accent3"/>
+                </a:solidFill>
+              </a:rPr>
+              <a:t> </a:t>
+            </a:r>
+            <a:r>
+              <a:rPr lang="en-US" sz="2800" b="1" dirty="0" smtClean="0">
+                <a:ln/>
+                <a:solidFill>
+                  <a:schemeClr val="accent3"/>
+                </a:solidFill>
+              </a:rPr>
+              <a:t>Routes </a:t>
+            </a:r>
+            <a:r>
+              <a:rPr lang="en-US" sz="2800" b="1" dirty="0" err="1" smtClean="0">
+                <a:ln/>
+                <a:solidFill>
+                  <a:schemeClr val="accent3"/>
+                </a:solidFill>
+              </a:rPr>
+              <a:t>bana</a:t>
+            </a:r>
+            <a:r>
+              <a:rPr lang="en-US" sz="2800" b="1" dirty="0" smtClean="0">
+                <a:ln/>
+                <a:solidFill>
+                  <a:schemeClr val="accent3"/>
+                </a:solidFill>
+              </a:rPr>
+              <a:t> </a:t>
+            </a:r>
+            <a:r>
+              <a:rPr lang="en-US" sz="2800" b="1" dirty="0" err="1" smtClean="0">
+                <a:ln/>
+                <a:solidFill>
+                  <a:schemeClr val="accent3"/>
+                </a:solidFill>
+              </a:rPr>
+              <a:t>liya</a:t>
+            </a:r>
+            <a:r>
+              <a:rPr lang="en-US" sz="2800" b="1" dirty="0" smtClean="0">
+                <a:ln/>
+                <a:solidFill>
+                  <a:schemeClr val="accent3"/>
+                </a:solidFill>
+              </a:rPr>
+              <a:t> h</a:t>
+            </a:r>
+            <a:endParaRPr lang="en-US" sz="2800" b="1" dirty="0">
+              <a:ln/>
+              <a:solidFill>
+                <a:schemeClr val="accent3"/>
+              </a:solidFill>
+            </a:endParaRPr>
+          </a:p>
+        </p:txBody>
+      </p:sp>
+      <p:pic>
+        <p:nvPicPr>
+          <p:cNvPr id="5" name="Picture 4"/>
+          <p:cNvPicPr>
+            <a:picLocks noChangeAspect="1"/>
+          </p:cNvPicPr>
+          <p:nvPr/>
+        </p:nvPicPr>
+        <p:blipFill>
+          <a:blip r:embed="rId2">
+            <a:extLst>
+              <a:ext uri="{28A0092B-C50C-407E-A947-70E740481C1C}">
+                <a14:useLocalDpi xmlns:a14="http://schemas.microsoft.com/office/drawing/2010/main" val="0"/>
+              </a:ext>
+            </a:extLst>
+          </a:blip>
+          <a:stretch>
+            <a:fillRect/>
+          </a:stretch>
+        </p:blipFill>
+        <p:spPr>
+          <a:xfrm>
+            <a:off x="419030" y="1943993"/>
+            <a:ext cx="11353944" cy="4914007"/>
+          </a:xfrm>
+          <a:prstGeom prst="rect">
+            <a:avLst/>
+          </a:prstGeom>
+        </p:spPr>
+      </p:pic>
+    </p:spTree>
+    <p:extLst>
+      <p:ext uri="{BB962C8B-B14F-4D97-AF65-F5344CB8AC3E}">
+        <p14:creationId xmlns:p14="http://schemas.microsoft.com/office/powerpoint/2010/main" val="2224101252"/>
+      </p:ext>
+    </p:extLst>
+  </p:cSld>
+  <p:clrMapOvr>
+    <a:masterClrMapping/>
+  </p:clrMapOvr>
+  <p:timing>
+    <p:tnLst>
+      <p:par>
+        <p:cTn id="1" dur="indefinite" restart="never" nodeType="tmRoot"/>
+      </p:par>
+    </p:tnLst>
+  </p:timing>
+</p:sld>
+</file>
+
+<file path=ppt/slides/slide23.xml><?xml version="1.0" encoding="utf-8"?>
+<p:sld xmlns:a="http://schemas.openxmlformats.org/drawingml/2006/main" xmlns:r="http://schemas.openxmlformats.org/officeDocument/2006/relationships" xmlns:p="http://schemas.openxmlformats.org/presentationml/2006/main">
+  <p:cSld>
+    <p:spTree>
+      <p:nvGrpSpPr>
+        <p:cNvPr id="1" name=""/>
+        <p:cNvGrpSpPr/>
+        <p:nvPr/>
+      </p:nvGrpSpPr>
+      <p:grpSpPr>
+        <a:xfrm>
+          <a:off x="0" y="0"/>
+          <a:ext cx="0" cy="0"/>
+          <a:chOff x="0" y="0"/>
+          <a:chExt cx="0" cy="0"/>
+        </a:xfrm>
+      </p:grpSpPr>
+      <p:sp>
+        <p:nvSpPr>
+          <p:cNvPr id="3" name="Rectangle 2"/>
+          <p:cNvSpPr/>
+          <p:nvPr/>
+        </p:nvSpPr>
+        <p:spPr>
+          <a:xfrm>
+            <a:off x="419030" y="803128"/>
+            <a:ext cx="11353944" cy="5632311"/>
+          </a:xfrm>
+          <a:prstGeom prst="rect">
+            <a:avLst/>
+          </a:prstGeom>
+          <a:solidFill>
+            <a:schemeClr val="bg1"/>
+          </a:solidFill>
+        </p:spPr>
+        <p:txBody>
+          <a:bodyPr wrap="square">
+            <a:spAutoFit/>
+          </a:bodyPr>
+          <a:lstStyle/>
+          <a:p>
+            <a:pPr algn="ctr"/>
+            <a:endParaRPr lang="en-US" b="1" dirty="0" smtClean="0">
+              <a:ln/>
+              <a:solidFill>
+                <a:schemeClr val="accent3"/>
+              </a:solidFill>
+            </a:endParaRPr>
+          </a:p>
+          <a:p>
+            <a:pPr algn="ctr"/>
+            <a:endParaRPr lang="en-US" b="1" dirty="0">
+              <a:ln/>
+              <a:solidFill>
+                <a:schemeClr val="accent3"/>
+              </a:solidFill>
+            </a:endParaRPr>
+          </a:p>
+          <a:p>
+            <a:pPr algn="ctr"/>
+            <a:endParaRPr lang="en-US" b="1" dirty="0" smtClean="0">
+              <a:ln/>
+              <a:solidFill>
+                <a:schemeClr val="accent3"/>
+              </a:solidFill>
+            </a:endParaRPr>
+          </a:p>
+          <a:p>
+            <a:pPr algn="ctr"/>
+            <a:endParaRPr lang="en-US" b="1" dirty="0">
+              <a:ln/>
+              <a:solidFill>
+                <a:schemeClr val="accent3"/>
+              </a:solidFill>
+            </a:endParaRPr>
+          </a:p>
+          <a:p>
+            <a:pPr algn="ctr"/>
+            <a:endParaRPr lang="en-US" b="1" dirty="0" smtClean="0">
+              <a:ln/>
+              <a:solidFill>
+                <a:schemeClr val="accent3"/>
+              </a:solidFill>
+            </a:endParaRPr>
+          </a:p>
+          <a:p>
+            <a:pPr algn="ctr"/>
+            <a:endParaRPr lang="en-US" b="1" dirty="0">
+              <a:ln/>
+              <a:solidFill>
+                <a:schemeClr val="accent3"/>
+              </a:solidFill>
+            </a:endParaRPr>
+          </a:p>
+          <a:p>
+            <a:pPr algn="ctr"/>
+            <a:endParaRPr lang="en-US" b="1" dirty="0" smtClean="0">
+              <a:ln/>
+              <a:solidFill>
+                <a:schemeClr val="accent3"/>
+              </a:solidFill>
+            </a:endParaRPr>
+          </a:p>
+          <a:p>
+            <a:pPr algn="ctr"/>
+            <a:endParaRPr lang="en-US" b="1" dirty="0">
+              <a:ln/>
+              <a:solidFill>
+                <a:schemeClr val="accent3"/>
+              </a:solidFill>
+            </a:endParaRPr>
+          </a:p>
+          <a:p>
+            <a:pPr algn="ctr"/>
+            <a:endParaRPr lang="en-US" b="1" dirty="0" smtClean="0">
+              <a:ln/>
+              <a:solidFill>
+                <a:schemeClr val="accent3"/>
+              </a:solidFill>
+            </a:endParaRPr>
+          </a:p>
+          <a:p>
+            <a:pPr algn="ctr"/>
+            <a:endParaRPr lang="en-US" b="1" dirty="0">
+              <a:ln/>
+              <a:solidFill>
+                <a:schemeClr val="accent3"/>
+              </a:solidFill>
+            </a:endParaRPr>
+          </a:p>
+          <a:p>
+            <a:pPr algn="ctr"/>
+            <a:endParaRPr lang="en-US" b="1" dirty="0" smtClean="0">
+              <a:ln/>
+              <a:solidFill>
+                <a:schemeClr val="accent3"/>
+              </a:solidFill>
+            </a:endParaRPr>
+          </a:p>
+          <a:p>
+            <a:pPr algn="ctr"/>
+            <a:endParaRPr lang="en-US" b="1" dirty="0">
+              <a:ln/>
+              <a:solidFill>
+                <a:schemeClr val="accent3"/>
+              </a:solidFill>
+            </a:endParaRPr>
+          </a:p>
+          <a:p>
+            <a:pPr algn="ctr"/>
+            <a:endParaRPr lang="en-US" b="1" dirty="0" smtClean="0">
+              <a:ln/>
+              <a:solidFill>
+                <a:schemeClr val="accent3"/>
+              </a:solidFill>
+            </a:endParaRPr>
+          </a:p>
+          <a:p>
+            <a:pPr algn="ctr"/>
+            <a:endParaRPr lang="en-US" b="1" dirty="0">
+              <a:ln/>
+              <a:solidFill>
+                <a:schemeClr val="accent3"/>
+              </a:solidFill>
+            </a:endParaRPr>
+          </a:p>
+          <a:p>
+            <a:pPr algn="ctr"/>
+            <a:endParaRPr lang="en-US" b="1" dirty="0" smtClean="0">
+              <a:ln/>
+              <a:solidFill>
+                <a:schemeClr val="accent3"/>
+              </a:solidFill>
+            </a:endParaRPr>
+          </a:p>
+          <a:p>
+            <a:pPr algn="ctr"/>
+            <a:endParaRPr lang="en-US" b="1" dirty="0">
+              <a:ln/>
+              <a:solidFill>
+                <a:schemeClr val="accent3"/>
+              </a:solidFill>
+            </a:endParaRPr>
+          </a:p>
+          <a:p>
+            <a:pPr algn="ctr"/>
+            <a:endParaRPr lang="en-US" b="1" dirty="0" smtClean="0">
+              <a:ln/>
+              <a:solidFill>
+                <a:schemeClr val="accent3"/>
+              </a:solidFill>
+            </a:endParaRPr>
+          </a:p>
+          <a:p>
+            <a:pPr algn="ctr"/>
+            <a:endParaRPr lang="en-US" b="1" dirty="0">
+              <a:ln/>
+              <a:solidFill>
+                <a:schemeClr val="accent3"/>
+              </a:solidFill>
+            </a:endParaRPr>
+          </a:p>
+          <a:p>
+            <a:pPr algn="ctr"/>
+            <a:endParaRPr lang="en-US" b="1" dirty="0" smtClean="0">
+              <a:ln/>
+              <a:solidFill>
+                <a:schemeClr val="accent3"/>
+              </a:solidFill>
+            </a:endParaRPr>
+          </a:p>
+          <a:p>
+            <a:pPr algn="ctr"/>
+            <a:endParaRPr lang="en-IN" b="1" dirty="0">
+              <a:ln/>
+              <a:solidFill>
+                <a:schemeClr val="accent3"/>
+              </a:solidFill>
+            </a:endParaRPr>
+          </a:p>
+        </p:txBody>
+      </p:sp>
+      <p:sp>
+        <p:nvSpPr>
+          <p:cNvPr id="6" name="Rectangle 5">
+            <a:extLst>
+              <a:ext uri="{FF2B5EF4-FFF2-40B4-BE49-F238E27FC236}">
+                <a16:creationId xmlns="" xmlns:a16="http://schemas.microsoft.com/office/drawing/2014/main" id="{27E8D4A3-B686-AB21-9BA3-D4259FCFF046}"/>
+              </a:ext>
+            </a:extLst>
+          </p:cNvPr>
+          <p:cNvSpPr/>
+          <p:nvPr/>
+        </p:nvSpPr>
+        <p:spPr>
+          <a:xfrm>
+            <a:off x="3493894" y="803128"/>
+            <a:ext cx="5204245" cy="646331"/>
+          </a:xfrm>
+          <a:prstGeom prst="rect">
+            <a:avLst/>
+          </a:prstGeom>
+          <a:noFill/>
+        </p:spPr>
+        <p:txBody>
+          <a:bodyPr wrap="none" lIns="91440" tIns="45720" rIns="91440" bIns="45720">
+            <a:spAutoFit/>
+            <a:scene3d>
+              <a:camera prst="orthographicFront"/>
+              <a:lightRig rig="harsh" dir="t"/>
+            </a:scene3d>
+            <a:sp3d extrusionH="57150" prstMaterial="matte">
+              <a:bevelT w="63500" h="12700" prst="angle"/>
+              <a:contourClr>
+                <a:schemeClr val="bg1">
+                  <a:lumMod val="65000"/>
+                </a:schemeClr>
+              </a:contourClr>
+            </a:sp3d>
+          </a:bodyPr>
+          <a:lstStyle/>
+          <a:p>
+            <a:pPr algn="ctr"/>
+            <a:r>
+              <a:rPr lang="en-US" sz="3600" b="1" dirty="0" err="1">
+                <a:ln/>
+                <a:solidFill>
+                  <a:schemeClr val="accent3"/>
+                </a:solidFill>
+              </a:rPr>
+              <a:t>Json</a:t>
+            </a:r>
+            <a:r>
+              <a:rPr lang="en-US" sz="3600" b="1" dirty="0">
+                <a:ln/>
+                <a:solidFill>
+                  <a:schemeClr val="accent3"/>
+                </a:solidFill>
+              </a:rPr>
+              <a:t> Issue and Postman</a:t>
+            </a:r>
+            <a:endParaRPr lang="en-US" sz="3600" b="1" dirty="0">
+              <a:ln/>
+              <a:solidFill>
+                <a:schemeClr val="accent3"/>
+              </a:solidFill>
+            </a:endParaRPr>
+          </a:p>
+        </p:txBody>
+      </p:sp>
+      <p:sp>
+        <p:nvSpPr>
+          <p:cNvPr id="8" name="Rectangle 7">
+            <a:extLst>
+              <a:ext uri="{FF2B5EF4-FFF2-40B4-BE49-F238E27FC236}">
+                <a16:creationId xmlns="" xmlns:a16="http://schemas.microsoft.com/office/drawing/2014/main" id="{27E8D4A3-B686-AB21-9BA3-D4259FCFF046}"/>
+              </a:ext>
+            </a:extLst>
+          </p:cNvPr>
+          <p:cNvSpPr/>
+          <p:nvPr/>
+        </p:nvSpPr>
+        <p:spPr>
+          <a:xfrm>
+            <a:off x="3157214" y="1449459"/>
+            <a:ext cx="5877635" cy="523220"/>
+          </a:xfrm>
+          <a:prstGeom prst="rect">
+            <a:avLst/>
+          </a:prstGeom>
+          <a:noFill/>
+        </p:spPr>
+        <p:txBody>
+          <a:bodyPr wrap="none" lIns="91440" tIns="45720" rIns="91440" bIns="45720">
+            <a:spAutoFit/>
+            <a:scene3d>
+              <a:camera prst="orthographicFront"/>
+              <a:lightRig rig="harsh" dir="t"/>
+            </a:scene3d>
+            <a:sp3d extrusionH="57150" prstMaterial="matte">
+              <a:bevelT w="63500" h="12700" prst="angle"/>
+              <a:contourClr>
+                <a:schemeClr val="bg1">
+                  <a:lumMod val="65000"/>
+                </a:schemeClr>
+              </a:contourClr>
+            </a:sp3d>
+          </a:bodyPr>
+          <a:lstStyle/>
+          <a:p>
+            <a:pPr algn="ctr"/>
+            <a:r>
+              <a:rPr lang="en-US" sz="2800" b="1" dirty="0" smtClean="0">
+                <a:ln/>
+                <a:solidFill>
+                  <a:schemeClr val="accent3"/>
+                </a:solidFill>
+              </a:rPr>
+              <a:t>Is </a:t>
+            </a:r>
+            <a:r>
+              <a:rPr lang="en-US" sz="2800" b="1" dirty="0" err="1">
+                <a:ln/>
+                <a:solidFill>
+                  <a:schemeClr val="accent3"/>
+                </a:solidFill>
+              </a:rPr>
+              <a:t>t</a:t>
+            </a:r>
+            <a:r>
+              <a:rPr lang="en-US" sz="2800" b="1" dirty="0" err="1" smtClean="0">
+                <a:ln/>
+                <a:solidFill>
+                  <a:schemeClr val="accent3"/>
+                </a:solidFill>
+              </a:rPr>
+              <a:t>areke</a:t>
+            </a:r>
+            <a:r>
+              <a:rPr lang="en-US" sz="2800" b="1" dirty="0" smtClean="0">
+                <a:ln/>
+                <a:solidFill>
+                  <a:schemeClr val="accent3"/>
+                </a:solidFill>
+              </a:rPr>
+              <a:t> se </a:t>
+            </a:r>
+            <a:r>
+              <a:rPr lang="en-US" sz="2800" b="1" dirty="0" err="1" smtClean="0">
+                <a:ln/>
+                <a:solidFill>
+                  <a:schemeClr val="accent3"/>
+                </a:solidFill>
+              </a:rPr>
+              <a:t>hm</a:t>
+            </a:r>
+            <a:r>
+              <a:rPr lang="en-US" sz="2800" b="1" dirty="0" smtClean="0">
+                <a:ln/>
+                <a:solidFill>
+                  <a:schemeClr val="accent3"/>
+                </a:solidFill>
+              </a:rPr>
+              <a:t> </a:t>
+            </a:r>
+            <a:r>
+              <a:rPr lang="en-US" sz="2800" b="1" dirty="0" smtClean="0">
+                <a:ln/>
+                <a:solidFill>
+                  <a:schemeClr val="accent3"/>
+                </a:solidFill>
+              </a:rPr>
+              <a:t>Routes </a:t>
+            </a:r>
+            <a:r>
+              <a:rPr lang="en-US" sz="2800" b="1" dirty="0" err="1" smtClean="0">
+                <a:ln/>
+                <a:solidFill>
+                  <a:schemeClr val="accent3"/>
+                </a:solidFill>
+              </a:rPr>
+              <a:t>bana</a:t>
+            </a:r>
+            <a:r>
+              <a:rPr lang="en-US" sz="2800" b="1" dirty="0" smtClean="0">
+                <a:ln/>
+                <a:solidFill>
+                  <a:schemeClr val="accent3"/>
+                </a:solidFill>
+              </a:rPr>
+              <a:t> </a:t>
+            </a:r>
+            <a:r>
+              <a:rPr lang="en-US" sz="2800" b="1" dirty="0" err="1" smtClean="0">
+                <a:ln/>
+                <a:solidFill>
+                  <a:schemeClr val="accent3"/>
+                </a:solidFill>
+              </a:rPr>
+              <a:t>liya</a:t>
+            </a:r>
+            <a:r>
+              <a:rPr lang="en-US" sz="2800" b="1" dirty="0" smtClean="0">
+                <a:ln/>
+                <a:solidFill>
+                  <a:schemeClr val="accent3"/>
+                </a:solidFill>
+              </a:rPr>
+              <a:t> h</a:t>
+            </a:r>
+            <a:endParaRPr lang="en-US" sz="2800" b="1" dirty="0">
+              <a:ln/>
+              <a:solidFill>
+                <a:schemeClr val="accent3"/>
+              </a:solidFill>
+            </a:endParaRPr>
+          </a:p>
+        </p:txBody>
+      </p:sp>
+      <p:pic>
+        <p:nvPicPr>
+          <p:cNvPr id="2" name="Picture 1"/>
+          <p:cNvPicPr>
+            <a:picLocks noChangeAspect="1"/>
+          </p:cNvPicPr>
+          <p:nvPr/>
+        </p:nvPicPr>
+        <p:blipFill>
+          <a:blip r:embed="rId2">
+            <a:extLst>
+              <a:ext uri="{28A0092B-C50C-407E-A947-70E740481C1C}">
+                <a14:useLocalDpi xmlns:a14="http://schemas.microsoft.com/office/drawing/2010/main" val="0"/>
+              </a:ext>
+            </a:extLst>
+          </a:blip>
+          <a:stretch>
+            <a:fillRect/>
+          </a:stretch>
+        </p:blipFill>
+        <p:spPr>
+          <a:xfrm>
+            <a:off x="529750" y="1918932"/>
+            <a:ext cx="11132504" cy="4939068"/>
+          </a:xfrm>
+          <a:prstGeom prst="rect">
+            <a:avLst/>
+          </a:prstGeom>
+        </p:spPr>
+      </p:pic>
+    </p:spTree>
+    <p:extLst>
+      <p:ext uri="{BB962C8B-B14F-4D97-AF65-F5344CB8AC3E}">
+        <p14:creationId xmlns:p14="http://schemas.microsoft.com/office/powerpoint/2010/main" val="1362950253"/>
+      </p:ext>
+    </p:extLst>
+  </p:cSld>
+  <p:clrMapOvr>
+    <a:masterClrMapping/>
+  </p:clrMapOvr>
+  <p:timing>
+    <p:tnLst>
+      <p:par>
+        <p:cTn id="1" dur="indefinite" restart="never" nodeType="tmRoot"/>
+      </p:par>
+    </p:tnLst>
+  </p:timing>
+</p:sld>
+</file>
+
+<file path=ppt/slides/slide24.xml><?xml version="1.0" encoding="utf-8"?>
+<p:sld xmlns:a="http://schemas.openxmlformats.org/drawingml/2006/main" xmlns:r="http://schemas.openxmlformats.org/officeDocument/2006/relationships" xmlns:p="http://schemas.openxmlformats.org/presentationml/2006/main">
+  <p:cSld>
+    <p:spTree>
+      <p:nvGrpSpPr>
+        <p:cNvPr id="1" name=""/>
+        <p:cNvGrpSpPr/>
+        <p:nvPr/>
+      </p:nvGrpSpPr>
+      <p:grpSpPr>
+        <a:xfrm>
+          <a:off x="0" y="0"/>
+          <a:ext cx="0" cy="0"/>
+          <a:chOff x="0" y="0"/>
+          <a:chExt cx="0" cy="0"/>
+        </a:xfrm>
+      </p:grpSpPr>
+      <p:sp>
+        <p:nvSpPr>
+          <p:cNvPr id="3" name="Rectangle 2"/>
+          <p:cNvSpPr/>
+          <p:nvPr/>
+        </p:nvSpPr>
+        <p:spPr>
+          <a:xfrm>
+            <a:off x="419030" y="803128"/>
+            <a:ext cx="11353944" cy="5632311"/>
+          </a:xfrm>
+          <a:prstGeom prst="rect">
+            <a:avLst/>
+          </a:prstGeom>
+          <a:solidFill>
+            <a:schemeClr val="bg1"/>
+          </a:solidFill>
+        </p:spPr>
+        <p:txBody>
+          <a:bodyPr wrap="square">
+            <a:spAutoFit/>
+          </a:bodyPr>
+          <a:lstStyle/>
+          <a:p>
+            <a:pPr algn="ctr"/>
+            <a:endParaRPr lang="en-US" b="1" dirty="0" smtClean="0">
+              <a:ln/>
+              <a:solidFill>
+                <a:schemeClr val="accent3"/>
+              </a:solidFill>
+            </a:endParaRPr>
+          </a:p>
+          <a:p>
+            <a:pPr algn="ctr"/>
+            <a:endParaRPr lang="en-US" b="1" dirty="0">
+              <a:ln/>
+              <a:solidFill>
+                <a:schemeClr val="accent3"/>
+              </a:solidFill>
+            </a:endParaRPr>
+          </a:p>
+          <a:p>
+            <a:pPr algn="ctr"/>
+            <a:endParaRPr lang="en-US" b="1" dirty="0" smtClean="0">
+              <a:ln/>
+              <a:solidFill>
+                <a:schemeClr val="accent3"/>
+              </a:solidFill>
+            </a:endParaRPr>
+          </a:p>
+          <a:p>
+            <a:pPr algn="ctr"/>
+            <a:endParaRPr lang="en-US" b="1" dirty="0">
+              <a:ln/>
+              <a:solidFill>
+                <a:schemeClr val="accent3"/>
+              </a:solidFill>
+            </a:endParaRPr>
+          </a:p>
+          <a:p>
+            <a:pPr algn="ctr"/>
+            <a:endParaRPr lang="en-US" b="1" dirty="0" smtClean="0">
+              <a:ln/>
+              <a:solidFill>
+                <a:schemeClr val="accent3"/>
+              </a:solidFill>
+            </a:endParaRPr>
+          </a:p>
+          <a:p>
+            <a:pPr algn="ctr"/>
+            <a:endParaRPr lang="en-US" b="1" dirty="0">
+              <a:ln/>
+              <a:solidFill>
+                <a:schemeClr val="accent3"/>
+              </a:solidFill>
+            </a:endParaRPr>
+          </a:p>
+          <a:p>
+            <a:pPr algn="ctr"/>
+            <a:endParaRPr lang="en-US" b="1" dirty="0" smtClean="0">
+              <a:ln/>
+              <a:solidFill>
+                <a:schemeClr val="accent3"/>
+              </a:solidFill>
+            </a:endParaRPr>
+          </a:p>
+          <a:p>
+            <a:pPr algn="ctr"/>
+            <a:endParaRPr lang="en-US" b="1" dirty="0">
+              <a:ln/>
+              <a:solidFill>
+                <a:schemeClr val="accent3"/>
+              </a:solidFill>
+            </a:endParaRPr>
+          </a:p>
+          <a:p>
+            <a:pPr algn="ctr"/>
+            <a:endParaRPr lang="en-US" b="1" dirty="0" smtClean="0">
+              <a:ln/>
+              <a:solidFill>
+                <a:schemeClr val="accent3"/>
+              </a:solidFill>
+            </a:endParaRPr>
+          </a:p>
+          <a:p>
+            <a:pPr algn="ctr"/>
+            <a:endParaRPr lang="en-US" b="1" dirty="0">
+              <a:ln/>
+              <a:solidFill>
+                <a:schemeClr val="accent3"/>
+              </a:solidFill>
+            </a:endParaRPr>
+          </a:p>
+          <a:p>
+            <a:pPr algn="ctr"/>
+            <a:endParaRPr lang="en-US" b="1" dirty="0" smtClean="0">
+              <a:ln/>
+              <a:solidFill>
+                <a:schemeClr val="accent3"/>
+              </a:solidFill>
+            </a:endParaRPr>
+          </a:p>
+          <a:p>
+            <a:pPr algn="ctr"/>
+            <a:endParaRPr lang="en-US" b="1" dirty="0">
+              <a:ln/>
+              <a:solidFill>
+                <a:schemeClr val="accent3"/>
+              </a:solidFill>
+            </a:endParaRPr>
+          </a:p>
+          <a:p>
+            <a:pPr algn="ctr"/>
+            <a:endParaRPr lang="en-US" b="1" dirty="0" smtClean="0">
+              <a:ln/>
+              <a:solidFill>
+                <a:schemeClr val="accent3"/>
+              </a:solidFill>
+            </a:endParaRPr>
+          </a:p>
+          <a:p>
+            <a:pPr algn="ctr"/>
+            <a:endParaRPr lang="en-US" b="1" dirty="0">
+              <a:ln/>
+              <a:solidFill>
+                <a:schemeClr val="accent3"/>
+              </a:solidFill>
+            </a:endParaRPr>
+          </a:p>
+          <a:p>
+            <a:pPr algn="ctr"/>
+            <a:endParaRPr lang="en-US" b="1" dirty="0" smtClean="0">
+              <a:ln/>
+              <a:solidFill>
+                <a:schemeClr val="accent3"/>
+              </a:solidFill>
+            </a:endParaRPr>
+          </a:p>
+          <a:p>
+            <a:pPr algn="ctr"/>
+            <a:endParaRPr lang="en-US" b="1" dirty="0">
+              <a:ln/>
+              <a:solidFill>
+                <a:schemeClr val="accent3"/>
+              </a:solidFill>
+            </a:endParaRPr>
+          </a:p>
+          <a:p>
+            <a:pPr algn="ctr"/>
+            <a:endParaRPr lang="en-US" b="1" dirty="0" smtClean="0">
+              <a:ln/>
+              <a:solidFill>
+                <a:schemeClr val="accent3"/>
+              </a:solidFill>
+            </a:endParaRPr>
+          </a:p>
+          <a:p>
+            <a:pPr algn="ctr"/>
+            <a:endParaRPr lang="en-US" b="1" dirty="0">
+              <a:ln/>
+              <a:solidFill>
+                <a:schemeClr val="accent3"/>
+              </a:solidFill>
+            </a:endParaRPr>
+          </a:p>
+          <a:p>
+            <a:pPr algn="ctr"/>
+            <a:endParaRPr lang="en-US" b="1" dirty="0" smtClean="0">
+              <a:ln/>
+              <a:solidFill>
+                <a:schemeClr val="accent3"/>
+              </a:solidFill>
+            </a:endParaRPr>
+          </a:p>
+          <a:p>
+            <a:pPr algn="ctr"/>
+            <a:endParaRPr lang="en-IN" b="1" dirty="0">
+              <a:ln/>
+              <a:solidFill>
+                <a:schemeClr val="accent3"/>
+              </a:solidFill>
+            </a:endParaRPr>
+          </a:p>
+        </p:txBody>
+      </p:sp>
+      <p:pic>
+        <p:nvPicPr>
+          <p:cNvPr id="2" name="Picture 1"/>
+          <p:cNvPicPr>
+            <a:picLocks noChangeAspect="1"/>
+          </p:cNvPicPr>
+          <p:nvPr/>
+        </p:nvPicPr>
+        <p:blipFill>
+          <a:blip r:embed="rId2">
+            <a:extLst>
+              <a:ext uri="{28A0092B-C50C-407E-A947-70E740481C1C}">
+                <a14:useLocalDpi xmlns:a14="http://schemas.microsoft.com/office/drawing/2010/main" val="0"/>
+              </a:ext>
+            </a:extLst>
+          </a:blip>
+          <a:stretch>
+            <a:fillRect/>
+          </a:stretch>
+        </p:blipFill>
+        <p:spPr>
+          <a:xfrm>
+            <a:off x="632594" y="544156"/>
+            <a:ext cx="10926816" cy="6313844"/>
+          </a:xfrm>
+          <a:prstGeom prst="rect">
+            <a:avLst/>
+          </a:prstGeom>
+        </p:spPr>
+      </p:pic>
+    </p:spTree>
+    <p:extLst>
+      <p:ext uri="{BB962C8B-B14F-4D97-AF65-F5344CB8AC3E}">
+        <p14:creationId xmlns:p14="http://schemas.microsoft.com/office/powerpoint/2010/main" val="879642151"/>
+      </p:ext>
+    </p:extLst>
+  </p:cSld>
+  <p:clrMapOvr>
+    <a:masterClrMapping/>
+  </p:clrMapOvr>
+  <p:timing>
+    <p:tnLst>
+      <p:par>
+        <p:cTn id="1" dur="indefinite" restart="never" nodeType="tmRoot"/>
+      </p:par>
+    </p:tnLst>
+  </p:timing>
+</p:sld>
+</file>
+
+<file path=ppt/slides/slide25.xml><?xml version="1.0" encoding="utf-8"?>
+<p:sld xmlns:a="http://schemas.openxmlformats.org/drawingml/2006/main" xmlns:r="http://schemas.openxmlformats.org/officeDocument/2006/relationships" xmlns:p="http://schemas.openxmlformats.org/presentationml/2006/main">
+  <p:cSld>
+    <p:spTree>
+      <p:nvGrpSpPr>
+        <p:cNvPr id="1" name=""/>
+        <p:cNvGrpSpPr/>
+        <p:nvPr/>
+      </p:nvGrpSpPr>
+      <p:grpSpPr>
+        <a:xfrm>
+          <a:off x="0" y="0"/>
+          <a:ext cx="0" cy="0"/>
+          <a:chOff x="0" y="0"/>
+          <a:chExt cx="0" cy="0"/>
+        </a:xfrm>
+      </p:grpSpPr>
+      <p:sp>
+        <p:nvSpPr>
+          <p:cNvPr id="3" name="Rectangle 2"/>
+          <p:cNvSpPr/>
+          <p:nvPr/>
+        </p:nvSpPr>
+        <p:spPr>
+          <a:xfrm>
+            <a:off x="419030" y="803128"/>
+            <a:ext cx="11353944" cy="5632311"/>
+          </a:xfrm>
+          <a:prstGeom prst="rect">
+            <a:avLst/>
+          </a:prstGeom>
+          <a:solidFill>
+            <a:schemeClr val="bg1"/>
+          </a:solidFill>
+        </p:spPr>
+        <p:txBody>
+          <a:bodyPr wrap="square">
+            <a:spAutoFit/>
+          </a:bodyPr>
+          <a:lstStyle/>
+          <a:p>
+            <a:pPr algn="ctr"/>
+            <a:endParaRPr lang="en-US" b="1" dirty="0" smtClean="0">
+              <a:ln/>
+              <a:solidFill>
+                <a:schemeClr val="accent3"/>
+              </a:solidFill>
+            </a:endParaRPr>
+          </a:p>
+          <a:p>
+            <a:pPr algn="ctr"/>
+            <a:endParaRPr lang="en-US" b="1" dirty="0">
+              <a:ln/>
+              <a:solidFill>
+                <a:schemeClr val="accent3"/>
+              </a:solidFill>
+            </a:endParaRPr>
+          </a:p>
+          <a:p>
+            <a:pPr algn="ctr"/>
+            <a:endParaRPr lang="en-US" b="1" dirty="0" smtClean="0">
+              <a:ln/>
+              <a:solidFill>
+                <a:schemeClr val="accent3"/>
+              </a:solidFill>
+            </a:endParaRPr>
+          </a:p>
+          <a:p>
+            <a:pPr algn="ctr"/>
+            <a:endParaRPr lang="en-US" b="1" dirty="0">
+              <a:ln/>
+              <a:solidFill>
+                <a:schemeClr val="accent3"/>
+              </a:solidFill>
+            </a:endParaRPr>
+          </a:p>
+          <a:p>
+            <a:pPr algn="ctr"/>
+            <a:endParaRPr lang="en-US" b="1" dirty="0" smtClean="0">
+              <a:ln/>
+              <a:solidFill>
+                <a:schemeClr val="accent3"/>
+              </a:solidFill>
+            </a:endParaRPr>
+          </a:p>
+          <a:p>
+            <a:pPr algn="ctr"/>
+            <a:endParaRPr lang="en-US" b="1" dirty="0">
+              <a:ln/>
+              <a:solidFill>
+                <a:schemeClr val="accent3"/>
+              </a:solidFill>
+            </a:endParaRPr>
+          </a:p>
+          <a:p>
+            <a:pPr algn="ctr"/>
+            <a:endParaRPr lang="en-US" b="1" dirty="0" smtClean="0">
+              <a:ln/>
+              <a:solidFill>
+                <a:schemeClr val="accent3"/>
+              </a:solidFill>
+            </a:endParaRPr>
+          </a:p>
+          <a:p>
+            <a:pPr algn="ctr"/>
+            <a:endParaRPr lang="en-US" b="1" dirty="0">
+              <a:ln/>
+              <a:solidFill>
+                <a:schemeClr val="accent3"/>
+              </a:solidFill>
+            </a:endParaRPr>
+          </a:p>
+          <a:p>
+            <a:pPr algn="ctr"/>
+            <a:endParaRPr lang="en-US" b="1" dirty="0" smtClean="0">
+              <a:ln/>
+              <a:solidFill>
+                <a:schemeClr val="accent3"/>
+              </a:solidFill>
+            </a:endParaRPr>
+          </a:p>
+          <a:p>
+            <a:pPr algn="ctr"/>
+            <a:endParaRPr lang="en-US" b="1" dirty="0">
+              <a:ln/>
+              <a:solidFill>
+                <a:schemeClr val="accent3"/>
+              </a:solidFill>
+            </a:endParaRPr>
+          </a:p>
+          <a:p>
+            <a:pPr algn="ctr"/>
+            <a:endParaRPr lang="en-US" b="1" dirty="0" smtClean="0">
+              <a:ln/>
+              <a:solidFill>
+                <a:schemeClr val="accent3"/>
+              </a:solidFill>
+            </a:endParaRPr>
+          </a:p>
+          <a:p>
+            <a:pPr algn="ctr"/>
+            <a:endParaRPr lang="en-US" b="1" dirty="0">
+              <a:ln/>
+              <a:solidFill>
+                <a:schemeClr val="accent3"/>
+              </a:solidFill>
+            </a:endParaRPr>
+          </a:p>
+          <a:p>
+            <a:pPr algn="ctr"/>
+            <a:endParaRPr lang="en-US" b="1" dirty="0" smtClean="0">
+              <a:ln/>
+              <a:solidFill>
+                <a:schemeClr val="accent3"/>
+              </a:solidFill>
+            </a:endParaRPr>
+          </a:p>
+          <a:p>
+            <a:pPr algn="ctr"/>
+            <a:endParaRPr lang="en-US" b="1" dirty="0">
+              <a:ln/>
+              <a:solidFill>
+                <a:schemeClr val="accent3"/>
+              </a:solidFill>
+            </a:endParaRPr>
+          </a:p>
+          <a:p>
+            <a:pPr algn="ctr"/>
+            <a:endParaRPr lang="en-US" b="1" dirty="0" smtClean="0">
+              <a:ln/>
+              <a:solidFill>
+                <a:schemeClr val="accent3"/>
+              </a:solidFill>
+            </a:endParaRPr>
+          </a:p>
+          <a:p>
+            <a:pPr algn="ctr"/>
+            <a:endParaRPr lang="en-US" b="1" dirty="0">
+              <a:ln/>
+              <a:solidFill>
+                <a:schemeClr val="accent3"/>
+              </a:solidFill>
+            </a:endParaRPr>
+          </a:p>
+          <a:p>
+            <a:pPr algn="ctr"/>
+            <a:endParaRPr lang="en-US" b="1" dirty="0" smtClean="0">
+              <a:ln/>
+              <a:solidFill>
+                <a:schemeClr val="accent3"/>
+              </a:solidFill>
+            </a:endParaRPr>
+          </a:p>
+          <a:p>
+            <a:pPr algn="ctr"/>
+            <a:endParaRPr lang="en-US" b="1" dirty="0">
+              <a:ln/>
+              <a:solidFill>
+                <a:schemeClr val="accent3"/>
+              </a:solidFill>
+            </a:endParaRPr>
+          </a:p>
+          <a:p>
+            <a:pPr algn="ctr"/>
+            <a:endParaRPr lang="en-US" b="1" dirty="0" smtClean="0">
+              <a:ln/>
+              <a:solidFill>
+                <a:schemeClr val="accent3"/>
+              </a:solidFill>
+            </a:endParaRPr>
+          </a:p>
+          <a:p>
+            <a:pPr algn="ctr"/>
+            <a:endParaRPr lang="en-IN" b="1" dirty="0">
+              <a:ln/>
+              <a:solidFill>
+                <a:schemeClr val="accent3"/>
+              </a:solidFill>
+            </a:endParaRPr>
+          </a:p>
+        </p:txBody>
+      </p:sp>
+      <p:sp>
+        <p:nvSpPr>
+          <p:cNvPr id="6" name="Rectangle 5">
+            <a:extLst>
+              <a:ext uri="{FF2B5EF4-FFF2-40B4-BE49-F238E27FC236}">
+                <a16:creationId xmlns="" xmlns:a16="http://schemas.microsoft.com/office/drawing/2014/main" id="{27E8D4A3-B686-AB21-9BA3-D4259FCFF046}"/>
+              </a:ext>
+            </a:extLst>
+          </p:cNvPr>
+          <p:cNvSpPr/>
+          <p:nvPr/>
+        </p:nvSpPr>
+        <p:spPr>
+          <a:xfrm>
+            <a:off x="3493894" y="803128"/>
+            <a:ext cx="5204245" cy="646331"/>
+          </a:xfrm>
+          <a:prstGeom prst="rect">
+            <a:avLst/>
+          </a:prstGeom>
+          <a:noFill/>
+        </p:spPr>
+        <p:txBody>
+          <a:bodyPr wrap="none" lIns="91440" tIns="45720" rIns="91440" bIns="45720">
+            <a:spAutoFit/>
+            <a:scene3d>
+              <a:camera prst="orthographicFront"/>
+              <a:lightRig rig="harsh" dir="t"/>
+            </a:scene3d>
+            <a:sp3d extrusionH="57150" prstMaterial="matte">
+              <a:bevelT w="63500" h="12700" prst="angle"/>
+              <a:contourClr>
+                <a:schemeClr val="bg1">
+                  <a:lumMod val="65000"/>
+                </a:schemeClr>
+              </a:contourClr>
+            </a:sp3d>
+          </a:bodyPr>
+          <a:lstStyle/>
+          <a:p>
+            <a:pPr algn="ctr"/>
+            <a:r>
+              <a:rPr lang="en-US" sz="3600" b="1" dirty="0" err="1">
+                <a:ln/>
+                <a:solidFill>
+                  <a:schemeClr val="accent3"/>
+                </a:solidFill>
+              </a:rPr>
+              <a:t>Json</a:t>
+            </a:r>
+            <a:r>
+              <a:rPr lang="en-US" sz="3600" b="1" dirty="0">
+                <a:ln/>
+                <a:solidFill>
+                  <a:schemeClr val="accent3"/>
+                </a:solidFill>
+              </a:rPr>
+              <a:t> Issue and Postman</a:t>
+            </a:r>
+            <a:endParaRPr lang="en-US" sz="3600" b="1" dirty="0">
+              <a:ln/>
+              <a:solidFill>
+                <a:schemeClr val="accent3"/>
+              </a:solidFill>
+            </a:endParaRPr>
+          </a:p>
+        </p:txBody>
+      </p:sp>
+      <p:sp>
+        <p:nvSpPr>
+          <p:cNvPr id="8" name="Rectangle 7">
+            <a:extLst>
+              <a:ext uri="{FF2B5EF4-FFF2-40B4-BE49-F238E27FC236}">
+                <a16:creationId xmlns="" xmlns:a16="http://schemas.microsoft.com/office/drawing/2014/main" id="{27E8D4A3-B686-AB21-9BA3-D4259FCFF046}"/>
+              </a:ext>
+            </a:extLst>
+          </p:cNvPr>
+          <p:cNvSpPr/>
+          <p:nvPr/>
+        </p:nvSpPr>
+        <p:spPr>
+          <a:xfrm>
+            <a:off x="3157214" y="1449459"/>
+            <a:ext cx="5877635" cy="523220"/>
+          </a:xfrm>
+          <a:prstGeom prst="rect">
+            <a:avLst/>
+          </a:prstGeom>
+          <a:noFill/>
+        </p:spPr>
+        <p:txBody>
+          <a:bodyPr wrap="none" lIns="91440" tIns="45720" rIns="91440" bIns="45720">
+            <a:spAutoFit/>
+            <a:scene3d>
+              <a:camera prst="orthographicFront"/>
+              <a:lightRig rig="harsh" dir="t"/>
+            </a:scene3d>
+            <a:sp3d extrusionH="57150" prstMaterial="matte">
+              <a:bevelT w="63500" h="12700" prst="angle"/>
+              <a:contourClr>
+                <a:schemeClr val="bg1">
+                  <a:lumMod val="65000"/>
+                </a:schemeClr>
+              </a:contourClr>
+            </a:sp3d>
+          </a:bodyPr>
+          <a:lstStyle/>
+          <a:p>
+            <a:pPr algn="ctr"/>
+            <a:r>
+              <a:rPr lang="en-US" sz="2800" b="1" dirty="0" smtClean="0">
+                <a:ln/>
+                <a:solidFill>
+                  <a:schemeClr val="accent3"/>
+                </a:solidFill>
+              </a:rPr>
+              <a:t>Is </a:t>
+            </a:r>
+            <a:r>
+              <a:rPr lang="en-US" sz="2800" b="1" dirty="0" err="1">
+                <a:ln/>
+                <a:solidFill>
+                  <a:schemeClr val="accent3"/>
+                </a:solidFill>
+              </a:rPr>
+              <a:t>t</a:t>
+            </a:r>
+            <a:r>
+              <a:rPr lang="en-US" sz="2800" b="1" dirty="0" err="1" smtClean="0">
+                <a:ln/>
+                <a:solidFill>
+                  <a:schemeClr val="accent3"/>
+                </a:solidFill>
+              </a:rPr>
+              <a:t>areke</a:t>
+            </a:r>
+            <a:r>
+              <a:rPr lang="en-US" sz="2800" b="1" dirty="0" smtClean="0">
+                <a:ln/>
+                <a:solidFill>
+                  <a:schemeClr val="accent3"/>
+                </a:solidFill>
+              </a:rPr>
+              <a:t> se </a:t>
+            </a:r>
+            <a:r>
+              <a:rPr lang="en-US" sz="2800" b="1" dirty="0" err="1" smtClean="0">
+                <a:ln/>
+                <a:solidFill>
+                  <a:schemeClr val="accent3"/>
+                </a:solidFill>
+              </a:rPr>
+              <a:t>hm</a:t>
+            </a:r>
+            <a:r>
+              <a:rPr lang="en-US" sz="2800" b="1" dirty="0" smtClean="0">
+                <a:ln/>
+                <a:solidFill>
+                  <a:schemeClr val="accent3"/>
+                </a:solidFill>
+              </a:rPr>
+              <a:t> </a:t>
+            </a:r>
+            <a:r>
+              <a:rPr lang="en-US" sz="2800" b="1" dirty="0" smtClean="0">
+                <a:ln/>
+                <a:solidFill>
+                  <a:schemeClr val="accent3"/>
+                </a:solidFill>
+              </a:rPr>
+              <a:t>Routes </a:t>
+            </a:r>
+            <a:r>
+              <a:rPr lang="en-US" sz="2800" b="1" dirty="0" err="1" smtClean="0">
+                <a:ln/>
+                <a:solidFill>
+                  <a:schemeClr val="accent3"/>
+                </a:solidFill>
+              </a:rPr>
+              <a:t>bana</a:t>
+            </a:r>
+            <a:r>
+              <a:rPr lang="en-US" sz="2800" b="1" dirty="0" smtClean="0">
+                <a:ln/>
+                <a:solidFill>
+                  <a:schemeClr val="accent3"/>
+                </a:solidFill>
+              </a:rPr>
+              <a:t> </a:t>
+            </a:r>
+            <a:r>
+              <a:rPr lang="en-US" sz="2800" b="1" dirty="0" err="1" smtClean="0">
+                <a:ln/>
+                <a:solidFill>
+                  <a:schemeClr val="accent3"/>
+                </a:solidFill>
+              </a:rPr>
+              <a:t>liya</a:t>
+            </a:r>
+            <a:r>
+              <a:rPr lang="en-US" sz="2800" b="1" dirty="0" smtClean="0">
+                <a:ln/>
+                <a:solidFill>
+                  <a:schemeClr val="accent3"/>
+                </a:solidFill>
+              </a:rPr>
+              <a:t> h</a:t>
+            </a:r>
+            <a:endParaRPr lang="en-US" sz="2800" b="1" dirty="0">
+              <a:ln/>
+              <a:solidFill>
+                <a:schemeClr val="accent3"/>
+              </a:solidFill>
+            </a:endParaRPr>
+          </a:p>
+        </p:txBody>
+      </p:sp>
+      <p:pic>
+        <p:nvPicPr>
+          <p:cNvPr id="4" name="Picture 3"/>
+          <p:cNvPicPr>
+            <a:picLocks noChangeAspect="1"/>
+          </p:cNvPicPr>
+          <p:nvPr/>
+        </p:nvPicPr>
+        <p:blipFill>
+          <a:blip r:embed="rId2">
+            <a:extLst>
+              <a:ext uri="{28A0092B-C50C-407E-A947-70E740481C1C}">
+                <a14:useLocalDpi xmlns:a14="http://schemas.microsoft.com/office/drawing/2010/main" val="0"/>
+              </a:ext>
+            </a:extLst>
+          </a:blip>
+          <a:stretch>
+            <a:fillRect/>
+          </a:stretch>
+        </p:blipFill>
+        <p:spPr>
+          <a:xfrm>
+            <a:off x="797478" y="2037144"/>
+            <a:ext cx="10597048" cy="4820856"/>
+          </a:xfrm>
+          <a:prstGeom prst="rect">
+            <a:avLst/>
+          </a:prstGeom>
+        </p:spPr>
+      </p:pic>
+    </p:spTree>
+    <p:extLst>
+      <p:ext uri="{BB962C8B-B14F-4D97-AF65-F5344CB8AC3E}">
+        <p14:creationId xmlns:p14="http://schemas.microsoft.com/office/powerpoint/2010/main" val="1792419535"/>
+      </p:ext>
+    </p:extLst>
+  </p:cSld>
+  <p:clrMapOvr>
+    <a:masterClrMapping/>
+  </p:clrMapOvr>
+  <p:timing>
+    <p:tnLst>
+      <p:par>
+        <p:cTn id="1" dur="indefinite" restart="never" nodeType="tmRoot"/>
+      </p:par>
+    </p:tnLst>
+  </p:timing>
+</p:sld>
+</file>
+
+<file path=ppt/slides/slide26.xml><?xml version="1.0" encoding="utf-8"?>
+<p:sld xmlns:a="http://schemas.openxmlformats.org/drawingml/2006/main" xmlns:r="http://schemas.openxmlformats.org/officeDocument/2006/relationships" xmlns:p="http://schemas.openxmlformats.org/presentationml/2006/main">
+  <p:cSld>
+    <p:spTree>
+      <p:nvGrpSpPr>
+        <p:cNvPr id="1" name=""/>
+        <p:cNvGrpSpPr/>
+        <p:nvPr/>
+      </p:nvGrpSpPr>
+      <p:grpSpPr>
+        <a:xfrm>
+          <a:off x="0" y="0"/>
+          <a:ext cx="0" cy="0"/>
+          <a:chOff x="0" y="0"/>
+          <a:chExt cx="0" cy="0"/>
+        </a:xfrm>
+      </p:grpSpPr>
+      <p:sp>
+        <p:nvSpPr>
+          <p:cNvPr id="3" name="Rectangle 2"/>
+          <p:cNvSpPr/>
+          <p:nvPr/>
+        </p:nvSpPr>
+        <p:spPr>
+          <a:xfrm>
+            <a:off x="419030" y="803128"/>
+            <a:ext cx="11353944" cy="5632311"/>
+          </a:xfrm>
+          <a:prstGeom prst="rect">
+            <a:avLst/>
+          </a:prstGeom>
+          <a:solidFill>
+            <a:schemeClr val="bg1"/>
+          </a:solidFill>
+        </p:spPr>
+        <p:txBody>
+          <a:bodyPr wrap="square">
+            <a:spAutoFit/>
+          </a:bodyPr>
+          <a:lstStyle/>
+          <a:p>
+            <a:pPr algn="ctr"/>
+            <a:endParaRPr lang="en-US" b="1" dirty="0" smtClean="0">
+              <a:ln/>
+              <a:solidFill>
+                <a:schemeClr val="accent3"/>
+              </a:solidFill>
+            </a:endParaRPr>
+          </a:p>
+          <a:p>
+            <a:pPr algn="ctr"/>
+            <a:endParaRPr lang="en-US" b="1" dirty="0">
+              <a:ln/>
+              <a:solidFill>
+                <a:schemeClr val="accent3"/>
+              </a:solidFill>
+            </a:endParaRPr>
+          </a:p>
+          <a:p>
+            <a:pPr algn="ctr"/>
+            <a:endParaRPr lang="en-US" b="1" dirty="0" smtClean="0">
+              <a:ln/>
+              <a:solidFill>
+                <a:schemeClr val="accent3"/>
+              </a:solidFill>
+            </a:endParaRPr>
+          </a:p>
+          <a:p>
+            <a:pPr algn="ctr"/>
+            <a:endParaRPr lang="en-US" b="1" dirty="0">
+              <a:ln/>
+              <a:solidFill>
+                <a:schemeClr val="accent3"/>
+              </a:solidFill>
+            </a:endParaRPr>
+          </a:p>
+          <a:p>
+            <a:pPr algn="ctr"/>
+            <a:endParaRPr lang="en-US" b="1" dirty="0" smtClean="0">
+              <a:ln/>
+              <a:solidFill>
+                <a:schemeClr val="accent3"/>
+              </a:solidFill>
+            </a:endParaRPr>
+          </a:p>
+          <a:p>
+            <a:pPr algn="ctr"/>
+            <a:endParaRPr lang="en-US" b="1" dirty="0">
+              <a:ln/>
+              <a:solidFill>
+                <a:schemeClr val="accent3"/>
+              </a:solidFill>
+            </a:endParaRPr>
+          </a:p>
+          <a:p>
+            <a:pPr algn="ctr"/>
+            <a:endParaRPr lang="en-US" b="1" dirty="0" smtClean="0">
+              <a:ln/>
+              <a:solidFill>
+                <a:schemeClr val="accent3"/>
+              </a:solidFill>
+            </a:endParaRPr>
+          </a:p>
+          <a:p>
+            <a:pPr algn="ctr"/>
+            <a:endParaRPr lang="en-US" b="1" dirty="0">
+              <a:ln/>
+              <a:solidFill>
+                <a:schemeClr val="accent3"/>
+              </a:solidFill>
+            </a:endParaRPr>
+          </a:p>
+          <a:p>
+            <a:pPr algn="ctr"/>
+            <a:endParaRPr lang="en-US" b="1" dirty="0" smtClean="0">
+              <a:ln/>
+              <a:solidFill>
+                <a:schemeClr val="accent3"/>
+              </a:solidFill>
+            </a:endParaRPr>
+          </a:p>
+          <a:p>
+            <a:pPr algn="ctr"/>
+            <a:endParaRPr lang="en-US" b="1" dirty="0">
+              <a:ln/>
+              <a:solidFill>
+                <a:schemeClr val="accent3"/>
+              </a:solidFill>
+            </a:endParaRPr>
+          </a:p>
+          <a:p>
+            <a:pPr algn="ctr"/>
+            <a:endParaRPr lang="en-US" b="1" dirty="0" smtClean="0">
+              <a:ln/>
+              <a:solidFill>
+                <a:schemeClr val="accent3"/>
+              </a:solidFill>
+            </a:endParaRPr>
+          </a:p>
+          <a:p>
+            <a:pPr algn="ctr"/>
+            <a:endParaRPr lang="en-US" b="1" dirty="0">
+              <a:ln/>
+              <a:solidFill>
+                <a:schemeClr val="accent3"/>
+              </a:solidFill>
+            </a:endParaRPr>
+          </a:p>
+          <a:p>
+            <a:pPr algn="ctr"/>
+            <a:endParaRPr lang="en-US" b="1" dirty="0" smtClean="0">
+              <a:ln/>
+              <a:solidFill>
+                <a:schemeClr val="accent3"/>
+              </a:solidFill>
+            </a:endParaRPr>
+          </a:p>
+          <a:p>
+            <a:pPr algn="ctr"/>
+            <a:endParaRPr lang="en-US" b="1" dirty="0">
+              <a:ln/>
+              <a:solidFill>
+                <a:schemeClr val="accent3"/>
+              </a:solidFill>
+            </a:endParaRPr>
+          </a:p>
+          <a:p>
+            <a:pPr algn="ctr"/>
+            <a:endParaRPr lang="en-US" b="1" dirty="0" smtClean="0">
+              <a:ln/>
+              <a:solidFill>
+                <a:schemeClr val="accent3"/>
+              </a:solidFill>
+            </a:endParaRPr>
+          </a:p>
+          <a:p>
+            <a:pPr algn="ctr"/>
+            <a:endParaRPr lang="en-US" b="1" dirty="0">
+              <a:ln/>
+              <a:solidFill>
+                <a:schemeClr val="accent3"/>
+              </a:solidFill>
+            </a:endParaRPr>
+          </a:p>
+          <a:p>
+            <a:pPr algn="ctr"/>
+            <a:endParaRPr lang="en-US" b="1" dirty="0" smtClean="0">
+              <a:ln/>
+              <a:solidFill>
+                <a:schemeClr val="accent3"/>
+              </a:solidFill>
+            </a:endParaRPr>
+          </a:p>
+          <a:p>
+            <a:pPr algn="ctr"/>
+            <a:endParaRPr lang="en-US" b="1" dirty="0">
+              <a:ln/>
+              <a:solidFill>
+                <a:schemeClr val="accent3"/>
+              </a:solidFill>
+            </a:endParaRPr>
+          </a:p>
+          <a:p>
+            <a:pPr algn="ctr"/>
+            <a:endParaRPr lang="en-US" b="1" dirty="0" smtClean="0">
+              <a:ln/>
+              <a:solidFill>
+                <a:schemeClr val="accent3"/>
+              </a:solidFill>
+            </a:endParaRPr>
+          </a:p>
+          <a:p>
+            <a:pPr algn="ctr"/>
+            <a:endParaRPr lang="en-IN" b="1" dirty="0">
+              <a:ln/>
+              <a:solidFill>
+                <a:schemeClr val="accent3"/>
+              </a:solidFill>
+            </a:endParaRPr>
+          </a:p>
+        </p:txBody>
+      </p:sp>
+      <p:sp>
+        <p:nvSpPr>
+          <p:cNvPr id="6" name="Rectangle 5">
+            <a:extLst>
+              <a:ext uri="{FF2B5EF4-FFF2-40B4-BE49-F238E27FC236}">
+                <a16:creationId xmlns="" xmlns:a16="http://schemas.microsoft.com/office/drawing/2014/main" id="{27E8D4A3-B686-AB21-9BA3-D4259FCFF046}"/>
+              </a:ext>
+            </a:extLst>
+          </p:cNvPr>
+          <p:cNvSpPr/>
+          <p:nvPr/>
+        </p:nvSpPr>
+        <p:spPr>
+          <a:xfrm>
+            <a:off x="3493880" y="859817"/>
+            <a:ext cx="5204245" cy="646331"/>
+          </a:xfrm>
+          <a:prstGeom prst="rect">
+            <a:avLst/>
+          </a:prstGeom>
+          <a:noFill/>
+        </p:spPr>
+        <p:txBody>
+          <a:bodyPr wrap="none" lIns="91440" tIns="45720" rIns="91440" bIns="45720">
+            <a:spAutoFit/>
+            <a:scene3d>
+              <a:camera prst="orthographicFront"/>
+              <a:lightRig rig="harsh" dir="t"/>
+            </a:scene3d>
+            <a:sp3d extrusionH="57150" prstMaterial="matte">
+              <a:bevelT w="63500" h="12700" prst="angle"/>
+              <a:contourClr>
+                <a:schemeClr val="bg1">
+                  <a:lumMod val="65000"/>
+                </a:schemeClr>
+              </a:contourClr>
+            </a:sp3d>
+          </a:bodyPr>
+          <a:lstStyle/>
+          <a:p>
+            <a:pPr algn="ctr"/>
+            <a:r>
+              <a:rPr lang="en-US" sz="3600" b="1" dirty="0" err="1">
+                <a:ln/>
+                <a:solidFill>
+                  <a:schemeClr val="accent3"/>
+                </a:solidFill>
+              </a:rPr>
+              <a:t>Json</a:t>
+            </a:r>
+            <a:r>
+              <a:rPr lang="en-US" sz="3600" b="1" dirty="0">
+                <a:ln/>
+                <a:solidFill>
+                  <a:schemeClr val="accent3"/>
+                </a:solidFill>
+              </a:rPr>
+              <a:t> Issue and Postman</a:t>
+            </a:r>
+            <a:endParaRPr lang="en-US" sz="3600" b="1" dirty="0">
+              <a:ln/>
+              <a:solidFill>
+                <a:schemeClr val="accent3"/>
+              </a:solidFill>
+            </a:endParaRPr>
+          </a:p>
+        </p:txBody>
+      </p:sp>
+      <p:sp>
+        <p:nvSpPr>
+          <p:cNvPr id="8" name="Rectangle 7">
+            <a:extLst>
+              <a:ext uri="{FF2B5EF4-FFF2-40B4-BE49-F238E27FC236}">
+                <a16:creationId xmlns="" xmlns:a16="http://schemas.microsoft.com/office/drawing/2014/main" id="{FEC49D69-601D-B518-0731-04B01D4FFED9}"/>
+              </a:ext>
+            </a:extLst>
+          </p:cNvPr>
+          <p:cNvSpPr/>
+          <p:nvPr/>
+        </p:nvSpPr>
+        <p:spPr>
+          <a:xfrm>
+            <a:off x="572113" y="1272660"/>
+            <a:ext cx="11200861" cy="4708981"/>
+          </a:xfrm>
+          <a:prstGeom prst="rect">
+            <a:avLst/>
+          </a:prstGeom>
+          <a:noFill/>
+        </p:spPr>
+        <p:txBody>
+          <a:bodyPr wrap="square" lIns="91440" tIns="45720" rIns="91440" bIns="45720">
+            <a:spAutoFit/>
+            <a:scene3d>
+              <a:camera prst="orthographicFront"/>
+              <a:lightRig rig="harsh" dir="t"/>
+            </a:scene3d>
+            <a:sp3d extrusionH="57150" prstMaterial="matte">
+              <a:bevelT w="63500" h="12700" prst="angle"/>
+              <a:contourClr>
+                <a:schemeClr val="bg1">
+                  <a:lumMod val="65000"/>
+                </a:schemeClr>
+              </a:contourClr>
+            </a:sp3d>
+          </a:bodyPr>
+          <a:lstStyle/>
+          <a:p>
+            <a:pPr marL="571500" indent="-571500">
+              <a:buFont typeface="+mj-lt"/>
+              <a:buAutoNum type="arabicPeriod"/>
+            </a:pPr>
+            <a:endParaRPr lang="en-US" sz="2800" b="1" dirty="0" smtClean="0">
+              <a:ln/>
+              <a:solidFill>
+                <a:schemeClr val="accent3"/>
+              </a:solidFill>
+            </a:endParaRPr>
+          </a:p>
+          <a:p>
+            <a:pPr marL="571500" indent="-571500">
+              <a:buFont typeface="Arial" pitchFamily="34" charset="0"/>
+              <a:buChar char="•"/>
+            </a:pPr>
+            <a:r>
+              <a:rPr lang="en-US" sz="2800" b="1" dirty="0" err="1">
+                <a:ln/>
+                <a:solidFill>
+                  <a:schemeClr val="accent3"/>
+                </a:solidFill>
+              </a:rPr>
+              <a:t>Cors</a:t>
+            </a:r>
+            <a:r>
+              <a:rPr lang="en-US" sz="2800" b="1" dirty="0">
+                <a:ln/>
+                <a:solidFill>
+                  <a:schemeClr val="accent3"/>
+                </a:solidFill>
+              </a:rPr>
+              <a:t> Package </a:t>
+            </a:r>
+            <a:r>
+              <a:rPr lang="en-US" sz="2800" b="1" dirty="0" smtClean="0">
+                <a:ln/>
+                <a:solidFill>
+                  <a:schemeClr val="accent3"/>
+                </a:solidFill>
+              </a:rPr>
+              <a:t>: </a:t>
+            </a:r>
+            <a:r>
+              <a:rPr lang="en-US" sz="2800" b="1" dirty="0" err="1" smtClean="0">
+                <a:ln w="6600">
+                  <a:solidFill>
+                    <a:schemeClr val="accent2"/>
+                  </a:solidFill>
+                  <a:prstDash val="solid"/>
+                </a:ln>
+                <a:solidFill>
+                  <a:srgbClr val="FFFFFF"/>
+                </a:solidFill>
+                <a:effectLst>
+                  <a:outerShdw dist="38100" dir="2700000" algn="tl" rotWithShape="0">
+                    <a:schemeClr val="accent2"/>
+                  </a:outerShdw>
+                </a:effectLst>
+              </a:rPr>
+              <a:t>npm</a:t>
+            </a:r>
+            <a:r>
+              <a:rPr lang="en-US" sz="2800" b="1" dirty="0" smtClean="0">
+                <a:ln w="6600">
+                  <a:solidFill>
+                    <a:schemeClr val="accent2"/>
+                  </a:solidFill>
+                  <a:prstDash val="solid"/>
+                </a:ln>
+                <a:solidFill>
+                  <a:srgbClr val="FFFFFF"/>
+                </a:solidFill>
+                <a:effectLst>
+                  <a:outerShdw dist="38100" dir="2700000" algn="tl" rotWithShape="0">
+                    <a:schemeClr val="accent2"/>
+                  </a:outerShdw>
+                </a:effectLst>
+              </a:rPr>
+              <a:t> </a:t>
+            </a:r>
+            <a:r>
+              <a:rPr lang="en-US" sz="2800" b="1" dirty="0" smtClean="0">
+                <a:ln w="6600">
+                  <a:solidFill>
+                    <a:schemeClr val="accent2"/>
+                  </a:solidFill>
+                  <a:prstDash val="solid"/>
+                </a:ln>
+                <a:solidFill>
+                  <a:srgbClr val="FFFFFF"/>
+                </a:solidFill>
+                <a:effectLst>
+                  <a:outerShdw dist="38100" dir="2700000" algn="tl" rotWithShape="0">
+                    <a:schemeClr val="accent2"/>
+                  </a:outerShdw>
+                </a:effectLst>
+              </a:rPr>
+              <a:t>install </a:t>
+            </a:r>
+            <a:r>
+              <a:rPr lang="en-US" sz="2800" b="1" dirty="0" err="1" smtClean="0">
+                <a:ln w="6600">
+                  <a:solidFill>
+                    <a:schemeClr val="accent2"/>
+                  </a:solidFill>
+                  <a:prstDash val="solid"/>
+                </a:ln>
+                <a:solidFill>
+                  <a:srgbClr val="FFFFFF"/>
+                </a:solidFill>
+                <a:effectLst>
+                  <a:outerShdw dist="38100" dir="2700000" algn="tl" rotWithShape="0">
+                    <a:schemeClr val="accent2"/>
+                  </a:outerShdw>
+                </a:effectLst>
+              </a:rPr>
+              <a:t>cors</a:t>
+            </a:r>
+            <a:r>
+              <a:rPr lang="en-US" sz="2800" b="1" dirty="0" smtClean="0">
+                <a:ln/>
+                <a:solidFill>
+                  <a:schemeClr val="accent3"/>
+                </a:solidFill>
+              </a:rPr>
+              <a:t> </a:t>
+            </a:r>
+            <a:endParaRPr lang="en-US" sz="2800" b="1" dirty="0" smtClean="0">
+              <a:ln w="6600">
+                <a:solidFill>
+                  <a:schemeClr val="accent2"/>
+                </a:solidFill>
+                <a:prstDash val="solid"/>
+              </a:ln>
+              <a:solidFill>
+                <a:srgbClr val="FFFFFF"/>
+              </a:solidFill>
+              <a:effectLst>
+                <a:outerShdw dist="38100" dir="2700000" algn="tl" rotWithShape="0">
+                  <a:schemeClr val="accent2"/>
+                </a:outerShdw>
+              </a:effectLst>
+            </a:endParaRPr>
+          </a:p>
+          <a:p>
+            <a:r>
+              <a:rPr lang="en-US" sz="2800" b="1" dirty="0" smtClean="0">
+                <a:ln w="1905"/>
+                <a:solidFill>
+                  <a:srgbClr val="FF0000"/>
+                </a:solidFill>
+                <a:effectLst>
+                  <a:innerShdw blurRad="69850" dist="43180" dir="5400000">
+                    <a:srgbClr val="000000">
+                      <a:alpha val="65000"/>
+                    </a:srgbClr>
+                  </a:innerShdw>
+                </a:effectLst>
+              </a:rPr>
+              <a:t>	 </a:t>
+            </a:r>
+            <a:r>
+              <a:rPr lang="en-US" sz="2000" b="1" dirty="0" err="1" smtClean="0">
+                <a:ln w="1905"/>
+                <a:solidFill>
+                  <a:srgbClr val="FF0000"/>
+                </a:solidFill>
+                <a:effectLst>
+                  <a:innerShdw blurRad="69850" dist="43180" dir="5400000">
+                    <a:srgbClr val="000000">
+                      <a:alpha val="65000"/>
+                    </a:srgbClr>
+                  </a:innerShdw>
+                </a:effectLst>
+              </a:rPr>
+              <a:t>Ecors</a:t>
+            </a:r>
+            <a:r>
+              <a:rPr lang="en-US" sz="2000" b="1" dirty="0" smtClean="0">
+                <a:ln w="1905"/>
+                <a:solidFill>
+                  <a:srgbClr val="FF0000"/>
+                </a:solidFill>
+                <a:effectLst>
+                  <a:innerShdw blurRad="69850" dist="43180" dir="5400000">
+                    <a:srgbClr val="000000">
+                      <a:alpha val="65000"/>
+                    </a:srgbClr>
+                  </a:innerShdw>
+                </a:effectLst>
+              </a:rPr>
+              <a:t> ye kea </a:t>
+            </a:r>
+            <a:r>
+              <a:rPr lang="en-US" sz="2000" b="1" dirty="0" err="1" smtClean="0">
+                <a:ln w="1905"/>
+                <a:solidFill>
+                  <a:srgbClr val="FF0000"/>
+                </a:solidFill>
+                <a:effectLst>
+                  <a:innerShdw blurRad="69850" dist="43180" dir="5400000">
+                    <a:srgbClr val="000000">
+                      <a:alpha val="65000"/>
+                    </a:srgbClr>
+                  </a:innerShdw>
+                </a:effectLst>
+              </a:rPr>
+              <a:t>karega</a:t>
+            </a:r>
+            <a:r>
+              <a:rPr lang="en-US" sz="2000" b="1" dirty="0" smtClean="0">
+                <a:ln w="1905"/>
+                <a:solidFill>
+                  <a:srgbClr val="FF0000"/>
+                </a:solidFill>
+                <a:effectLst>
+                  <a:innerShdw blurRad="69850" dist="43180" dir="5400000">
+                    <a:srgbClr val="000000">
+                      <a:alpha val="65000"/>
+                    </a:srgbClr>
+                  </a:innerShdw>
+                </a:effectLst>
+              </a:rPr>
+              <a:t> </a:t>
+            </a:r>
+            <a:r>
+              <a:rPr lang="en-US" sz="2000" b="1" dirty="0" err="1" smtClean="0">
+                <a:ln w="1905"/>
+                <a:solidFill>
+                  <a:srgbClr val="FF0000"/>
+                </a:solidFill>
+                <a:effectLst>
+                  <a:innerShdw blurRad="69850" dist="43180" dir="5400000">
+                    <a:srgbClr val="000000">
+                      <a:alpha val="65000"/>
+                    </a:srgbClr>
+                  </a:innerShdw>
+                </a:effectLst>
+              </a:rPr>
+              <a:t>hmare</a:t>
+            </a:r>
+            <a:r>
+              <a:rPr lang="en-US" sz="2000" b="1" dirty="0" smtClean="0">
+                <a:ln w="1905"/>
+                <a:solidFill>
+                  <a:srgbClr val="FF0000"/>
+                </a:solidFill>
+                <a:effectLst>
+                  <a:innerShdw blurRad="69850" dist="43180" dir="5400000">
+                    <a:srgbClr val="000000">
+                      <a:alpha val="65000"/>
+                    </a:srgbClr>
+                  </a:innerShdw>
+                </a:effectLst>
+              </a:rPr>
+              <a:t> </a:t>
+            </a:r>
+            <a:r>
+              <a:rPr lang="en-US" sz="2000" b="1" dirty="0" err="1" smtClean="0">
+                <a:ln w="1905"/>
+                <a:solidFill>
+                  <a:srgbClr val="FF0000"/>
+                </a:solidFill>
+                <a:effectLst>
+                  <a:innerShdw blurRad="69850" dist="43180" dir="5400000">
+                    <a:srgbClr val="000000">
+                      <a:alpha val="65000"/>
+                    </a:srgbClr>
+                  </a:innerShdw>
+                </a:effectLst>
+              </a:rPr>
+              <a:t>jo</a:t>
+            </a:r>
+            <a:r>
+              <a:rPr lang="en-US" sz="2000" b="1" dirty="0" smtClean="0">
+                <a:ln w="1905"/>
+                <a:solidFill>
+                  <a:srgbClr val="FF0000"/>
+                </a:solidFill>
+                <a:effectLst>
+                  <a:innerShdw blurRad="69850" dist="43180" dir="5400000">
+                    <a:srgbClr val="000000">
+                      <a:alpha val="65000"/>
+                    </a:srgbClr>
+                  </a:innerShdw>
+                </a:effectLst>
+              </a:rPr>
+              <a:t> </a:t>
+            </a:r>
+            <a:r>
+              <a:rPr lang="en-US" sz="2000" b="1" dirty="0" err="1" smtClean="0">
+                <a:ln w="1905"/>
+                <a:solidFill>
+                  <a:srgbClr val="FF0000"/>
+                </a:solidFill>
+                <a:effectLst>
+                  <a:innerShdw blurRad="69850" dist="43180" dir="5400000">
+                    <a:srgbClr val="000000">
+                      <a:alpha val="65000"/>
+                    </a:srgbClr>
+                  </a:innerShdw>
+                </a:effectLst>
+              </a:rPr>
+              <a:t>hamare</a:t>
+            </a:r>
+            <a:r>
+              <a:rPr lang="en-US" sz="2000" b="1" dirty="0" smtClean="0">
+                <a:ln w="1905"/>
+                <a:solidFill>
+                  <a:srgbClr val="FF0000"/>
+                </a:solidFill>
+                <a:effectLst>
+                  <a:innerShdw blurRad="69850" dist="43180" dir="5400000">
+                    <a:srgbClr val="000000">
+                      <a:alpha val="65000"/>
+                    </a:srgbClr>
+                  </a:innerShdw>
+                </a:effectLst>
+              </a:rPr>
+              <a:t> </a:t>
+            </a:r>
+            <a:r>
+              <a:rPr lang="en-US" sz="2000" b="1" dirty="0" err="1" smtClean="0">
+                <a:ln w="1905"/>
+                <a:solidFill>
+                  <a:srgbClr val="FF0000"/>
+                </a:solidFill>
+                <a:effectLst>
+                  <a:innerShdw blurRad="69850" dist="43180" dir="5400000">
+                    <a:srgbClr val="000000">
+                      <a:alpha val="65000"/>
+                    </a:srgbClr>
+                  </a:innerShdw>
+                </a:effectLst>
+              </a:rPr>
+              <a:t>nodejs</a:t>
+            </a:r>
+            <a:r>
+              <a:rPr lang="en-US" sz="2000" b="1" dirty="0" smtClean="0">
+                <a:ln w="1905"/>
+                <a:solidFill>
+                  <a:srgbClr val="FF0000"/>
+                </a:solidFill>
+                <a:effectLst>
+                  <a:innerShdw blurRad="69850" dist="43180" dir="5400000">
+                    <a:srgbClr val="000000">
+                      <a:alpha val="65000"/>
+                    </a:srgbClr>
+                  </a:innerShdw>
+                </a:effectLst>
+              </a:rPr>
+              <a:t> </a:t>
+            </a:r>
+            <a:r>
+              <a:rPr lang="en-US" sz="2000" b="1" dirty="0" err="1" smtClean="0">
+                <a:ln w="1905"/>
+                <a:solidFill>
+                  <a:srgbClr val="FF0000"/>
+                </a:solidFill>
+                <a:effectLst>
+                  <a:innerShdw blurRad="69850" dist="43180" dir="5400000">
+                    <a:srgbClr val="000000">
+                      <a:alpha val="65000"/>
+                    </a:srgbClr>
+                  </a:innerShdw>
+                </a:effectLst>
+              </a:rPr>
+              <a:t>ke</a:t>
+            </a:r>
+            <a:r>
+              <a:rPr lang="en-US" sz="2000" b="1" dirty="0" smtClean="0">
+                <a:ln w="1905"/>
+                <a:solidFill>
+                  <a:srgbClr val="FF0000"/>
+                </a:solidFill>
+                <a:effectLst>
+                  <a:innerShdw blurRad="69850" dist="43180" dir="5400000">
+                    <a:srgbClr val="000000">
+                      <a:alpha val="65000"/>
+                    </a:srgbClr>
+                  </a:innerShdw>
+                </a:effectLst>
+              </a:rPr>
+              <a:t> application h </a:t>
+            </a:r>
+            <a:r>
+              <a:rPr lang="en-US" sz="2000" b="1" dirty="0" err="1" smtClean="0">
+                <a:ln w="1905"/>
+                <a:solidFill>
+                  <a:srgbClr val="FF0000"/>
+                </a:solidFill>
+                <a:effectLst>
+                  <a:innerShdw blurRad="69850" dist="43180" dir="5400000">
+                    <a:srgbClr val="000000">
+                      <a:alpha val="65000"/>
+                    </a:srgbClr>
+                  </a:innerShdw>
+                </a:effectLst>
+              </a:rPr>
+              <a:t>vah</a:t>
+            </a:r>
+            <a:r>
+              <a:rPr lang="en-US" sz="2000" b="1" dirty="0" smtClean="0">
+                <a:ln w="1905"/>
+                <a:solidFill>
+                  <a:srgbClr val="FF0000"/>
+                </a:solidFill>
+                <a:effectLst>
+                  <a:innerShdw blurRad="69850" dist="43180" dir="5400000">
+                    <a:srgbClr val="000000">
+                      <a:alpha val="65000"/>
+                    </a:srgbClr>
+                  </a:innerShdw>
+                </a:effectLst>
+              </a:rPr>
+              <a:t> different port </a:t>
+            </a:r>
+            <a:r>
+              <a:rPr lang="en-US" sz="2000" b="1" dirty="0" err="1" smtClean="0">
+                <a:ln w="1905"/>
+                <a:solidFill>
+                  <a:srgbClr val="FF0000"/>
+                </a:solidFill>
+                <a:effectLst>
+                  <a:innerShdw blurRad="69850" dist="43180" dir="5400000">
+                    <a:srgbClr val="000000">
+                      <a:alpha val="65000"/>
+                    </a:srgbClr>
+                  </a:innerShdw>
+                </a:effectLst>
+              </a:rPr>
+              <a:t>pe</a:t>
+            </a:r>
+            <a:r>
+              <a:rPr lang="en-US" sz="2000" b="1" dirty="0" smtClean="0">
+                <a:ln w="1905"/>
+                <a:solidFill>
+                  <a:srgbClr val="FF0000"/>
+                </a:solidFill>
+                <a:effectLst>
+                  <a:innerShdw blurRad="69850" dist="43180" dir="5400000">
+                    <a:srgbClr val="000000">
+                      <a:alpha val="65000"/>
+                    </a:srgbClr>
+                  </a:innerShdw>
+                </a:effectLst>
+              </a:rPr>
+              <a:t> run </a:t>
+            </a:r>
+            <a:r>
+              <a:rPr lang="en-US" sz="2000" b="1" dirty="0" err="1" smtClean="0">
+                <a:ln w="1905"/>
+                <a:solidFill>
+                  <a:srgbClr val="FF0000"/>
+                </a:solidFill>
+                <a:effectLst>
+                  <a:innerShdw blurRad="69850" dist="43180" dir="5400000">
+                    <a:srgbClr val="000000">
+                      <a:alpha val="65000"/>
+                    </a:srgbClr>
+                  </a:innerShdw>
+                </a:effectLst>
+              </a:rPr>
+              <a:t>hoti</a:t>
+            </a:r>
+            <a:r>
+              <a:rPr lang="en-US" sz="2000" b="1" dirty="0" smtClean="0">
+                <a:ln w="1905"/>
+                <a:solidFill>
+                  <a:srgbClr val="FF0000"/>
+                </a:solidFill>
+                <a:effectLst>
+                  <a:innerShdw blurRad="69850" dist="43180" dir="5400000">
+                    <a:srgbClr val="000000">
+                      <a:alpha val="65000"/>
+                    </a:srgbClr>
+                  </a:innerShdw>
+                </a:effectLst>
+              </a:rPr>
+              <a:t> </a:t>
+            </a:r>
+            <a:r>
+              <a:rPr lang="en-US" sz="2000" b="1" dirty="0" err="1" smtClean="0">
+                <a:ln w="1905"/>
+                <a:solidFill>
+                  <a:srgbClr val="FF0000"/>
+                </a:solidFill>
+                <a:effectLst>
+                  <a:innerShdw blurRad="69850" dist="43180" dir="5400000">
+                    <a:srgbClr val="000000">
+                      <a:alpha val="65000"/>
+                    </a:srgbClr>
+                  </a:innerShdw>
+                </a:effectLst>
+              </a:rPr>
+              <a:t>hai</a:t>
+            </a:r>
+            <a:r>
+              <a:rPr lang="en-US" sz="2000" b="1" dirty="0" smtClean="0">
+                <a:ln w="1905"/>
+                <a:solidFill>
+                  <a:srgbClr val="FF0000"/>
+                </a:solidFill>
+                <a:effectLst>
+                  <a:innerShdw blurRad="69850" dist="43180" dir="5400000">
+                    <a:srgbClr val="000000">
+                      <a:alpha val="65000"/>
+                    </a:srgbClr>
+                  </a:innerShdw>
+                </a:effectLst>
+              </a:rPr>
+              <a:t>, </a:t>
+            </a:r>
+            <a:r>
+              <a:rPr lang="en-US" sz="2000" b="1" dirty="0" err="1" smtClean="0">
+                <a:ln w="1905"/>
+                <a:solidFill>
+                  <a:srgbClr val="FF0000"/>
+                </a:solidFill>
+                <a:effectLst>
+                  <a:innerShdw blurRad="69850" dist="43180" dir="5400000">
+                    <a:srgbClr val="000000">
+                      <a:alpha val="65000"/>
+                    </a:srgbClr>
+                  </a:innerShdw>
+                </a:effectLst>
+              </a:rPr>
+              <a:t>ab</a:t>
+            </a:r>
+            <a:r>
+              <a:rPr lang="en-US" sz="2000" b="1" dirty="0" smtClean="0">
+                <a:ln w="1905"/>
+                <a:solidFill>
+                  <a:srgbClr val="FF0000"/>
+                </a:solidFill>
+                <a:effectLst>
+                  <a:innerShdw blurRad="69850" dist="43180" dir="5400000">
+                    <a:srgbClr val="000000">
+                      <a:alpha val="65000"/>
+                    </a:srgbClr>
+                  </a:innerShdw>
+                </a:effectLst>
+              </a:rPr>
+              <a:t> jab </a:t>
+            </a:r>
+            <a:r>
+              <a:rPr lang="en-US" sz="2000" b="1" dirty="0" err="1" smtClean="0">
+                <a:ln w="1905"/>
+                <a:solidFill>
+                  <a:srgbClr val="FF0000"/>
+                </a:solidFill>
+                <a:effectLst>
+                  <a:innerShdw blurRad="69850" dist="43180" dir="5400000">
+                    <a:srgbClr val="000000">
+                      <a:alpha val="65000"/>
+                    </a:srgbClr>
+                  </a:innerShdw>
+                </a:effectLst>
+              </a:rPr>
+              <a:t>isko</a:t>
+            </a:r>
+            <a:r>
+              <a:rPr lang="en-US" sz="2000" b="1" dirty="0" smtClean="0">
+                <a:ln w="1905"/>
+                <a:solidFill>
+                  <a:srgbClr val="FF0000"/>
+                </a:solidFill>
+                <a:effectLst>
+                  <a:innerShdw blurRad="69850" dist="43180" dir="5400000">
+                    <a:srgbClr val="000000">
+                      <a:alpha val="65000"/>
+                    </a:srgbClr>
+                  </a:innerShdw>
+                </a:effectLst>
+              </a:rPr>
+              <a:t> </a:t>
+            </a:r>
+            <a:r>
+              <a:rPr lang="en-US" sz="2000" b="1" dirty="0" err="1" smtClean="0">
+                <a:ln w="1905"/>
+                <a:solidFill>
+                  <a:srgbClr val="FF0000"/>
+                </a:solidFill>
+                <a:effectLst>
+                  <a:innerShdw blurRad="69850" dist="43180" dir="5400000">
+                    <a:srgbClr val="000000">
+                      <a:alpha val="65000"/>
+                    </a:srgbClr>
+                  </a:innerShdw>
+                </a:effectLst>
+              </a:rPr>
+              <a:t>hm</a:t>
+            </a:r>
+            <a:r>
+              <a:rPr lang="en-US" sz="2000" b="1" dirty="0" smtClean="0">
+                <a:ln w="1905"/>
+                <a:solidFill>
+                  <a:srgbClr val="FF0000"/>
+                </a:solidFill>
+                <a:effectLst>
+                  <a:innerShdw blurRad="69850" dist="43180" dir="5400000">
+                    <a:srgbClr val="000000">
+                      <a:alpha val="65000"/>
+                    </a:srgbClr>
+                  </a:innerShdw>
+                </a:effectLst>
+              </a:rPr>
+              <a:t> connect </a:t>
+            </a:r>
+            <a:r>
+              <a:rPr lang="en-US" sz="2000" b="1" dirty="0" err="1" smtClean="0">
+                <a:ln w="1905"/>
+                <a:solidFill>
+                  <a:srgbClr val="FF0000"/>
+                </a:solidFill>
+                <a:effectLst>
+                  <a:innerShdw blurRad="69850" dist="43180" dir="5400000">
+                    <a:srgbClr val="000000">
+                      <a:alpha val="65000"/>
+                    </a:srgbClr>
+                  </a:innerShdw>
+                </a:effectLst>
+              </a:rPr>
+              <a:t>karegay</a:t>
+            </a:r>
+            <a:r>
+              <a:rPr lang="en-US" sz="2000" b="1" dirty="0" smtClean="0">
+                <a:ln w="1905"/>
+                <a:solidFill>
+                  <a:srgbClr val="FF0000"/>
+                </a:solidFill>
+                <a:effectLst>
+                  <a:innerShdw blurRad="69850" dist="43180" dir="5400000">
+                    <a:srgbClr val="000000">
+                      <a:alpha val="65000"/>
+                    </a:srgbClr>
+                  </a:innerShdw>
+                </a:effectLst>
+              </a:rPr>
+              <a:t> react </a:t>
+            </a:r>
+            <a:r>
+              <a:rPr lang="en-US" sz="2000" b="1" dirty="0" err="1" smtClean="0">
+                <a:ln w="1905"/>
+                <a:solidFill>
+                  <a:srgbClr val="FF0000"/>
+                </a:solidFill>
+                <a:effectLst>
+                  <a:innerShdw blurRad="69850" dist="43180" dir="5400000">
+                    <a:srgbClr val="000000">
+                      <a:alpha val="65000"/>
+                    </a:srgbClr>
+                  </a:innerShdw>
+                </a:effectLst>
+              </a:rPr>
+              <a:t>ki</a:t>
+            </a:r>
+            <a:r>
+              <a:rPr lang="en-US" sz="2000" b="1" dirty="0" smtClean="0">
+                <a:ln w="1905"/>
+                <a:solidFill>
+                  <a:srgbClr val="FF0000"/>
+                </a:solidFill>
+                <a:effectLst>
+                  <a:innerShdw blurRad="69850" dist="43180" dir="5400000">
+                    <a:srgbClr val="000000">
+                      <a:alpha val="65000"/>
+                    </a:srgbClr>
+                  </a:innerShdw>
+                </a:effectLst>
+              </a:rPr>
+              <a:t> application </a:t>
+            </a:r>
+            <a:r>
+              <a:rPr lang="en-US" sz="2000" b="1" dirty="0" err="1" smtClean="0">
+                <a:ln w="1905"/>
+                <a:solidFill>
+                  <a:srgbClr val="FF0000"/>
+                </a:solidFill>
+                <a:effectLst>
+                  <a:innerShdw blurRad="69850" dist="43180" dir="5400000">
+                    <a:srgbClr val="000000">
+                      <a:alpha val="65000"/>
+                    </a:srgbClr>
+                  </a:innerShdw>
+                </a:effectLst>
+              </a:rPr>
+              <a:t>ke</a:t>
+            </a:r>
+            <a:r>
+              <a:rPr lang="en-US" sz="2000" b="1" dirty="0" smtClean="0">
+                <a:ln w="1905"/>
+                <a:solidFill>
+                  <a:srgbClr val="FF0000"/>
+                </a:solidFill>
+                <a:effectLst>
+                  <a:innerShdw blurRad="69850" dist="43180" dir="5400000">
+                    <a:srgbClr val="000000">
+                      <a:alpha val="65000"/>
+                    </a:srgbClr>
+                  </a:innerShdw>
+                </a:effectLst>
+              </a:rPr>
+              <a:t> </a:t>
+            </a:r>
+            <a:r>
+              <a:rPr lang="en-US" sz="2000" b="1" dirty="0" err="1" smtClean="0">
+                <a:ln w="1905"/>
+                <a:solidFill>
+                  <a:srgbClr val="FF0000"/>
+                </a:solidFill>
+                <a:effectLst>
+                  <a:innerShdw blurRad="69850" dist="43180" dir="5400000">
+                    <a:srgbClr val="000000">
+                      <a:alpha val="65000"/>
+                    </a:srgbClr>
+                  </a:innerShdw>
+                </a:effectLst>
+              </a:rPr>
+              <a:t>sath</a:t>
+            </a:r>
+            <a:r>
+              <a:rPr lang="en-US" sz="2000" b="1" dirty="0" smtClean="0">
+                <a:ln w="1905"/>
+                <a:solidFill>
+                  <a:srgbClr val="FF0000"/>
+                </a:solidFill>
+                <a:effectLst>
+                  <a:innerShdw blurRad="69850" dist="43180" dir="5400000">
+                    <a:srgbClr val="000000">
+                      <a:alpha val="65000"/>
+                    </a:srgbClr>
+                  </a:innerShdw>
+                </a:effectLst>
+              </a:rPr>
+              <a:t> me </a:t>
+            </a:r>
+            <a:r>
+              <a:rPr lang="en-US" sz="2000" b="1" dirty="0" err="1" smtClean="0">
+                <a:ln w="1905"/>
+                <a:solidFill>
+                  <a:srgbClr val="FF0000"/>
+                </a:solidFill>
+                <a:effectLst>
+                  <a:innerShdw blurRad="69850" dist="43180" dir="5400000">
+                    <a:srgbClr val="000000">
+                      <a:alpha val="65000"/>
+                    </a:srgbClr>
+                  </a:innerShdw>
+                </a:effectLst>
+              </a:rPr>
+              <a:t>ya</a:t>
+            </a:r>
+            <a:r>
+              <a:rPr lang="en-US" sz="2000" b="1" dirty="0" smtClean="0">
+                <a:ln w="1905"/>
+                <a:solidFill>
+                  <a:srgbClr val="FF0000"/>
+                </a:solidFill>
+                <a:effectLst>
+                  <a:innerShdw blurRad="69850" dist="43180" dir="5400000">
+                    <a:srgbClr val="000000">
+                      <a:alpha val="65000"/>
+                    </a:srgbClr>
+                  </a:innerShdw>
+                </a:effectLst>
+              </a:rPr>
+              <a:t> fir </a:t>
+            </a:r>
+            <a:r>
+              <a:rPr lang="en-US" sz="2000" b="1" dirty="0" err="1" smtClean="0">
+                <a:ln w="1905"/>
+                <a:solidFill>
+                  <a:srgbClr val="FF0000"/>
+                </a:solidFill>
+                <a:effectLst>
+                  <a:innerShdw blurRad="69850" dist="43180" dir="5400000">
+                    <a:srgbClr val="000000">
+                      <a:alpha val="65000"/>
+                    </a:srgbClr>
+                  </a:innerShdw>
+                </a:effectLst>
+              </a:rPr>
+              <a:t>aager</a:t>
+            </a:r>
+            <a:r>
+              <a:rPr lang="en-US" sz="2000" b="1" dirty="0" smtClean="0">
+                <a:ln w="1905"/>
+                <a:solidFill>
+                  <a:srgbClr val="FF0000"/>
+                </a:solidFill>
+                <a:effectLst>
+                  <a:innerShdw blurRad="69850" dist="43180" dir="5400000">
+                    <a:srgbClr val="000000">
+                      <a:alpha val="65000"/>
+                    </a:srgbClr>
+                  </a:innerShdw>
+                </a:effectLst>
+              </a:rPr>
+              <a:t> </a:t>
+            </a:r>
+            <a:r>
+              <a:rPr lang="en-US" sz="2000" b="1" dirty="0" err="1" smtClean="0">
+                <a:ln w="1905"/>
+                <a:solidFill>
+                  <a:srgbClr val="FF0000"/>
+                </a:solidFill>
+                <a:effectLst>
+                  <a:innerShdw blurRad="69850" dist="43180" dir="5400000">
+                    <a:srgbClr val="000000">
+                      <a:alpha val="65000"/>
+                    </a:srgbClr>
+                  </a:innerShdw>
+                </a:effectLst>
+              </a:rPr>
+              <a:t>hm</a:t>
+            </a:r>
+            <a:r>
+              <a:rPr lang="en-US" sz="2000" b="1" dirty="0" smtClean="0">
+                <a:ln w="1905"/>
+                <a:solidFill>
+                  <a:srgbClr val="FF0000"/>
+                </a:solidFill>
+                <a:effectLst>
+                  <a:innerShdw blurRad="69850" dist="43180" dir="5400000">
+                    <a:srgbClr val="000000">
+                      <a:alpha val="65000"/>
+                    </a:srgbClr>
+                  </a:innerShdw>
+                </a:effectLst>
+              </a:rPr>
+              <a:t> koi </a:t>
+            </a:r>
+            <a:r>
+              <a:rPr lang="en-US" sz="2000" b="1" dirty="0" err="1" smtClean="0">
+                <a:ln w="1905"/>
+                <a:solidFill>
+                  <a:srgbClr val="FF0000"/>
+                </a:solidFill>
+                <a:effectLst>
+                  <a:innerShdw blurRad="69850" dist="43180" dir="5400000">
+                    <a:srgbClr val="000000">
+                      <a:alpha val="65000"/>
+                    </a:srgbClr>
+                  </a:innerShdw>
+                </a:effectLst>
+              </a:rPr>
+              <a:t>dusra</a:t>
+            </a:r>
+            <a:r>
+              <a:rPr lang="en-US" sz="2000" b="1" dirty="0" smtClean="0">
+                <a:ln w="1905"/>
+                <a:solidFill>
+                  <a:srgbClr val="FF0000"/>
+                </a:solidFill>
+                <a:effectLst>
+                  <a:innerShdw blurRad="69850" dist="43180" dir="5400000">
+                    <a:srgbClr val="000000">
+                      <a:alpha val="65000"/>
+                    </a:srgbClr>
+                  </a:innerShdw>
+                </a:effectLst>
+              </a:rPr>
+              <a:t> frontend use </a:t>
+            </a:r>
+            <a:r>
+              <a:rPr lang="en-US" sz="2000" b="1" dirty="0" err="1" smtClean="0">
+                <a:ln w="1905"/>
+                <a:solidFill>
+                  <a:srgbClr val="FF0000"/>
+                </a:solidFill>
+                <a:effectLst>
+                  <a:innerShdw blurRad="69850" dist="43180" dir="5400000">
+                    <a:srgbClr val="000000">
+                      <a:alpha val="65000"/>
+                    </a:srgbClr>
+                  </a:innerShdw>
+                </a:effectLst>
+              </a:rPr>
+              <a:t>karegay</a:t>
+            </a:r>
+            <a:r>
+              <a:rPr lang="en-US" sz="2000" b="1" dirty="0" smtClean="0">
+                <a:ln w="1905"/>
+                <a:solidFill>
+                  <a:srgbClr val="FF0000"/>
+                </a:solidFill>
+                <a:effectLst>
+                  <a:innerShdw blurRad="69850" dist="43180" dir="5400000">
+                    <a:srgbClr val="000000">
+                      <a:alpha val="65000"/>
+                    </a:srgbClr>
+                  </a:innerShdw>
+                </a:effectLst>
+              </a:rPr>
+              <a:t>, to </a:t>
+            </a:r>
+            <a:r>
+              <a:rPr lang="en-US" sz="2000" b="1" dirty="0" err="1" smtClean="0">
+                <a:ln w="1905"/>
+                <a:solidFill>
+                  <a:srgbClr val="FF0000"/>
+                </a:solidFill>
+                <a:effectLst>
+                  <a:innerShdw blurRad="69850" dist="43180" dir="5400000">
+                    <a:srgbClr val="000000">
+                      <a:alpha val="65000"/>
+                    </a:srgbClr>
+                  </a:innerShdw>
+                </a:effectLst>
+              </a:rPr>
+              <a:t>dono</a:t>
+            </a:r>
+            <a:r>
+              <a:rPr lang="en-US" sz="2000" b="1" dirty="0" smtClean="0">
+                <a:ln w="1905"/>
+                <a:solidFill>
+                  <a:srgbClr val="FF0000"/>
+                </a:solidFill>
+                <a:effectLst>
+                  <a:innerShdw blurRad="69850" dist="43180" dir="5400000">
+                    <a:srgbClr val="000000">
+                      <a:alpha val="65000"/>
+                    </a:srgbClr>
+                  </a:innerShdw>
+                </a:effectLst>
+              </a:rPr>
+              <a:t> </a:t>
+            </a:r>
+            <a:r>
+              <a:rPr lang="en-US" sz="2000" b="1" dirty="0" err="1" smtClean="0">
+                <a:ln w="1905"/>
+                <a:solidFill>
+                  <a:srgbClr val="FF0000"/>
+                </a:solidFill>
+                <a:effectLst>
+                  <a:innerShdw blurRad="69850" dist="43180" dir="5400000">
+                    <a:srgbClr val="000000">
+                      <a:alpha val="65000"/>
+                    </a:srgbClr>
+                  </a:innerShdw>
+                </a:effectLst>
+              </a:rPr>
+              <a:t>ko</a:t>
+            </a:r>
+            <a:r>
+              <a:rPr lang="en-US" sz="2000" b="1" dirty="0" smtClean="0">
+                <a:ln w="1905"/>
+                <a:solidFill>
+                  <a:srgbClr val="FF0000"/>
+                </a:solidFill>
+                <a:effectLst>
+                  <a:innerShdw blurRad="69850" dist="43180" dir="5400000">
+                    <a:srgbClr val="000000">
+                      <a:alpha val="65000"/>
+                    </a:srgbClr>
+                  </a:innerShdw>
+                </a:effectLst>
+              </a:rPr>
+              <a:t> </a:t>
+            </a:r>
+            <a:r>
+              <a:rPr lang="en-US" sz="2000" b="1" dirty="0" err="1" smtClean="0">
+                <a:ln w="1905"/>
+                <a:solidFill>
+                  <a:srgbClr val="FF0000"/>
+                </a:solidFill>
+                <a:effectLst>
+                  <a:innerShdw blurRad="69850" dist="43180" dir="5400000">
+                    <a:srgbClr val="000000">
+                      <a:alpha val="65000"/>
+                    </a:srgbClr>
+                  </a:innerShdw>
+                </a:effectLst>
+              </a:rPr>
+              <a:t>ek</a:t>
+            </a:r>
+            <a:r>
+              <a:rPr lang="en-US" sz="2000" b="1" dirty="0" smtClean="0">
+                <a:ln w="1905"/>
+                <a:solidFill>
+                  <a:srgbClr val="FF0000"/>
+                </a:solidFill>
+                <a:effectLst>
+                  <a:innerShdw blurRad="69850" dist="43180" dir="5400000">
+                    <a:srgbClr val="000000">
+                      <a:alpha val="65000"/>
+                    </a:srgbClr>
+                  </a:innerShdw>
+                </a:effectLst>
+              </a:rPr>
+              <a:t> </a:t>
+            </a:r>
+            <a:r>
+              <a:rPr lang="en-US" sz="2000" b="1" dirty="0" err="1" smtClean="0">
+                <a:ln w="1905"/>
+                <a:solidFill>
+                  <a:srgbClr val="FF0000"/>
+                </a:solidFill>
+                <a:effectLst>
+                  <a:innerShdw blurRad="69850" dist="43180" dir="5400000">
+                    <a:srgbClr val="000000">
+                      <a:alpha val="65000"/>
+                    </a:srgbClr>
+                  </a:innerShdw>
+                </a:effectLst>
+              </a:rPr>
+              <a:t>sath</a:t>
+            </a:r>
+            <a:r>
+              <a:rPr lang="en-US" sz="2000" b="1" dirty="0" smtClean="0">
+                <a:ln w="1905"/>
+                <a:solidFill>
+                  <a:srgbClr val="FF0000"/>
+                </a:solidFill>
+                <a:effectLst>
+                  <a:innerShdw blurRad="69850" dist="43180" dir="5400000">
+                    <a:srgbClr val="000000">
+                      <a:alpha val="65000"/>
+                    </a:srgbClr>
+                  </a:innerShdw>
+                </a:effectLst>
+              </a:rPr>
+              <a:t> use </a:t>
+            </a:r>
+            <a:r>
+              <a:rPr lang="en-US" sz="2000" b="1" dirty="0" err="1" smtClean="0">
+                <a:ln w="1905"/>
+                <a:solidFill>
+                  <a:srgbClr val="FF0000"/>
+                </a:solidFill>
+                <a:effectLst>
+                  <a:innerShdw blurRad="69850" dist="43180" dir="5400000">
+                    <a:srgbClr val="000000">
+                      <a:alpha val="65000"/>
+                    </a:srgbClr>
+                  </a:innerShdw>
+                </a:effectLst>
+              </a:rPr>
+              <a:t>kerne</a:t>
+            </a:r>
+            <a:r>
+              <a:rPr lang="en-US" sz="2000" b="1" dirty="0" smtClean="0">
+                <a:ln w="1905"/>
+                <a:solidFill>
+                  <a:srgbClr val="FF0000"/>
+                </a:solidFill>
+                <a:effectLst>
+                  <a:innerShdw blurRad="69850" dist="43180" dir="5400000">
+                    <a:srgbClr val="000000">
+                      <a:alpha val="65000"/>
+                    </a:srgbClr>
+                  </a:innerShdw>
+                </a:effectLst>
+              </a:rPr>
+              <a:t> </a:t>
+            </a:r>
+            <a:r>
+              <a:rPr lang="en-US" sz="2000" b="1" dirty="0" err="1" smtClean="0">
+                <a:ln w="1905"/>
+                <a:solidFill>
+                  <a:srgbClr val="FF0000"/>
+                </a:solidFill>
+                <a:effectLst>
+                  <a:innerShdw blurRad="69850" dist="43180" dir="5400000">
+                    <a:srgbClr val="000000">
+                      <a:alpha val="65000"/>
+                    </a:srgbClr>
+                  </a:innerShdw>
+                </a:effectLst>
+              </a:rPr>
+              <a:t>ke</a:t>
+            </a:r>
+            <a:r>
+              <a:rPr lang="en-US" sz="2000" b="1" dirty="0" smtClean="0">
+                <a:ln w="1905"/>
+                <a:solidFill>
+                  <a:srgbClr val="FF0000"/>
+                </a:solidFill>
+                <a:effectLst>
+                  <a:innerShdw blurRad="69850" dist="43180" dir="5400000">
+                    <a:srgbClr val="000000">
+                      <a:alpha val="65000"/>
+                    </a:srgbClr>
+                  </a:innerShdw>
+                </a:effectLst>
+              </a:rPr>
+              <a:t> </a:t>
+            </a:r>
+            <a:r>
+              <a:rPr lang="en-US" sz="2000" b="1" dirty="0" err="1" smtClean="0">
+                <a:ln w="1905"/>
+                <a:solidFill>
+                  <a:srgbClr val="FF0000"/>
+                </a:solidFill>
+                <a:effectLst>
+                  <a:innerShdw blurRad="69850" dist="43180" dir="5400000">
+                    <a:srgbClr val="000000">
+                      <a:alpha val="65000"/>
+                    </a:srgbClr>
+                  </a:innerShdw>
+                </a:effectLst>
+              </a:rPr>
+              <a:t>liye</a:t>
+            </a:r>
+            <a:r>
+              <a:rPr lang="en-US" sz="2000" b="1" dirty="0" smtClean="0">
+                <a:ln w="1905"/>
+                <a:solidFill>
+                  <a:srgbClr val="FF0000"/>
+                </a:solidFill>
+                <a:effectLst>
+                  <a:innerShdw blurRad="69850" dist="43180" dir="5400000">
+                    <a:srgbClr val="000000">
+                      <a:alpha val="65000"/>
+                    </a:srgbClr>
+                  </a:innerShdw>
+                </a:effectLst>
+              </a:rPr>
+              <a:t> </a:t>
+            </a:r>
+            <a:r>
+              <a:rPr lang="en-US" sz="2000" b="1" dirty="0" err="1" smtClean="0">
+                <a:ln w="1905"/>
+                <a:solidFill>
+                  <a:srgbClr val="FF0000"/>
+                </a:solidFill>
+                <a:effectLst>
+                  <a:innerShdw blurRad="69850" dist="43180" dir="5400000">
+                    <a:srgbClr val="000000">
+                      <a:alpha val="65000"/>
+                    </a:srgbClr>
+                  </a:innerShdw>
+                </a:effectLst>
+              </a:rPr>
+              <a:t>hame</a:t>
+            </a:r>
+            <a:r>
+              <a:rPr lang="en-US" sz="2000" b="1" dirty="0" smtClean="0">
+                <a:ln w="1905"/>
+                <a:solidFill>
+                  <a:srgbClr val="FF0000"/>
+                </a:solidFill>
+                <a:effectLst>
+                  <a:innerShdw blurRad="69850" dist="43180" dir="5400000">
+                    <a:srgbClr val="000000">
+                      <a:alpha val="65000"/>
+                    </a:srgbClr>
+                  </a:innerShdw>
+                </a:effectLst>
+              </a:rPr>
+              <a:t> </a:t>
+            </a:r>
+            <a:r>
+              <a:rPr lang="en-US" sz="2000" b="1" dirty="0" err="1" smtClean="0">
+                <a:ln w="1905"/>
+                <a:solidFill>
+                  <a:srgbClr val="FF0000"/>
+                </a:solidFill>
+                <a:effectLst>
+                  <a:innerShdw blurRad="69850" dist="43180" dir="5400000">
+                    <a:srgbClr val="000000">
+                      <a:alpha val="65000"/>
+                    </a:srgbClr>
+                  </a:innerShdw>
+                </a:effectLst>
+              </a:rPr>
+              <a:t>cors</a:t>
+            </a:r>
+            <a:r>
+              <a:rPr lang="en-US" sz="2000" b="1" dirty="0" smtClean="0">
+                <a:ln w="1905"/>
+                <a:solidFill>
+                  <a:srgbClr val="FF0000"/>
+                </a:solidFill>
+                <a:effectLst>
+                  <a:innerShdw blurRad="69850" dist="43180" dir="5400000">
+                    <a:srgbClr val="000000">
+                      <a:alpha val="65000"/>
+                    </a:srgbClr>
+                  </a:innerShdw>
+                </a:effectLst>
+              </a:rPr>
+              <a:t> </a:t>
+            </a:r>
+            <a:r>
+              <a:rPr lang="en-US" sz="2000" b="1" dirty="0" err="1" smtClean="0">
+                <a:ln w="1905"/>
+                <a:solidFill>
+                  <a:srgbClr val="FF0000"/>
+                </a:solidFill>
+                <a:effectLst>
+                  <a:innerShdw blurRad="69850" dist="43180" dir="5400000">
+                    <a:srgbClr val="000000">
+                      <a:alpha val="65000"/>
+                    </a:srgbClr>
+                  </a:innerShdw>
+                </a:effectLst>
+              </a:rPr>
+              <a:t>ko</a:t>
+            </a:r>
+            <a:r>
+              <a:rPr lang="en-US" sz="2000" b="1" dirty="0" smtClean="0">
+                <a:ln w="1905"/>
+                <a:solidFill>
+                  <a:srgbClr val="FF0000"/>
+                </a:solidFill>
+                <a:effectLst>
+                  <a:innerShdw blurRad="69850" dist="43180" dir="5400000">
+                    <a:srgbClr val="000000">
+                      <a:alpha val="65000"/>
+                    </a:srgbClr>
+                  </a:innerShdw>
+                </a:effectLst>
+              </a:rPr>
+              <a:t> enable </a:t>
+            </a:r>
+            <a:r>
+              <a:rPr lang="en-US" sz="2000" b="1" dirty="0" err="1" smtClean="0">
+                <a:ln w="1905"/>
+                <a:solidFill>
+                  <a:srgbClr val="FF0000"/>
+                </a:solidFill>
+                <a:effectLst>
+                  <a:innerShdw blurRad="69850" dist="43180" dir="5400000">
+                    <a:srgbClr val="000000">
+                      <a:alpha val="65000"/>
+                    </a:srgbClr>
+                  </a:innerShdw>
+                </a:effectLst>
+              </a:rPr>
+              <a:t>kerna</a:t>
+            </a:r>
+            <a:r>
+              <a:rPr lang="en-US" sz="2000" b="1" dirty="0" smtClean="0">
+                <a:ln w="1905"/>
+                <a:solidFill>
+                  <a:srgbClr val="FF0000"/>
+                </a:solidFill>
+                <a:effectLst>
+                  <a:innerShdw blurRad="69850" dist="43180" dir="5400000">
+                    <a:srgbClr val="000000">
+                      <a:alpha val="65000"/>
+                    </a:srgbClr>
+                  </a:innerShdw>
+                </a:effectLst>
+              </a:rPr>
+              <a:t> </a:t>
+            </a:r>
+            <a:r>
+              <a:rPr lang="en-US" sz="2000" b="1" dirty="0" err="1" smtClean="0">
+                <a:ln w="1905"/>
+                <a:solidFill>
+                  <a:srgbClr val="FF0000"/>
+                </a:solidFill>
+                <a:effectLst>
+                  <a:innerShdw blurRad="69850" dist="43180" dir="5400000">
+                    <a:srgbClr val="000000">
+                      <a:alpha val="65000"/>
+                    </a:srgbClr>
+                  </a:innerShdw>
+                </a:effectLst>
+              </a:rPr>
+              <a:t>padta</a:t>
+            </a:r>
+            <a:r>
+              <a:rPr lang="en-US" sz="2000" b="1" dirty="0" smtClean="0">
+                <a:ln w="1905"/>
+                <a:solidFill>
+                  <a:srgbClr val="FF0000"/>
+                </a:solidFill>
+                <a:effectLst>
+                  <a:innerShdw blurRad="69850" dist="43180" dir="5400000">
+                    <a:srgbClr val="000000">
+                      <a:alpha val="65000"/>
+                    </a:srgbClr>
+                  </a:innerShdw>
+                </a:effectLst>
+              </a:rPr>
+              <a:t> h, </a:t>
+            </a:r>
+            <a:r>
+              <a:rPr lang="en-US" sz="2000" b="1" dirty="0" err="1" smtClean="0">
+                <a:ln w="1905"/>
+                <a:solidFill>
+                  <a:srgbClr val="FF0000"/>
+                </a:solidFill>
+                <a:effectLst>
+                  <a:innerShdw blurRad="69850" dist="43180" dir="5400000">
+                    <a:srgbClr val="000000">
+                      <a:alpha val="65000"/>
+                    </a:srgbClr>
+                  </a:innerShdw>
+                </a:effectLst>
+              </a:rPr>
+              <a:t>varna</a:t>
+            </a:r>
+            <a:r>
+              <a:rPr lang="en-US" sz="2000" b="1" dirty="0" smtClean="0">
+                <a:ln w="1905"/>
+                <a:solidFill>
+                  <a:srgbClr val="FF0000"/>
+                </a:solidFill>
+                <a:effectLst>
+                  <a:innerShdw blurRad="69850" dist="43180" dir="5400000">
+                    <a:srgbClr val="000000">
+                      <a:alpha val="65000"/>
+                    </a:srgbClr>
+                  </a:innerShdw>
+                </a:effectLst>
+              </a:rPr>
+              <a:t> </a:t>
+            </a:r>
+            <a:r>
+              <a:rPr lang="en-US" sz="2000" b="1" dirty="0" err="1" smtClean="0">
+                <a:ln w="1905"/>
+                <a:solidFill>
+                  <a:srgbClr val="FF0000"/>
+                </a:solidFill>
+                <a:effectLst>
+                  <a:innerShdw blurRad="69850" dist="43180" dir="5400000">
+                    <a:srgbClr val="000000">
+                      <a:alpha val="65000"/>
+                    </a:srgbClr>
+                  </a:innerShdw>
+                </a:effectLst>
+              </a:rPr>
+              <a:t>hame</a:t>
+            </a:r>
+            <a:r>
+              <a:rPr lang="en-US" sz="2000" b="1" dirty="0" smtClean="0">
+                <a:ln w="1905"/>
+                <a:solidFill>
+                  <a:srgbClr val="FF0000"/>
+                </a:solidFill>
+                <a:effectLst>
+                  <a:innerShdw blurRad="69850" dist="43180" dir="5400000">
+                    <a:srgbClr val="000000">
+                      <a:alpha val="65000"/>
+                    </a:srgbClr>
+                  </a:innerShdw>
+                </a:effectLst>
+              </a:rPr>
+              <a:t> </a:t>
+            </a:r>
+            <a:r>
+              <a:rPr lang="en-US" sz="2000" b="1" dirty="0" err="1" smtClean="0">
+                <a:ln w="1905"/>
+                <a:solidFill>
+                  <a:srgbClr val="FF0000"/>
+                </a:solidFill>
+                <a:effectLst>
+                  <a:innerShdw blurRad="69850" dist="43180" dir="5400000">
+                    <a:srgbClr val="000000">
+                      <a:alpha val="65000"/>
+                    </a:srgbClr>
+                  </a:innerShdw>
+                </a:effectLst>
+              </a:rPr>
+              <a:t>cors</a:t>
+            </a:r>
+            <a:r>
+              <a:rPr lang="en-US" sz="2000" b="1" dirty="0" smtClean="0">
+                <a:ln w="1905"/>
+                <a:solidFill>
+                  <a:srgbClr val="FF0000"/>
+                </a:solidFill>
+                <a:effectLst>
+                  <a:innerShdw blurRad="69850" dist="43180" dir="5400000">
+                    <a:srgbClr val="000000">
+                      <a:alpha val="65000"/>
+                    </a:srgbClr>
+                  </a:innerShdw>
+                </a:effectLst>
+              </a:rPr>
+              <a:t> origin </a:t>
+            </a:r>
+            <a:r>
+              <a:rPr lang="en-US" sz="2000" b="1" dirty="0" err="1" smtClean="0">
+                <a:ln w="1905"/>
+                <a:solidFill>
+                  <a:srgbClr val="FF0000"/>
+                </a:solidFill>
+                <a:effectLst>
+                  <a:innerShdw blurRad="69850" dist="43180" dir="5400000">
+                    <a:srgbClr val="000000">
+                      <a:alpha val="65000"/>
+                    </a:srgbClr>
+                  </a:innerShdw>
+                </a:effectLst>
+              </a:rPr>
+              <a:t>ka</a:t>
+            </a:r>
+            <a:r>
+              <a:rPr lang="en-US" sz="2000" b="1" dirty="0" smtClean="0">
+                <a:ln w="1905"/>
+                <a:solidFill>
+                  <a:srgbClr val="FF0000"/>
+                </a:solidFill>
+                <a:effectLst>
+                  <a:innerShdw blurRad="69850" dist="43180" dir="5400000">
+                    <a:srgbClr val="000000">
+                      <a:alpha val="65000"/>
+                    </a:srgbClr>
+                  </a:innerShdw>
+                </a:effectLst>
+              </a:rPr>
+              <a:t> error </a:t>
+            </a:r>
+            <a:r>
+              <a:rPr lang="en-US" sz="2000" b="1" dirty="0" err="1" smtClean="0">
+                <a:ln w="1905"/>
+                <a:solidFill>
+                  <a:srgbClr val="FF0000"/>
+                </a:solidFill>
+                <a:effectLst>
+                  <a:innerShdw blurRad="69850" dist="43180" dir="5400000">
+                    <a:srgbClr val="000000">
+                      <a:alpha val="65000"/>
+                    </a:srgbClr>
+                  </a:innerShdw>
+                </a:effectLst>
+              </a:rPr>
+              <a:t>dekhne</a:t>
+            </a:r>
+            <a:r>
+              <a:rPr lang="en-US" sz="2000" b="1" dirty="0" smtClean="0">
+                <a:ln w="1905"/>
+                <a:solidFill>
+                  <a:srgbClr val="FF0000"/>
+                </a:solidFill>
+                <a:effectLst>
+                  <a:innerShdw blurRad="69850" dist="43180" dir="5400000">
+                    <a:srgbClr val="000000">
+                      <a:alpha val="65000"/>
+                    </a:srgbClr>
+                  </a:innerShdw>
+                </a:effectLst>
+              </a:rPr>
+              <a:t> </a:t>
+            </a:r>
+            <a:r>
+              <a:rPr lang="en-US" sz="2000" b="1" dirty="0" err="1" smtClean="0">
+                <a:ln w="1905"/>
+                <a:solidFill>
+                  <a:srgbClr val="FF0000"/>
+                </a:solidFill>
+                <a:effectLst>
+                  <a:innerShdw blurRad="69850" dist="43180" dir="5400000">
+                    <a:srgbClr val="000000">
+                      <a:alpha val="65000"/>
+                    </a:srgbClr>
+                  </a:innerShdw>
+                </a:effectLst>
+              </a:rPr>
+              <a:t>ko</a:t>
+            </a:r>
+            <a:r>
+              <a:rPr lang="en-US" sz="2000" b="1" dirty="0" smtClean="0">
+                <a:ln w="1905"/>
+                <a:solidFill>
+                  <a:srgbClr val="FF0000"/>
+                </a:solidFill>
+                <a:effectLst>
+                  <a:innerShdw blurRad="69850" dist="43180" dir="5400000">
+                    <a:srgbClr val="000000">
+                      <a:alpha val="65000"/>
+                    </a:srgbClr>
+                  </a:innerShdw>
+                </a:effectLst>
+              </a:rPr>
+              <a:t> mil </a:t>
+            </a:r>
+            <a:r>
+              <a:rPr lang="en-US" sz="2000" b="1" dirty="0" err="1" smtClean="0">
+                <a:ln w="1905"/>
+                <a:solidFill>
+                  <a:srgbClr val="FF0000"/>
+                </a:solidFill>
+                <a:effectLst>
+                  <a:innerShdw blurRad="69850" dist="43180" dir="5400000">
+                    <a:srgbClr val="000000">
+                      <a:alpha val="65000"/>
+                    </a:srgbClr>
+                  </a:innerShdw>
+                </a:effectLst>
+              </a:rPr>
+              <a:t>sakta</a:t>
+            </a:r>
+            <a:r>
+              <a:rPr lang="en-US" sz="2000" b="1" dirty="0" smtClean="0">
+                <a:ln w="1905"/>
+                <a:solidFill>
+                  <a:srgbClr val="FF0000"/>
+                </a:solidFill>
+                <a:effectLst>
+                  <a:innerShdw blurRad="69850" dist="43180" dir="5400000">
+                    <a:srgbClr val="000000">
+                      <a:alpha val="65000"/>
+                    </a:srgbClr>
+                  </a:innerShdw>
+                </a:effectLst>
+              </a:rPr>
+              <a:t> h, </a:t>
+            </a:r>
+            <a:r>
+              <a:rPr lang="en-US" sz="2000" b="1" dirty="0" err="1" smtClean="0">
+                <a:ln w="1905"/>
+                <a:solidFill>
+                  <a:srgbClr val="FF0000"/>
+                </a:solidFill>
+                <a:effectLst>
+                  <a:innerShdw blurRad="69850" dist="43180" dir="5400000">
+                    <a:srgbClr val="000000">
+                      <a:alpha val="65000"/>
+                    </a:srgbClr>
+                  </a:innerShdw>
+                </a:effectLst>
+              </a:rPr>
+              <a:t>keoki</a:t>
+            </a:r>
+            <a:r>
+              <a:rPr lang="en-US" sz="2000" b="1" dirty="0" smtClean="0">
+                <a:ln w="1905"/>
+                <a:solidFill>
+                  <a:srgbClr val="FF0000"/>
+                </a:solidFill>
+                <a:effectLst>
+                  <a:innerShdw blurRad="69850" dist="43180" dir="5400000">
+                    <a:srgbClr val="000000">
+                      <a:alpha val="65000"/>
+                    </a:srgbClr>
+                  </a:innerShdw>
+                </a:effectLst>
+              </a:rPr>
+              <a:t> do port </a:t>
+            </a:r>
+            <a:r>
+              <a:rPr lang="en-US" sz="2000" b="1" dirty="0" err="1" smtClean="0">
+                <a:ln w="1905"/>
+                <a:solidFill>
+                  <a:srgbClr val="FF0000"/>
+                </a:solidFill>
+                <a:effectLst>
+                  <a:innerShdw blurRad="69850" dist="43180" dir="5400000">
+                    <a:srgbClr val="000000">
+                      <a:alpha val="65000"/>
+                    </a:srgbClr>
+                  </a:innerShdw>
+                </a:effectLst>
+              </a:rPr>
+              <a:t>aapas</a:t>
+            </a:r>
+            <a:r>
+              <a:rPr lang="en-US" sz="2000" b="1" dirty="0" smtClean="0">
+                <a:ln w="1905"/>
+                <a:solidFill>
+                  <a:srgbClr val="FF0000"/>
+                </a:solidFill>
+                <a:effectLst>
+                  <a:innerShdw blurRad="69850" dist="43180" dir="5400000">
+                    <a:srgbClr val="000000">
+                      <a:alpha val="65000"/>
+                    </a:srgbClr>
+                  </a:innerShdw>
+                </a:effectLst>
+              </a:rPr>
+              <a:t> me </a:t>
+            </a:r>
+            <a:r>
+              <a:rPr lang="en-US" sz="2000" b="1" dirty="0" err="1" smtClean="0">
+                <a:ln w="1905"/>
+                <a:solidFill>
+                  <a:srgbClr val="FF0000"/>
+                </a:solidFill>
+                <a:effectLst>
+                  <a:innerShdw blurRad="69850" dist="43180" dir="5400000">
+                    <a:srgbClr val="000000">
+                      <a:alpha val="65000"/>
+                    </a:srgbClr>
+                  </a:innerShdw>
+                </a:effectLst>
+              </a:rPr>
+              <a:t>commmunicate</a:t>
+            </a:r>
+            <a:r>
+              <a:rPr lang="en-US" sz="2000" b="1" dirty="0" smtClean="0">
+                <a:ln w="1905"/>
+                <a:solidFill>
+                  <a:srgbClr val="FF0000"/>
+                </a:solidFill>
+                <a:effectLst>
+                  <a:innerShdw blurRad="69850" dist="43180" dir="5400000">
+                    <a:srgbClr val="000000">
+                      <a:alpha val="65000"/>
+                    </a:srgbClr>
+                  </a:innerShdw>
+                </a:effectLst>
+              </a:rPr>
+              <a:t> </a:t>
+            </a:r>
+            <a:r>
+              <a:rPr lang="en-US" sz="2000" b="1" dirty="0" err="1" smtClean="0">
+                <a:ln w="1905"/>
+                <a:solidFill>
+                  <a:srgbClr val="FF0000"/>
+                </a:solidFill>
+                <a:effectLst>
+                  <a:innerShdw blurRad="69850" dist="43180" dir="5400000">
+                    <a:srgbClr val="000000">
+                      <a:alpha val="65000"/>
+                    </a:srgbClr>
+                  </a:innerShdw>
+                </a:effectLst>
+              </a:rPr>
+              <a:t>ker</a:t>
+            </a:r>
+            <a:r>
+              <a:rPr lang="en-US" sz="2000" b="1" dirty="0" smtClean="0">
+                <a:ln w="1905"/>
+                <a:solidFill>
+                  <a:srgbClr val="FF0000"/>
+                </a:solidFill>
+                <a:effectLst>
+                  <a:innerShdw blurRad="69850" dist="43180" dir="5400000">
+                    <a:srgbClr val="000000">
+                      <a:alpha val="65000"/>
+                    </a:srgbClr>
+                  </a:innerShdw>
+                </a:effectLst>
+              </a:rPr>
+              <a:t> </a:t>
+            </a:r>
+            <a:r>
+              <a:rPr lang="en-US" sz="2000" b="1" dirty="0" err="1" smtClean="0">
+                <a:ln w="1905"/>
+                <a:solidFill>
+                  <a:srgbClr val="FF0000"/>
+                </a:solidFill>
+                <a:effectLst>
+                  <a:innerShdw blurRad="69850" dist="43180" dir="5400000">
+                    <a:srgbClr val="000000">
+                      <a:alpha val="65000"/>
+                    </a:srgbClr>
+                  </a:innerShdw>
+                </a:effectLst>
+              </a:rPr>
+              <a:t>rahe</a:t>
+            </a:r>
+            <a:r>
+              <a:rPr lang="en-US" sz="2000" b="1" dirty="0" smtClean="0">
+                <a:ln w="1905"/>
+                <a:solidFill>
+                  <a:srgbClr val="FF0000"/>
+                </a:solidFill>
+                <a:effectLst>
+                  <a:innerShdw blurRad="69850" dist="43180" dir="5400000">
+                    <a:srgbClr val="000000">
+                      <a:alpha val="65000"/>
+                    </a:srgbClr>
+                  </a:innerShdw>
+                </a:effectLst>
+              </a:rPr>
+              <a:t> h, to yah functionality enable </a:t>
+            </a:r>
+            <a:r>
+              <a:rPr lang="en-US" sz="2000" b="1" dirty="0" err="1" smtClean="0">
+                <a:ln w="1905"/>
+                <a:solidFill>
+                  <a:srgbClr val="FF0000"/>
+                </a:solidFill>
+                <a:effectLst>
+                  <a:innerShdw blurRad="69850" dist="43180" dir="5400000">
+                    <a:srgbClr val="000000">
+                      <a:alpha val="65000"/>
+                    </a:srgbClr>
+                  </a:innerShdw>
+                </a:effectLst>
+              </a:rPr>
+              <a:t>kerne</a:t>
+            </a:r>
+            <a:r>
+              <a:rPr lang="en-US" sz="2000" b="1" dirty="0" smtClean="0">
+                <a:ln w="1905"/>
+                <a:solidFill>
+                  <a:srgbClr val="FF0000"/>
+                </a:solidFill>
+                <a:effectLst>
+                  <a:innerShdw blurRad="69850" dist="43180" dir="5400000">
+                    <a:srgbClr val="000000">
+                      <a:alpha val="65000"/>
+                    </a:srgbClr>
+                  </a:innerShdw>
+                </a:effectLst>
+              </a:rPr>
+              <a:t> </a:t>
+            </a:r>
+            <a:r>
+              <a:rPr lang="en-US" sz="2000" b="1" dirty="0" err="1" smtClean="0">
+                <a:ln w="1905"/>
+                <a:solidFill>
+                  <a:srgbClr val="FF0000"/>
+                </a:solidFill>
+                <a:effectLst>
+                  <a:innerShdw blurRad="69850" dist="43180" dir="5400000">
+                    <a:srgbClr val="000000">
+                      <a:alpha val="65000"/>
+                    </a:srgbClr>
+                  </a:innerShdw>
+                </a:effectLst>
+              </a:rPr>
+              <a:t>ke</a:t>
+            </a:r>
+            <a:r>
+              <a:rPr lang="en-US" sz="2000" b="1" dirty="0" smtClean="0">
+                <a:ln w="1905"/>
+                <a:solidFill>
+                  <a:srgbClr val="FF0000"/>
+                </a:solidFill>
+                <a:effectLst>
+                  <a:innerShdw blurRad="69850" dist="43180" dir="5400000">
+                    <a:srgbClr val="000000">
+                      <a:alpha val="65000"/>
+                    </a:srgbClr>
+                  </a:innerShdw>
+                </a:effectLst>
+              </a:rPr>
+              <a:t> </a:t>
+            </a:r>
+            <a:r>
+              <a:rPr lang="en-US" sz="2000" b="1" dirty="0" err="1" smtClean="0">
+                <a:ln w="1905"/>
+                <a:solidFill>
+                  <a:srgbClr val="FF0000"/>
+                </a:solidFill>
+                <a:effectLst>
+                  <a:innerShdw blurRad="69850" dist="43180" dir="5400000">
+                    <a:srgbClr val="000000">
+                      <a:alpha val="65000"/>
+                    </a:srgbClr>
+                  </a:innerShdw>
+                </a:effectLst>
+              </a:rPr>
+              <a:t>liye</a:t>
+            </a:r>
+            <a:r>
+              <a:rPr lang="en-US" sz="2000" b="1" dirty="0" smtClean="0">
+                <a:ln w="1905"/>
+                <a:solidFill>
+                  <a:srgbClr val="FF0000"/>
+                </a:solidFill>
+                <a:effectLst>
+                  <a:innerShdw blurRad="69850" dist="43180" dir="5400000">
+                    <a:srgbClr val="000000">
+                      <a:alpha val="65000"/>
+                    </a:srgbClr>
+                  </a:innerShdw>
+                </a:effectLst>
+              </a:rPr>
+              <a:t> </a:t>
+            </a:r>
+            <a:r>
+              <a:rPr lang="en-US" sz="2000" b="1" dirty="0" err="1" smtClean="0">
+                <a:ln w="1905"/>
+                <a:solidFill>
+                  <a:srgbClr val="FF0000"/>
+                </a:solidFill>
+                <a:effectLst>
+                  <a:innerShdw blurRad="69850" dist="43180" dir="5400000">
+                    <a:srgbClr val="000000">
+                      <a:alpha val="65000"/>
+                    </a:srgbClr>
+                  </a:innerShdw>
+                </a:effectLst>
+              </a:rPr>
+              <a:t>hm</a:t>
+            </a:r>
+            <a:r>
+              <a:rPr lang="en-US" sz="2000" b="1" dirty="0" smtClean="0">
+                <a:ln w="1905"/>
+                <a:solidFill>
+                  <a:srgbClr val="FF0000"/>
+                </a:solidFill>
+                <a:effectLst>
+                  <a:innerShdw blurRad="69850" dist="43180" dir="5400000">
+                    <a:srgbClr val="000000">
+                      <a:alpha val="65000"/>
+                    </a:srgbClr>
+                  </a:innerShdw>
+                </a:effectLst>
+              </a:rPr>
+              <a:t> kea </a:t>
+            </a:r>
+            <a:r>
+              <a:rPr lang="en-US" sz="2000" b="1" dirty="0" err="1" smtClean="0">
+                <a:ln w="1905"/>
+                <a:solidFill>
+                  <a:srgbClr val="FF0000"/>
+                </a:solidFill>
+                <a:effectLst>
+                  <a:innerShdw blurRad="69850" dist="43180" dir="5400000">
+                    <a:srgbClr val="000000">
+                      <a:alpha val="65000"/>
+                    </a:srgbClr>
+                  </a:innerShdw>
+                </a:effectLst>
+              </a:rPr>
+              <a:t>kerte</a:t>
+            </a:r>
+            <a:r>
+              <a:rPr lang="en-US" sz="2000" b="1" dirty="0" smtClean="0">
+                <a:ln w="1905"/>
+                <a:solidFill>
+                  <a:srgbClr val="FF0000"/>
+                </a:solidFill>
+                <a:effectLst>
+                  <a:innerShdw blurRad="69850" dist="43180" dir="5400000">
+                    <a:srgbClr val="000000">
+                      <a:alpha val="65000"/>
+                    </a:srgbClr>
+                  </a:innerShdw>
+                </a:effectLst>
+              </a:rPr>
+              <a:t> h </a:t>
+            </a:r>
+            <a:r>
+              <a:rPr lang="en-US" sz="2000" b="1" dirty="0" err="1" smtClean="0">
+                <a:ln w="1905"/>
+                <a:solidFill>
+                  <a:srgbClr val="FF0000"/>
+                </a:solidFill>
+                <a:effectLst>
+                  <a:innerShdw blurRad="69850" dist="43180" dir="5400000">
+                    <a:srgbClr val="000000">
+                      <a:alpha val="65000"/>
+                    </a:srgbClr>
+                  </a:innerShdw>
+                </a:effectLst>
+              </a:rPr>
+              <a:t>cors</a:t>
+            </a:r>
+            <a:r>
+              <a:rPr lang="en-US" sz="2000" b="1" dirty="0" smtClean="0">
+                <a:ln w="1905"/>
+                <a:solidFill>
+                  <a:srgbClr val="FF0000"/>
+                </a:solidFill>
+                <a:effectLst>
+                  <a:innerShdw blurRad="69850" dist="43180" dir="5400000">
+                    <a:srgbClr val="000000">
+                      <a:alpha val="65000"/>
+                    </a:srgbClr>
+                  </a:innerShdw>
+                </a:effectLst>
+              </a:rPr>
+              <a:t> package </a:t>
+            </a:r>
+            <a:r>
+              <a:rPr lang="en-US" sz="2000" b="1" dirty="0" err="1" smtClean="0">
+                <a:ln w="1905"/>
+                <a:solidFill>
+                  <a:srgbClr val="FF0000"/>
+                </a:solidFill>
+                <a:effectLst>
+                  <a:innerShdw blurRad="69850" dist="43180" dir="5400000">
+                    <a:srgbClr val="000000">
+                      <a:alpha val="65000"/>
+                    </a:srgbClr>
+                  </a:innerShdw>
+                </a:effectLst>
+              </a:rPr>
+              <a:t>ko</a:t>
+            </a:r>
+            <a:r>
+              <a:rPr lang="en-US" sz="2000" b="1" dirty="0" smtClean="0">
+                <a:ln w="1905"/>
+                <a:solidFill>
+                  <a:srgbClr val="FF0000"/>
+                </a:solidFill>
+                <a:effectLst>
+                  <a:innerShdw blurRad="69850" dist="43180" dir="5400000">
+                    <a:srgbClr val="000000">
+                      <a:alpha val="65000"/>
+                    </a:srgbClr>
+                  </a:innerShdw>
+                </a:effectLst>
+              </a:rPr>
+              <a:t> install </a:t>
+            </a:r>
+            <a:r>
+              <a:rPr lang="en-US" sz="2000" b="1" dirty="0" err="1" smtClean="0">
+                <a:ln w="1905"/>
+                <a:solidFill>
+                  <a:srgbClr val="FF0000"/>
+                </a:solidFill>
+                <a:effectLst>
+                  <a:innerShdw blurRad="69850" dist="43180" dir="5400000">
+                    <a:srgbClr val="000000">
+                      <a:alpha val="65000"/>
+                    </a:srgbClr>
+                  </a:innerShdw>
+                </a:effectLst>
+              </a:rPr>
+              <a:t>kerte</a:t>
+            </a:r>
+            <a:r>
+              <a:rPr lang="en-US" sz="2000" b="1" dirty="0" smtClean="0">
+                <a:ln w="1905"/>
+                <a:solidFill>
+                  <a:srgbClr val="FF0000"/>
+                </a:solidFill>
+                <a:effectLst>
+                  <a:innerShdw blurRad="69850" dist="43180" dir="5400000">
+                    <a:srgbClr val="000000">
+                      <a:alpha val="65000"/>
+                    </a:srgbClr>
+                  </a:innerShdw>
+                </a:effectLst>
+              </a:rPr>
+              <a:t> h </a:t>
+            </a:r>
+          </a:p>
+          <a:p>
+            <a:endParaRPr lang="en-US" sz="2000" b="1" dirty="0" smtClean="0">
+              <a:ln w="6600">
+                <a:solidFill>
+                  <a:schemeClr val="accent2"/>
+                </a:solidFill>
+                <a:prstDash val="solid"/>
+              </a:ln>
+              <a:solidFill>
+                <a:srgbClr val="FFFFFF"/>
+              </a:solidFill>
+              <a:effectLst>
+                <a:outerShdw dist="38100" dir="2700000" algn="tl" rotWithShape="0">
+                  <a:schemeClr val="accent2"/>
+                </a:outerShdw>
+              </a:effectLst>
+            </a:endParaRPr>
+          </a:p>
+          <a:p>
+            <a:pPr marL="571500" indent="-571500">
+              <a:buFont typeface="Arial" pitchFamily="34" charset="0"/>
+              <a:buChar char="•"/>
+            </a:pPr>
+            <a:r>
+              <a:rPr lang="en-US" sz="2800" b="1" dirty="0" smtClean="0">
+                <a:ln/>
+                <a:solidFill>
+                  <a:schemeClr val="accent3"/>
+                </a:solidFill>
+              </a:rPr>
+              <a:t>Morgan</a:t>
+            </a:r>
+            <a:r>
+              <a:rPr lang="en-US" sz="2800" b="1" dirty="0" smtClean="0">
+                <a:ln/>
+                <a:solidFill>
+                  <a:schemeClr val="accent3"/>
+                </a:solidFill>
+              </a:rPr>
+              <a:t> Package </a:t>
+            </a:r>
+            <a:r>
+              <a:rPr lang="en-US" sz="2800" b="1" dirty="0" err="1" smtClean="0">
+                <a:ln w="6600">
+                  <a:solidFill>
+                    <a:schemeClr val="accent2"/>
+                  </a:solidFill>
+                  <a:prstDash val="solid"/>
+                </a:ln>
+                <a:solidFill>
+                  <a:srgbClr val="FFFFFF"/>
+                </a:solidFill>
+                <a:effectLst>
+                  <a:outerShdw dist="38100" dir="2700000" algn="tl" rotWithShape="0">
+                    <a:schemeClr val="accent2"/>
+                  </a:outerShdw>
+                </a:effectLst>
+              </a:rPr>
+              <a:t>npm</a:t>
+            </a:r>
+            <a:r>
+              <a:rPr lang="en-US" sz="2800" b="1" dirty="0" smtClean="0">
+                <a:ln w="6600">
+                  <a:solidFill>
+                    <a:schemeClr val="accent2"/>
+                  </a:solidFill>
+                  <a:prstDash val="solid"/>
+                </a:ln>
+                <a:solidFill>
+                  <a:srgbClr val="FFFFFF"/>
+                </a:solidFill>
+                <a:effectLst>
+                  <a:outerShdw dist="38100" dir="2700000" algn="tl" rotWithShape="0">
+                    <a:schemeClr val="accent2"/>
+                  </a:outerShdw>
+                </a:effectLst>
+              </a:rPr>
+              <a:t> install </a:t>
+            </a:r>
+            <a:r>
+              <a:rPr lang="en-US" sz="2800" b="1" dirty="0" err="1" smtClean="0">
+                <a:ln w="6600">
+                  <a:solidFill>
+                    <a:schemeClr val="accent2"/>
+                  </a:solidFill>
+                  <a:prstDash val="solid"/>
+                </a:ln>
+                <a:solidFill>
+                  <a:srgbClr val="FFFFFF"/>
+                </a:solidFill>
+                <a:effectLst>
+                  <a:outerShdw dist="38100" dir="2700000" algn="tl" rotWithShape="0">
+                    <a:schemeClr val="accent2"/>
+                  </a:outerShdw>
+                </a:effectLst>
+              </a:rPr>
+              <a:t>morgan</a:t>
+            </a:r>
+            <a:endParaRPr lang="en-US" sz="2800" b="1" dirty="0" smtClean="0">
+              <a:ln w="6600">
+                <a:solidFill>
+                  <a:schemeClr val="accent2"/>
+                </a:solidFill>
+                <a:prstDash val="solid"/>
+              </a:ln>
+              <a:solidFill>
+                <a:srgbClr val="FFFFFF"/>
+              </a:solidFill>
+              <a:effectLst>
+                <a:outerShdw dist="38100" dir="2700000" algn="tl" rotWithShape="0">
+                  <a:schemeClr val="accent2"/>
+                </a:outerShdw>
+              </a:effectLst>
+            </a:endParaRPr>
+          </a:p>
+          <a:p>
+            <a:r>
+              <a:rPr lang="en-US" sz="2800" b="1" dirty="0" smtClean="0">
+                <a:ln w="1905"/>
+                <a:solidFill>
+                  <a:srgbClr val="FF0000"/>
+                </a:solidFill>
+                <a:effectLst>
+                  <a:innerShdw blurRad="69850" dist="43180" dir="5400000">
+                    <a:srgbClr val="000000">
+                      <a:alpha val="65000"/>
+                    </a:srgbClr>
+                  </a:innerShdw>
+                </a:effectLst>
+              </a:rPr>
+              <a:t>	 </a:t>
+            </a:r>
+            <a:r>
+              <a:rPr lang="en-US" sz="2000" b="1" dirty="0" err="1" smtClean="0">
+                <a:ln w="1905"/>
+                <a:solidFill>
+                  <a:srgbClr val="FF0000"/>
+                </a:solidFill>
+                <a:effectLst>
+                  <a:innerShdw blurRad="69850" dist="43180" dir="5400000">
+                    <a:srgbClr val="000000">
+                      <a:alpha val="65000"/>
+                    </a:srgbClr>
+                  </a:innerShdw>
+                </a:effectLst>
+              </a:rPr>
+              <a:t>Nmorgan</a:t>
+            </a:r>
+            <a:r>
+              <a:rPr lang="en-US" sz="2000" b="1" dirty="0" smtClean="0">
+                <a:ln w="1905"/>
+                <a:solidFill>
+                  <a:srgbClr val="FF0000"/>
+                </a:solidFill>
+                <a:effectLst>
+                  <a:innerShdw blurRad="69850" dist="43180" dir="5400000">
+                    <a:srgbClr val="000000">
+                      <a:alpha val="65000"/>
+                    </a:srgbClr>
+                  </a:innerShdw>
+                </a:effectLst>
+              </a:rPr>
+              <a:t> kea </a:t>
+            </a:r>
+            <a:r>
+              <a:rPr lang="en-US" sz="2000" b="1" dirty="0" err="1" smtClean="0">
+                <a:ln w="1905"/>
+                <a:solidFill>
+                  <a:srgbClr val="FF0000"/>
+                </a:solidFill>
+                <a:effectLst>
+                  <a:innerShdw blurRad="69850" dist="43180" dir="5400000">
+                    <a:srgbClr val="000000">
+                      <a:alpha val="65000"/>
+                    </a:srgbClr>
+                  </a:innerShdw>
+                </a:effectLst>
+              </a:rPr>
+              <a:t>karega</a:t>
+            </a:r>
+            <a:r>
+              <a:rPr lang="en-US" sz="2000" b="1" dirty="0" smtClean="0">
+                <a:ln w="1905"/>
+                <a:solidFill>
+                  <a:srgbClr val="FF0000"/>
+                </a:solidFill>
+                <a:effectLst>
+                  <a:innerShdw blurRad="69850" dist="43180" dir="5400000">
+                    <a:srgbClr val="000000">
+                      <a:alpha val="65000"/>
+                    </a:srgbClr>
+                  </a:innerShdw>
+                </a:effectLst>
+              </a:rPr>
+              <a:t> </a:t>
+            </a:r>
+            <a:r>
+              <a:rPr lang="en-US" sz="2000" b="1" dirty="0" err="1" smtClean="0">
+                <a:ln w="1905"/>
+                <a:solidFill>
+                  <a:srgbClr val="FF0000"/>
+                </a:solidFill>
+                <a:effectLst>
+                  <a:innerShdw blurRad="69850" dist="43180" dir="5400000">
+                    <a:srgbClr val="000000">
+                      <a:alpha val="65000"/>
+                    </a:srgbClr>
+                  </a:innerShdw>
+                </a:effectLst>
+              </a:rPr>
+              <a:t>jo</a:t>
+            </a:r>
+            <a:r>
+              <a:rPr lang="en-US" sz="2000" b="1" dirty="0" smtClean="0">
+                <a:ln w="1905"/>
+                <a:solidFill>
+                  <a:srgbClr val="FF0000"/>
+                </a:solidFill>
+                <a:effectLst>
+                  <a:innerShdw blurRad="69850" dist="43180" dir="5400000">
+                    <a:srgbClr val="000000">
+                      <a:alpha val="65000"/>
+                    </a:srgbClr>
+                  </a:innerShdw>
+                </a:effectLst>
+              </a:rPr>
+              <a:t> </a:t>
+            </a:r>
+            <a:r>
+              <a:rPr lang="en-US" sz="2000" b="1" dirty="0" err="1" smtClean="0">
+                <a:ln w="1905"/>
+                <a:solidFill>
+                  <a:srgbClr val="FF0000"/>
+                </a:solidFill>
+                <a:effectLst>
+                  <a:innerShdw blurRad="69850" dist="43180" dir="5400000">
+                    <a:srgbClr val="000000">
+                      <a:alpha val="65000"/>
+                    </a:srgbClr>
+                  </a:innerShdw>
+                </a:effectLst>
+              </a:rPr>
+              <a:t>bhi</a:t>
+            </a:r>
+            <a:r>
+              <a:rPr lang="en-US" sz="2000" b="1" dirty="0" smtClean="0">
+                <a:ln w="1905"/>
+                <a:solidFill>
+                  <a:srgbClr val="FF0000"/>
+                </a:solidFill>
+                <a:effectLst>
+                  <a:innerShdw blurRad="69850" dist="43180" dir="5400000">
+                    <a:srgbClr val="000000">
+                      <a:alpha val="65000"/>
+                    </a:srgbClr>
+                  </a:innerShdw>
+                </a:effectLst>
+              </a:rPr>
+              <a:t> </a:t>
+            </a:r>
+            <a:r>
+              <a:rPr lang="en-US" sz="2000" b="1" dirty="0" err="1" smtClean="0">
+                <a:ln w="1905"/>
+                <a:solidFill>
+                  <a:srgbClr val="FF0000"/>
+                </a:solidFill>
+                <a:effectLst>
+                  <a:innerShdw blurRad="69850" dist="43180" dir="5400000">
+                    <a:srgbClr val="000000">
+                      <a:alpha val="65000"/>
+                    </a:srgbClr>
+                  </a:innerShdw>
+                </a:effectLst>
+              </a:rPr>
+              <a:t>hamara</a:t>
+            </a:r>
+            <a:r>
+              <a:rPr lang="en-US" sz="2000" b="1" dirty="0" smtClean="0">
+                <a:ln w="1905"/>
+                <a:solidFill>
+                  <a:srgbClr val="FF0000"/>
+                </a:solidFill>
+                <a:effectLst>
+                  <a:innerShdw blurRad="69850" dist="43180" dir="5400000">
+                    <a:srgbClr val="000000">
+                      <a:alpha val="65000"/>
+                    </a:srgbClr>
+                  </a:innerShdw>
+                </a:effectLst>
+              </a:rPr>
+              <a:t> rest </a:t>
+            </a:r>
+            <a:r>
+              <a:rPr lang="en-US" sz="2000" b="1" dirty="0" err="1" smtClean="0">
+                <a:ln w="1905"/>
+                <a:solidFill>
+                  <a:srgbClr val="FF0000"/>
+                </a:solidFill>
+                <a:effectLst>
+                  <a:innerShdw blurRad="69850" dist="43180" dir="5400000">
+                    <a:srgbClr val="000000">
+                      <a:alpha val="65000"/>
+                    </a:srgbClr>
+                  </a:innerShdw>
+                </a:effectLst>
+              </a:rPr>
+              <a:t>api</a:t>
+            </a:r>
+            <a:r>
+              <a:rPr lang="en-US" sz="2000" b="1" dirty="0" smtClean="0">
+                <a:ln w="1905"/>
+                <a:solidFill>
+                  <a:srgbClr val="FF0000"/>
+                </a:solidFill>
+                <a:effectLst>
+                  <a:innerShdw blurRad="69850" dist="43180" dir="5400000">
+                    <a:srgbClr val="000000">
+                      <a:alpha val="65000"/>
+                    </a:srgbClr>
+                  </a:innerShdw>
+                </a:effectLst>
+              </a:rPr>
+              <a:t> hit </a:t>
+            </a:r>
+            <a:r>
+              <a:rPr lang="en-US" sz="2000" b="1" dirty="0" err="1" smtClean="0">
+                <a:ln w="1905"/>
+                <a:solidFill>
+                  <a:srgbClr val="FF0000"/>
+                </a:solidFill>
+                <a:effectLst>
+                  <a:innerShdw blurRad="69850" dist="43180" dir="5400000">
+                    <a:srgbClr val="000000">
+                      <a:alpha val="65000"/>
+                    </a:srgbClr>
+                  </a:innerShdw>
+                </a:effectLst>
+              </a:rPr>
+              <a:t>karega</a:t>
+            </a:r>
+            <a:r>
+              <a:rPr lang="en-US" sz="2000" b="1" dirty="0" smtClean="0">
+                <a:ln w="1905"/>
+                <a:solidFill>
+                  <a:srgbClr val="FF0000"/>
+                </a:solidFill>
+                <a:effectLst>
+                  <a:innerShdw blurRad="69850" dist="43180" dir="5400000">
+                    <a:srgbClr val="000000">
+                      <a:alpha val="65000"/>
+                    </a:srgbClr>
+                  </a:innerShdw>
+                </a:effectLst>
+              </a:rPr>
+              <a:t> yah consol</a:t>
+            </a:r>
+            <a:r>
+              <a:rPr lang="en-US" sz="2000" b="1" dirty="0" smtClean="0">
+                <a:ln w="1905"/>
+                <a:solidFill>
+                  <a:srgbClr val="FF0000"/>
+                </a:solidFill>
+                <a:effectLst>
+                  <a:innerShdw blurRad="69850" dist="43180" dir="5400000">
+                    <a:srgbClr val="000000">
+                      <a:alpha val="65000"/>
+                    </a:srgbClr>
+                  </a:innerShdw>
+                </a:effectLst>
+              </a:rPr>
+              <a:t>e me </a:t>
+            </a:r>
+            <a:r>
+              <a:rPr lang="en-US" sz="2000" b="1" dirty="0" err="1" smtClean="0">
+                <a:ln w="1905"/>
+                <a:solidFill>
+                  <a:srgbClr val="FF0000"/>
+                </a:solidFill>
+                <a:effectLst>
+                  <a:innerShdw blurRad="69850" dist="43180" dir="5400000">
+                    <a:srgbClr val="000000">
+                      <a:alpha val="65000"/>
+                    </a:srgbClr>
+                  </a:innerShdw>
+                </a:effectLst>
+              </a:rPr>
+              <a:t>bata</a:t>
+            </a:r>
+            <a:r>
+              <a:rPr lang="en-US" sz="2000" b="1" dirty="0" smtClean="0">
+                <a:ln w="1905"/>
+                <a:solidFill>
+                  <a:srgbClr val="FF0000"/>
+                </a:solidFill>
+                <a:effectLst>
+                  <a:innerShdw blurRad="69850" dist="43180" dir="5400000">
+                    <a:srgbClr val="000000">
+                      <a:alpha val="65000"/>
+                    </a:srgbClr>
+                  </a:innerShdw>
+                </a:effectLst>
+              </a:rPr>
+              <a:t> </a:t>
+            </a:r>
+            <a:r>
+              <a:rPr lang="en-US" sz="2000" b="1" dirty="0" err="1" smtClean="0">
+                <a:ln w="1905"/>
+                <a:solidFill>
+                  <a:srgbClr val="FF0000"/>
+                </a:solidFill>
+                <a:effectLst>
+                  <a:innerShdw blurRad="69850" dist="43180" dir="5400000">
+                    <a:srgbClr val="000000">
+                      <a:alpha val="65000"/>
+                    </a:srgbClr>
+                  </a:innerShdw>
+                </a:effectLst>
+              </a:rPr>
+              <a:t>dega</a:t>
+            </a:r>
+            <a:r>
+              <a:rPr lang="en-US" sz="2000" b="1" dirty="0" smtClean="0">
+                <a:ln w="1905"/>
+                <a:solidFill>
+                  <a:srgbClr val="FF0000"/>
+                </a:solidFill>
+                <a:effectLst>
+                  <a:innerShdw blurRad="69850" dist="43180" dir="5400000">
+                    <a:srgbClr val="000000">
+                      <a:alpha val="65000"/>
+                    </a:srgbClr>
+                  </a:innerShdw>
+                </a:effectLst>
+              </a:rPr>
+              <a:t> </a:t>
+            </a:r>
+            <a:r>
+              <a:rPr lang="en-US" sz="2000" b="1" dirty="0" err="1" smtClean="0">
+                <a:ln w="1905"/>
+                <a:solidFill>
+                  <a:srgbClr val="FF0000"/>
+                </a:solidFill>
+                <a:effectLst>
+                  <a:innerShdw blurRad="69850" dist="43180" dir="5400000">
+                    <a:srgbClr val="000000">
+                      <a:alpha val="65000"/>
+                    </a:srgbClr>
+                  </a:innerShdw>
+                </a:effectLst>
+              </a:rPr>
+              <a:t>ki</a:t>
+            </a:r>
+            <a:r>
+              <a:rPr lang="en-US" sz="2000" b="1" dirty="0" smtClean="0">
+                <a:ln w="1905"/>
+                <a:solidFill>
+                  <a:srgbClr val="FF0000"/>
+                </a:solidFill>
+                <a:effectLst>
+                  <a:innerShdw blurRad="69850" dist="43180" dir="5400000">
+                    <a:srgbClr val="000000">
+                      <a:alpha val="65000"/>
+                    </a:srgbClr>
+                  </a:innerShdw>
+                </a:effectLst>
+              </a:rPr>
+              <a:t> </a:t>
+            </a:r>
+            <a:r>
+              <a:rPr lang="en-US" sz="2000" b="1" dirty="0" err="1" smtClean="0">
+                <a:ln w="1905"/>
+                <a:solidFill>
+                  <a:srgbClr val="FF0000"/>
+                </a:solidFill>
+                <a:effectLst>
+                  <a:innerShdw blurRad="69850" dist="43180" dir="5400000">
+                    <a:srgbClr val="000000">
+                      <a:alpha val="65000"/>
+                    </a:srgbClr>
+                  </a:innerShdw>
+                </a:effectLst>
+              </a:rPr>
+              <a:t>konsa</a:t>
+            </a:r>
+            <a:r>
+              <a:rPr lang="en-US" sz="2000" b="1" dirty="0" smtClean="0">
+                <a:ln w="1905"/>
+                <a:solidFill>
+                  <a:srgbClr val="FF0000"/>
+                </a:solidFill>
+                <a:effectLst>
+                  <a:innerShdw blurRad="69850" dist="43180" dir="5400000">
+                    <a:srgbClr val="000000">
+                      <a:alpha val="65000"/>
+                    </a:srgbClr>
+                  </a:innerShdw>
+                </a:effectLst>
+              </a:rPr>
+              <a:t> rest </a:t>
+            </a:r>
+            <a:r>
+              <a:rPr lang="en-US" sz="2000" b="1" dirty="0" err="1" smtClean="0">
+                <a:ln w="1905"/>
+                <a:solidFill>
+                  <a:srgbClr val="FF0000"/>
+                </a:solidFill>
+                <a:effectLst>
+                  <a:innerShdw blurRad="69850" dist="43180" dir="5400000">
+                    <a:srgbClr val="000000">
+                      <a:alpha val="65000"/>
+                    </a:srgbClr>
+                  </a:innerShdw>
+                </a:effectLst>
+              </a:rPr>
+              <a:t>api</a:t>
+            </a:r>
+            <a:r>
+              <a:rPr lang="en-US" sz="2000" b="1" dirty="0" smtClean="0">
+                <a:ln w="1905"/>
+                <a:solidFill>
+                  <a:srgbClr val="FF0000"/>
+                </a:solidFill>
+                <a:effectLst>
+                  <a:innerShdw blurRad="69850" dist="43180" dir="5400000">
+                    <a:srgbClr val="000000">
+                      <a:alpha val="65000"/>
+                    </a:srgbClr>
+                  </a:innerShdw>
+                </a:effectLst>
+              </a:rPr>
+              <a:t> hit </a:t>
+            </a:r>
+            <a:r>
+              <a:rPr lang="en-US" sz="2000" b="1" dirty="0" err="1" smtClean="0">
+                <a:ln w="1905"/>
+                <a:solidFill>
+                  <a:srgbClr val="FF0000"/>
+                </a:solidFill>
+                <a:effectLst>
+                  <a:innerShdw blurRad="69850" dist="43180" dir="5400000">
+                    <a:srgbClr val="000000">
+                      <a:alpha val="65000"/>
+                    </a:srgbClr>
+                  </a:innerShdw>
+                </a:effectLst>
+              </a:rPr>
+              <a:t>huva</a:t>
+            </a:r>
+            <a:r>
+              <a:rPr lang="en-US" sz="2000" b="1" dirty="0" smtClean="0">
+                <a:ln w="1905"/>
+                <a:solidFill>
+                  <a:srgbClr val="FF0000"/>
+                </a:solidFill>
+                <a:effectLst>
+                  <a:innerShdw blurRad="69850" dist="43180" dir="5400000">
+                    <a:srgbClr val="000000">
+                      <a:alpha val="65000"/>
+                    </a:srgbClr>
+                  </a:innerShdw>
+                </a:effectLst>
+              </a:rPr>
+              <a:t> h or </a:t>
+            </a:r>
+            <a:r>
+              <a:rPr lang="en-US" sz="2000" b="1" dirty="0" err="1" smtClean="0">
+                <a:ln w="1905"/>
+                <a:solidFill>
+                  <a:srgbClr val="FF0000"/>
+                </a:solidFill>
+                <a:effectLst>
+                  <a:innerShdw blurRad="69850" dist="43180" dir="5400000">
+                    <a:srgbClr val="000000">
+                      <a:alpha val="65000"/>
+                    </a:srgbClr>
+                  </a:innerShdw>
+                </a:effectLst>
+              </a:rPr>
+              <a:t>kitna</a:t>
+            </a:r>
+            <a:r>
+              <a:rPr lang="en-US" sz="2000" b="1" dirty="0" smtClean="0">
+                <a:ln w="1905"/>
+                <a:solidFill>
+                  <a:srgbClr val="FF0000"/>
+                </a:solidFill>
+                <a:effectLst>
+                  <a:innerShdw blurRad="69850" dist="43180" dir="5400000">
+                    <a:srgbClr val="000000">
+                      <a:alpha val="65000"/>
+                    </a:srgbClr>
+                  </a:innerShdw>
+                </a:effectLst>
+              </a:rPr>
+              <a:t> time </a:t>
+            </a:r>
+            <a:r>
+              <a:rPr lang="en-US" sz="2000" b="1" dirty="0" err="1" smtClean="0">
+                <a:ln w="1905"/>
+                <a:solidFill>
+                  <a:srgbClr val="FF0000"/>
+                </a:solidFill>
+                <a:effectLst>
+                  <a:innerShdw blurRad="69850" dist="43180" dir="5400000">
+                    <a:srgbClr val="000000">
+                      <a:alpha val="65000"/>
+                    </a:srgbClr>
+                  </a:innerShdw>
+                </a:effectLst>
+              </a:rPr>
+              <a:t>liya</a:t>
+            </a:r>
+            <a:r>
+              <a:rPr lang="en-US" sz="2000" b="1" dirty="0" smtClean="0">
+                <a:ln w="1905"/>
+                <a:solidFill>
+                  <a:srgbClr val="FF0000"/>
+                </a:solidFill>
+                <a:effectLst>
+                  <a:innerShdw blurRad="69850" dist="43180" dir="5400000">
+                    <a:srgbClr val="000000">
+                      <a:alpha val="65000"/>
+                    </a:srgbClr>
+                  </a:innerShdw>
+                </a:effectLst>
+              </a:rPr>
+              <a:t> h ye </a:t>
+            </a:r>
+            <a:r>
+              <a:rPr lang="en-US" sz="2000" b="1" dirty="0" err="1" smtClean="0">
+                <a:ln w="1905"/>
+                <a:solidFill>
+                  <a:srgbClr val="FF0000"/>
+                </a:solidFill>
+                <a:effectLst>
+                  <a:innerShdw blurRad="69850" dist="43180" dir="5400000">
+                    <a:srgbClr val="000000">
+                      <a:alpha val="65000"/>
+                    </a:srgbClr>
+                  </a:innerShdw>
+                </a:effectLst>
+              </a:rPr>
+              <a:t>sare</a:t>
+            </a:r>
+            <a:r>
+              <a:rPr lang="en-US" sz="2000" b="1" dirty="0" smtClean="0">
+                <a:ln w="1905"/>
+                <a:solidFill>
+                  <a:srgbClr val="FF0000"/>
+                </a:solidFill>
+                <a:effectLst>
+                  <a:innerShdw blurRad="69850" dist="43180" dir="5400000">
+                    <a:srgbClr val="000000">
+                      <a:alpha val="65000"/>
+                    </a:srgbClr>
+                  </a:innerShdw>
+                </a:effectLst>
+              </a:rPr>
+              <a:t> </a:t>
+            </a:r>
+            <a:r>
+              <a:rPr lang="en-US" sz="2000" b="1" dirty="0" err="1" smtClean="0">
+                <a:ln w="1905"/>
+                <a:solidFill>
+                  <a:srgbClr val="FF0000"/>
+                </a:solidFill>
+                <a:effectLst>
+                  <a:innerShdw blurRad="69850" dist="43180" dir="5400000">
+                    <a:srgbClr val="000000">
+                      <a:alpha val="65000"/>
+                    </a:srgbClr>
+                  </a:innerShdw>
+                </a:effectLst>
+              </a:rPr>
+              <a:t>chije</a:t>
+            </a:r>
+            <a:r>
+              <a:rPr lang="en-US" sz="2000" b="1" dirty="0" smtClean="0">
+                <a:ln w="1905"/>
+                <a:solidFill>
+                  <a:srgbClr val="FF0000"/>
+                </a:solidFill>
+                <a:effectLst>
+                  <a:innerShdw blurRad="69850" dist="43180" dir="5400000">
+                    <a:srgbClr val="000000">
+                      <a:alpha val="65000"/>
+                    </a:srgbClr>
+                  </a:innerShdw>
+                </a:effectLst>
+              </a:rPr>
+              <a:t> </a:t>
+            </a:r>
+            <a:r>
+              <a:rPr lang="en-US" sz="2000" b="1" dirty="0" err="1" smtClean="0">
+                <a:ln w="1905"/>
+                <a:solidFill>
+                  <a:srgbClr val="FF0000"/>
+                </a:solidFill>
+                <a:effectLst>
+                  <a:innerShdw blurRad="69850" dist="43180" dir="5400000">
+                    <a:srgbClr val="000000">
+                      <a:alpha val="65000"/>
+                    </a:srgbClr>
+                  </a:innerShdw>
+                </a:effectLst>
+              </a:rPr>
+              <a:t>hame</a:t>
+            </a:r>
+            <a:r>
+              <a:rPr lang="en-US" sz="2000" b="1" dirty="0">
+                <a:ln w="1905"/>
+                <a:solidFill>
+                  <a:srgbClr val="FF0000"/>
+                </a:solidFill>
+                <a:effectLst>
+                  <a:innerShdw blurRad="69850" dist="43180" dir="5400000">
+                    <a:srgbClr val="000000">
+                      <a:alpha val="65000"/>
+                    </a:srgbClr>
+                  </a:innerShdw>
+                </a:effectLst>
+              </a:rPr>
+              <a:t> </a:t>
+            </a:r>
+            <a:r>
+              <a:rPr lang="en-US" sz="2000" b="1" dirty="0" smtClean="0">
+                <a:ln w="1905"/>
+                <a:solidFill>
+                  <a:srgbClr val="FF0000"/>
+                </a:solidFill>
+                <a:effectLst>
+                  <a:innerShdw blurRad="69850" dist="43180" dir="5400000">
+                    <a:srgbClr val="000000">
+                      <a:alpha val="65000"/>
+                    </a:srgbClr>
+                  </a:innerShdw>
+                </a:effectLst>
+              </a:rPr>
+              <a:t>console per </a:t>
+            </a:r>
+            <a:r>
+              <a:rPr lang="en-US" sz="2000" b="1" dirty="0" err="1" smtClean="0">
+                <a:ln w="1905"/>
+                <a:solidFill>
+                  <a:srgbClr val="FF0000"/>
+                </a:solidFill>
+                <a:effectLst>
+                  <a:innerShdw blurRad="69850" dist="43180" dir="5400000">
+                    <a:srgbClr val="000000">
+                      <a:alpha val="65000"/>
+                    </a:srgbClr>
+                  </a:innerShdw>
+                </a:effectLst>
+              </a:rPr>
+              <a:t>dekha</a:t>
+            </a:r>
+            <a:r>
+              <a:rPr lang="en-US" sz="2000" b="1" dirty="0" smtClean="0">
+                <a:ln w="1905"/>
+                <a:solidFill>
+                  <a:srgbClr val="FF0000"/>
+                </a:solidFill>
+                <a:effectLst>
+                  <a:innerShdw blurRad="69850" dist="43180" dir="5400000">
+                    <a:srgbClr val="000000">
+                      <a:alpha val="65000"/>
+                    </a:srgbClr>
+                  </a:innerShdw>
+                </a:effectLst>
+              </a:rPr>
+              <a:t> </a:t>
+            </a:r>
+            <a:r>
+              <a:rPr lang="en-US" sz="2000" b="1" dirty="0" err="1" smtClean="0">
+                <a:ln w="1905"/>
+                <a:solidFill>
+                  <a:srgbClr val="FF0000"/>
+                </a:solidFill>
+                <a:effectLst>
+                  <a:innerShdw blurRad="69850" dist="43180" dir="5400000">
+                    <a:srgbClr val="000000">
+                      <a:alpha val="65000"/>
+                    </a:srgbClr>
+                  </a:innerShdw>
+                </a:effectLst>
+              </a:rPr>
+              <a:t>dega</a:t>
+            </a:r>
+            <a:r>
+              <a:rPr lang="en-US" sz="2000" b="1" dirty="0" smtClean="0">
+                <a:ln w="1905"/>
+                <a:solidFill>
+                  <a:srgbClr val="FF0000"/>
+                </a:solidFill>
+                <a:effectLst>
+                  <a:innerShdw blurRad="69850" dist="43180" dir="5400000">
+                    <a:srgbClr val="000000">
+                      <a:alpha val="65000"/>
+                    </a:srgbClr>
+                  </a:innerShdw>
+                </a:effectLst>
+              </a:rPr>
+              <a:t> </a:t>
+            </a:r>
+            <a:r>
+              <a:rPr lang="en-US" sz="2000" b="1" dirty="0" err="1" smtClean="0">
+                <a:ln w="1905"/>
+                <a:solidFill>
+                  <a:srgbClr val="FF0000"/>
+                </a:solidFill>
+                <a:effectLst>
+                  <a:innerShdw blurRad="69850" dist="43180" dir="5400000">
+                    <a:srgbClr val="000000">
+                      <a:alpha val="65000"/>
+                    </a:srgbClr>
+                  </a:innerShdw>
+                </a:effectLst>
+              </a:rPr>
+              <a:t>thik</a:t>
+            </a:r>
+            <a:r>
+              <a:rPr lang="en-US" sz="2000" b="1" dirty="0" smtClean="0">
+                <a:ln w="1905"/>
+                <a:solidFill>
+                  <a:srgbClr val="FF0000"/>
+                </a:solidFill>
+                <a:effectLst>
+                  <a:innerShdw blurRad="69850" dist="43180" dir="5400000">
+                    <a:srgbClr val="000000">
+                      <a:alpha val="65000"/>
+                    </a:srgbClr>
+                  </a:innerShdw>
+                </a:effectLst>
+              </a:rPr>
+              <a:t> h</a:t>
+            </a:r>
+            <a:endParaRPr lang="en-US" sz="2000" b="1" dirty="0" smtClean="0">
+              <a:ln w="1905"/>
+              <a:solidFill>
+                <a:srgbClr val="FF0000"/>
+              </a:solidFill>
+              <a:effectLst>
+                <a:innerShdw blurRad="69850" dist="43180" dir="5400000">
+                  <a:srgbClr val="000000">
+                    <a:alpha val="65000"/>
+                  </a:srgbClr>
+                </a:innerShdw>
+              </a:effectLst>
+            </a:endParaRPr>
+          </a:p>
+          <a:p>
+            <a:endParaRPr lang="en-US" sz="2000" b="1" dirty="0" smtClean="0">
+              <a:ln w="6600">
+                <a:solidFill>
+                  <a:schemeClr val="accent2"/>
+                </a:solidFill>
+                <a:prstDash val="solid"/>
+              </a:ln>
+              <a:solidFill>
+                <a:srgbClr val="FFFFFF"/>
+              </a:solidFill>
+              <a:effectLst>
+                <a:outerShdw dist="38100" dir="2700000" algn="tl" rotWithShape="0">
+                  <a:schemeClr val="accent2"/>
+                </a:outerShdw>
+              </a:effectLst>
+            </a:endParaRPr>
+          </a:p>
+        </p:txBody>
+      </p:sp>
+    </p:spTree>
+    <p:extLst>
+      <p:ext uri="{BB962C8B-B14F-4D97-AF65-F5344CB8AC3E}">
+        <p14:creationId xmlns:p14="http://schemas.microsoft.com/office/powerpoint/2010/main" val="3751821356"/>
+      </p:ext>
+    </p:extLst>
+  </p:cSld>
+  <p:clrMapOvr>
+    <a:masterClrMapping/>
+  </p:clrMapOvr>
+  <p:timing>
+    <p:tnLst>
+      <p:par>
+        <p:cTn id="1" dur="indefinite" restart="never" nodeType="tmRoot"/>
+      </p:par>
+    </p:tnLst>
+  </p:timing>
+</p:sld>
+</file>
+
+<file path=ppt/slides/slide27.xml><?xml version="1.0" encoding="utf-8"?>
+<p:sld xmlns:a="http://schemas.openxmlformats.org/drawingml/2006/main" xmlns:r="http://schemas.openxmlformats.org/officeDocument/2006/relationships" xmlns:p="http://schemas.openxmlformats.org/presentationml/2006/main">
+  <p:cSld>
+    <p:spTree>
+      <p:nvGrpSpPr>
+        <p:cNvPr id="1" name=""/>
+        <p:cNvGrpSpPr/>
+        <p:nvPr/>
+      </p:nvGrpSpPr>
+      <p:grpSpPr>
+        <a:xfrm>
+          <a:off x="0" y="0"/>
+          <a:ext cx="0" cy="0"/>
+          <a:chOff x="0" y="0"/>
+          <a:chExt cx="0" cy="0"/>
+        </a:xfrm>
+      </p:grpSpPr>
+      <p:sp>
+        <p:nvSpPr>
+          <p:cNvPr id="3" name="Rectangle 2"/>
+          <p:cNvSpPr/>
+          <p:nvPr/>
+        </p:nvSpPr>
+        <p:spPr>
+          <a:xfrm>
+            <a:off x="419030" y="803128"/>
+            <a:ext cx="11353944" cy="5632311"/>
+          </a:xfrm>
+          <a:prstGeom prst="rect">
+            <a:avLst/>
+          </a:prstGeom>
+          <a:solidFill>
+            <a:schemeClr val="bg1"/>
+          </a:solidFill>
+        </p:spPr>
+        <p:txBody>
+          <a:bodyPr wrap="square">
+            <a:spAutoFit/>
+          </a:bodyPr>
+          <a:lstStyle/>
+          <a:p>
+            <a:pPr algn="ctr"/>
+            <a:endParaRPr lang="en-US" b="1" dirty="0" smtClean="0">
+              <a:ln/>
+              <a:solidFill>
+                <a:schemeClr val="accent3"/>
+              </a:solidFill>
+            </a:endParaRPr>
+          </a:p>
+          <a:p>
+            <a:pPr algn="ctr"/>
+            <a:endParaRPr lang="en-US" b="1" dirty="0">
+              <a:ln/>
+              <a:solidFill>
+                <a:schemeClr val="accent3"/>
+              </a:solidFill>
+            </a:endParaRPr>
+          </a:p>
+          <a:p>
+            <a:pPr algn="ctr"/>
+            <a:endParaRPr lang="en-US" b="1" dirty="0" smtClean="0">
+              <a:ln/>
+              <a:solidFill>
+                <a:schemeClr val="accent3"/>
+              </a:solidFill>
+            </a:endParaRPr>
+          </a:p>
+          <a:p>
+            <a:pPr algn="ctr"/>
+            <a:endParaRPr lang="en-US" b="1" dirty="0">
+              <a:ln/>
+              <a:solidFill>
+                <a:schemeClr val="accent3"/>
+              </a:solidFill>
+            </a:endParaRPr>
+          </a:p>
+          <a:p>
+            <a:pPr algn="ctr"/>
+            <a:endParaRPr lang="en-US" b="1" dirty="0" smtClean="0">
+              <a:ln/>
+              <a:solidFill>
+                <a:schemeClr val="accent3"/>
+              </a:solidFill>
+            </a:endParaRPr>
+          </a:p>
+          <a:p>
+            <a:pPr algn="ctr"/>
+            <a:endParaRPr lang="en-US" b="1" dirty="0">
+              <a:ln/>
+              <a:solidFill>
+                <a:schemeClr val="accent3"/>
+              </a:solidFill>
+            </a:endParaRPr>
+          </a:p>
+          <a:p>
+            <a:pPr algn="ctr"/>
+            <a:endParaRPr lang="en-US" b="1" dirty="0" smtClean="0">
+              <a:ln/>
+              <a:solidFill>
+                <a:schemeClr val="accent3"/>
+              </a:solidFill>
+            </a:endParaRPr>
+          </a:p>
+          <a:p>
+            <a:pPr algn="ctr"/>
+            <a:endParaRPr lang="en-US" b="1" dirty="0">
+              <a:ln/>
+              <a:solidFill>
+                <a:schemeClr val="accent3"/>
+              </a:solidFill>
+            </a:endParaRPr>
+          </a:p>
+          <a:p>
+            <a:pPr algn="ctr"/>
+            <a:endParaRPr lang="en-US" b="1" dirty="0" smtClean="0">
+              <a:ln/>
+              <a:solidFill>
+                <a:schemeClr val="accent3"/>
+              </a:solidFill>
+            </a:endParaRPr>
+          </a:p>
+          <a:p>
+            <a:pPr algn="ctr"/>
+            <a:endParaRPr lang="en-US" b="1" dirty="0">
+              <a:ln/>
+              <a:solidFill>
+                <a:schemeClr val="accent3"/>
+              </a:solidFill>
+            </a:endParaRPr>
+          </a:p>
+          <a:p>
+            <a:pPr algn="ctr"/>
+            <a:endParaRPr lang="en-US" b="1" dirty="0" smtClean="0">
+              <a:ln/>
+              <a:solidFill>
+                <a:schemeClr val="accent3"/>
+              </a:solidFill>
+            </a:endParaRPr>
+          </a:p>
+          <a:p>
+            <a:pPr algn="ctr"/>
+            <a:endParaRPr lang="en-US" b="1" dirty="0">
+              <a:ln/>
+              <a:solidFill>
+                <a:schemeClr val="accent3"/>
+              </a:solidFill>
+            </a:endParaRPr>
+          </a:p>
+          <a:p>
+            <a:pPr algn="ctr"/>
+            <a:endParaRPr lang="en-US" b="1" dirty="0" smtClean="0">
+              <a:ln/>
+              <a:solidFill>
+                <a:schemeClr val="accent3"/>
+              </a:solidFill>
+            </a:endParaRPr>
+          </a:p>
+          <a:p>
+            <a:pPr algn="ctr"/>
+            <a:endParaRPr lang="en-US" b="1" dirty="0">
+              <a:ln/>
+              <a:solidFill>
+                <a:schemeClr val="accent3"/>
+              </a:solidFill>
+            </a:endParaRPr>
+          </a:p>
+          <a:p>
+            <a:pPr algn="ctr"/>
+            <a:endParaRPr lang="en-US" b="1" dirty="0" smtClean="0">
+              <a:ln/>
+              <a:solidFill>
+                <a:schemeClr val="accent3"/>
+              </a:solidFill>
+            </a:endParaRPr>
+          </a:p>
+          <a:p>
+            <a:pPr algn="ctr"/>
+            <a:endParaRPr lang="en-US" b="1" dirty="0">
+              <a:ln/>
+              <a:solidFill>
+                <a:schemeClr val="accent3"/>
+              </a:solidFill>
+            </a:endParaRPr>
+          </a:p>
+          <a:p>
+            <a:pPr algn="ctr"/>
+            <a:endParaRPr lang="en-US" b="1" dirty="0" smtClean="0">
+              <a:ln/>
+              <a:solidFill>
+                <a:schemeClr val="accent3"/>
+              </a:solidFill>
+            </a:endParaRPr>
+          </a:p>
+          <a:p>
+            <a:pPr algn="ctr"/>
+            <a:endParaRPr lang="en-US" b="1" dirty="0">
+              <a:ln/>
+              <a:solidFill>
+                <a:schemeClr val="accent3"/>
+              </a:solidFill>
+            </a:endParaRPr>
+          </a:p>
+          <a:p>
+            <a:pPr algn="ctr"/>
+            <a:endParaRPr lang="en-US" b="1" dirty="0" smtClean="0">
+              <a:ln/>
+              <a:solidFill>
+                <a:schemeClr val="accent3"/>
+              </a:solidFill>
+            </a:endParaRPr>
+          </a:p>
+          <a:p>
+            <a:pPr algn="ctr"/>
+            <a:endParaRPr lang="en-IN" b="1" dirty="0">
+              <a:ln/>
+              <a:solidFill>
+                <a:schemeClr val="accent3"/>
+              </a:solidFill>
+            </a:endParaRPr>
+          </a:p>
+        </p:txBody>
+      </p:sp>
+      <p:sp>
+        <p:nvSpPr>
+          <p:cNvPr id="6" name="Rectangle 5">
+            <a:extLst>
+              <a:ext uri="{FF2B5EF4-FFF2-40B4-BE49-F238E27FC236}">
+                <a16:creationId xmlns="" xmlns:a16="http://schemas.microsoft.com/office/drawing/2014/main" id="{27E8D4A3-B686-AB21-9BA3-D4259FCFF046}"/>
+              </a:ext>
+            </a:extLst>
+          </p:cNvPr>
+          <p:cNvSpPr/>
+          <p:nvPr/>
+        </p:nvSpPr>
+        <p:spPr>
+          <a:xfrm>
+            <a:off x="6568729" y="617933"/>
+            <a:ext cx="5204245" cy="646331"/>
+          </a:xfrm>
+          <a:prstGeom prst="rect">
+            <a:avLst/>
+          </a:prstGeom>
+          <a:noFill/>
+        </p:spPr>
+        <p:txBody>
+          <a:bodyPr wrap="none" lIns="91440" tIns="45720" rIns="91440" bIns="45720">
+            <a:spAutoFit/>
+            <a:scene3d>
+              <a:camera prst="orthographicFront"/>
+              <a:lightRig rig="harsh" dir="t"/>
+            </a:scene3d>
+            <a:sp3d extrusionH="57150" prstMaterial="matte">
+              <a:bevelT w="63500" h="12700" prst="angle"/>
+              <a:contourClr>
+                <a:schemeClr val="bg1">
+                  <a:lumMod val="65000"/>
+                </a:schemeClr>
+              </a:contourClr>
+            </a:sp3d>
+          </a:bodyPr>
+          <a:lstStyle/>
+          <a:p>
+            <a:pPr algn="ctr"/>
+            <a:r>
+              <a:rPr lang="en-US" sz="3600" b="1" dirty="0" err="1">
+                <a:ln/>
+                <a:solidFill>
+                  <a:schemeClr val="accent3"/>
+                </a:solidFill>
+              </a:rPr>
+              <a:t>Json</a:t>
+            </a:r>
+            <a:r>
+              <a:rPr lang="en-US" sz="3600" b="1" dirty="0">
+                <a:ln/>
+                <a:solidFill>
+                  <a:schemeClr val="accent3"/>
+                </a:solidFill>
+              </a:rPr>
+              <a:t> Issue and Postman</a:t>
+            </a:r>
+            <a:endParaRPr lang="en-US" sz="3600" b="1" dirty="0">
+              <a:ln/>
+              <a:solidFill>
+                <a:schemeClr val="accent3"/>
+              </a:solidFill>
+            </a:endParaRPr>
+          </a:p>
+        </p:txBody>
+      </p:sp>
+      <p:sp>
+        <p:nvSpPr>
+          <p:cNvPr id="8" name="Rectangle 7">
+            <a:extLst>
+              <a:ext uri="{FF2B5EF4-FFF2-40B4-BE49-F238E27FC236}">
+                <a16:creationId xmlns="" xmlns:a16="http://schemas.microsoft.com/office/drawing/2014/main" id="{27E8D4A3-B686-AB21-9BA3-D4259FCFF046}"/>
+              </a:ext>
+            </a:extLst>
+          </p:cNvPr>
+          <p:cNvSpPr/>
+          <p:nvPr/>
+        </p:nvSpPr>
+        <p:spPr>
+          <a:xfrm>
+            <a:off x="7619466" y="1452082"/>
+            <a:ext cx="4153508" cy="954107"/>
+          </a:xfrm>
+          <a:prstGeom prst="rect">
+            <a:avLst/>
+          </a:prstGeom>
+          <a:noFill/>
+        </p:spPr>
+        <p:txBody>
+          <a:bodyPr wrap="none" lIns="91440" tIns="45720" rIns="91440" bIns="45720">
+            <a:spAutoFit/>
+            <a:scene3d>
+              <a:camera prst="orthographicFront"/>
+              <a:lightRig rig="harsh" dir="t"/>
+            </a:scene3d>
+            <a:sp3d extrusionH="57150" prstMaterial="matte">
+              <a:bevelT w="63500" h="12700" prst="angle"/>
+              <a:contourClr>
+                <a:schemeClr val="bg1">
+                  <a:lumMod val="65000"/>
+                </a:schemeClr>
+              </a:contourClr>
+            </a:sp3d>
+          </a:bodyPr>
+          <a:lstStyle/>
+          <a:p>
+            <a:pPr algn="ctr"/>
+            <a:r>
+              <a:rPr lang="en-US" sz="2800" b="1" dirty="0" smtClean="0">
+                <a:ln/>
+                <a:solidFill>
+                  <a:schemeClr val="accent3"/>
+                </a:solidFill>
+              </a:rPr>
+              <a:t>Is </a:t>
+            </a:r>
+            <a:r>
+              <a:rPr lang="en-US" sz="2800" b="1" dirty="0" err="1" smtClean="0">
+                <a:ln/>
+                <a:solidFill>
+                  <a:schemeClr val="accent3"/>
+                </a:solidFill>
+              </a:rPr>
+              <a:t>tareke</a:t>
+            </a:r>
+            <a:r>
+              <a:rPr lang="en-US" sz="2800" b="1" dirty="0" smtClean="0">
+                <a:ln/>
+                <a:solidFill>
+                  <a:schemeClr val="accent3"/>
+                </a:solidFill>
+              </a:rPr>
+              <a:t> se </a:t>
+            </a:r>
+            <a:r>
+              <a:rPr lang="en-US" sz="2800" b="1" dirty="0" err="1" smtClean="0">
+                <a:ln/>
+                <a:solidFill>
+                  <a:schemeClr val="accent3"/>
+                </a:solidFill>
+              </a:rPr>
+              <a:t>cors</a:t>
+            </a:r>
+            <a:r>
+              <a:rPr lang="en-US" sz="2800" b="1" dirty="0" smtClean="0">
+                <a:ln/>
+                <a:solidFill>
+                  <a:schemeClr val="accent3"/>
+                </a:solidFill>
+              </a:rPr>
+              <a:t> or</a:t>
+            </a:r>
+          </a:p>
+          <a:p>
+            <a:pPr algn="ctr"/>
+            <a:r>
+              <a:rPr lang="en-US" sz="2800" b="1" dirty="0" smtClean="0">
+                <a:ln/>
+                <a:solidFill>
+                  <a:schemeClr val="accent3"/>
+                </a:solidFill>
+              </a:rPr>
+              <a:t> </a:t>
+            </a:r>
+            <a:r>
+              <a:rPr lang="en-US" sz="2800" b="1" dirty="0" err="1" smtClean="0">
+                <a:ln/>
+                <a:solidFill>
+                  <a:schemeClr val="accent3"/>
+                </a:solidFill>
+              </a:rPr>
+              <a:t>morgan</a:t>
+            </a:r>
+            <a:r>
+              <a:rPr lang="en-US" sz="2800" b="1" dirty="0" smtClean="0">
+                <a:ln/>
+                <a:solidFill>
+                  <a:schemeClr val="accent3"/>
+                </a:solidFill>
+              </a:rPr>
+              <a:t> </a:t>
+            </a:r>
+            <a:r>
+              <a:rPr lang="en-US" sz="2800" b="1" dirty="0" err="1" smtClean="0">
+                <a:ln/>
+                <a:solidFill>
+                  <a:schemeClr val="accent3"/>
+                </a:solidFill>
+              </a:rPr>
+              <a:t>ko</a:t>
+            </a:r>
+            <a:r>
+              <a:rPr lang="en-US" sz="2800" b="1" dirty="0" smtClean="0">
+                <a:ln/>
+                <a:solidFill>
+                  <a:schemeClr val="accent3"/>
+                </a:solidFill>
+              </a:rPr>
+              <a:t> use </a:t>
+            </a:r>
+            <a:r>
+              <a:rPr lang="en-US" sz="2800" b="1" dirty="0" err="1" smtClean="0">
+                <a:ln/>
+                <a:solidFill>
+                  <a:schemeClr val="accent3"/>
+                </a:solidFill>
+              </a:rPr>
+              <a:t>karegay</a:t>
+            </a:r>
+            <a:endParaRPr lang="en-US" sz="2800" b="1" dirty="0">
+              <a:ln/>
+              <a:solidFill>
+                <a:schemeClr val="accent3"/>
+              </a:solidFill>
+            </a:endParaRPr>
+          </a:p>
+        </p:txBody>
+      </p:sp>
+      <p:pic>
+        <p:nvPicPr>
+          <p:cNvPr id="2" name="Picture 1"/>
+          <p:cNvPicPr>
+            <a:picLocks noChangeAspect="1"/>
+          </p:cNvPicPr>
+          <p:nvPr/>
+        </p:nvPicPr>
+        <p:blipFill>
+          <a:blip r:embed="rId2">
+            <a:extLst>
+              <a:ext uri="{28A0092B-C50C-407E-A947-70E740481C1C}">
+                <a14:useLocalDpi xmlns:a14="http://schemas.microsoft.com/office/drawing/2010/main" val="0"/>
+              </a:ext>
+            </a:extLst>
+          </a:blip>
+          <a:stretch>
+            <a:fillRect/>
+          </a:stretch>
+        </p:blipFill>
+        <p:spPr>
+          <a:xfrm>
+            <a:off x="0" y="1289068"/>
+            <a:ext cx="7749993" cy="5568932"/>
+          </a:xfrm>
+          <a:prstGeom prst="rect">
+            <a:avLst/>
+          </a:prstGeom>
+        </p:spPr>
+      </p:pic>
+      <p:pic>
+        <p:nvPicPr>
+          <p:cNvPr id="4" name="Picture 3"/>
+          <p:cNvPicPr>
+            <a:picLocks noChangeAspect="1"/>
+          </p:cNvPicPr>
+          <p:nvPr/>
+        </p:nvPicPr>
+        <p:blipFill>
+          <a:blip r:embed="rId3" cstate="print">
+            <a:extLst>
+              <a:ext uri="{28A0092B-C50C-407E-A947-70E740481C1C}">
+                <a14:useLocalDpi xmlns:a14="http://schemas.microsoft.com/office/drawing/2010/main" val="0"/>
+              </a:ext>
+            </a:extLst>
+          </a:blip>
+          <a:stretch>
+            <a:fillRect/>
+          </a:stretch>
+        </p:blipFill>
+        <p:spPr>
+          <a:xfrm>
+            <a:off x="7749993" y="5077911"/>
+            <a:ext cx="4460500" cy="1780089"/>
+          </a:xfrm>
+          <a:prstGeom prst="rect">
+            <a:avLst/>
+          </a:prstGeom>
+        </p:spPr>
+      </p:pic>
+    </p:spTree>
+    <p:extLst>
+      <p:ext uri="{BB962C8B-B14F-4D97-AF65-F5344CB8AC3E}">
+        <p14:creationId xmlns:p14="http://schemas.microsoft.com/office/powerpoint/2010/main" val="2335104929"/>
+      </p:ext>
+    </p:extLst>
+  </p:cSld>
+  <p:clrMapOvr>
+    <a:masterClrMapping/>
+  </p:clrMapOvr>
+  <p:timing>
+    <p:tnLst>
+      <p:par>
+        <p:cTn id="1" dur="indefinite" restart="never" nodeType="tmRoot"/>
+      </p:par>
+    </p:tnLst>
+  </p:timing>
+</p:sld>
+</file>
+
 <file path=ppt/slides/slide3.xml><?xml version="1.0" encoding="utf-8"?>
 <p:sld xmlns:a="http://schemas.openxmlformats.org/drawingml/2006/main" xmlns:r="http://schemas.openxmlformats.org/officeDocument/2006/relationships" xmlns:p="http://schemas.openxmlformats.org/presentationml/2006/main">
   <p:cSld>
